--- a/user-engagement/dsa-presentation.pptx
+++ b/user-engagement/dsa-presentation.pptx
@@ -11,6 +11,7 @@
     <p:sldId id="259" r:id="rId5"/>
     <p:sldId id="257" r:id="rId6"/>
     <p:sldId id="260" r:id="rId7"/>
+    <p:sldId id="262" r:id="rId8"/>
   </p:sldIdLst>
   <p:sldSz cx="12192000" cy="6858000"/>
   <p:notesSz cx="6858000" cy="9144000"/>
@@ -109,6 +110,11 @@
       </a:defRPr>
     </a:lvl9pPr>
   </p:defaultTextStyle>
+  <p:extLst>
+    <p:ext uri="{EFAFB233-063F-42B5-8137-9DF3F51BA10A}">
+      <p15:sldGuideLst xmlns:p15="http://schemas.microsoft.com/office/powerpoint/2012/main"/>
+    </p:ext>
+  </p:extLst>
 </p:presentation>
 </file>
 
@@ -261,7 +267,7 @@
           <a:p>
             <a:fld id="{9A2B8767-FE38-44DC-83D7-19AB33F098DC}" type="datetimeFigureOut">
               <a:rPr lang="en-GB" smtClean="0"/>
-              <a:t>25/06/2021</a:t>
+              <a:t>29/06/2021</a:t>
             </a:fld>
             <a:endParaRPr lang="en-GB"/>
           </a:p>
@@ -461,7 +467,7 @@
           <a:p>
             <a:fld id="{9A2B8767-FE38-44DC-83D7-19AB33F098DC}" type="datetimeFigureOut">
               <a:rPr lang="en-GB" smtClean="0"/>
-              <a:t>25/06/2021</a:t>
+              <a:t>29/06/2021</a:t>
             </a:fld>
             <a:endParaRPr lang="en-GB"/>
           </a:p>
@@ -671,7 +677,7 @@
           <a:p>
             <a:fld id="{9A2B8767-FE38-44DC-83D7-19AB33F098DC}" type="datetimeFigureOut">
               <a:rPr lang="en-GB" smtClean="0"/>
-              <a:t>25/06/2021</a:t>
+              <a:t>29/06/2021</a:t>
             </a:fld>
             <a:endParaRPr lang="en-GB"/>
           </a:p>
@@ -871,7 +877,7 @@
           <a:p>
             <a:fld id="{9A2B8767-FE38-44DC-83D7-19AB33F098DC}" type="datetimeFigureOut">
               <a:rPr lang="en-GB" smtClean="0"/>
-              <a:t>25/06/2021</a:t>
+              <a:t>29/06/2021</a:t>
             </a:fld>
             <a:endParaRPr lang="en-GB"/>
           </a:p>
@@ -1147,7 +1153,7 @@
           <a:p>
             <a:fld id="{9A2B8767-FE38-44DC-83D7-19AB33F098DC}" type="datetimeFigureOut">
               <a:rPr lang="en-GB" smtClean="0"/>
-              <a:t>25/06/2021</a:t>
+              <a:t>29/06/2021</a:t>
             </a:fld>
             <a:endParaRPr lang="en-GB"/>
           </a:p>
@@ -1415,7 +1421,7 @@
           <a:p>
             <a:fld id="{9A2B8767-FE38-44DC-83D7-19AB33F098DC}" type="datetimeFigureOut">
               <a:rPr lang="en-GB" smtClean="0"/>
-              <a:t>25/06/2021</a:t>
+              <a:t>29/06/2021</a:t>
             </a:fld>
             <a:endParaRPr lang="en-GB"/>
           </a:p>
@@ -1830,7 +1836,7 @@
           <a:p>
             <a:fld id="{9A2B8767-FE38-44DC-83D7-19AB33F098DC}" type="datetimeFigureOut">
               <a:rPr lang="en-GB" smtClean="0"/>
-              <a:t>25/06/2021</a:t>
+              <a:t>29/06/2021</a:t>
             </a:fld>
             <a:endParaRPr lang="en-GB"/>
           </a:p>
@@ -1972,7 +1978,7 @@
           <a:p>
             <a:fld id="{9A2B8767-FE38-44DC-83D7-19AB33F098DC}" type="datetimeFigureOut">
               <a:rPr lang="en-GB" smtClean="0"/>
-              <a:t>25/06/2021</a:t>
+              <a:t>29/06/2021</a:t>
             </a:fld>
             <a:endParaRPr lang="en-GB"/>
           </a:p>
@@ -2085,7 +2091,7 @@
           <a:p>
             <a:fld id="{9A2B8767-FE38-44DC-83D7-19AB33F098DC}" type="datetimeFigureOut">
               <a:rPr lang="en-GB" smtClean="0"/>
-              <a:t>25/06/2021</a:t>
+              <a:t>29/06/2021</a:t>
             </a:fld>
             <a:endParaRPr lang="en-GB"/>
           </a:p>
@@ -2398,7 +2404,7 @@
           <a:p>
             <a:fld id="{9A2B8767-FE38-44DC-83D7-19AB33F098DC}" type="datetimeFigureOut">
               <a:rPr lang="en-GB" smtClean="0"/>
-              <a:t>25/06/2021</a:t>
+              <a:t>29/06/2021</a:t>
             </a:fld>
             <a:endParaRPr lang="en-GB"/>
           </a:p>
@@ -2687,7 +2693,7 @@
           <a:p>
             <a:fld id="{9A2B8767-FE38-44DC-83D7-19AB33F098DC}" type="datetimeFigureOut">
               <a:rPr lang="en-GB" smtClean="0"/>
-              <a:t>25/06/2021</a:t>
+              <a:t>29/06/2021</a:t>
             </a:fld>
             <a:endParaRPr lang="en-GB"/>
           </a:p>
@@ -2930,7 +2936,7 @@
           <a:p>
             <a:fld id="{9A2B8767-FE38-44DC-83D7-19AB33F098DC}" type="datetimeFigureOut">
               <a:rPr lang="en-GB" smtClean="0"/>
-              <a:t>25/06/2021</a:t>
+              <a:t>29/06/2021</a:t>
             </a:fld>
             <a:endParaRPr lang="en-GB"/>
           </a:p>
@@ -3923,6 +3929,116 @@
 </p:sld>
 </file>
 
+<file path=ppt/slides/slide7.xml><?xml version="1.0" encoding="utf-8"?>
+<p:sld xmlns:a="http://schemas.openxmlformats.org/drawingml/2006/main" xmlns:r="http://schemas.openxmlformats.org/officeDocument/2006/relationships" xmlns:p="http://schemas.openxmlformats.org/presentationml/2006/main">
+  <p:cSld>
+    <p:spTree>
+      <p:nvGrpSpPr>
+        <p:cNvPr id="1" name=""/>
+        <p:cNvGrpSpPr/>
+        <p:nvPr/>
+      </p:nvGrpSpPr>
+      <p:grpSpPr>
+        <a:xfrm>
+          <a:off x="0" y="0"/>
+          <a:ext cx="0" cy="0"/>
+          <a:chOff x="0" y="0"/>
+          <a:chExt cx="0" cy="0"/>
+        </a:xfrm>
+      </p:grpSpPr>
+      <p:sp>
+        <p:nvSpPr>
+          <p:cNvPr id="2" name="Title 1">
+            <a:extLst>
+              <a:ext uri="{FF2B5EF4-FFF2-40B4-BE49-F238E27FC236}">
+                <a16:creationId xmlns:a16="http://schemas.microsoft.com/office/drawing/2014/main" id="{4CD4E70A-B4CB-4A58-B3CA-76E46B510930}"/>
+              </a:ext>
+            </a:extLst>
+          </p:cNvPr>
+          <p:cNvSpPr>
+            <a:spLocks noGrp="1"/>
+          </p:cNvSpPr>
+          <p:nvPr>
+            <p:ph type="title"/>
+          </p:nvPr>
+        </p:nvSpPr>
+        <p:spPr/>
+        <p:txBody>
+          <a:bodyPr/>
+          <a:lstStyle/>
+          <a:p>
+            <a:endParaRPr lang="en-GB"/>
+          </a:p>
+        </p:txBody>
+      </p:sp>
+      <p:sp>
+        <p:nvSpPr>
+          <p:cNvPr id="3" name="Content Placeholder 2">
+            <a:extLst>
+              <a:ext uri="{FF2B5EF4-FFF2-40B4-BE49-F238E27FC236}">
+                <a16:creationId xmlns:a16="http://schemas.microsoft.com/office/drawing/2014/main" id="{76EEE76F-42F0-403F-A797-4C23BC15B4EB}"/>
+              </a:ext>
+            </a:extLst>
+          </p:cNvPr>
+          <p:cNvSpPr>
+            <a:spLocks noGrp="1"/>
+          </p:cNvSpPr>
+          <p:nvPr>
+            <p:ph idx="1"/>
+          </p:nvPr>
+        </p:nvSpPr>
+        <p:spPr/>
+        <p:txBody>
+          <a:bodyPr/>
+          <a:lstStyle/>
+          <a:p>
+            <a:pPr marL="285750" indent="-285750">
+              <a:buFontTx/>
+              <a:buChar char="-"/>
+            </a:pPr>
+            <a:r>
+              <a:rPr lang="en-GB" sz="2000" dirty="0"/>
+              <a:t>More technical audience (Graduation event)</a:t>
+            </a:r>
+          </a:p>
+          <a:p>
+            <a:pPr marL="742950" lvl="1" indent="-285750">
+              <a:buFontTx/>
+              <a:buChar char="-"/>
+            </a:pPr>
+            <a:r>
+              <a:rPr lang="en-GB" sz="2000" dirty="0"/>
+              <a:t>rewriting code to be more modular/functional, re-using it</a:t>
+            </a:r>
+          </a:p>
+          <a:p>
+            <a:pPr marL="742950" lvl="1" indent="-285750">
+              <a:buFontTx/>
+              <a:buChar char="-"/>
+            </a:pPr>
+            <a:r>
+              <a:rPr lang="en-GB" sz="2000" dirty="0"/>
+              <a:t>Usage of git</a:t>
+            </a:r>
+          </a:p>
+          <a:p>
+            <a:endParaRPr lang="en-GB" dirty="0"/>
+          </a:p>
+        </p:txBody>
+      </p:sp>
+    </p:spTree>
+    <p:extLst>
+      <p:ext uri="{BB962C8B-B14F-4D97-AF65-F5344CB8AC3E}">
+        <p14:creationId xmlns:p14="http://schemas.microsoft.com/office/powerpoint/2010/main" val="3161158733"/>
+      </p:ext>
+    </p:extLst>
+  </p:cSld>
+  <p:clrMapOvr>
+    <a:masterClrMapping/>
+  </p:clrMapOvr>
+</p:sld>
+</file>
+
 <file path=ppt/theme/theme1.xml><?xml version="1.0" encoding="utf-8"?>
 <a:theme xmlns:a="http://schemas.openxmlformats.org/drawingml/2006/main" name="Office Theme">
   <a:themeElements>

--- a/user-engagement/dsa-presentation.pptx
+++ b/user-engagement/dsa-presentation.pptx
@@ -267,7 +267,7 @@
           <a:p>
             <a:fld id="{9A2B8767-FE38-44DC-83D7-19AB33F098DC}" type="datetimeFigureOut">
               <a:rPr lang="en-GB" smtClean="0"/>
-              <a:t>29/06/2021</a:t>
+              <a:t>01/07/2021</a:t>
             </a:fld>
             <a:endParaRPr lang="en-GB"/>
           </a:p>
@@ -467,7 +467,7 @@
           <a:p>
             <a:fld id="{9A2B8767-FE38-44DC-83D7-19AB33F098DC}" type="datetimeFigureOut">
               <a:rPr lang="en-GB" smtClean="0"/>
-              <a:t>29/06/2021</a:t>
+              <a:t>01/07/2021</a:t>
             </a:fld>
             <a:endParaRPr lang="en-GB"/>
           </a:p>
@@ -677,7 +677,7 @@
           <a:p>
             <a:fld id="{9A2B8767-FE38-44DC-83D7-19AB33F098DC}" type="datetimeFigureOut">
               <a:rPr lang="en-GB" smtClean="0"/>
-              <a:t>29/06/2021</a:t>
+              <a:t>01/07/2021</a:t>
             </a:fld>
             <a:endParaRPr lang="en-GB"/>
           </a:p>
@@ -877,7 +877,7 @@
           <a:p>
             <a:fld id="{9A2B8767-FE38-44DC-83D7-19AB33F098DC}" type="datetimeFigureOut">
               <a:rPr lang="en-GB" smtClean="0"/>
-              <a:t>29/06/2021</a:t>
+              <a:t>01/07/2021</a:t>
             </a:fld>
             <a:endParaRPr lang="en-GB"/>
           </a:p>
@@ -1153,7 +1153,7 @@
           <a:p>
             <a:fld id="{9A2B8767-FE38-44DC-83D7-19AB33F098DC}" type="datetimeFigureOut">
               <a:rPr lang="en-GB" smtClean="0"/>
-              <a:t>29/06/2021</a:t>
+              <a:t>01/07/2021</a:t>
             </a:fld>
             <a:endParaRPr lang="en-GB"/>
           </a:p>
@@ -1421,7 +1421,7 @@
           <a:p>
             <a:fld id="{9A2B8767-FE38-44DC-83D7-19AB33F098DC}" type="datetimeFigureOut">
               <a:rPr lang="en-GB" smtClean="0"/>
-              <a:t>29/06/2021</a:t>
+              <a:t>01/07/2021</a:t>
             </a:fld>
             <a:endParaRPr lang="en-GB"/>
           </a:p>
@@ -1836,7 +1836,7 @@
           <a:p>
             <a:fld id="{9A2B8767-FE38-44DC-83D7-19AB33F098DC}" type="datetimeFigureOut">
               <a:rPr lang="en-GB" smtClean="0"/>
-              <a:t>29/06/2021</a:t>
+              <a:t>01/07/2021</a:t>
             </a:fld>
             <a:endParaRPr lang="en-GB"/>
           </a:p>
@@ -1978,7 +1978,7 @@
           <a:p>
             <a:fld id="{9A2B8767-FE38-44DC-83D7-19AB33F098DC}" type="datetimeFigureOut">
               <a:rPr lang="en-GB" smtClean="0"/>
-              <a:t>29/06/2021</a:t>
+              <a:t>01/07/2021</a:t>
             </a:fld>
             <a:endParaRPr lang="en-GB"/>
           </a:p>
@@ -2091,7 +2091,7 @@
           <a:p>
             <a:fld id="{9A2B8767-FE38-44DC-83D7-19AB33F098DC}" type="datetimeFigureOut">
               <a:rPr lang="en-GB" smtClean="0"/>
-              <a:t>29/06/2021</a:t>
+              <a:t>01/07/2021</a:t>
             </a:fld>
             <a:endParaRPr lang="en-GB"/>
           </a:p>
@@ -2404,7 +2404,7 @@
           <a:p>
             <a:fld id="{9A2B8767-FE38-44DC-83D7-19AB33F098DC}" type="datetimeFigureOut">
               <a:rPr lang="en-GB" smtClean="0"/>
-              <a:t>29/06/2021</a:t>
+              <a:t>01/07/2021</a:t>
             </a:fld>
             <a:endParaRPr lang="en-GB"/>
           </a:p>
@@ -2693,7 +2693,7 @@
           <a:p>
             <a:fld id="{9A2B8767-FE38-44DC-83D7-19AB33F098DC}" type="datetimeFigureOut">
               <a:rPr lang="en-GB" smtClean="0"/>
-              <a:t>29/06/2021</a:t>
+              <a:t>01/07/2021</a:t>
             </a:fld>
             <a:endParaRPr lang="en-GB"/>
           </a:p>
@@ -2936,7 +2936,7 @@
           <a:p>
             <a:fld id="{9A2B8767-FE38-44DC-83D7-19AB33F098DC}" type="datetimeFigureOut">
               <a:rPr lang="en-GB" smtClean="0"/>
-              <a:t>29/06/2021</a:t>
+              <a:t>01/07/2021</a:t>
             </a:fld>
             <a:endParaRPr lang="en-GB"/>
           </a:p>
@@ -3440,7 +3440,10 @@
           <a:bodyPr/>
           <a:lstStyle/>
           <a:p>
-            <a:endParaRPr lang="en-GB"/>
+            <a:r>
+              <a:rPr lang="en-GB" dirty="0"/>
+              <a:t>Pascal to Python</a:t>
+            </a:r>
           </a:p>
         </p:txBody>
       </p:sp>
@@ -3483,6 +3486,36 @@
           </a:p>
         </p:txBody>
       </p:sp>
+      <p:pic>
+        <p:nvPicPr>
+          <p:cNvPr id="4" name="Picture 3">
+            <a:extLst>
+              <a:ext uri="{FF2B5EF4-FFF2-40B4-BE49-F238E27FC236}">
+                <a16:creationId xmlns:a16="http://schemas.microsoft.com/office/drawing/2014/main" id="{8208C96C-C5AE-48CA-BAF1-B9AEA5E40024}"/>
+              </a:ext>
+            </a:extLst>
+          </p:cNvPr>
+          <p:cNvPicPr>
+            <a:picLocks noChangeAspect="1"/>
+          </p:cNvPicPr>
+          <p:nvPr/>
+        </p:nvPicPr>
+        <p:blipFill>
+          <a:blip r:embed="rId2"/>
+          <a:stretch>
+            <a:fillRect/>
+          </a:stretch>
+        </p:blipFill>
+        <p:spPr>
+          <a:xfrm>
+            <a:off x="6764694" y="2597958"/>
+            <a:ext cx="4430834" cy="3579005"/>
+          </a:xfrm>
+          <a:prstGeom prst="rect">
+            <a:avLst/>
+          </a:prstGeom>
+        </p:spPr>
+      </p:pic>
     </p:spTree>
     <p:extLst>
       <p:ext uri="{BB962C8B-B14F-4D97-AF65-F5344CB8AC3E}">

--- a/user-engagement/dsa-presentation.pptx
+++ b/user-engagement/dsa-presentation.pptx
@@ -3,15 +3,22 @@
 <p:presentation xmlns:a="http://schemas.openxmlformats.org/drawingml/2006/main" xmlns:r="http://schemas.openxmlformats.org/officeDocument/2006/relationships" xmlns:p="http://schemas.openxmlformats.org/presentationml/2006/main" saveSubsetFonts="1">
   <p:sldMasterIdLst>
     <p:sldMasterId id="2147483648" r:id="rId1"/>
+    <p:sldMasterId id="2147483660" r:id="rId2"/>
   </p:sldMasterIdLst>
+  <p:notesMasterIdLst>
+    <p:notesMasterId r:id="rId13"/>
+  </p:notesMasterIdLst>
   <p:sldIdLst>
-    <p:sldId id="256" r:id="rId2"/>
-    <p:sldId id="261" r:id="rId3"/>
-    <p:sldId id="258" r:id="rId4"/>
-    <p:sldId id="259" r:id="rId5"/>
-    <p:sldId id="257" r:id="rId6"/>
-    <p:sldId id="260" r:id="rId7"/>
-    <p:sldId id="262" r:id="rId8"/>
+    <p:sldId id="417" r:id="rId3"/>
+    <p:sldId id="418" r:id="rId4"/>
+    <p:sldId id="425" r:id="rId5"/>
+    <p:sldId id="426" r:id="rId6"/>
+    <p:sldId id="429" r:id="rId7"/>
+    <p:sldId id="421" r:id="rId8"/>
+    <p:sldId id="427" r:id="rId9"/>
+    <p:sldId id="422" r:id="rId10"/>
+    <p:sldId id="261" r:id="rId11"/>
+    <p:sldId id="260" r:id="rId12"/>
   </p:sldIdLst>
   <p:sldSz cx="12192000" cy="6858000"/>
   <p:notesSz cx="6858000" cy="9144000"/>
@@ -118,6 +125,1552 @@
 </p:presentation>
 </file>
 
+<file path=ppt/notesMasters/notesMaster1.xml><?xml version="1.0" encoding="utf-8"?>
+<p:notesMaster xmlns:a="http://schemas.openxmlformats.org/drawingml/2006/main" xmlns:r="http://schemas.openxmlformats.org/officeDocument/2006/relationships" xmlns:p="http://schemas.openxmlformats.org/presentationml/2006/main">
+  <p:cSld>
+    <p:bg>
+      <p:bgRef idx="1001">
+        <a:schemeClr val="bg1"/>
+      </p:bgRef>
+    </p:bg>
+    <p:spTree>
+      <p:nvGrpSpPr>
+        <p:cNvPr id="1" name=""/>
+        <p:cNvGrpSpPr/>
+        <p:nvPr/>
+      </p:nvGrpSpPr>
+      <p:grpSpPr>
+        <a:xfrm>
+          <a:off x="0" y="0"/>
+          <a:ext cx="0" cy="0"/>
+          <a:chOff x="0" y="0"/>
+          <a:chExt cx="0" cy="0"/>
+        </a:xfrm>
+      </p:grpSpPr>
+      <p:sp>
+        <p:nvSpPr>
+          <p:cNvPr id="2" name="Header Placeholder 1"/>
+          <p:cNvSpPr>
+            <a:spLocks noGrp="1"/>
+          </p:cNvSpPr>
+          <p:nvPr>
+            <p:ph type="hdr" sz="quarter"/>
+          </p:nvPr>
+        </p:nvSpPr>
+        <p:spPr>
+          <a:xfrm>
+            <a:off x="0" y="0"/>
+            <a:ext cx="2971800" cy="458788"/>
+          </a:xfrm>
+          <a:prstGeom prst="rect">
+            <a:avLst/>
+          </a:prstGeom>
+        </p:spPr>
+        <p:txBody>
+          <a:bodyPr vert="horz" lIns="91440" tIns="45720" rIns="91440" bIns="45720" rtlCol="0"/>
+          <a:lstStyle>
+            <a:lvl1pPr algn="l">
+              <a:defRPr sz="1200"/>
+            </a:lvl1pPr>
+          </a:lstStyle>
+          <a:p>
+            <a:endParaRPr lang="en-GB"/>
+          </a:p>
+        </p:txBody>
+      </p:sp>
+      <p:sp>
+        <p:nvSpPr>
+          <p:cNvPr id="3" name="Date Placeholder 2"/>
+          <p:cNvSpPr>
+            <a:spLocks noGrp="1"/>
+          </p:cNvSpPr>
+          <p:nvPr>
+            <p:ph type="dt" idx="1"/>
+          </p:nvPr>
+        </p:nvSpPr>
+        <p:spPr>
+          <a:xfrm>
+            <a:off x="3884613" y="0"/>
+            <a:ext cx="2971800" cy="458788"/>
+          </a:xfrm>
+          <a:prstGeom prst="rect">
+            <a:avLst/>
+          </a:prstGeom>
+        </p:spPr>
+        <p:txBody>
+          <a:bodyPr vert="horz" lIns="91440" tIns="45720" rIns="91440" bIns="45720" rtlCol="0"/>
+          <a:lstStyle>
+            <a:lvl1pPr algn="r">
+              <a:defRPr sz="1200"/>
+            </a:lvl1pPr>
+          </a:lstStyle>
+          <a:p>
+            <a:fld id="{94DF1D53-A775-4F01-BB08-6DCC3B47CB2E}" type="datetimeFigureOut">
+              <a:rPr lang="en-GB" smtClean="0"/>
+              <a:t>05/07/2021</a:t>
+            </a:fld>
+            <a:endParaRPr lang="en-GB"/>
+          </a:p>
+        </p:txBody>
+      </p:sp>
+      <p:sp>
+        <p:nvSpPr>
+          <p:cNvPr id="4" name="Slide Image Placeholder 3"/>
+          <p:cNvSpPr>
+            <a:spLocks noGrp="1" noRot="1" noChangeAspect="1"/>
+          </p:cNvSpPr>
+          <p:nvPr>
+            <p:ph type="sldImg" idx="2"/>
+          </p:nvPr>
+        </p:nvSpPr>
+        <p:spPr>
+          <a:xfrm>
+            <a:off x="685800" y="1143000"/>
+            <a:ext cx="5486400" cy="3086100"/>
+          </a:xfrm>
+          <a:prstGeom prst="rect">
+            <a:avLst/>
+          </a:prstGeom>
+          <a:noFill/>
+          <a:ln w="12700">
+            <a:solidFill>
+              <a:prstClr val="black"/>
+            </a:solidFill>
+          </a:ln>
+        </p:spPr>
+        <p:txBody>
+          <a:bodyPr vert="horz" lIns="91440" tIns="45720" rIns="91440" bIns="45720" rtlCol="0" anchor="ctr"/>
+          <a:lstStyle/>
+          <a:p>
+            <a:endParaRPr lang="en-GB"/>
+          </a:p>
+        </p:txBody>
+      </p:sp>
+      <p:sp>
+        <p:nvSpPr>
+          <p:cNvPr id="5" name="Notes Placeholder 4"/>
+          <p:cNvSpPr>
+            <a:spLocks noGrp="1"/>
+          </p:cNvSpPr>
+          <p:nvPr>
+            <p:ph type="body" sz="quarter" idx="3"/>
+          </p:nvPr>
+        </p:nvSpPr>
+        <p:spPr>
+          <a:xfrm>
+            <a:off x="685800" y="4400550"/>
+            <a:ext cx="5486400" cy="3600450"/>
+          </a:xfrm>
+          <a:prstGeom prst="rect">
+            <a:avLst/>
+          </a:prstGeom>
+        </p:spPr>
+        <p:txBody>
+          <a:bodyPr vert="horz" lIns="91440" tIns="45720" rIns="91440" bIns="45720" rtlCol="0"/>
+          <a:lstStyle/>
+          <a:p>
+            <a:pPr lvl="0"/>
+            <a:r>
+              <a:rPr lang="en-US"/>
+              <a:t>Click to edit Master text styles</a:t>
+            </a:r>
+          </a:p>
+          <a:p>
+            <a:pPr lvl="1"/>
+            <a:r>
+              <a:rPr lang="en-US"/>
+              <a:t>Second level</a:t>
+            </a:r>
+          </a:p>
+          <a:p>
+            <a:pPr lvl="2"/>
+            <a:r>
+              <a:rPr lang="en-US"/>
+              <a:t>Third level</a:t>
+            </a:r>
+          </a:p>
+          <a:p>
+            <a:pPr lvl="3"/>
+            <a:r>
+              <a:rPr lang="en-US"/>
+              <a:t>Fourth level</a:t>
+            </a:r>
+          </a:p>
+          <a:p>
+            <a:pPr lvl="4"/>
+            <a:r>
+              <a:rPr lang="en-US"/>
+              <a:t>Fifth level</a:t>
+            </a:r>
+            <a:endParaRPr lang="en-GB"/>
+          </a:p>
+        </p:txBody>
+      </p:sp>
+      <p:sp>
+        <p:nvSpPr>
+          <p:cNvPr id="6" name="Footer Placeholder 5"/>
+          <p:cNvSpPr>
+            <a:spLocks noGrp="1"/>
+          </p:cNvSpPr>
+          <p:nvPr>
+            <p:ph type="ftr" sz="quarter" idx="4"/>
+          </p:nvPr>
+        </p:nvSpPr>
+        <p:spPr>
+          <a:xfrm>
+            <a:off x="0" y="8685213"/>
+            <a:ext cx="2971800" cy="458787"/>
+          </a:xfrm>
+          <a:prstGeom prst="rect">
+            <a:avLst/>
+          </a:prstGeom>
+        </p:spPr>
+        <p:txBody>
+          <a:bodyPr vert="horz" lIns="91440" tIns="45720" rIns="91440" bIns="45720" rtlCol="0" anchor="b"/>
+          <a:lstStyle>
+            <a:lvl1pPr algn="l">
+              <a:defRPr sz="1200"/>
+            </a:lvl1pPr>
+          </a:lstStyle>
+          <a:p>
+            <a:endParaRPr lang="en-GB"/>
+          </a:p>
+        </p:txBody>
+      </p:sp>
+      <p:sp>
+        <p:nvSpPr>
+          <p:cNvPr id="7" name="Slide Number Placeholder 6"/>
+          <p:cNvSpPr>
+            <a:spLocks noGrp="1"/>
+          </p:cNvSpPr>
+          <p:nvPr>
+            <p:ph type="sldNum" sz="quarter" idx="5"/>
+          </p:nvPr>
+        </p:nvSpPr>
+        <p:spPr>
+          <a:xfrm>
+            <a:off x="3884613" y="8685213"/>
+            <a:ext cx="2971800" cy="458787"/>
+          </a:xfrm>
+          <a:prstGeom prst="rect">
+            <a:avLst/>
+          </a:prstGeom>
+        </p:spPr>
+        <p:txBody>
+          <a:bodyPr vert="horz" lIns="91440" tIns="45720" rIns="91440" bIns="45720" rtlCol="0" anchor="b"/>
+          <a:lstStyle>
+            <a:lvl1pPr algn="r">
+              <a:defRPr sz="1200"/>
+            </a:lvl1pPr>
+          </a:lstStyle>
+          <a:p>
+            <a:fld id="{A5F3EF58-C479-4CC2-AAA9-B35D2CD45354}" type="slidenum">
+              <a:rPr lang="en-GB" smtClean="0"/>
+              <a:t>‹#›</a:t>
+            </a:fld>
+            <a:endParaRPr lang="en-GB"/>
+          </a:p>
+        </p:txBody>
+      </p:sp>
+    </p:spTree>
+    <p:extLst>
+      <p:ext uri="{BB962C8B-B14F-4D97-AF65-F5344CB8AC3E}">
+        <p14:creationId xmlns:p14="http://schemas.microsoft.com/office/powerpoint/2010/main" val="2608184912"/>
+      </p:ext>
+    </p:extLst>
+  </p:cSld>
+  <p:clrMap bg1="lt1" tx1="dk1" bg2="lt2" tx2="dk2" accent1="accent1" accent2="accent2" accent3="accent3" accent4="accent4" accent5="accent5" accent6="accent6" hlink="hlink" folHlink="folHlink"/>
+  <p:notesStyle>
+    <a:lvl1pPr marL="0" algn="l" defTabSz="914400" rtl="0" eaLnBrk="1" latinLnBrk="0" hangingPunct="1">
+      <a:defRPr sz="1200" kern="1200">
+        <a:solidFill>
+          <a:schemeClr val="tx1"/>
+        </a:solidFill>
+        <a:latin typeface="+mn-lt"/>
+        <a:ea typeface="+mn-ea"/>
+        <a:cs typeface="+mn-cs"/>
+      </a:defRPr>
+    </a:lvl1pPr>
+    <a:lvl2pPr marL="457200" algn="l" defTabSz="914400" rtl="0" eaLnBrk="1" latinLnBrk="0" hangingPunct="1">
+      <a:defRPr sz="1200" kern="1200">
+        <a:solidFill>
+          <a:schemeClr val="tx1"/>
+        </a:solidFill>
+        <a:latin typeface="+mn-lt"/>
+        <a:ea typeface="+mn-ea"/>
+        <a:cs typeface="+mn-cs"/>
+      </a:defRPr>
+    </a:lvl2pPr>
+    <a:lvl3pPr marL="914400" algn="l" defTabSz="914400" rtl="0" eaLnBrk="1" latinLnBrk="0" hangingPunct="1">
+      <a:defRPr sz="1200" kern="1200">
+        <a:solidFill>
+          <a:schemeClr val="tx1"/>
+        </a:solidFill>
+        <a:latin typeface="+mn-lt"/>
+        <a:ea typeface="+mn-ea"/>
+        <a:cs typeface="+mn-cs"/>
+      </a:defRPr>
+    </a:lvl3pPr>
+    <a:lvl4pPr marL="1371600" algn="l" defTabSz="914400" rtl="0" eaLnBrk="1" latinLnBrk="0" hangingPunct="1">
+      <a:defRPr sz="1200" kern="1200">
+        <a:solidFill>
+          <a:schemeClr val="tx1"/>
+        </a:solidFill>
+        <a:latin typeface="+mn-lt"/>
+        <a:ea typeface="+mn-ea"/>
+        <a:cs typeface="+mn-cs"/>
+      </a:defRPr>
+    </a:lvl4pPr>
+    <a:lvl5pPr marL="1828800" algn="l" defTabSz="914400" rtl="0" eaLnBrk="1" latinLnBrk="0" hangingPunct="1">
+      <a:defRPr sz="1200" kern="1200">
+        <a:solidFill>
+          <a:schemeClr val="tx1"/>
+        </a:solidFill>
+        <a:latin typeface="+mn-lt"/>
+        <a:ea typeface="+mn-ea"/>
+        <a:cs typeface="+mn-cs"/>
+      </a:defRPr>
+    </a:lvl5pPr>
+    <a:lvl6pPr marL="2286000" algn="l" defTabSz="914400" rtl="0" eaLnBrk="1" latinLnBrk="0" hangingPunct="1">
+      <a:defRPr sz="1200" kern="1200">
+        <a:solidFill>
+          <a:schemeClr val="tx1"/>
+        </a:solidFill>
+        <a:latin typeface="+mn-lt"/>
+        <a:ea typeface="+mn-ea"/>
+        <a:cs typeface="+mn-cs"/>
+      </a:defRPr>
+    </a:lvl6pPr>
+    <a:lvl7pPr marL="2743200" algn="l" defTabSz="914400" rtl="0" eaLnBrk="1" latinLnBrk="0" hangingPunct="1">
+      <a:defRPr sz="1200" kern="1200">
+        <a:solidFill>
+          <a:schemeClr val="tx1"/>
+        </a:solidFill>
+        <a:latin typeface="+mn-lt"/>
+        <a:ea typeface="+mn-ea"/>
+        <a:cs typeface="+mn-cs"/>
+      </a:defRPr>
+    </a:lvl7pPr>
+    <a:lvl8pPr marL="3200400" algn="l" defTabSz="914400" rtl="0" eaLnBrk="1" latinLnBrk="0" hangingPunct="1">
+      <a:defRPr sz="1200" kern="1200">
+        <a:solidFill>
+          <a:schemeClr val="tx1"/>
+        </a:solidFill>
+        <a:latin typeface="+mn-lt"/>
+        <a:ea typeface="+mn-ea"/>
+        <a:cs typeface="+mn-cs"/>
+      </a:defRPr>
+    </a:lvl8pPr>
+    <a:lvl9pPr marL="3657600" algn="l" defTabSz="914400" rtl="0" eaLnBrk="1" latinLnBrk="0" hangingPunct="1">
+      <a:defRPr sz="1200" kern="1200">
+        <a:solidFill>
+          <a:schemeClr val="tx1"/>
+        </a:solidFill>
+        <a:latin typeface="+mn-lt"/>
+        <a:ea typeface="+mn-ea"/>
+        <a:cs typeface="+mn-cs"/>
+      </a:defRPr>
+    </a:lvl9pPr>
+  </p:notesStyle>
+</p:notesMaster>
+</file>
+
+<file path=ppt/notesSlides/notesSlide1.xml><?xml version="1.0" encoding="utf-8"?>
+<p:notes xmlns:a="http://schemas.openxmlformats.org/drawingml/2006/main" xmlns:r="http://schemas.openxmlformats.org/officeDocument/2006/relationships" xmlns:p="http://schemas.openxmlformats.org/presentationml/2006/main">
+  <p:cSld>
+    <p:spTree>
+      <p:nvGrpSpPr>
+        <p:cNvPr id="1" name=""/>
+        <p:cNvGrpSpPr/>
+        <p:nvPr/>
+      </p:nvGrpSpPr>
+      <p:grpSpPr>
+        <a:xfrm>
+          <a:off x="0" y="0"/>
+          <a:ext cx="0" cy="0"/>
+          <a:chOff x="0" y="0"/>
+          <a:chExt cx="0" cy="0"/>
+        </a:xfrm>
+      </p:grpSpPr>
+      <p:sp>
+        <p:nvSpPr>
+          <p:cNvPr id="2" name="Slide Image Placeholder 1"/>
+          <p:cNvSpPr>
+            <a:spLocks noGrp="1" noRot="1" noChangeAspect="1"/>
+          </p:cNvSpPr>
+          <p:nvPr>
+            <p:ph type="sldImg"/>
+          </p:nvPr>
+        </p:nvSpPr>
+        <p:spPr/>
+      </p:sp>
+      <p:sp>
+        <p:nvSpPr>
+          <p:cNvPr id="3" name="Notes Placeholder 2"/>
+          <p:cNvSpPr>
+            <a:spLocks noGrp="1"/>
+          </p:cNvSpPr>
+          <p:nvPr>
+            <p:ph type="body" idx="1"/>
+          </p:nvPr>
+        </p:nvSpPr>
+        <p:spPr/>
+        <p:txBody>
+          <a:bodyPr/>
+          <a:lstStyle/>
+          <a:p>
+            <a:pPr marL="171450" indent="-171450">
+              <a:buFontTx/>
+              <a:buChar char="-"/>
+            </a:pPr>
+            <a:r>
+              <a:rPr lang="en-GB" dirty="0"/>
+              <a:t>Intro </a:t>
+            </a:r>
+            <a:r>
+              <a:rPr lang="en-GB" dirty="0" err="1"/>
+              <a:t>james</a:t>
+            </a:r>
+            <a:endParaRPr lang="en-GB" dirty="0"/>
+          </a:p>
+          <a:p>
+            <a:pPr marL="171450" indent="-171450">
+              <a:buFontTx/>
+              <a:buChar char="-"/>
+            </a:pPr>
+            <a:r>
+              <a:rPr lang="en-GB" dirty="0"/>
+              <a:t>3 parts: what I have done, what I learned &amp; what’s next</a:t>
+            </a:r>
+          </a:p>
+        </p:txBody>
+      </p:sp>
+      <p:sp>
+        <p:nvSpPr>
+          <p:cNvPr id="4" name="Slide Number Placeholder 3"/>
+          <p:cNvSpPr>
+            <a:spLocks noGrp="1"/>
+          </p:cNvSpPr>
+          <p:nvPr>
+            <p:ph type="sldNum" sz="quarter" idx="5"/>
+          </p:nvPr>
+        </p:nvSpPr>
+        <p:spPr/>
+        <p:txBody>
+          <a:bodyPr/>
+          <a:lstStyle/>
+          <a:p>
+            <a:pPr marL="0" marR="0" lvl="0" indent="0" algn="r" defTabSz="914400" rtl="0" eaLnBrk="1" fontAlgn="auto" latinLnBrk="0" hangingPunct="1">
+              <a:lnSpc>
+                <a:spcPct val="100000"/>
+              </a:lnSpc>
+              <a:spcBef>
+                <a:spcPts val="0"/>
+              </a:spcBef>
+              <a:spcAft>
+                <a:spcPts val="0"/>
+              </a:spcAft>
+              <a:buClrTx/>
+              <a:buSzTx/>
+              <a:buFontTx/>
+              <a:buNone/>
+              <a:tabLst/>
+              <a:defRPr/>
+            </a:pPr>
+            <a:fld id="{86546826-96BA-4624-A10C-6B069BA71481}" type="slidenum">
+              <a:rPr kumimoji="0" lang="en-GB" sz="1200" b="0" i="0" u="none" strike="noStrike" kern="1200" cap="none" spc="0" normalizeH="0" baseline="0" noProof="0" smtClean="0">
+                <a:ln>
+                  <a:noFill/>
+                </a:ln>
+                <a:solidFill>
+                  <a:prstClr val="black"/>
+                </a:solidFill>
+                <a:effectLst/>
+                <a:uLnTx/>
+                <a:uFillTx/>
+                <a:latin typeface="Calibri" panose="020F0502020204030204"/>
+                <a:ea typeface="+mn-ea"/>
+                <a:cs typeface="+mn-cs"/>
+              </a:rPr>
+              <a:pPr marL="0" marR="0" lvl="0" indent="0" algn="r" defTabSz="914400" rtl="0" eaLnBrk="1" fontAlgn="auto" latinLnBrk="0" hangingPunct="1">
+                <a:lnSpc>
+                  <a:spcPct val="100000"/>
+                </a:lnSpc>
+                <a:spcBef>
+                  <a:spcPts val="0"/>
+                </a:spcBef>
+                <a:spcAft>
+                  <a:spcPts val="0"/>
+                </a:spcAft>
+                <a:buClrTx/>
+                <a:buSzTx/>
+                <a:buFontTx/>
+                <a:buNone/>
+                <a:tabLst/>
+                <a:defRPr/>
+              </a:pPr>
+              <a:t>1</a:t>
+            </a:fld>
+            <a:endParaRPr kumimoji="0" lang="en-GB" sz="1200" b="0" i="0" u="none" strike="noStrike" kern="1200" cap="none" spc="0" normalizeH="0" baseline="0" noProof="0">
+              <a:ln>
+                <a:noFill/>
+              </a:ln>
+              <a:solidFill>
+                <a:prstClr val="black"/>
+              </a:solidFill>
+              <a:effectLst/>
+              <a:uLnTx/>
+              <a:uFillTx/>
+              <a:latin typeface="Calibri" panose="020F0502020204030204"/>
+              <a:ea typeface="+mn-ea"/>
+              <a:cs typeface="+mn-cs"/>
+            </a:endParaRPr>
+          </a:p>
+        </p:txBody>
+      </p:sp>
+    </p:spTree>
+    <p:extLst>
+      <p:ext uri="{BB962C8B-B14F-4D97-AF65-F5344CB8AC3E}">
+        <p14:creationId xmlns:p14="http://schemas.microsoft.com/office/powerpoint/2010/main" val="920067441"/>
+      </p:ext>
+    </p:extLst>
+  </p:cSld>
+  <p:clrMapOvr>
+    <a:masterClrMapping/>
+  </p:clrMapOvr>
+</p:notes>
+</file>
+
+<file path=ppt/notesSlides/notesSlide2.xml><?xml version="1.0" encoding="utf-8"?>
+<p:notes xmlns:a="http://schemas.openxmlformats.org/drawingml/2006/main" xmlns:r="http://schemas.openxmlformats.org/officeDocument/2006/relationships" xmlns:p="http://schemas.openxmlformats.org/presentationml/2006/main">
+  <p:cSld>
+    <p:spTree>
+      <p:nvGrpSpPr>
+        <p:cNvPr id="1" name=""/>
+        <p:cNvGrpSpPr/>
+        <p:nvPr/>
+      </p:nvGrpSpPr>
+      <p:grpSpPr>
+        <a:xfrm>
+          <a:off x="0" y="0"/>
+          <a:ext cx="0" cy="0"/>
+          <a:chOff x="0" y="0"/>
+          <a:chExt cx="0" cy="0"/>
+        </a:xfrm>
+      </p:grpSpPr>
+      <p:sp>
+        <p:nvSpPr>
+          <p:cNvPr id="2" name="Slide Image Placeholder 1"/>
+          <p:cNvSpPr>
+            <a:spLocks noGrp="1" noRot="1" noChangeAspect="1"/>
+          </p:cNvSpPr>
+          <p:nvPr>
+            <p:ph type="sldImg"/>
+          </p:nvPr>
+        </p:nvSpPr>
+        <p:spPr/>
+      </p:sp>
+      <p:sp>
+        <p:nvSpPr>
+          <p:cNvPr id="3" name="Notes Placeholder 2"/>
+          <p:cNvSpPr>
+            <a:spLocks noGrp="1"/>
+          </p:cNvSpPr>
+          <p:nvPr>
+            <p:ph type="body" idx="1"/>
+          </p:nvPr>
+        </p:nvSpPr>
+        <p:spPr/>
+        <p:txBody>
+          <a:bodyPr/>
+          <a:lstStyle/>
+          <a:p>
+            <a:pPr marL="0" indent="0">
+              <a:buFontTx/>
+              <a:buNone/>
+            </a:pPr>
+            <a:endParaRPr lang="en-GB" dirty="0"/>
+          </a:p>
+        </p:txBody>
+      </p:sp>
+      <p:sp>
+        <p:nvSpPr>
+          <p:cNvPr id="4" name="Slide Number Placeholder 3"/>
+          <p:cNvSpPr>
+            <a:spLocks noGrp="1"/>
+          </p:cNvSpPr>
+          <p:nvPr>
+            <p:ph type="sldNum" sz="quarter" idx="5"/>
+          </p:nvPr>
+        </p:nvSpPr>
+        <p:spPr/>
+        <p:txBody>
+          <a:bodyPr/>
+          <a:lstStyle/>
+          <a:p>
+            <a:pPr marL="0" marR="0" lvl="0" indent="0" algn="r" defTabSz="914400" rtl="0" eaLnBrk="1" fontAlgn="auto" latinLnBrk="0" hangingPunct="1">
+              <a:lnSpc>
+                <a:spcPct val="100000"/>
+              </a:lnSpc>
+              <a:spcBef>
+                <a:spcPts val="0"/>
+              </a:spcBef>
+              <a:spcAft>
+                <a:spcPts val="0"/>
+              </a:spcAft>
+              <a:buClrTx/>
+              <a:buSzTx/>
+              <a:buFontTx/>
+              <a:buNone/>
+              <a:tabLst/>
+              <a:defRPr/>
+            </a:pPr>
+            <a:fld id="{D5D14365-82F2-49CE-97EF-045AA251D32F}" type="slidenum">
+              <a:rPr kumimoji="0" lang="en-GB" sz="1200" b="0" i="0" u="none" strike="noStrike" kern="1200" cap="none" spc="0" normalizeH="0" baseline="0" noProof="0" smtClean="0">
+                <a:ln>
+                  <a:noFill/>
+                </a:ln>
+                <a:solidFill>
+                  <a:prstClr val="black"/>
+                </a:solidFill>
+                <a:effectLst/>
+                <a:uLnTx/>
+                <a:uFillTx/>
+                <a:latin typeface="Calibri" panose="020F0502020204030204"/>
+                <a:ea typeface="+mn-ea"/>
+                <a:cs typeface="+mn-cs"/>
+              </a:rPr>
+              <a:pPr marL="0" marR="0" lvl="0" indent="0" algn="r" defTabSz="914400" rtl="0" eaLnBrk="1" fontAlgn="auto" latinLnBrk="0" hangingPunct="1">
+                <a:lnSpc>
+                  <a:spcPct val="100000"/>
+                </a:lnSpc>
+                <a:spcBef>
+                  <a:spcPts val="0"/>
+                </a:spcBef>
+                <a:spcAft>
+                  <a:spcPts val="0"/>
+                </a:spcAft>
+                <a:buClrTx/>
+                <a:buSzTx/>
+                <a:buFontTx/>
+                <a:buNone/>
+                <a:tabLst/>
+                <a:defRPr/>
+              </a:pPr>
+              <a:t>2</a:t>
+            </a:fld>
+            <a:endParaRPr kumimoji="0" lang="en-GB" sz="1200" b="0" i="0" u="none" strike="noStrike" kern="1200" cap="none" spc="0" normalizeH="0" baseline="0" noProof="0">
+              <a:ln>
+                <a:noFill/>
+              </a:ln>
+              <a:solidFill>
+                <a:prstClr val="black"/>
+              </a:solidFill>
+              <a:effectLst/>
+              <a:uLnTx/>
+              <a:uFillTx/>
+              <a:latin typeface="Calibri" panose="020F0502020204030204"/>
+              <a:ea typeface="+mn-ea"/>
+              <a:cs typeface="+mn-cs"/>
+            </a:endParaRPr>
+          </a:p>
+        </p:txBody>
+      </p:sp>
+    </p:spTree>
+    <p:extLst>
+      <p:ext uri="{BB962C8B-B14F-4D97-AF65-F5344CB8AC3E}">
+        <p14:creationId xmlns:p14="http://schemas.microsoft.com/office/powerpoint/2010/main" val="1117588087"/>
+      </p:ext>
+    </p:extLst>
+  </p:cSld>
+  <p:clrMapOvr>
+    <a:masterClrMapping/>
+  </p:clrMapOvr>
+</p:notes>
+</file>
+
+<file path=ppt/notesSlides/notesSlide3.xml><?xml version="1.0" encoding="utf-8"?>
+<p:notes xmlns:a="http://schemas.openxmlformats.org/drawingml/2006/main" xmlns:r="http://schemas.openxmlformats.org/officeDocument/2006/relationships" xmlns:p="http://schemas.openxmlformats.org/presentationml/2006/main">
+  <p:cSld>
+    <p:spTree>
+      <p:nvGrpSpPr>
+        <p:cNvPr id="1" name=""/>
+        <p:cNvGrpSpPr/>
+        <p:nvPr/>
+      </p:nvGrpSpPr>
+      <p:grpSpPr>
+        <a:xfrm>
+          <a:off x="0" y="0"/>
+          <a:ext cx="0" cy="0"/>
+          <a:chOff x="0" y="0"/>
+          <a:chExt cx="0" cy="0"/>
+        </a:xfrm>
+      </p:grpSpPr>
+      <p:sp>
+        <p:nvSpPr>
+          <p:cNvPr id="2" name="Slide Image Placeholder 1"/>
+          <p:cNvSpPr>
+            <a:spLocks noGrp="1" noRot="1" noChangeAspect="1"/>
+          </p:cNvSpPr>
+          <p:nvPr>
+            <p:ph type="sldImg"/>
+          </p:nvPr>
+        </p:nvSpPr>
+        <p:spPr/>
+      </p:sp>
+      <p:sp>
+        <p:nvSpPr>
+          <p:cNvPr id="3" name="Notes Placeholder 2"/>
+          <p:cNvSpPr>
+            <a:spLocks noGrp="1"/>
+          </p:cNvSpPr>
+          <p:nvPr>
+            <p:ph type="body" idx="1"/>
+          </p:nvPr>
+        </p:nvSpPr>
+        <p:spPr/>
+        <p:txBody>
+          <a:bodyPr/>
+          <a:lstStyle/>
+          <a:p>
+            <a:pPr marL="171450" indent="-171450">
+              <a:buFontTx/>
+              <a:buChar char="-"/>
+            </a:pPr>
+            <a:r>
+              <a:rPr lang="en-GB" dirty="0"/>
+              <a:t>Need to mention switch to 2015-2019 dataset here! [accessing data issue]</a:t>
+            </a:r>
+          </a:p>
+        </p:txBody>
+      </p:sp>
+      <p:sp>
+        <p:nvSpPr>
+          <p:cNvPr id="4" name="Slide Number Placeholder 3"/>
+          <p:cNvSpPr>
+            <a:spLocks noGrp="1"/>
+          </p:cNvSpPr>
+          <p:nvPr>
+            <p:ph type="sldNum" sz="quarter" idx="5"/>
+          </p:nvPr>
+        </p:nvSpPr>
+        <p:spPr/>
+        <p:txBody>
+          <a:bodyPr/>
+          <a:lstStyle/>
+          <a:p>
+            <a:pPr marL="0" marR="0" lvl="0" indent="0" algn="r" defTabSz="914400" rtl="0" eaLnBrk="1" fontAlgn="auto" latinLnBrk="0" hangingPunct="1">
+              <a:lnSpc>
+                <a:spcPct val="100000"/>
+              </a:lnSpc>
+              <a:spcBef>
+                <a:spcPts val="0"/>
+              </a:spcBef>
+              <a:spcAft>
+                <a:spcPts val="0"/>
+              </a:spcAft>
+              <a:buClrTx/>
+              <a:buSzTx/>
+              <a:buFontTx/>
+              <a:buNone/>
+              <a:tabLst/>
+              <a:defRPr/>
+            </a:pPr>
+            <a:fld id="{D5D14365-82F2-49CE-97EF-045AA251D32F}" type="slidenum">
+              <a:rPr kumimoji="0" lang="en-GB" sz="1200" b="0" i="0" u="none" strike="noStrike" kern="1200" cap="none" spc="0" normalizeH="0" baseline="0" noProof="0" smtClean="0">
+                <a:ln>
+                  <a:noFill/>
+                </a:ln>
+                <a:solidFill>
+                  <a:prstClr val="black"/>
+                </a:solidFill>
+                <a:effectLst/>
+                <a:uLnTx/>
+                <a:uFillTx/>
+                <a:latin typeface="Calibri" panose="020F0502020204030204"/>
+                <a:ea typeface="+mn-ea"/>
+                <a:cs typeface="+mn-cs"/>
+              </a:rPr>
+              <a:pPr marL="0" marR="0" lvl="0" indent="0" algn="r" defTabSz="914400" rtl="0" eaLnBrk="1" fontAlgn="auto" latinLnBrk="0" hangingPunct="1">
+                <a:lnSpc>
+                  <a:spcPct val="100000"/>
+                </a:lnSpc>
+                <a:spcBef>
+                  <a:spcPts val="0"/>
+                </a:spcBef>
+                <a:spcAft>
+                  <a:spcPts val="0"/>
+                </a:spcAft>
+                <a:buClrTx/>
+                <a:buSzTx/>
+                <a:buFontTx/>
+                <a:buNone/>
+                <a:tabLst/>
+                <a:defRPr/>
+              </a:pPr>
+              <a:t>3</a:t>
+            </a:fld>
+            <a:endParaRPr kumimoji="0" lang="en-GB" sz="1200" b="0" i="0" u="none" strike="noStrike" kern="1200" cap="none" spc="0" normalizeH="0" baseline="0" noProof="0">
+              <a:ln>
+                <a:noFill/>
+              </a:ln>
+              <a:solidFill>
+                <a:prstClr val="black"/>
+              </a:solidFill>
+              <a:effectLst/>
+              <a:uLnTx/>
+              <a:uFillTx/>
+              <a:latin typeface="Calibri" panose="020F0502020204030204"/>
+              <a:ea typeface="+mn-ea"/>
+              <a:cs typeface="+mn-cs"/>
+            </a:endParaRPr>
+          </a:p>
+        </p:txBody>
+      </p:sp>
+    </p:spTree>
+    <p:extLst>
+      <p:ext uri="{BB962C8B-B14F-4D97-AF65-F5344CB8AC3E}">
+        <p14:creationId xmlns:p14="http://schemas.microsoft.com/office/powerpoint/2010/main" val="501850711"/>
+      </p:ext>
+    </p:extLst>
+  </p:cSld>
+  <p:clrMapOvr>
+    <a:masterClrMapping/>
+  </p:clrMapOvr>
+</p:notes>
+</file>
+
+<file path=ppt/notesSlides/notesSlide4.xml><?xml version="1.0" encoding="utf-8"?>
+<p:notes xmlns:a="http://schemas.openxmlformats.org/drawingml/2006/main" xmlns:r="http://schemas.openxmlformats.org/officeDocument/2006/relationships" xmlns:p="http://schemas.openxmlformats.org/presentationml/2006/main">
+  <p:cSld>
+    <p:spTree>
+      <p:nvGrpSpPr>
+        <p:cNvPr id="1" name=""/>
+        <p:cNvGrpSpPr/>
+        <p:nvPr/>
+      </p:nvGrpSpPr>
+      <p:grpSpPr>
+        <a:xfrm>
+          <a:off x="0" y="0"/>
+          <a:ext cx="0" cy="0"/>
+          <a:chOff x="0" y="0"/>
+          <a:chExt cx="0" cy="0"/>
+        </a:xfrm>
+      </p:grpSpPr>
+      <p:sp>
+        <p:nvSpPr>
+          <p:cNvPr id="2" name="Slide Image Placeholder 1"/>
+          <p:cNvSpPr>
+            <a:spLocks noGrp="1" noRot="1" noChangeAspect="1"/>
+          </p:cNvSpPr>
+          <p:nvPr>
+            <p:ph type="sldImg"/>
+          </p:nvPr>
+        </p:nvSpPr>
+        <p:spPr/>
+      </p:sp>
+      <p:sp>
+        <p:nvSpPr>
+          <p:cNvPr id="3" name="Notes Placeholder 2"/>
+          <p:cNvSpPr>
+            <a:spLocks noGrp="1"/>
+          </p:cNvSpPr>
+          <p:nvPr>
+            <p:ph type="body" idx="1"/>
+          </p:nvPr>
+        </p:nvSpPr>
+        <p:spPr/>
+        <p:txBody>
+          <a:bodyPr/>
+          <a:lstStyle/>
+          <a:p>
+            <a:r>
+              <a:rPr lang="en-GB" sz="2800" dirty="0"/>
+              <a:t>Hansard data</a:t>
+            </a:r>
+          </a:p>
+          <a:p>
+            <a:pPr lvl="1"/>
+            <a:r>
+              <a:rPr lang="en-GB" sz="2400" dirty="0">
+                <a:hlinkClick r:id="rId3"/>
+              </a:rPr>
+              <a:t>https://parser.theyworkforyou.com/hansard.html</a:t>
+            </a:r>
+            <a:r>
+              <a:rPr lang="en-GB" sz="2400" dirty="0"/>
+              <a:t>  </a:t>
+            </a:r>
+          </a:p>
+          <a:p>
+            <a:r>
+              <a:rPr lang="en-GB" sz="2800" dirty="0"/>
+              <a:t>Processing</a:t>
+            </a:r>
+          </a:p>
+          <a:p>
+            <a:pPr lvl="1"/>
+            <a:r>
+              <a:rPr lang="en-GB" sz="2400" dirty="0">
+                <a:solidFill>
+                  <a:schemeClr val="tx1"/>
+                </a:solidFill>
+              </a:rPr>
+              <a:t>Data cleaning &amp; preparation in Python </a:t>
+            </a:r>
+          </a:p>
+          <a:p>
+            <a:r>
+              <a:rPr lang="en-GB" sz="2800" dirty="0"/>
+              <a:t>Modelling</a:t>
+            </a:r>
+          </a:p>
+          <a:p>
+            <a:pPr lvl="1"/>
+            <a:r>
+              <a:rPr lang="en-GB" sz="2400" dirty="0">
+                <a:solidFill>
+                  <a:schemeClr val="tx1"/>
+                </a:solidFill>
+              </a:rPr>
+              <a:t>ML/rules-based approach using </a:t>
+            </a:r>
+            <a:r>
+              <a:rPr lang="en-GB" sz="2400" dirty="0" err="1">
+                <a:hlinkClick r:id="rId4"/>
+              </a:rPr>
+              <a:t>spaCy</a:t>
+            </a:r>
+            <a:r>
+              <a:rPr lang="en-GB" sz="2400" dirty="0"/>
+              <a:t> </a:t>
+            </a:r>
+            <a:r>
+              <a:rPr lang="en-GB" sz="2400" dirty="0">
+                <a:solidFill>
+                  <a:schemeClr val="tx1"/>
+                </a:solidFill>
+              </a:rPr>
+              <a:t>to produce models to identify topic</a:t>
+            </a:r>
+          </a:p>
+          <a:p>
+            <a:r>
+              <a:rPr lang="en-GB" sz="2800" dirty="0"/>
+              <a:t>Dashboard</a:t>
+            </a:r>
+          </a:p>
+          <a:p>
+            <a:pPr lvl="1"/>
+            <a:r>
+              <a:rPr lang="en-GB" sz="2400" dirty="0">
+                <a:solidFill>
+                  <a:schemeClr val="tx1"/>
+                </a:solidFill>
+              </a:rPr>
+              <a:t>Provide data to users via interactive dashboard</a:t>
+            </a:r>
+          </a:p>
+          <a:p>
+            <a:endParaRPr lang="en-GB" dirty="0"/>
+          </a:p>
+        </p:txBody>
+      </p:sp>
+      <p:sp>
+        <p:nvSpPr>
+          <p:cNvPr id="4" name="Slide Number Placeholder 3"/>
+          <p:cNvSpPr>
+            <a:spLocks noGrp="1"/>
+          </p:cNvSpPr>
+          <p:nvPr>
+            <p:ph type="sldNum" sz="quarter" idx="5"/>
+          </p:nvPr>
+        </p:nvSpPr>
+        <p:spPr/>
+        <p:txBody>
+          <a:bodyPr/>
+          <a:lstStyle/>
+          <a:p>
+            <a:pPr marL="0" marR="0" lvl="0" indent="0" algn="r" defTabSz="914400" rtl="0" eaLnBrk="1" fontAlgn="auto" latinLnBrk="0" hangingPunct="1">
+              <a:lnSpc>
+                <a:spcPct val="100000"/>
+              </a:lnSpc>
+              <a:spcBef>
+                <a:spcPts val="0"/>
+              </a:spcBef>
+              <a:spcAft>
+                <a:spcPts val="0"/>
+              </a:spcAft>
+              <a:buClrTx/>
+              <a:buSzTx/>
+              <a:buFontTx/>
+              <a:buNone/>
+              <a:tabLst/>
+              <a:defRPr/>
+            </a:pPr>
+            <a:fld id="{86546826-96BA-4624-A10C-6B069BA71481}" type="slidenum">
+              <a:rPr kumimoji="0" lang="en-GB" sz="1200" b="0" i="0" u="none" strike="noStrike" kern="1200" cap="none" spc="0" normalizeH="0" baseline="0" noProof="0" smtClean="0">
+                <a:ln>
+                  <a:noFill/>
+                </a:ln>
+                <a:solidFill>
+                  <a:prstClr val="black"/>
+                </a:solidFill>
+                <a:effectLst/>
+                <a:uLnTx/>
+                <a:uFillTx/>
+                <a:latin typeface="Calibri" panose="020F0502020204030204"/>
+                <a:ea typeface="+mn-ea"/>
+                <a:cs typeface="+mn-cs"/>
+              </a:rPr>
+              <a:pPr marL="0" marR="0" lvl="0" indent="0" algn="r" defTabSz="914400" rtl="0" eaLnBrk="1" fontAlgn="auto" latinLnBrk="0" hangingPunct="1">
+                <a:lnSpc>
+                  <a:spcPct val="100000"/>
+                </a:lnSpc>
+                <a:spcBef>
+                  <a:spcPts val="0"/>
+                </a:spcBef>
+                <a:spcAft>
+                  <a:spcPts val="0"/>
+                </a:spcAft>
+                <a:buClrTx/>
+                <a:buSzTx/>
+                <a:buFontTx/>
+                <a:buNone/>
+                <a:tabLst/>
+                <a:defRPr/>
+              </a:pPr>
+              <a:t>4</a:t>
+            </a:fld>
+            <a:endParaRPr kumimoji="0" lang="en-GB" sz="1200" b="0" i="0" u="none" strike="noStrike" kern="1200" cap="none" spc="0" normalizeH="0" baseline="0" noProof="0">
+              <a:ln>
+                <a:noFill/>
+              </a:ln>
+              <a:solidFill>
+                <a:prstClr val="black"/>
+              </a:solidFill>
+              <a:effectLst/>
+              <a:uLnTx/>
+              <a:uFillTx/>
+              <a:latin typeface="Calibri" panose="020F0502020204030204"/>
+              <a:ea typeface="+mn-ea"/>
+              <a:cs typeface="+mn-cs"/>
+            </a:endParaRPr>
+          </a:p>
+        </p:txBody>
+      </p:sp>
+    </p:spTree>
+    <p:extLst>
+      <p:ext uri="{BB962C8B-B14F-4D97-AF65-F5344CB8AC3E}">
+        <p14:creationId xmlns:p14="http://schemas.microsoft.com/office/powerpoint/2010/main" val="2961157040"/>
+      </p:ext>
+    </p:extLst>
+  </p:cSld>
+  <p:clrMapOvr>
+    <a:masterClrMapping/>
+  </p:clrMapOvr>
+</p:notes>
+</file>
+
+<file path=ppt/notesSlides/notesSlide5.xml><?xml version="1.0" encoding="utf-8"?>
+<p:notes xmlns:a="http://schemas.openxmlformats.org/drawingml/2006/main" xmlns:r="http://schemas.openxmlformats.org/officeDocument/2006/relationships" xmlns:p="http://schemas.openxmlformats.org/presentationml/2006/main">
+  <p:cSld>
+    <p:spTree>
+      <p:nvGrpSpPr>
+        <p:cNvPr id="1" name=""/>
+        <p:cNvGrpSpPr/>
+        <p:nvPr/>
+      </p:nvGrpSpPr>
+      <p:grpSpPr>
+        <a:xfrm>
+          <a:off x="0" y="0"/>
+          <a:ext cx="0" cy="0"/>
+          <a:chOff x="0" y="0"/>
+          <a:chExt cx="0" cy="0"/>
+        </a:xfrm>
+      </p:grpSpPr>
+      <p:sp>
+        <p:nvSpPr>
+          <p:cNvPr id="2" name="Slide Image Placeholder 1"/>
+          <p:cNvSpPr>
+            <a:spLocks noGrp="1" noRot="1" noChangeAspect="1"/>
+          </p:cNvSpPr>
+          <p:nvPr>
+            <p:ph type="sldImg"/>
+          </p:nvPr>
+        </p:nvSpPr>
+        <p:spPr/>
+      </p:sp>
+      <p:sp>
+        <p:nvSpPr>
+          <p:cNvPr id="3" name="Notes Placeholder 2"/>
+          <p:cNvSpPr>
+            <a:spLocks noGrp="1"/>
+          </p:cNvSpPr>
+          <p:nvPr>
+            <p:ph type="body" idx="1"/>
+          </p:nvPr>
+        </p:nvSpPr>
+        <p:spPr/>
+        <p:txBody>
+          <a:bodyPr/>
+          <a:lstStyle/>
+          <a:p>
+            <a:endParaRPr lang="en-GB" dirty="0"/>
+          </a:p>
+        </p:txBody>
+      </p:sp>
+      <p:sp>
+        <p:nvSpPr>
+          <p:cNvPr id="4" name="Slide Number Placeholder 3"/>
+          <p:cNvSpPr>
+            <a:spLocks noGrp="1"/>
+          </p:cNvSpPr>
+          <p:nvPr>
+            <p:ph type="sldNum" sz="quarter" idx="5"/>
+          </p:nvPr>
+        </p:nvSpPr>
+        <p:spPr/>
+        <p:txBody>
+          <a:bodyPr/>
+          <a:lstStyle/>
+          <a:p>
+            <a:pPr marL="0" marR="0" lvl="0" indent="0" algn="r" defTabSz="914400" rtl="0" eaLnBrk="1" fontAlgn="auto" latinLnBrk="0" hangingPunct="1">
+              <a:lnSpc>
+                <a:spcPct val="100000"/>
+              </a:lnSpc>
+              <a:spcBef>
+                <a:spcPts val="0"/>
+              </a:spcBef>
+              <a:spcAft>
+                <a:spcPts val="0"/>
+              </a:spcAft>
+              <a:buClrTx/>
+              <a:buSzTx/>
+              <a:buFontTx/>
+              <a:buNone/>
+              <a:tabLst/>
+              <a:defRPr/>
+            </a:pPr>
+            <a:fld id="{86546826-96BA-4624-A10C-6B069BA71481}" type="slidenum">
+              <a:rPr kumimoji="0" lang="en-GB" sz="1200" b="0" i="0" u="none" strike="noStrike" kern="1200" cap="none" spc="0" normalizeH="0" baseline="0" noProof="0" smtClean="0">
+                <a:ln>
+                  <a:noFill/>
+                </a:ln>
+                <a:solidFill>
+                  <a:prstClr val="black"/>
+                </a:solidFill>
+                <a:effectLst/>
+                <a:uLnTx/>
+                <a:uFillTx/>
+                <a:latin typeface="Calibri" panose="020F0502020204030204"/>
+                <a:ea typeface="+mn-ea"/>
+                <a:cs typeface="+mn-cs"/>
+              </a:rPr>
+              <a:pPr marL="0" marR="0" lvl="0" indent="0" algn="r" defTabSz="914400" rtl="0" eaLnBrk="1" fontAlgn="auto" latinLnBrk="0" hangingPunct="1">
+                <a:lnSpc>
+                  <a:spcPct val="100000"/>
+                </a:lnSpc>
+                <a:spcBef>
+                  <a:spcPts val="0"/>
+                </a:spcBef>
+                <a:spcAft>
+                  <a:spcPts val="0"/>
+                </a:spcAft>
+                <a:buClrTx/>
+                <a:buSzTx/>
+                <a:buFontTx/>
+                <a:buNone/>
+                <a:tabLst/>
+                <a:defRPr/>
+              </a:pPr>
+              <a:t>5</a:t>
+            </a:fld>
+            <a:endParaRPr kumimoji="0" lang="en-GB" sz="1200" b="0" i="0" u="none" strike="noStrike" kern="1200" cap="none" spc="0" normalizeH="0" baseline="0" noProof="0">
+              <a:ln>
+                <a:noFill/>
+              </a:ln>
+              <a:solidFill>
+                <a:prstClr val="black"/>
+              </a:solidFill>
+              <a:effectLst/>
+              <a:uLnTx/>
+              <a:uFillTx/>
+              <a:latin typeface="Calibri" panose="020F0502020204030204"/>
+              <a:ea typeface="+mn-ea"/>
+              <a:cs typeface="+mn-cs"/>
+            </a:endParaRPr>
+          </a:p>
+        </p:txBody>
+      </p:sp>
+    </p:spTree>
+    <p:extLst>
+      <p:ext uri="{BB962C8B-B14F-4D97-AF65-F5344CB8AC3E}">
+        <p14:creationId xmlns:p14="http://schemas.microsoft.com/office/powerpoint/2010/main" val="3310426183"/>
+      </p:ext>
+    </p:extLst>
+  </p:cSld>
+  <p:clrMapOvr>
+    <a:masterClrMapping/>
+  </p:clrMapOvr>
+</p:notes>
+</file>
+
+<file path=ppt/notesSlides/notesSlide6.xml><?xml version="1.0" encoding="utf-8"?>
+<p:notes xmlns:a="http://schemas.openxmlformats.org/drawingml/2006/main" xmlns:r="http://schemas.openxmlformats.org/officeDocument/2006/relationships" xmlns:p="http://schemas.openxmlformats.org/presentationml/2006/main">
+  <p:cSld>
+    <p:spTree>
+      <p:nvGrpSpPr>
+        <p:cNvPr id="1" name=""/>
+        <p:cNvGrpSpPr/>
+        <p:nvPr/>
+      </p:nvGrpSpPr>
+      <p:grpSpPr>
+        <a:xfrm>
+          <a:off x="0" y="0"/>
+          <a:ext cx="0" cy="0"/>
+          <a:chOff x="0" y="0"/>
+          <a:chExt cx="0" cy="0"/>
+        </a:xfrm>
+      </p:grpSpPr>
+      <p:sp>
+        <p:nvSpPr>
+          <p:cNvPr id="2" name="Slide Image Placeholder 1"/>
+          <p:cNvSpPr>
+            <a:spLocks noGrp="1" noRot="1" noChangeAspect="1"/>
+          </p:cNvSpPr>
+          <p:nvPr>
+            <p:ph type="sldImg"/>
+          </p:nvPr>
+        </p:nvSpPr>
+        <p:spPr/>
+      </p:sp>
+      <p:sp>
+        <p:nvSpPr>
+          <p:cNvPr id="3" name="Notes Placeholder 2"/>
+          <p:cNvSpPr>
+            <a:spLocks noGrp="1"/>
+          </p:cNvSpPr>
+          <p:nvPr>
+            <p:ph type="body" idx="1"/>
+          </p:nvPr>
+        </p:nvSpPr>
+        <p:spPr/>
+        <p:txBody>
+          <a:bodyPr/>
+          <a:lstStyle/>
+          <a:p>
+            <a:r>
+              <a:rPr lang="en-GB" dirty="0"/>
+              <a:t>Data science</a:t>
+            </a:r>
+          </a:p>
+          <a:p>
+            <a:endParaRPr lang="en-GB" dirty="0"/>
+          </a:p>
+          <a:p>
+            <a:r>
+              <a:rPr lang="en-GB" dirty="0"/>
+              <a:t>Summarise during talk – learned A LOT. Some key highlights are… (pick out 3?) [prob: documentation / ML exposure &amp; evaluation / Git]</a:t>
+            </a:r>
+          </a:p>
+        </p:txBody>
+      </p:sp>
+      <p:sp>
+        <p:nvSpPr>
+          <p:cNvPr id="4" name="Slide Number Placeholder 3"/>
+          <p:cNvSpPr>
+            <a:spLocks noGrp="1"/>
+          </p:cNvSpPr>
+          <p:nvPr>
+            <p:ph type="sldNum" sz="quarter" idx="5"/>
+          </p:nvPr>
+        </p:nvSpPr>
+        <p:spPr/>
+        <p:txBody>
+          <a:bodyPr/>
+          <a:lstStyle/>
+          <a:p>
+            <a:pPr marL="0" marR="0" lvl="0" indent="0" algn="r" defTabSz="914400" rtl="0" eaLnBrk="1" fontAlgn="auto" latinLnBrk="0" hangingPunct="1">
+              <a:lnSpc>
+                <a:spcPct val="100000"/>
+              </a:lnSpc>
+              <a:spcBef>
+                <a:spcPts val="0"/>
+              </a:spcBef>
+              <a:spcAft>
+                <a:spcPts val="0"/>
+              </a:spcAft>
+              <a:buClrTx/>
+              <a:buSzTx/>
+              <a:buFontTx/>
+              <a:buNone/>
+              <a:tabLst/>
+              <a:defRPr/>
+            </a:pPr>
+            <a:fld id="{86546826-96BA-4624-A10C-6B069BA71481}" type="slidenum">
+              <a:rPr kumimoji="0" lang="en-GB" sz="1200" b="0" i="0" u="none" strike="noStrike" kern="1200" cap="none" spc="0" normalizeH="0" baseline="0" noProof="0" smtClean="0">
+                <a:ln>
+                  <a:noFill/>
+                </a:ln>
+                <a:solidFill>
+                  <a:prstClr val="black"/>
+                </a:solidFill>
+                <a:effectLst/>
+                <a:uLnTx/>
+                <a:uFillTx/>
+                <a:latin typeface="Calibri" panose="020F0502020204030204"/>
+                <a:ea typeface="+mn-ea"/>
+                <a:cs typeface="+mn-cs"/>
+              </a:rPr>
+              <a:pPr marL="0" marR="0" lvl="0" indent="0" algn="r" defTabSz="914400" rtl="0" eaLnBrk="1" fontAlgn="auto" latinLnBrk="0" hangingPunct="1">
+                <a:lnSpc>
+                  <a:spcPct val="100000"/>
+                </a:lnSpc>
+                <a:spcBef>
+                  <a:spcPts val="0"/>
+                </a:spcBef>
+                <a:spcAft>
+                  <a:spcPts val="0"/>
+                </a:spcAft>
+                <a:buClrTx/>
+                <a:buSzTx/>
+                <a:buFontTx/>
+                <a:buNone/>
+                <a:tabLst/>
+                <a:defRPr/>
+              </a:pPr>
+              <a:t>6</a:t>
+            </a:fld>
+            <a:endParaRPr kumimoji="0" lang="en-GB" sz="1200" b="0" i="0" u="none" strike="noStrike" kern="1200" cap="none" spc="0" normalizeH="0" baseline="0" noProof="0">
+              <a:ln>
+                <a:noFill/>
+              </a:ln>
+              <a:solidFill>
+                <a:prstClr val="black"/>
+              </a:solidFill>
+              <a:effectLst/>
+              <a:uLnTx/>
+              <a:uFillTx/>
+              <a:latin typeface="Calibri" panose="020F0502020204030204"/>
+              <a:ea typeface="+mn-ea"/>
+              <a:cs typeface="+mn-cs"/>
+            </a:endParaRPr>
+          </a:p>
+        </p:txBody>
+      </p:sp>
+    </p:spTree>
+    <p:extLst>
+      <p:ext uri="{BB962C8B-B14F-4D97-AF65-F5344CB8AC3E}">
+        <p14:creationId xmlns:p14="http://schemas.microsoft.com/office/powerpoint/2010/main" val="2160320761"/>
+      </p:ext>
+    </p:extLst>
+  </p:cSld>
+  <p:clrMapOvr>
+    <a:masterClrMapping/>
+  </p:clrMapOvr>
+</p:notes>
+</file>
+
+<file path=ppt/notesSlides/notesSlide7.xml><?xml version="1.0" encoding="utf-8"?>
+<p:notes xmlns:a="http://schemas.openxmlformats.org/drawingml/2006/main" xmlns:r="http://schemas.openxmlformats.org/officeDocument/2006/relationships" xmlns:p="http://schemas.openxmlformats.org/presentationml/2006/main">
+  <p:cSld>
+    <p:spTree>
+      <p:nvGrpSpPr>
+        <p:cNvPr id="1" name=""/>
+        <p:cNvGrpSpPr/>
+        <p:nvPr/>
+      </p:nvGrpSpPr>
+      <p:grpSpPr>
+        <a:xfrm>
+          <a:off x="0" y="0"/>
+          <a:ext cx="0" cy="0"/>
+          <a:chOff x="0" y="0"/>
+          <a:chExt cx="0" cy="0"/>
+        </a:xfrm>
+      </p:grpSpPr>
+      <p:sp>
+        <p:nvSpPr>
+          <p:cNvPr id="2" name="Slide Image Placeholder 1"/>
+          <p:cNvSpPr>
+            <a:spLocks noGrp="1" noRot="1" noChangeAspect="1"/>
+          </p:cNvSpPr>
+          <p:nvPr>
+            <p:ph type="sldImg"/>
+          </p:nvPr>
+        </p:nvSpPr>
+        <p:spPr/>
+      </p:sp>
+      <p:sp>
+        <p:nvSpPr>
+          <p:cNvPr id="3" name="Notes Placeholder 2"/>
+          <p:cNvSpPr>
+            <a:spLocks noGrp="1"/>
+          </p:cNvSpPr>
+          <p:nvPr>
+            <p:ph type="body" idx="1"/>
+          </p:nvPr>
+        </p:nvSpPr>
+        <p:spPr/>
+        <p:txBody>
+          <a:bodyPr/>
+          <a:lstStyle/>
+          <a:p>
+            <a:r>
+              <a:rPr lang="en-GB" dirty="0"/>
+              <a:t>Project mgmt.</a:t>
+            </a:r>
+          </a:p>
+          <a:p>
+            <a:endParaRPr lang="en-GB" dirty="0"/>
+          </a:p>
+          <a:p>
+            <a:r>
+              <a:rPr lang="en-GB" dirty="0"/>
+              <a:t>Contacts:</a:t>
+            </a:r>
+          </a:p>
+          <a:p>
+            <a:endParaRPr lang="en-GB" dirty="0"/>
+          </a:p>
+          <a:p>
+            <a:pPr marL="171450" indent="-171450">
+              <a:buFontTx/>
+              <a:buChar char="-"/>
+            </a:pPr>
+            <a:r>
+              <a:rPr lang="en-GB" dirty="0"/>
+              <a:t>Key contacts in ONS/OSR (e.g. Mitch &amp; Michael)</a:t>
+            </a:r>
+          </a:p>
+          <a:p>
+            <a:pPr marL="171450" indent="-171450">
+              <a:buFontTx/>
+              <a:buChar char="-"/>
+            </a:pPr>
+            <a:r>
+              <a:rPr lang="en-GB" dirty="0"/>
+              <a:t>X-gov data science Slack</a:t>
+            </a:r>
+          </a:p>
+          <a:p>
+            <a:pPr marL="171450" indent="-171450">
+              <a:buFontTx/>
+              <a:buChar char="-"/>
+            </a:pPr>
+            <a:r>
+              <a:rPr lang="en-GB" dirty="0"/>
+              <a:t>DSA cohort</a:t>
+            </a:r>
+          </a:p>
+          <a:p>
+            <a:pPr marL="171450" indent="-171450">
+              <a:buFontTx/>
+              <a:buChar char="-"/>
+            </a:pPr>
+            <a:r>
+              <a:rPr lang="en-GB" dirty="0"/>
+              <a:t>Cabinet Office (James!)</a:t>
+            </a:r>
+          </a:p>
+        </p:txBody>
+      </p:sp>
+      <p:sp>
+        <p:nvSpPr>
+          <p:cNvPr id="4" name="Slide Number Placeholder 3"/>
+          <p:cNvSpPr>
+            <a:spLocks noGrp="1"/>
+          </p:cNvSpPr>
+          <p:nvPr>
+            <p:ph type="sldNum" sz="quarter" idx="5"/>
+          </p:nvPr>
+        </p:nvSpPr>
+        <p:spPr/>
+        <p:txBody>
+          <a:bodyPr/>
+          <a:lstStyle/>
+          <a:p>
+            <a:pPr marL="0" marR="0" lvl="0" indent="0" algn="r" defTabSz="914400" rtl="0" eaLnBrk="1" fontAlgn="auto" latinLnBrk="0" hangingPunct="1">
+              <a:lnSpc>
+                <a:spcPct val="100000"/>
+              </a:lnSpc>
+              <a:spcBef>
+                <a:spcPts val="0"/>
+              </a:spcBef>
+              <a:spcAft>
+                <a:spcPts val="0"/>
+              </a:spcAft>
+              <a:buClrTx/>
+              <a:buSzTx/>
+              <a:buFontTx/>
+              <a:buNone/>
+              <a:tabLst/>
+              <a:defRPr/>
+            </a:pPr>
+            <a:fld id="{86546826-96BA-4624-A10C-6B069BA71481}" type="slidenum">
+              <a:rPr kumimoji="0" lang="en-GB" sz="1200" b="0" i="0" u="none" strike="noStrike" kern="1200" cap="none" spc="0" normalizeH="0" baseline="0" noProof="0" smtClean="0">
+                <a:ln>
+                  <a:noFill/>
+                </a:ln>
+                <a:solidFill>
+                  <a:prstClr val="black"/>
+                </a:solidFill>
+                <a:effectLst/>
+                <a:uLnTx/>
+                <a:uFillTx/>
+                <a:latin typeface="Calibri" panose="020F0502020204030204"/>
+                <a:ea typeface="+mn-ea"/>
+                <a:cs typeface="+mn-cs"/>
+              </a:rPr>
+              <a:pPr marL="0" marR="0" lvl="0" indent="0" algn="r" defTabSz="914400" rtl="0" eaLnBrk="1" fontAlgn="auto" latinLnBrk="0" hangingPunct="1">
+                <a:lnSpc>
+                  <a:spcPct val="100000"/>
+                </a:lnSpc>
+                <a:spcBef>
+                  <a:spcPts val="0"/>
+                </a:spcBef>
+                <a:spcAft>
+                  <a:spcPts val="0"/>
+                </a:spcAft>
+                <a:buClrTx/>
+                <a:buSzTx/>
+                <a:buFontTx/>
+                <a:buNone/>
+                <a:tabLst/>
+                <a:defRPr/>
+              </a:pPr>
+              <a:t>7</a:t>
+            </a:fld>
+            <a:endParaRPr kumimoji="0" lang="en-GB" sz="1200" b="0" i="0" u="none" strike="noStrike" kern="1200" cap="none" spc="0" normalizeH="0" baseline="0" noProof="0">
+              <a:ln>
+                <a:noFill/>
+              </a:ln>
+              <a:solidFill>
+                <a:prstClr val="black"/>
+              </a:solidFill>
+              <a:effectLst/>
+              <a:uLnTx/>
+              <a:uFillTx/>
+              <a:latin typeface="Calibri" panose="020F0502020204030204"/>
+              <a:ea typeface="+mn-ea"/>
+              <a:cs typeface="+mn-cs"/>
+            </a:endParaRPr>
+          </a:p>
+        </p:txBody>
+      </p:sp>
+    </p:spTree>
+    <p:extLst>
+      <p:ext uri="{BB962C8B-B14F-4D97-AF65-F5344CB8AC3E}">
+        <p14:creationId xmlns:p14="http://schemas.microsoft.com/office/powerpoint/2010/main" val="2805507030"/>
+      </p:ext>
+    </p:extLst>
+  </p:cSld>
+  <p:clrMapOvr>
+    <a:masterClrMapping/>
+  </p:clrMapOvr>
+</p:notes>
+</file>
+
 <file path=ppt/slideLayouts/slideLayout1.xml><?xml version="1.0" encoding="utf-8"?>
 <p:sldLayout xmlns:a="http://schemas.openxmlformats.org/drawingml/2006/main" xmlns:r="http://schemas.openxmlformats.org/officeDocument/2006/relationships" xmlns:p="http://schemas.openxmlformats.org/presentationml/2006/main" type="title" preserve="1">
   <p:cSld name="Title Slide">
@@ -267,7 +1820,7 @@
           <a:p>
             <a:fld id="{9A2B8767-FE38-44DC-83D7-19AB33F098DC}" type="datetimeFigureOut">
               <a:rPr lang="en-GB" smtClean="0"/>
-              <a:t>01/07/2021</a:t>
+              <a:t>05/07/2021</a:t>
             </a:fld>
             <a:endParaRPr lang="en-GB"/>
           </a:p>
@@ -467,7 +2020,7 @@
           <a:p>
             <a:fld id="{9A2B8767-FE38-44DC-83D7-19AB33F098DC}" type="datetimeFigureOut">
               <a:rPr lang="en-GB" smtClean="0"/>
-              <a:t>01/07/2021</a:t>
+              <a:t>05/07/2021</a:t>
             </a:fld>
             <a:endParaRPr lang="en-GB"/>
           </a:p>
@@ -677,7 +2230,7 @@
           <a:p>
             <a:fld id="{9A2B8767-FE38-44DC-83D7-19AB33F098DC}" type="datetimeFigureOut">
               <a:rPr lang="en-GB" smtClean="0"/>
-              <a:t>01/07/2021</a:t>
+              <a:t>05/07/2021</a:t>
             </a:fld>
             <a:endParaRPr lang="en-GB"/>
           </a:p>
@@ -741,6 +2294,1955 @@
     <p:extLst>
       <p:ext uri="{BB962C8B-B14F-4D97-AF65-F5344CB8AC3E}">
         <p14:creationId xmlns:p14="http://schemas.microsoft.com/office/powerpoint/2010/main" val="618981323"/>
+      </p:ext>
+    </p:extLst>
+  </p:cSld>
+  <p:clrMapOvr>
+    <a:masterClrMapping/>
+  </p:clrMapOvr>
+</p:sldLayout>
+</file>
+
+<file path=ppt/slideLayouts/slideLayout12.xml><?xml version="1.0" encoding="utf-8"?>
+<p:sldLayout xmlns:a="http://schemas.openxmlformats.org/drawingml/2006/main" xmlns:r="http://schemas.openxmlformats.org/officeDocument/2006/relationships" xmlns:p="http://schemas.openxmlformats.org/presentationml/2006/main" type="title" preserve="1">
+  <p:cSld name="Title Slide">
+    <p:spTree>
+      <p:nvGrpSpPr>
+        <p:cNvPr id="1" name=""/>
+        <p:cNvGrpSpPr/>
+        <p:nvPr/>
+      </p:nvGrpSpPr>
+      <p:grpSpPr>
+        <a:xfrm>
+          <a:off x="0" y="0"/>
+          <a:ext cx="0" cy="0"/>
+          <a:chOff x="0" y="0"/>
+          <a:chExt cx="0" cy="0"/>
+        </a:xfrm>
+      </p:grpSpPr>
+      <p:sp>
+        <p:nvSpPr>
+          <p:cNvPr id="2" name="Title 1">
+            <a:extLst>
+              <a:ext uri="{FF2B5EF4-FFF2-40B4-BE49-F238E27FC236}">
+                <a16:creationId xmlns:a16="http://schemas.microsoft.com/office/drawing/2014/main" id="{D542F4DA-3C57-492E-BA91-10C822567FAF}"/>
+              </a:ext>
+            </a:extLst>
+          </p:cNvPr>
+          <p:cNvSpPr>
+            <a:spLocks noGrp="1"/>
+          </p:cNvSpPr>
+          <p:nvPr>
+            <p:ph type="ctrTitle"/>
+          </p:nvPr>
+        </p:nvSpPr>
+        <p:spPr>
+          <a:xfrm>
+            <a:off x="1524000" y="1122363"/>
+            <a:ext cx="9144000" cy="2387600"/>
+          </a:xfrm>
+        </p:spPr>
+        <p:txBody>
+          <a:bodyPr anchor="b"/>
+          <a:lstStyle>
+            <a:lvl1pPr algn="ctr">
+              <a:defRPr sz="6000"/>
+            </a:lvl1pPr>
+          </a:lstStyle>
+          <a:p>
+            <a:r>
+              <a:rPr lang="en-US"/>
+              <a:t>Click to edit Master title style</a:t>
+            </a:r>
+            <a:endParaRPr lang="en-GB"/>
+          </a:p>
+        </p:txBody>
+      </p:sp>
+      <p:sp>
+        <p:nvSpPr>
+          <p:cNvPr id="3" name="Subtitle 2">
+            <a:extLst>
+              <a:ext uri="{FF2B5EF4-FFF2-40B4-BE49-F238E27FC236}">
+                <a16:creationId xmlns:a16="http://schemas.microsoft.com/office/drawing/2014/main" id="{93824668-68BB-4321-893A-21B5C74B68A7}"/>
+              </a:ext>
+            </a:extLst>
+          </p:cNvPr>
+          <p:cNvSpPr>
+            <a:spLocks noGrp="1"/>
+          </p:cNvSpPr>
+          <p:nvPr>
+            <p:ph type="subTitle" idx="1"/>
+          </p:nvPr>
+        </p:nvSpPr>
+        <p:spPr>
+          <a:xfrm>
+            <a:off x="1524000" y="3602038"/>
+            <a:ext cx="9144000" cy="1655762"/>
+          </a:xfrm>
+        </p:spPr>
+        <p:txBody>
+          <a:bodyPr/>
+          <a:lstStyle>
+            <a:lvl1pPr marL="0" indent="0" algn="ctr">
+              <a:buNone/>
+              <a:defRPr sz="2400"/>
+            </a:lvl1pPr>
+            <a:lvl2pPr marL="457200" indent="0" algn="ctr">
+              <a:buNone/>
+              <a:defRPr sz="2000"/>
+            </a:lvl2pPr>
+            <a:lvl3pPr marL="914400" indent="0" algn="ctr">
+              <a:buNone/>
+              <a:defRPr sz="1800"/>
+            </a:lvl3pPr>
+            <a:lvl4pPr marL="1371600" indent="0" algn="ctr">
+              <a:buNone/>
+              <a:defRPr sz="1600"/>
+            </a:lvl4pPr>
+            <a:lvl5pPr marL="1828800" indent="0" algn="ctr">
+              <a:buNone/>
+              <a:defRPr sz="1600"/>
+            </a:lvl5pPr>
+            <a:lvl6pPr marL="2286000" indent="0" algn="ctr">
+              <a:buNone/>
+              <a:defRPr sz="1600"/>
+            </a:lvl6pPr>
+            <a:lvl7pPr marL="2743200" indent="0" algn="ctr">
+              <a:buNone/>
+              <a:defRPr sz="1600"/>
+            </a:lvl7pPr>
+            <a:lvl8pPr marL="3200400" indent="0" algn="ctr">
+              <a:buNone/>
+              <a:defRPr sz="1600"/>
+            </a:lvl8pPr>
+            <a:lvl9pPr marL="3657600" indent="0" algn="ctr">
+              <a:buNone/>
+              <a:defRPr sz="1600"/>
+            </a:lvl9pPr>
+          </a:lstStyle>
+          <a:p>
+            <a:r>
+              <a:rPr lang="en-US"/>
+              <a:t>Click to edit Master subtitle style</a:t>
+            </a:r>
+            <a:endParaRPr lang="en-GB"/>
+          </a:p>
+        </p:txBody>
+      </p:sp>
+      <p:sp>
+        <p:nvSpPr>
+          <p:cNvPr id="4" name="Date Placeholder 3">
+            <a:extLst>
+              <a:ext uri="{FF2B5EF4-FFF2-40B4-BE49-F238E27FC236}">
+                <a16:creationId xmlns:a16="http://schemas.microsoft.com/office/drawing/2014/main" id="{260577F3-D26D-482F-8C54-E0D394B15177}"/>
+              </a:ext>
+            </a:extLst>
+          </p:cNvPr>
+          <p:cNvSpPr>
+            <a:spLocks noGrp="1"/>
+          </p:cNvSpPr>
+          <p:nvPr>
+            <p:ph type="dt" sz="half" idx="10"/>
+          </p:nvPr>
+        </p:nvSpPr>
+        <p:spPr/>
+        <p:txBody>
+          <a:bodyPr/>
+          <a:lstStyle/>
+          <a:p>
+            <a:fld id="{E4A62EDC-D5D1-49C5-B313-6E6F916DA0E0}" type="datetimeFigureOut">
+              <a:rPr lang="en-GB" smtClean="0"/>
+              <a:t>05/07/2021</a:t>
+            </a:fld>
+            <a:endParaRPr lang="en-GB"/>
+          </a:p>
+        </p:txBody>
+      </p:sp>
+      <p:sp>
+        <p:nvSpPr>
+          <p:cNvPr id="5" name="Footer Placeholder 4">
+            <a:extLst>
+              <a:ext uri="{FF2B5EF4-FFF2-40B4-BE49-F238E27FC236}">
+                <a16:creationId xmlns:a16="http://schemas.microsoft.com/office/drawing/2014/main" id="{50A0905B-0C15-43EE-A9DF-6BBACC5EF026}"/>
+              </a:ext>
+            </a:extLst>
+          </p:cNvPr>
+          <p:cNvSpPr>
+            <a:spLocks noGrp="1"/>
+          </p:cNvSpPr>
+          <p:nvPr>
+            <p:ph type="ftr" sz="quarter" idx="11"/>
+          </p:nvPr>
+        </p:nvSpPr>
+        <p:spPr/>
+        <p:txBody>
+          <a:bodyPr/>
+          <a:lstStyle/>
+          <a:p>
+            <a:endParaRPr lang="en-GB"/>
+          </a:p>
+        </p:txBody>
+      </p:sp>
+      <p:sp>
+        <p:nvSpPr>
+          <p:cNvPr id="6" name="Slide Number Placeholder 5">
+            <a:extLst>
+              <a:ext uri="{FF2B5EF4-FFF2-40B4-BE49-F238E27FC236}">
+                <a16:creationId xmlns:a16="http://schemas.microsoft.com/office/drawing/2014/main" id="{7EC80981-F939-48A9-BD25-D4E8225DAF53}"/>
+              </a:ext>
+            </a:extLst>
+          </p:cNvPr>
+          <p:cNvSpPr>
+            <a:spLocks noGrp="1"/>
+          </p:cNvSpPr>
+          <p:nvPr>
+            <p:ph type="sldNum" sz="quarter" idx="12"/>
+          </p:nvPr>
+        </p:nvSpPr>
+        <p:spPr/>
+        <p:txBody>
+          <a:bodyPr/>
+          <a:lstStyle/>
+          <a:p>
+            <a:fld id="{8479ABEB-CDBB-4AA8-AA24-8D8980FAD85B}" type="slidenum">
+              <a:rPr lang="en-GB" smtClean="0"/>
+              <a:t>‹#›</a:t>
+            </a:fld>
+            <a:endParaRPr lang="en-GB"/>
+          </a:p>
+        </p:txBody>
+      </p:sp>
+    </p:spTree>
+    <p:extLst>
+      <p:ext uri="{BB962C8B-B14F-4D97-AF65-F5344CB8AC3E}">
+        <p14:creationId xmlns:p14="http://schemas.microsoft.com/office/powerpoint/2010/main" val="1890716614"/>
+      </p:ext>
+    </p:extLst>
+  </p:cSld>
+  <p:clrMapOvr>
+    <a:masterClrMapping/>
+  </p:clrMapOvr>
+</p:sldLayout>
+</file>
+
+<file path=ppt/slideLayouts/slideLayout13.xml><?xml version="1.0" encoding="utf-8"?>
+<p:sldLayout xmlns:a="http://schemas.openxmlformats.org/drawingml/2006/main" xmlns:r="http://schemas.openxmlformats.org/officeDocument/2006/relationships" xmlns:p="http://schemas.openxmlformats.org/presentationml/2006/main" type="obj" preserve="1">
+  <p:cSld name="Title and Content">
+    <p:spTree>
+      <p:nvGrpSpPr>
+        <p:cNvPr id="1" name=""/>
+        <p:cNvGrpSpPr/>
+        <p:nvPr/>
+      </p:nvGrpSpPr>
+      <p:grpSpPr>
+        <a:xfrm>
+          <a:off x="0" y="0"/>
+          <a:ext cx="0" cy="0"/>
+          <a:chOff x="0" y="0"/>
+          <a:chExt cx="0" cy="0"/>
+        </a:xfrm>
+      </p:grpSpPr>
+      <p:sp>
+        <p:nvSpPr>
+          <p:cNvPr id="2" name="Title 1">
+            <a:extLst>
+              <a:ext uri="{FF2B5EF4-FFF2-40B4-BE49-F238E27FC236}">
+                <a16:creationId xmlns:a16="http://schemas.microsoft.com/office/drawing/2014/main" id="{F4784A09-1989-49ED-A3AA-F1BDC807D7EF}"/>
+              </a:ext>
+            </a:extLst>
+          </p:cNvPr>
+          <p:cNvSpPr>
+            <a:spLocks noGrp="1"/>
+          </p:cNvSpPr>
+          <p:nvPr>
+            <p:ph type="title"/>
+          </p:nvPr>
+        </p:nvSpPr>
+        <p:spPr/>
+        <p:txBody>
+          <a:bodyPr/>
+          <a:lstStyle/>
+          <a:p>
+            <a:r>
+              <a:rPr lang="en-US"/>
+              <a:t>Click to edit Master title style</a:t>
+            </a:r>
+            <a:endParaRPr lang="en-GB"/>
+          </a:p>
+        </p:txBody>
+      </p:sp>
+      <p:sp>
+        <p:nvSpPr>
+          <p:cNvPr id="3" name="Content Placeholder 2">
+            <a:extLst>
+              <a:ext uri="{FF2B5EF4-FFF2-40B4-BE49-F238E27FC236}">
+                <a16:creationId xmlns:a16="http://schemas.microsoft.com/office/drawing/2014/main" id="{FB95AFAA-666F-4C67-AFD3-E8DF4810920E}"/>
+              </a:ext>
+            </a:extLst>
+          </p:cNvPr>
+          <p:cNvSpPr>
+            <a:spLocks noGrp="1"/>
+          </p:cNvSpPr>
+          <p:nvPr>
+            <p:ph idx="1"/>
+          </p:nvPr>
+        </p:nvSpPr>
+        <p:spPr/>
+        <p:txBody>
+          <a:bodyPr/>
+          <a:lstStyle/>
+          <a:p>
+            <a:pPr lvl="0"/>
+            <a:r>
+              <a:rPr lang="en-US"/>
+              <a:t>Click to edit Master text styles</a:t>
+            </a:r>
+          </a:p>
+          <a:p>
+            <a:pPr lvl="1"/>
+            <a:r>
+              <a:rPr lang="en-US"/>
+              <a:t>Second level</a:t>
+            </a:r>
+          </a:p>
+          <a:p>
+            <a:pPr lvl="2"/>
+            <a:r>
+              <a:rPr lang="en-US"/>
+              <a:t>Third level</a:t>
+            </a:r>
+          </a:p>
+          <a:p>
+            <a:pPr lvl="3"/>
+            <a:r>
+              <a:rPr lang="en-US"/>
+              <a:t>Fourth level</a:t>
+            </a:r>
+          </a:p>
+          <a:p>
+            <a:pPr lvl="4"/>
+            <a:r>
+              <a:rPr lang="en-US"/>
+              <a:t>Fifth level</a:t>
+            </a:r>
+            <a:endParaRPr lang="en-GB"/>
+          </a:p>
+        </p:txBody>
+      </p:sp>
+      <p:sp>
+        <p:nvSpPr>
+          <p:cNvPr id="4" name="Date Placeholder 3">
+            <a:extLst>
+              <a:ext uri="{FF2B5EF4-FFF2-40B4-BE49-F238E27FC236}">
+                <a16:creationId xmlns:a16="http://schemas.microsoft.com/office/drawing/2014/main" id="{009CDF00-BDF5-444A-B340-7AC7335AD43D}"/>
+              </a:ext>
+            </a:extLst>
+          </p:cNvPr>
+          <p:cNvSpPr>
+            <a:spLocks noGrp="1"/>
+          </p:cNvSpPr>
+          <p:nvPr>
+            <p:ph type="dt" sz="half" idx="10"/>
+          </p:nvPr>
+        </p:nvSpPr>
+        <p:spPr/>
+        <p:txBody>
+          <a:bodyPr/>
+          <a:lstStyle/>
+          <a:p>
+            <a:fld id="{E4A62EDC-D5D1-49C5-B313-6E6F916DA0E0}" type="datetimeFigureOut">
+              <a:rPr lang="en-GB" smtClean="0"/>
+              <a:t>05/07/2021</a:t>
+            </a:fld>
+            <a:endParaRPr lang="en-GB"/>
+          </a:p>
+        </p:txBody>
+      </p:sp>
+      <p:sp>
+        <p:nvSpPr>
+          <p:cNvPr id="5" name="Footer Placeholder 4">
+            <a:extLst>
+              <a:ext uri="{FF2B5EF4-FFF2-40B4-BE49-F238E27FC236}">
+                <a16:creationId xmlns:a16="http://schemas.microsoft.com/office/drawing/2014/main" id="{67D8DFD9-AF70-4B2A-BA67-71CC3FCAB4BF}"/>
+              </a:ext>
+            </a:extLst>
+          </p:cNvPr>
+          <p:cNvSpPr>
+            <a:spLocks noGrp="1"/>
+          </p:cNvSpPr>
+          <p:nvPr>
+            <p:ph type="ftr" sz="quarter" idx="11"/>
+          </p:nvPr>
+        </p:nvSpPr>
+        <p:spPr/>
+        <p:txBody>
+          <a:bodyPr/>
+          <a:lstStyle/>
+          <a:p>
+            <a:endParaRPr lang="en-GB"/>
+          </a:p>
+        </p:txBody>
+      </p:sp>
+      <p:sp>
+        <p:nvSpPr>
+          <p:cNvPr id="6" name="Slide Number Placeholder 5">
+            <a:extLst>
+              <a:ext uri="{FF2B5EF4-FFF2-40B4-BE49-F238E27FC236}">
+                <a16:creationId xmlns:a16="http://schemas.microsoft.com/office/drawing/2014/main" id="{DC04D0E2-81FA-41BA-8F72-C377EA398384}"/>
+              </a:ext>
+            </a:extLst>
+          </p:cNvPr>
+          <p:cNvSpPr>
+            <a:spLocks noGrp="1"/>
+          </p:cNvSpPr>
+          <p:nvPr>
+            <p:ph type="sldNum" sz="quarter" idx="12"/>
+          </p:nvPr>
+        </p:nvSpPr>
+        <p:spPr/>
+        <p:txBody>
+          <a:bodyPr/>
+          <a:lstStyle/>
+          <a:p>
+            <a:fld id="{8479ABEB-CDBB-4AA8-AA24-8D8980FAD85B}" type="slidenum">
+              <a:rPr lang="en-GB" smtClean="0"/>
+              <a:t>‹#›</a:t>
+            </a:fld>
+            <a:endParaRPr lang="en-GB"/>
+          </a:p>
+        </p:txBody>
+      </p:sp>
+    </p:spTree>
+    <p:extLst>
+      <p:ext uri="{BB962C8B-B14F-4D97-AF65-F5344CB8AC3E}">
+        <p14:creationId xmlns:p14="http://schemas.microsoft.com/office/powerpoint/2010/main" val="241556907"/>
+      </p:ext>
+    </p:extLst>
+  </p:cSld>
+  <p:clrMapOvr>
+    <a:masterClrMapping/>
+  </p:clrMapOvr>
+</p:sldLayout>
+</file>
+
+<file path=ppt/slideLayouts/slideLayout14.xml><?xml version="1.0" encoding="utf-8"?>
+<p:sldLayout xmlns:a="http://schemas.openxmlformats.org/drawingml/2006/main" xmlns:r="http://schemas.openxmlformats.org/officeDocument/2006/relationships" xmlns:p="http://schemas.openxmlformats.org/presentationml/2006/main" type="secHead" preserve="1">
+  <p:cSld name="Section Header">
+    <p:spTree>
+      <p:nvGrpSpPr>
+        <p:cNvPr id="1" name=""/>
+        <p:cNvGrpSpPr/>
+        <p:nvPr/>
+      </p:nvGrpSpPr>
+      <p:grpSpPr>
+        <a:xfrm>
+          <a:off x="0" y="0"/>
+          <a:ext cx="0" cy="0"/>
+          <a:chOff x="0" y="0"/>
+          <a:chExt cx="0" cy="0"/>
+        </a:xfrm>
+      </p:grpSpPr>
+      <p:sp>
+        <p:nvSpPr>
+          <p:cNvPr id="2" name="Title 1">
+            <a:extLst>
+              <a:ext uri="{FF2B5EF4-FFF2-40B4-BE49-F238E27FC236}">
+                <a16:creationId xmlns:a16="http://schemas.microsoft.com/office/drawing/2014/main" id="{9F1564A6-4238-410D-A687-830FF65E4DFD}"/>
+              </a:ext>
+            </a:extLst>
+          </p:cNvPr>
+          <p:cNvSpPr>
+            <a:spLocks noGrp="1"/>
+          </p:cNvSpPr>
+          <p:nvPr>
+            <p:ph type="title"/>
+          </p:nvPr>
+        </p:nvSpPr>
+        <p:spPr>
+          <a:xfrm>
+            <a:off x="831850" y="1709738"/>
+            <a:ext cx="10515600" cy="2852737"/>
+          </a:xfrm>
+        </p:spPr>
+        <p:txBody>
+          <a:bodyPr anchor="b"/>
+          <a:lstStyle>
+            <a:lvl1pPr>
+              <a:defRPr sz="6000"/>
+            </a:lvl1pPr>
+          </a:lstStyle>
+          <a:p>
+            <a:r>
+              <a:rPr lang="en-US"/>
+              <a:t>Click to edit Master title style</a:t>
+            </a:r>
+            <a:endParaRPr lang="en-GB"/>
+          </a:p>
+        </p:txBody>
+      </p:sp>
+      <p:sp>
+        <p:nvSpPr>
+          <p:cNvPr id="3" name="Text Placeholder 2">
+            <a:extLst>
+              <a:ext uri="{FF2B5EF4-FFF2-40B4-BE49-F238E27FC236}">
+                <a16:creationId xmlns:a16="http://schemas.microsoft.com/office/drawing/2014/main" id="{1961D4A7-A5C3-48A5-8F95-DE3B31999BC7}"/>
+              </a:ext>
+            </a:extLst>
+          </p:cNvPr>
+          <p:cNvSpPr>
+            <a:spLocks noGrp="1"/>
+          </p:cNvSpPr>
+          <p:nvPr>
+            <p:ph type="body" idx="1"/>
+          </p:nvPr>
+        </p:nvSpPr>
+        <p:spPr>
+          <a:xfrm>
+            <a:off x="831850" y="4589463"/>
+            <a:ext cx="10515600" cy="1500187"/>
+          </a:xfrm>
+        </p:spPr>
+        <p:txBody>
+          <a:bodyPr/>
+          <a:lstStyle>
+            <a:lvl1pPr marL="0" indent="0">
+              <a:buNone/>
+              <a:defRPr sz="2400">
+                <a:solidFill>
+                  <a:schemeClr val="tx1">
+                    <a:tint val="75000"/>
+                  </a:schemeClr>
+                </a:solidFill>
+              </a:defRPr>
+            </a:lvl1pPr>
+            <a:lvl2pPr marL="457200" indent="0">
+              <a:buNone/>
+              <a:defRPr sz="2000">
+                <a:solidFill>
+                  <a:schemeClr val="tx1">
+                    <a:tint val="75000"/>
+                  </a:schemeClr>
+                </a:solidFill>
+              </a:defRPr>
+            </a:lvl2pPr>
+            <a:lvl3pPr marL="914400" indent="0">
+              <a:buNone/>
+              <a:defRPr sz="1800">
+                <a:solidFill>
+                  <a:schemeClr val="tx1">
+                    <a:tint val="75000"/>
+                  </a:schemeClr>
+                </a:solidFill>
+              </a:defRPr>
+            </a:lvl3pPr>
+            <a:lvl4pPr marL="1371600" indent="0">
+              <a:buNone/>
+              <a:defRPr sz="1600">
+                <a:solidFill>
+                  <a:schemeClr val="tx1">
+                    <a:tint val="75000"/>
+                  </a:schemeClr>
+                </a:solidFill>
+              </a:defRPr>
+            </a:lvl4pPr>
+            <a:lvl5pPr marL="1828800" indent="0">
+              <a:buNone/>
+              <a:defRPr sz="1600">
+                <a:solidFill>
+                  <a:schemeClr val="tx1">
+                    <a:tint val="75000"/>
+                  </a:schemeClr>
+                </a:solidFill>
+              </a:defRPr>
+            </a:lvl5pPr>
+            <a:lvl6pPr marL="2286000" indent="0">
+              <a:buNone/>
+              <a:defRPr sz="1600">
+                <a:solidFill>
+                  <a:schemeClr val="tx1">
+                    <a:tint val="75000"/>
+                  </a:schemeClr>
+                </a:solidFill>
+              </a:defRPr>
+            </a:lvl6pPr>
+            <a:lvl7pPr marL="2743200" indent="0">
+              <a:buNone/>
+              <a:defRPr sz="1600">
+                <a:solidFill>
+                  <a:schemeClr val="tx1">
+                    <a:tint val="75000"/>
+                  </a:schemeClr>
+                </a:solidFill>
+              </a:defRPr>
+            </a:lvl7pPr>
+            <a:lvl8pPr marL="3200400" indent="0">
+              <a:buNone/>
+              <a:defRPr sz="1600">
+                <a:solidFill>
+                  <a:schemeClr val="tx1">
+                    <a:tint val="75000"/>
+                  </a:schemeClr>
+                </a:solidFill>
+              </a:defRPr>
+            </a:lvl8pPr>
+            <a:lvl9pPr marL="3657600" indent="0">
+              <a:buNone/>
+              <a:defRPr sz="1600">
+                <a:solidFill>
+                  <a:schemeClr val="tx1">
+                    <a:tint val="75000"/>
+                  </a:schemeClr>
+                </a:solidFill>
+              </a:defRPr>
+            </a:lvl9pPr>
+          </a:lstStyle>
+          <a:p>
+            <a:pPr lvl="0"/>
+            <a:r>
+              <a:rPr lang="en-US"/>
+              <a:t>Click to edit Master text styles</a:t>
+            </a:r>
+          </a:p>
+        </p:txBody>
+      </p:sp>
+      <p:sp>
+        <p:nvSpPr>
+          <p:cNvPr id="4" name="Date Placeholder 3">
+            <a:extLst>
+              <a:ext uri="{FF2B5EF4-FFF2-40B4-BE49-F238E27FC236}">
+                <a16:creationId xmlns:a16="http://schemas.microsoft.com/office/drawing/2014/main" id="{2467F68F-748C-4E92-BEF8-B67E4F61C0A4}"/>
+              </a:ext>
+            </a:extLst>
+          </p:cNvPr>
+          <p:cNvSpPr>
+            <a:spLocks noGrp="1"/>
+          </p:cNvSpPr>
+          <p:nvPr>
+            <p:ph type="dt" sz="half" idx="10"/>
+          </p:nvPr>
+        </p:nvSpPr>
+        <p:spPr/>
+        <p:txBody>
+          <a:bodyPr/>
+          <a:lstStyle/>
+          <a:p>
+            <a:fld id="{E4A62EDC-D5D1-49C5-B313-6E6F916DA0E0}" type="datetimeFigureOut">
+              <a:rPr lang="en-GB" smtClean="0"/>
+              <a:t>05/07/2021</a:t>
+            </a:fld>
+            <a:endParaRPr lang="en-GB"/>
+          </a:p>
+        </p:txBody>
+      </p:sp>
+      <p:sp>
+        <p:nvSpPr>
+          <p:cNvPr id="5" name="Footer Placeholder 4">
+            <a:extLst>
+              <a:ext uri="{FF2B5EF4-FFF2-40B4-BE49-F238E27FC236}">
+                <a16:creationId xmlns:a16="http://schemas.microsoft.com/office/drawing/2014/main" id="{8A37CB54-5216-4417-8339-47F9BB58AF4C}"/>
+              </a:ext>
+            </a:extLst>
+          </p:cNvPr>
+          <p:cNvSpPr>
+            <a:spLocks noGrp="1"/>
+          </p:cNvSpPr>
+          <p:nvPr>
+            <p:ph type="ftr" sz="quarter" idx="11"/>
+          </p:nvPr>
+        </p:nvSpPr>
+        <p:spPr/>
+        <p:txBody>
+          <a:bodyPr/>
+          <a:lstStyle/>
+          <a:p>
+            <a:endParaRPr lang="en-GB"/>
+          </a:p>
+        </p:txBody>
+      </p:sp>
+      <p:sp>
+        <p:nvSpPr>
+          <p:cNvPr id="6" name="Slide Number Placeholder 5">
+            <a:extLst>
+              <a:ext uri="{FF2B5EF4-FFF2-40B4-BE49-F238E27FC236}">
+                <a16:creationId xmlns:a16="http://schemas.microsoft.com/office/drawing/2014/main" id="{7E53B410-02D8-4B9C-B490-6A0D3DC01CCA}"/>
+              </a:ext>
+            </a:extLst>
+          </p:cNvPr>
+          <p:cNvSpPr>
+            <a:spLocks noGrp="1"/>
+          </p:cNvSpPr>
+          <p:nvPr>
+            <p:ph type="sldNum" sz="quarter" idx="12"/>
+          </p:nvPr>
+        </p:nvSpPr>
+        <p:spPr/>
+        <p:txBody>
+          <a:bodyPr/>
+          <a:lstStyle/>
+          <a:p>
+            <a:fld id="{8479ABEB-CDBB-4AA8-AA24-8D8980FAD85B}" type="slidenum">
+              <a:rPr lang="en-GB" smtClean="0"/>
+              <a:t>‹#›</a:t>
+            </a:fld>
+            <a:endParaRPr lang="en-GB"/>
+          </a:p>
+        </p:txBody>
+      </p:sp>
+    </p:spTree>
+    <p:extLst>
+      <p:ext uri="{BB962C8B-B14F-4D97-AF65-F5344CB8AC3E}">
+        <p14:creationId xmlns:p14="http://schemas.microsoft.com/office/powerpoint/2010/main" val="1415028317"/>
+      </p:ext>
+    </p:extLst>
+  </p:cSld>
+  <p:clrMapOvr>
+    <a:masterClrMapping/>
+  </p:clrMapOvr>
+</p:sldLayout>
+</file>
+
+<file path=ppt/slideLayouts/slideLayout15.xml><?xml version="1.0" encoding="utf-8"?>
+<p:sldLayout xmlns:a="http://schemas.openxmlformats.org/drawingml/2006/main" xmlns:r="http://schemas.openxmlformats.org/officeDocument/2006/relationships" xmlns:p="http://schemas.openxmlformats.org/presentationml/2006/main" type="twoObj" preserve="1">
+  <p:cSld name="Two Content">
+    <p:spTree>
+      <p:nvGrpSpPr>
+        <p:cNvPr id="1" name=""/>
+        <p:cNvGrpSpPr/>
+        <p:nvPr/>
+      </p:nvGrpSpPr>
+      <p:grpSpPr>
+        <a:xfrm>
+          <a:off x="0" y="0"/>
+          <a:ext cx="0" cy="0"/>
+          <a:chOff x="0" y="0"/>
+          <a:chExt cx="0" cy="0"/>
+        </a:xfrm>
+      </p:grpSpPr>
+      <p:sp>
+        <p:nvSpPr>
+          <p:cNvPr id="2" name="Title 1">
+            <a:extLst>
+              <a:ext uri="{FF2B5EF4-FFF2-40B4-BE49-F238E27FC236}">
+                <a16:creationId xmlns:a16="http://schemas.microsoft.com/office/drawing/2014/main" id="{47AEE31B-9EF1-4454-A236-0E16DFF9ED90}"/>
+              </a:ext>
+            </a:extLst>
+          </p:cNvPr>
+          <p:cNvSpPr>
+            <a:spLocks noGrp="1"/>
+          </p:cNvSpPr>
+          <p:nvPr>
+            <p:ph type="title"/>
+          </p:nvPr>
+        </p:nvSpPr>
+        <p:spPr/>
+        <p:txBody>
+          <a:bodyPr/>
+          <a:lstStyle/>
+          <a:p>
+            <a:r>
+              <a:rPr lang="en-US"/>
+              <a:t>Click to edit Master title style</a:t>
+            </a:r>
+            <a:endParaRPr lang="en-GB"/>
+          </a:p>
+        </p:txBody>
+      </p:sp>
+      <p:sp>
+        <p:nvSpPr>
+          <p:cNvPr id="3" name="Content Placeholder 2">
+            <a:extLst>
+              <a:ext uri="{FF2B5EF4-FFF2-40B4-BE49-F238E27FC236}">
+                <a16:creationId xmlns:a16="http://schemas.microsoft.com/office/drawing/2014/main" id="{13036343-8311-423D-A7D8-097FEA302D3E}"/>
+              </a:ext>
+            </a:extLst>
+          </p:cNvPr>
+          <p:cNvSpPr>
+            <a:spLocks noGrp="1"/>
+          </p:cNvSpPr>
+          <p:nvPr>
+            <p:ph sz="half" idx="1"/>
+          </p:nvPr>
+        </p:nvSpPr>
+        <p:spPr>
+          <a:xfrm>
+            <a:off x="838200" y="1825625"/>
+            <a:ext cx="5181600" cy="4351338"/>
+          </a:xfrm>
+        </p:spPr>
+        <p:txBody>
+          <a:bodyPr/>
+          <a:lstStyle/>
+          <a:p>
+            <a:pPr lvl="0"/>
+            <a:r>
+              <a:rPr lang="en-US"/>
+              <a:t>Click to edit Master text styles</a:t>
+            </a:r>
+          </a:p>
+          <a:p>
+            <a:pPr lvl="1"/>
+            <a:r>
+              <a:rPr lang="en-US"/>
+              <a:t>Second level</a:t>
+            </a:r>
+          </a:p>
+          <a:p>
+            <a:pPr lvl="2"/>
+            <a:r>
+              <a:rPr lang="en-US"/>
+              <a:t>Third level</a:t>
+            </a:r>
+          </a:p>
+          <a:p>
+            <a:pPr lvl="3"/>
+            <a:r>
+              <a:rPr lang="en-US"/>
+              <a:t>Fourth level</a:t>
+            </a:r>
+          </a:p>
+          <a:p>
+            <a:pPr lvl="4"/>
+            <a:r>
+              <a:rPr lang="en-US"/>
+              <a:t>Fifth level</a:t>
+            </a:r>
+            <a:endParaRPr lang="en-GB"/>
+          </a:p>
+        </p:txBody>
+      </p:sp>
+      <p:sp>
+        <p:nvSpPr>
+          <p:cNvPr id="4" name="Content Placeholder 3">
+            <a:extLst>
+              <a:ext uri="{FF2B5EF4-FFF2-40B4-BE49-F238E27FC236}">
+                <a16:creationId xmlns:a16="http://schemas.microsoft.com/office/drawing/2014/main" id="{80107C3F-16A2-43B9-9970-67D3C67BCCF5}"/>
+              </a:ext>
+            </a:extLst>
+          </p:cNvPr>
+          <p:cNvSpPr>
+            <a:spLocks noGrp="1"/>
+          </p:cNvSpPr>
+          <p:nvPr>
+            <p:ph sz="half" idx="2"/>
+          </p:nvPr>
+        </p:nvSpPr>
+        <p:spPr>
+          <a:xfrm>
+            <a:off x="6172200" y="1825625"/>
+            <a:ext cx="5181600" cy="4351338"/>
+          </a:xfrm>
+        </p:spPr>
+        <p:txBody>
+          <a:bodyPr/>
+          <a:lstStyle/>
+          <a:p>
+            <a:pPr lvl="0"/>
+            <a:r>
+              <a:rPr lang="en-US"/>
+              <a:t>Click to edit Master text styles</a:t>
+            </a:r>
+          </a:p>
+          <a:p>
+            <a:pPr lvl="1"/>
+            <a:r>
+              <a:rPr lang="en-US"/>
+              <a:t>Second level</a:t>
+            </a:r>
+          </a:p>
+          <a:p>
+            <a:pPr lvl="2"/>
+            <a:r>
+              <a:rPr lang="en-US"/>
+              <a:t>Third level</a:t>
+            </a:r>
+          </a:p>
+          <a:p>
+            <a:pPr lvl="3"/>
+            <a:r>
+              <a:rPr lang="en-US"/>
+              <a:t>Fourth level</a:t>
+            </a:r>
+          </a:p>
+          <a:p>
+            <a:pPr lvl="4"/>
+            <a:r>
+              <a:rPr lang="en-US"/>
+              <a:t>Fifth level</a:t>
+            </a:r>
+            <a:endParaRPr lang="en-GB"/>
+          </a:p>
+        </p:txBody>
+      </p:sp>
+      <p:sp>
+        <p:nvSpPr>
+          <p:cNvPr id="5" name="Date Placeholder 4">
+            <a:extLst>
+              <a:ext uri="{FF2B5EF4-FFF2-40B4-BE49-F238E27FC236}">
+                <a16:creationId xmlns:a16="http://schemas.microsoft.com/office/drawing/2014/main" id="{95023420-AED3-4C1B-9568-DE9A15AF31B1}"/>
+              </a:ext>
+            </a:extLst>
+          </p:cNvPr>
+          <p:cNvSpPr>
+            <a:spLocks noGrp="1"/>
+          </p:cNvSpPr>
+          <p:nvPr>
+            <p:ph type="dt" sz="half" idx="10"/>
+          </p:nvPr>
+        </p:nvSpPr>
+        <p:spPr/>
+        <p:txBody>
+          <a:bodyPr/>
+          <a:lstStyle/>
+          <a:p>
+            <a:fld id="{E4A62EDC-D5D1-49C5-B313-6E6F916DA0E0}" type="datetimeFigureOut">
+              <a:rPr lang="en-GB" smtClean="0"/>
+              <a:t>05/07/2021</a:t>
+            </a:fld>
+            <a:endParaRPr lang="en-GB"/>
+          </a:p>
+        </p:txBody>
+      </p:sp>
+      <p:sp>
+        <p:nvSpPr>
+          <p:cNvPr id="6" name="Footer Placeholder 5">
+            <a:extLst>
+              <a:ext uri="{FF2B5EF4-FFF2-40B4-BE49-F238E27FC236}">
+                <a16:creationId xmlns:a16="http://schemas.microsoft.com/office/drawing/2014/main" id="{2DEFBC6E-FFF9-4FAB-844A-F21E88D02919}"/>
+              </a:ext>
+            </a:extLst>
+          </p:cNvPr>
+          <p:cNvSpPr>
+            <a:spLocks noGrp="1"/>
+          </p:cNvSpPr>
+          <p:nvPr>
+            <p:ph type="ftr" sz="quarter" idx="11"/>
+          </p:nvPr>
+        </p:nvSpPr>
+        <p:spPr/>
+        <p:txBody>
+          <a:bodyPr/>
+          <a:lstStyle/>
+          <a:p>
+            <a:endParaRPr lang="en-GB"/>
+          </a:p>
+        </p:txBody>
+      </p:sp>
+      <p:sp>
+        <p:nvSpPr>
+          <p:cNvPr id="7" name="Slide Number Placeholder 6">
+            <a:extLst>
+              <a:ext uri="{FF2B5EF4-FFF2-40B4-BE49-F238E27FC236}">
+                <a16:creationId xmlns:a16="http://schemas.microsoft.com/office/drawing/2014/main" id="{4FD18EFD-B2FA-45FD-B7A4-0BC05F2DB837}"/>
+              </a:ext>
+            </a:extLst>
+          </p:cNvPr>
+          <p:cNvSpPr>
+            <a:spLocks noGrp="1"/>
+          </p:cNvSpPr>
+          <p:nvPr>
+            <p:ph type="sldNum" sz="quarter" idx="12"/>
+          </p:nvPr>
+        </p:nvSpPr>
+        <p:spPr/>
+        <p:txBody>
+          <a:bodyPr/>
+          <a:lstStyle/>
+          <a:p>
+            <a:fld id="{8479ABEB-CDBB-4AA8-AA24-8D8980FAD85B}" type="slidenum">
+              <a:rPr lang="en-GB" smtClean="0"/>
+              <a:t>‹#›</a:t>
+            </a:fld>
+            <a:endParaRPr lang="en-GB"/>
+          </a:p>
+        </p:txBody>
+      </p:sp>
+    </p:spTree>
+    <p:extLst>
+      <p:ext uri="{BB962C8B-B14F-4D97-AF65-F5344CB8AC3E}">
+        <p14:creationId xmlns:p14="http://schemas.microsoft.com/office/powerpoint/2010/main" val="1798443286"/>
+      </p:ext>
+    </p:extLst>
+  </p:cSld>
+  <p:clrMapOvr>
+    <a:masterClrMapping/>
+  </p:clrMapOvr>
+</p:sldLayout>
+</file>
+
+<file path=ppt/slideLayouts/slideLayout16.xml><?xml version="1.0" encoding="utf-8"?>
+<p:sldLayout xmlns:a="http://schemas.openxmlformats.org/drawingml/2006/main" xmlns:r="http://schemas.openxmlformats.org/officeDocument/2006/relationships" xmlns:p="http://schemas.openxmlformats.org/presentationml/2006/main" type="twoTxTwoObj" preserve="1">
+  <p:cSld name="Comparison">
+    <p:spTree>
+      <p:nvGrpSpPr>
+        <p:cNvPr id="1" name=""/>
+        <p:cNvGrpSpPr/>
+        <p:nvPr/>
+      </p:nvGrpSpPr>
+      <p:grpSpPr>
+        <a:xfrm>
+          <a:off x="0" y="0"/>
+          <a:ext cx="0" cy="0"/>
+          <a:chOff x="0" y="0"/>
+          <a:chExt cx="0" cy="0"/>
+        </a:xfrm>
+      </p:grpSpPr>
+      <p:sp>
+        <p:nvSpPr>
+          <p:cNvPr id="2" name="Title 1">
+            <a:extLst>
+              <a:ext uri="{FF2B5EF4-FFF2-40B4-BE49-F238E27FC236}">
+                <a16:creationId xmlns:a16="http://schemas.microsoft.com/office/drawing/2014/main" id="{2642A440-7D52-41EF-9144-A48C19569715}"/>
+              </a:ext>
+            </a:extLst>
+          </p:cNvPr>
+          <p:cNvSpPr>
+            <a:spLocks noGrp="1"/>
+          </p:cNvSpPr>
+          <p:nvPr>
+            <p:ph type="title"/>
+          </p:nvPr>
+        </p:nvSpPr>
+        <p:spPr>
+          <a:xfrm>
+            <a:off x="839788" y="365125"/>
+            <a:ext cx="10515600" cy="1325563"/>
+          </a:xfrm>
+        </p:spPr>
+        <p:txBody>
+          <a:bodyPr/>
+          <a:lstStyle/>
+          <a:p>
+            <a:r>
+              <a:rPr lang="en-US"/>
+              <a:t>Click to edit Master title style</a:t>
+            </a:r>
+            <a:endParaRPr lang="en-GB"/>
+          </a:p>
+        </p:txBody>
+      </p:sp>
+      <p:sp>
+        <p:nvSpPr>
+          <p:cNvPr id="3" name="Text Placeholder 2">
+            <a:extLst>
+              <a:ext uri="{FF2B5EF4-FFF2-40B4-BE49-F238E27FC236}">
+                <a16:creationId xmlns:a16="http://schemas.microsoft.com/office/drawing/2014/main" id="{5FA0B939-580E-424B-BFF9-E74C96C8CF80}"/>
+              </a:ext>
+            </a:extLst>
+          </p:cNvPr>
+          <p:cNvSpPr>
+            <a:spLocks noGrp="1"/>
+          </p:cNvSpPr>
+          <p:nvPr>
+            <p:ph type="body" idx="1"/>
+          </p:nvPr>
+        </p:nvSpPr>
+        <p:spPr>
+          <a:xfrm>
+            <a:off x="839788" y="1681163"/>
+            <a:ext cx="5157787" cy="823912"/>
+          </a:xfrm>
+        </p:spPr>
+        <p:txBody>
+          <a:bodyPr anchor="b"/>
+          <a:lstStyle>
+            <a:lvl1pPr marL="0" indent="0">
+              <a:buNone/>
+              <a:defRPr sz="2400" b="1"/>
+            </a:lvl1pPr>
+            <a:lvl2pPr marL="457200" indent="0">
+              <a:buNone/>
+              <a:defRPr sz="2000" b="1"/>
+            </a:lvl2pPr>
+            <a:lvl3pPr marL="914400" indent="0">
+              <a:buNone/>
+              <a:defRPr sz="1800" b="1"/>
+            </a:lvl3pPr>
+            <a:lvl4pPr marL="1371600" indent="0">
+              <a:buNone/>
+              <a:defRPr sz="1600" b="1"/>
+            </a:lvl4pPr>
+            <a:lvl5pPr marL="1828800" indent="0">
+              <a:buNone/>
+              <a:defRPr sz="1600" b="1"/>
+            </a:lvl5pPr>
+            <a:lvl6pPr marL="2286000" indent="0">
+              <a:buNone/>
+              <a:defRPr sz="1600" b="1"/>
+            </a:lvl6pPr>
+            <a:lvl7pPr marL="2743200" indent="0">
+              <a:buNone/>
+              <a:defRPr sz="1600" b="1"/>
+            </a:lvl7pPr>
+            <a:lvl8pPr marL="3200400" indent="0">
+              <a:buNone/>
+              <a:defRPr sz="1600" b="1"/>
+            </a:lvl8pPr>
+            <a:lvl9pPr marL="3657600" indent="0">
+              <a:buNone/>
+              <a:defRPr sz="1600" b="1"/>
+            </a:lvl9pPr>
+          </a:lstStyle>
+          <a:p>
+            <a:pPr lvl="0"/>
+            <a:r>
+              <a:rPr lang="en-US"/>
+              <a:t>Click to edit Master text styles</a:t>
+            </a:r>
+          </a:p>
+        </p:txBody>
+      </p:sp>
+      <p:sp>
+        <p:nvSpPr>
+          <p:cNvPr id="4" name="Content Placeholder 3">
+            <a:extLst>
+              <a:ext uri="{FF2B5EF4-FFF2-40B4-BE49-F238E27FC236}">
+                <a16:creationId xmlns:a16="http://schemas.microsoft.com/office/drawing/2014/main" id="{D5A459B9-AF99-4E25-A1F2-18CEA154D28D}"/>
+              </a:ext>
+            </a:extLst>
+          </p:cNvPr>
+          <p:cNvSpPr>
+            <a:spLocks noGrp="1"/>
+          </p:cNvSpPr>
+          <p:nvPr>
+            <p:ph sz="half" idx="2"/>
+          </p:nvPr>
+        </p:nvSpPr>
+        <p:spPr>
+          <a:xfrm>
+            <a:off x="839788" y="2505075"/>
+            <a:ext cx="5157787" cy="3684588"/>
+          </a:xfrm>
+        </p:spPr>
+        <p:txBody>
+          <a:bodyPr/>
+          <a:lstStyle/>
+          <a:p>
+            <a:pPr lvl="0"/>
+            <a:r>
+              <a:rPr lang="en-US"/>
+              <a:t>Click to edit Master text styles</a:t>
+            </a:r>
+          </a:p>
+          <a:p>
+            <a:pPr lvl="1"/>
+            <a:r>
+              <a:rPr lang="en-US"/>
+              <a:t>Second level</a:t>
+            </a:r>
+          </a:p>
+          <a:p>
+            <a:pPr lvl="2"/>
+            <a:r>
+              <a:rPr lang="en-US"/>
+              <a:t>Third level</a:t>
+            </a:r>
+          </a:p>
+          <a:p>
+            <a:pPr lvl="3"/>
+            <a:r>
+              <a:rPr lang="en-US"/>
+              <a:t>Fourth level</a:t>
+            </a:r>
+          </a:p>
+          <a:p>
+            <a:pPr lvl="4"/>
+            <a:r>
+              <a:rPr lang="en-US"/>
+              <a:t>Fifth level</a:t>
+            </a:r>
+            <a:endParaRPr lang="en-GB"/>
+          </a:p>
+        </p:txBody>
+      </p:sp>
+      <p:sp>
+        <p:nvSpPr>
+          <p:cNvPr id="5" name="Text Placeholder 4">
+            <a:extLst>
+              <a:ext uri="{FF2B5EF4-FFF2-40B4-BE49-F238E27FC236}">
+                <a16:creationId xmlns:a16="http://schemas.microsoft.com/office/drawing/2014/main" id="{3086CC4B-EE71-4291-A44C-0B2B680A607C}"/>
+              </a:ext>
+            </a:extLst>
+          </p:cNvPr>
+          <p:cNvSpPr>
+            <a:spLocks noGrp="1"/>
+          </p:cNvSpPr>
+          <p:nvPr>
+            <p:ph type="body" sz="quarter" idx="3"/>
+          </p:nvPr>
+        </p:nvSpPr>
+        <p:spPr>
+          <a:xfrm>
+            <a:off x="6172200" y="1681163"/>
+            <a:ext cx="5183188" cy="823912"/>
+          </a:xfrm>
+        </p:spPr>
+        <p:txBody>
+          <a:bodyPr anchor="b"/>
+          <a:lstStyle>
+            <a:lvl1pPr marL="0" indent="0">
+              <a:buNone/>
+              <a:defRPr sz="2400" b="1"/>
+            </a:lvl1pPr>
+            <a:lvl2pPr marL="457200" indent="0">
+              <a:buNone/>
+              <a:defRPr sz="2000" b="1"/>
+            </a:lvl2pPr>
+            <a:lvl3pPr marL="914400" indent="0">
+              <a:buNone/>
+              <a:defRPr sz="1800" b="1"/>
+            </a:lvl3pPr>
+            <a:lvl4pPr marL="1371600" indent="0">
+              <a:buNone/>
+              <a:defRPr sz="1600" b="1"/>
+            </a:lvl4pPr>
+            <a:lvl5pPr marL="1828800" indent="0">
+              <a:buNone/>
+              <a:defRPr sz="1600" b="1"/>
+            </a:lvl5pPr>
+            <a:lvl6pPr marL="2286000" indent="0">
+              <a:buNone/>
+              <a:defRPr sz="1600" b="1"/>
+            </a:lvl6pPr>
+            <a:lvl7pPr marL="2743200" indent="0">
+              <a:buNone/>
+              <a:defRPr sz="1600" b="1"/>
+            </a:lvl7pPr>
+            <a:lvl8pPr marL="3200400" indent="0">
+              <a:buNone/>
+              <a:defRPr sz="1600" b="1"/>
+            </a:lvl8pPr>
+            <a:lvl9pPr marL="3657600" indent="0">
+              <a:buNone/>
+              <a:defRPr sz="1600" b="1"/>
+            </a:lvl9pPr>
+          </a:lstStyle>
+          <a:p>
+            <a:pPr lvl="0"/>
+            <a:r>
+              <a:rPr lang="en-US"/>
+              <a:t>Click to edit Master text styles</a:t>
+            </a:r>
+          </a:p>
+        </p:txBody>
+      </p:sp>
+      <p:sp>
+        <p:nvSpPr>
+          <p:cNvPr id="6" name="Content Placeholder 5">
+            <a:extLst>
+              <a:ext uri="{FF2B5EF4-FFF2-40B4-BE49-F238E27FC236}">
+                <a16:creationId xmlns:a16="http://schemas.microsoft.com/office/drawing/2014/main" id="{E35A5253-41FD-4E95-A82C-35269F0974C4}"/>
+              </a:ext>
+            </a:extLst>
+          </p:cNvPr>
+          <p:cNvSpPr>
+            <a:spLocks noGrp="1"/>
+          </p:cNvSpPr>
+          <p:nvPr>
+            <p:ph sz="quarter" idx="4"/>
+          </p:nvPr>
+        </p:nvSpPr>
+        <p:spPr>
+          <a:xfrm>
+            <a:off x="6172200" y="2505075"/>
+            <a:ext cx="5183188" cy="3684588"/>
+          </a:xfrm>
+        </p:spPr>
+        <p:txBody>
+          <a:bodyPr/>
+          <a:lstStyle/>
+          <a:p>
+            <a:pPr lvl="0"/>
+            <a:r>
+              <a:rPr lang="en-US"/>
+              <a:t>Click to edit Master text styles</a:t>
+            </a:r>
+          </a:p>
+          <a:p>
+            <a:pPr lvl="1"/>
+            <a:r>
+              <a:rPr lang="en-US"/>
+              <a:t>Second level</a:t>
+            </a:r>
+          </a:p>
+          <a:p>
+            <a:pPr lvl="2"/>
+            <a:r>
+              <a:rPr lang="en-US"/>
+              <a:t>Third level</a:t>
+            </a:r>
+          </a:p>
+          <a:p>
+            <a:pPr lvl="3"/>
+            <a:r>
+              <a:rPr lang="en-US"/>
+              <a:t>Fourth level</a:t>
+            </a:r>
+          </a:p>
+          <a:p>
+            <a:pPr lvl="4"/>
+            <a:r>
+              <a:rPr lang="en-US"/>
+              <a:t>Fifth level</a:t>
+            </a:r>
+            <a:endParaRPr lang="en-GB"/>
+          </a:p>
+        </p:txBody>
+      </p:sp>
+      <p:sp>
+        <p:nvSpPr>
+          <p:cNvPr id="7" name="Date Placeholder 6">
+            <a:extLst>
+              <a:ext uri="{FF2B5EF4-FFF2-40B4-BE49-F238E27FC236}">
+                <a16:creationId xmlns:a16="http://schemas.microsoft.com/office/drawing/2014/main" id="{ADBE1DA4-22A4-415C-8650-45ACC5DAB24D}"/>
+              </a:ext>
+            </a:extLst>
+          </p:cNvPr>
+          <p:cNvSpPr>
+            <a:spLocks noGrp="1"/>
+          </p:cNvSpPr>
+          <p:nvPr>
+            <p:ph type="dt" sz="half" idx="10"/>
+          </p:nvPr>
+        </p:nvSpPr>
+        <p:spPr/>
+        <p:txBody>
+          <a:bodyPr/>
+          <a:lstStyle/>
+          <a:p>
+            <a:fld id="{E4A62EDC-D5D1-49C5-B313-6E6F916DA0E0}" type="datetimeFigureOut">
+              <a:rPr lang="en-GB" smtClean="0"/>
+              <a:t>05/07/2021</a:t>
+            </a:fld>
+            <a:endParaRPr lang="en-GB"/>
+          </a:p>
+        </p:txBody>
+      </p:sp>
+      <p:sp>
+        <p:nvSpPr>
+          <p:cNvPr id="8" name="Footer Placeholder 7">
+            <a:extLst>
+              <a:ext uri="{FF2B5EF4-FFF2-40B4-BE49-F238E27FC236}">
+                <a16:creationId xmlns:a16="http://schemas.microsoft.com/office/drawing/2014/main" id="{0CCDC4EF-C574-41A8-9E41-BCBFFCB55C52}"/>
+              </a:ext>
+            </a:extLst>
+          </p:cNvPr>
+          <p:cNvSpPr>
+            <a:spLocks noGrp="1"/>
+          </p:cNvSpPr>
+          <p:nvPr>
+            <p:ph type="ftr" sz="quarter" idx="11"/>
+          </p:nvPr>
+        </p:nvSpPr>
+        <p:spPr/>
+        <p:txBody>
+          <a:bodyPr/>
+          <a:lstStyle/>
+          <a:p>
+            <a:endParaRPr lang="en-GB"/>
+          </a:p>
+        </p:txBody>
+      </p:sp>
+      <p:sp>
+        <p:nvSpPr>
+          <p:cNvPr id="9" name="Slide Number Placeholder 8">
+            <a:extLst>
+              <a:ext uri="{FF2B5EF4-FFF2-40B4-BE49-F238E27FC236}">
+                <a16:creationId xmlns:a16="http://schemas.microsoft.com/office/drawing/2014/main" id="{1645C063-FBB5-4021-BA30-866F9E8BF214}"/>
+              </a:ext>
+            </a:extLst>
+          </p:cNvPr>
+          <p:cNvSpPr>
+            <a:spLocks noGrp="1"/>
+          </p:cNvSpPr>
+          <p:nvPr>
+            <p:ph type="sldNum" sz="quarter" idx="12"/>
+          </p:nvPr>
+        </p:nvSpPr>
+        <p:spPr/>
+        <p:txBody>
+          <a:bodyPr/>
+          <a:lstStyle/>
+          <a:p>
+            <a:fld id="{8479ABEB-CDBB-4AA8-AA24-8D8980FAD85B}" type="slidenum">
+              <a:rPr lang="en-GB" smtClean="0"/>
+              <a:t>‹#›</a:t>
+            </a:fld>
+            <a:endParaRPr lang="en-GB"/>
+          </a:p>
+        </p:txBody>
+      </p:sp>
+    </p:spTree>
+    <p:extLst>
+      <p:ext uri="{BB962C8B-B14F-4D97-AF65-F5344CB8AC3E}">
+        <p14:creationId xmlns:p14="http://schemas.microsoft.com/office/powerpoint/2010/main" val="3677763891"/>
+      </p:ext>
+    </p:extLst>
+  </p:cSld>
+  <p:clrMapOvr>
+    <a:masterClrMapping/>
+  </p:clrMapOvr>
+</p:sldLayout>
+</file>
+
+<file path=ppt/slideLayouts/slideLayout17.xml><?xml version="1.0" encoding="utf-8"?>
+<p:sldLayout xmlns:a="http://schemas.openxmlformats.org/drawingml/2006/main" xmlns:r="http://schemas.openxmlformats.org/officeDocument/2006/relationships" xmlns:p="http://schemas.openxmlformats.org/presentationml/2006/main" type="titleOnly" preserve="1">
+  <p:cSld name="Title Only">
+    <p:spTree>
+      <p:nvGrpSpPr>
+        <p:cNvPr id="1" name=""/>
+        <p:cNvGrpSpPr/>
+        <p:nvPr/>
+      </p:nvGrpSpPr>
+      <p:grpSpPr>
+        <a:xfrm>
+          <a:off x="0" y="0"/>
+          <a:ext cx="0" cy="0"/>
+          <a:chOff x="0" y="0"/>
+          <a:chExt cx="0" cy="0"/>
+        </a:xfrm>
+      </p:grpSpPr>
+      <p:sp>
+        <p:nvSpPr>
+          <p:cNvPr id="2" name="Title 1">
+            <a:extLst>
+              <a:ext uri="{FF2B5EF4-FFF2-40B4-BE49-F238E27FC236}">
+                <a16:creationId xmlns:a16="http://schemas.microsoft.com/office/drawing/2014/main" id="{5CBF4397-7FAB-431D-A1AD-1DC559C9EC49}"/>
+              </a:ext>
+            </a:extLst>
+          </p:cNvPr>
+          <p:cNvSpPr>
+            <a:spLocks noGrp="1"/>
+          </p:cNvSpPr>
+          <p:nvPr>
+            <p:ph type="title"/>
+          </p:nvPr>
+        </p:nvSpPr>
+        <p:spPr/>
+        <p:txBody>
+          <a:bodyPr/>
+          <a:lstStyle/>
+          <a:p>
+            <a:r>
+              <a:rPr lang="en-US"/>
+              <a:t>Click to edit Master title style</a:t>
+            </a:r>
+            <a:endParaRPr lang="en-GB"/>
+          </a:p>
+        </p:txBody>
+      </p:sp>
+      <p:sp>
+        <p:nvSpPr>
+          <p:cNvPr id="3" name="Date Placeholder 2">
+            <a:extLst>
+              <a:ext uri="{FF2B5EF4-FFF2-40B4-BE49-F238E27FC236}">
+                <a16:creationId xmlns:a16="http://schemas.microsoft.com/office/drawing/2014/main" id="{5574DFC4-0E5D-4085-8860-B2386B02D4DA}"/>
+              </a:ext>
+            </a:extLst>
+          </p:cNvPr>
+          <p:cNvSpPr>
+            <a:spLocks noGrp="1"/>
+          </p:cNvSpPr>
+          <p:nvPr>
+            <p:ph type="dt" sz="half" idx="10"/>
+          </p:nvPr>
+        </p:nvSpPr>
+        <p:spPr/>
+        <p:txBody>
+          <a:bodyPr/>
+          <a:lstStyle/>
+          <a:p>
+            <a:fld id="{E4A62EDC-D5D1-49C5-B313-6E6F916DA0E0}" type="datetimeFigureOut">
+              <a:rPr lang="en-GB" smtClean="0"/>
+              <a:t>05/07/2021</a:t>
+            </a:fld>
+            <a:endParaRPr lang="en-GB"/>
+          </a:p>
+        </p:txBody>
+      </p:sp>
+      <p:sp>
+        <p:nvSpPr>
+          <p:cNvPr id="4" name="Footer Placeholder 3">
+            <a:extLst>
+              <a:ext uri="{FF2B5EF4-FFF2-40B4-BE49-F238E27FC236}">
+                <a16:creationId xmlns:a16="http://schemas.microsoft.com/office/drawing/2014/main" id="{7D91B68A-6F8D-42C0-B5F5-150F11609B52}"/>
+              </a:ext>
+            </a:extLst>
+          </p:cNvPr>
+          <p:cNvSpPr>
+            <a:spLocks noGrp="1"/>
+          </p:cNvSpPr>
+          <p:nvPr>
+            <p:ph type="ftr" sz="quarter" idx="11"/>
+          </p:nvPr>
+        </p:nvSpPr>
+        <p:spPr/>
+        <p:txBody>
+          <a:bodyPr/>
+          <a:lstStyle/>
+          <a:p>
+            <a:endParaRPr lang="en-GB"/>
+          </a:p>
+        </p:txBody>
+      </p:sp>
+      <p:sp>
+        <p:nvSpPr>
+          <p:cNvPr id="5" name="Slide Number Placeholder 4">
+            <a:extLst>
+              <a:ext uri="{FF2B5EF4-FFF2-40B4-BE49-F238E27FC236}">
+                <a16:creationId xmlns:a16="http://schemas.microsoft.com/office/drawing/2014/main" id="{362B7BA1-C570-4EF9-9D23-22BAEB98CDFD}"/>
+              </a:ext>
+            </a:extLst>
+          </p:cNvPr>
+          <p:cNvSpPr>
+            <a:spLocks noGrp="1"/>
+          </p:cNvSpPr>
+          <p:nvPr>
+            <p:ph type="sldNum" sz="quarter" idx="12"/>
+          </p:nvPr>
+        </p:nvSpPr>
+        <p:spPr/>
+        <p:txBody>
+          <a:bodyPr/>
+          <a:lstStyle/>
+          <a:p>
+            <a:fld id="{8479ABEB-CDBB-4AA8-AA24-8D8980FAD85B}" type="slidenum">
+              <a:rPr lang="en-GB" smtClean="0"/>
+              <a:t>‹#›</a:t>
+            </a:fld>
+            <a:endParaRPr lang="en-GB"/>
+          </a:p>
+        </p:txBody>
+      </p:sp>
+    </p:spTree>
+    <p:extLst>
+      <p:ext uri="{BB962C8B-B14F-4D97-AF65-F5344CB8AC3E}">
+        <p14:creationId xmlns:p14="http://schemas.microsoft.com/office/powerpoint/2010/main" val="2003229145"/>
+      </p:ext>
+    </p:extLst>
+  </p:cSld>
+  <p:clrMapOvr>
+    <a:masterClrMapping/>
+  </p:clrMapOvr>
+</p:sldLayout>
+</file>
+
+<file path=ppt/slideLayouts/slideLayout18.xml><?xml version="1.0" encoding="utf-8"?>
+<p:sldLayout xmlns:a="http://schemas.openxmlformats.org/drawingml/2006/main" xmlns:r="http://schemas.openxmlformats.org/officeDocument/2006/relationships" xmlns:p="http://schemas.openxmlformats.org/presentationml/2006/main" type="blank" preserve="1">
+  <p:cSld name="Blank">
+    <p:spTree>
+      <p:nvGrpSpPr>
+        <p:cNvPr id="1" name=""/>
+        <p:cNvGrpSpPr/>
+        <p:nvPr/>
+      </p:nvGrpSpPr>
+      <p:grpSpPr>
+        <a:xfrm>
+          <a:off x="0" y="0"/>
+          <a:ext cx="0" cy="0"/>
+          <a:chOff x="0" y="0"/>
+          <a:chExt cx="0" cy="0"/>
+        </a:xfrm>
+      </p:grpSpPr>
+      <p:sp>
+        <p:nvSpPr>
+          <p:cNvPr id="2" name="Date Placeholder 1">
+            <a:extLst>
+              <a:ext uri="{FF2B5EF4-FFF2-40B4-BE49-F238E27FC236}">
+                <a16:creationId xmlns:a16="http://schemas.microsoft.com/office/drawing/2014/main" id="{01A67CCD-3041-4905-A76A-EF87A8C00C1E}"/>
+              </a:ext>
+            </a:extLst>
+          </p:cNvPr>
+          <p:cNvSpPr>
+            <a:spLocks noGrp="1"/>
+          </p:cNvSpPr>
+          <p:nvPr>
+            <p:ph type="dt" sz="half" idx="10"/>
+          </p:nvPr>
+        </p:nvSpPr>
+        <p:spPr/>
+        <p:txBody>
+          <a:bodyPr/>
+          <a:lstStyle/>
+          <a:p>
+            <a:fld id="{E4A62EDC-D5D1-49C5-B313-6E6F916DA0E0}" type="datetimeFigureOut">
+              <a:rPr lang="en-GB" smtClean="0"/>
+              <a:t>05/07/2021</a:t>
+            </a:fld>
+            <a:endParaRPr lang="en-GB"/>
+          </a:p>
+        </p:txBody>
+      </p:sp>
+      <p:sp>
+        <p:nvSpPr>
+          <p:cNvPr id="3" name="Footer Placeholder 2">
+            <a:extLst>
+              <a:ext uri="{FF2B5EF4-FFF2-40B4-BE49-F238E27FC236}">
+                <a16:creationId xmlns:a16="http://schemas.microsoft.com/office/drawing/2014/main" id="{1B867FD0-1884-4C2E-8D9D-77E61EE53A0E}"/>
+              </a:ext>
+            </a:extLst>
+          </p:cNvPr>
+          <p:cNvSpPr>
+            <a:spLocks noGrp="1"/>
+          </p:cNvSpPr>
+          <p:nvPr>
+            <p:ph type="ftr" sz="quarter" idx="11"/>
+          </p:nvPr>
+        </p:nvSpPr>
+        <p:spPr/>
+        <p:txBody>
+          <a:bodyPr/>
+          <a:lstStyle/>
+          <a:p>
+            <a:endParaRPr lang="en-GB"/>
+          </a:p>
+        </p:txBody>
+      </p:sp>
+      <p:sp>
+        <p:nvSpPr>
+          <p:cNvPr id="4" name="Slide Number Placeholder 3">
+            <a:extLst>
+              <a:ext uri="{FF2B5EF4-FFF2-40B4-BE49-F238E27FC236}">
+                <a16:creationId xmlns:a16="http://schemas.microsoft.com/office/drawing/2014/main" id="{DA29B228-E4AC-4B6B-8367-B04DDAF76761}"/>
+              </a:ext>
+            </a:extLst>
+          </p:cNvPr>
+          <p:cNvSpPr>
+            <a:spLocks noGrp="1"/>
+          </p:cNvSpPr>
+          <p:nvPr>
+            <p:ph type="sldNum" sz="quarter" idx="12"/>
+          </p:nvPr>
+        </p:nvSpPr>
+        <p:spPr/>
+        <p:txBody>
+          <a:bodyPr/>
+          <a:lstStyle/>
+          <a:p>
+            <a:fld id="{8479ABEB-CDBB-4AA8-AA24-8D8980FAD85B}" type="slidenum">
+              <a:rPr lang="en-GB" smtClean="0"/>
+              <a:t>‹#›</a:t>
+            </a:fld>
+            <a:endParaRPr lang="en-GB"/>
+          </a:p>
+        </p:txBody>
+      </p:sp>
+    </p:spTree>
+    <p:extLst>
+      <p:ext uri="{BB962C8B-B14F-4D97-AF65-F5344CB8AC3E}">
+        <p14:creationId xmlns:p14="http://schemas.microsoft.com/office/powerpoint/2010/main" val="2259551097"/>
+      </p:ext>
+    </p:extLst>
+  </p:cSld>
+  <p:clrMapOvr>
+    <a:masterClrMapping/>
+  </p:clrMapOvr>
+</p:sldLayout>
+</file>
+
+<file path=ppt/slideLayouts/slideLayout19.xml><?xml version="1.0" encoding="utf-8"?>
+<p:sldLayout xmlns:a="http://schemas.openxmlformats.org/drawingml/2006/main" xmlns:r="http://schemas.openxmlformats.org/officeDocument/2006/relationships" xmlns:p="http://schemas.openxmlformats.org/presentationml/2006/main" type="objTx" preserve="1">
+  <p:cSld name="Content with Caption">
+    <p:spTree>
+      <p:nvGrpSpPr>
+        <p:cNvPr id="1" name=""/>
+        <p:cNvGrpSpPr/>
+        <p:nvPr/>
+      </p:nvGrpSpPr>
+      <p:grpSpPr>
+        <a:xfrm>
+          <a:off x="0" y="0"/>
+          <a:ext cx="0" cy="0"/>
+          <a:chOff x="0" y="0"/>
+          <a:chExt cx="0" cy="0"/>
+        </a:xfrm>
+      </p:grpSpPr>
+      <p:sp>
+        <p:nvSpPr>
+          <p:cNvPr id="2" name="Title 1">
+            <a:extLst>
+              <a:ext uri="{FF2B5EF4-FFF2-40B4-BE49-F238E27FC236}">
+                <a16:creationId xmlns:a16="http://schemas.microsoft.com/office/drawing/2014/main" id="{332C89F3-9CDF-4712-B581-051EE9379207}"/>
+              </a:ext>
+            </a:extLst>
+          </p:cNvPr>
+          <p:cNvSpPr>
+            <a:spLocks noGrp="1"/>
+          </p:cNvSpPr>
+          <p:nvPr>
+            <p:ph type="title"/>
+          </p:nvPr>
+        </p:nvSpPr>
+        <p:spPr>
+          <a:xfrm>
+            <a:off x="839788" y="457200"/>
+            <a:ext cx="3932237" cy="1600200"/>
+          </a:xfrm>
+        </p:spPr>
+        <p:txBody>
+          <a:bodyPr anchor="b"/>
+          <a:lstStyle>
+            <a:lvl1pPr>
+              <a:defRPr sz="3200"/>
+            </a:lvl1pPr>
+          </a:lstStyle>
+          <a:p>
+            <a:r>
+              <a:rPr lang="en-US"/>
+              <a:t>Click to edit Master title style</a:t>
+            </a:r>
+            <a:endParaRPr lang="en-GB"/>
+          </a:p>
+        </p:txBody>
+      </p:sp>
+      <p:sp>
+        <p:nvSpPr>
+          <p:cNvPr id="3" name="Content Placeholder 2">
+            <a:extLst>
+              <a:ext uri="{FF2B5EF4-FFF2-40B4-BE49-F238E27FC236}">
+                <a16:creationId xmlns:a16="http://schemas.microsoft.com/office/drawing/2014/main" id="{533EB781-78A6-4F56-806A-A6FB1DE8BC96}"/>
+              </a:ext>
+            </a:extLst>
+          </p:cNvPr>
+          <p:cNvSpPr>
+            <a:spLocks noGrp="1"/>
+          </p:cNvSpPr>
+          <p:nvPr>
+            <p:ph idx="1"/>
+          </p:nvPr>
+        </p:nvSpPr>
+        <p:spPr>
+          <a:xfrm>
+            <a:off x="5183188" y="987425"/>
+            <a:ext cx="6172200" cy="4873625"/>
+          </a:xfrm>
+        </p:spPr>
+        <p:txBody>
+          <a:bodyPr/>
+          <a:lstStyle>
+            <a:lvl1pPr>
+              <a:defRPr sz="3200"/>
+            </a:lvl1pPr>
+            <a:lvl2pPr>
+              <a:defRPr sz="2800"/>
+            </a:lvl2pPr>
+            <a:lvl3pPr>
+              <a:defRPr sz="2400"/>
+            </a:lvl3pPr>
+            <a:lvl4pPr>
+              <a:defRPr sz="2000"/>
+            </a:lvl4pPr>
+            <a:lvl5pPr>
+              <a:defRPr sz="2000"/>
+            </a:lvl5pPr>
+            <a:lvl6pPr>
+              <a:defRPr sz="2000"/>
+            </a:lvl6pPr>
+            <a:lvl7pPr>
+              <a:defRPr sz="2000"/>
+            </a:lvl7pPr>
+            <a:lvl8pPr>
+              <a:defRPr sz="2000"/>
+            </a:lvl8pPr>
+            <a:lvl9pPr>
+              <a:defRPr sz="2000"/>
+            </a:lvl9pPr>
+          </a:lstStyle>
+          <a:p>
+            <a:pPr lvl="0"/>
+            <a:r>
+              <a:rPr lang="en-US"/>
+              <a:t>Click to edit Master text styles</a:t>
+            </a:r>
+          </a:p>
+          <a:p>
+            <a:pPr lvl="1"/>
+            <a:r>
+              <a:rPr lang="en-US"/>
+              <a:t>Second level</a:t>
+            </a:r>
+          </a:p>
+          <a:p>
+            <a:pPr lvl="2"/>
+            <a:r>
+              <a:rPr lang="en-US"/>
+              <a:t>Third level</a:t>
+            </a:r>
+          </a:p>
+          <a:p>
+            <a:pPr lvl="3"/>
+            <a:r>
+              <a:rPr lang="en-US"/>
+              <a:t>Fourth level</a:t>
+            </a:r>
+          </a:p>
+          <a:p>
+            <a:pPr lvl="4"/>
+            <a:r>
+              <a:rPr lang="en-US"/>
+              <a:t>Fifth level</a:t>
+            </a:r>
+            <a:endParaRPr lang="en-GB"/>
+          </a:p>
+        </p:txBody>
+      </p:sp>
+      <p:sp>
+        <p:nvSpPr>
+          <p:cNvPr id="4" name="Text Placeholder 3">
+            <a:extLst>
+              <a:ext uri="{FF2B5EF4-FFF2-40B4-BE49-F238E27FC236}">
+                <a16:creationId xmlns:a16="http://schemas.microsoft.com/office/drawing/2014/main" id="{540AAE4B-091D-4BDC-B117-04A9247B9297}"/>
+              </a:ext>
+            </a:extLst>
+          </p:cNvPr>
+          <p:cNvSpPr>
+            <a:spLocks noGrp="1"/>
+          </p:cNvSpPr>
+          <p:nvPr>
+            <p:ph type="body" sz="half" idx="2"/>
+          </p:nvPr>
+        </p:nvSpPr>
+        <p:spPr>
+          <a:xfrm>
+            <a:off x="839788" y="2057400"/>
+            <a:ext cx="3932237" cy="3811588"/>
+          </a:xfrm>
+        </p:spPr>
+        <p:txBody>
+          <a:bodyPr/>
+          <a:lstStyle>
+            <a:lvl1pPr marL="0" indent="0">
+              <a:buNone/>
+              <a:defRPr sz="1600"/>
+            </a:lvl1pPr>
+            <a:lvl2pPr marL="457200" indent="0">
+              <a:buNone/>
+              <a:defRPr sz="1400"/>
+            </a:lvl2pPr>
+            <a:lvl3pPr marL="914400" indent="0">
+              <a:buNone/>
+              <a:defRPr sz="1200"/>
+            </a:lvl3pPr>
+            <a:lvl4pPr marL="1371600" indent="0">
+              <a:buNone/>
+              <a:defRPr sz="1000"/>
+            </a:lvl4pPr>
+            <a:lvl5pPr marL="1828800" indent="0">
+              <a:buNone/>
+              <a:defRPr sz="1000"/>
+            </a:lvl5pPr>
+            <a:lvl6pPr marL="2286000" indent="0">
+              <a:buNone/>
+              <a:defRPr sz="1000"/>
+            </a:lvl6pPr>
+            <a:lvl7pPr marL="2743200" indent="0">
+              <a:buNone/>
+              <a:defRPr sz="1000"/>
+            </a:lvl7pPr>
+            <a:lvl8pPr marL="3200400" indent="0">
+              <a:buNone/>
+              <a:defRPr sz="1000"/>
+            </a:lvl8pPr>
+            <a:lvl9pPr marL="3657600" indent="0">
+              <a:buNone/>
+              <a:defRPr sz="1000"/>
+            </a:lvl9pPr>
+          </a:lstStyle>
+          <a:p>
+            <a:pPr lvl="0"/>
+            <a:r>
+              <a:rPr lang="en-US"/>
+              <a:t>Click to edit Master text styles</a:t>
+            </a:r>
+          </a:p>
+        </p:txBody>
+      </p:sp>
+      <p:sp>
+        <p:nvSpPr>
+          <p:cNvPr id="5" name="Date Placeholder 4">
+            <a:extLst>
+              <a:ext uri="{FF2B5EF4-FFF2-40B4-BE49-F238E27FC236}">
+                <a16:creationId xmlns:a16="http://schemas.microsoft.com/office/drawing/2014/main" id="{A4531FE5-1C89-444F-854B-70585AE31A37}"/>
+              </a:ext>
+            </a:extLst>
+          </p:cNvPr>
+          <p:cNvSpPr>
+            <a:spLocks noGrp="1"/>
+          </p:cNvSpPr>
+          <p:nvPr>
+            <p:ph type="dt" sz="half" idx="10"/>
+          </p:nvPr>
+        </p:nvSpPr>
+        <p:spPr/>
+        <p:txBody>
+          <a:bodyPr/>
+          <a:lstStyle/>
+          <a:p>
+            <a:fld id="{E4A62EDC-D5D1-49C5-B313-6E6F916DA0E0}" type="datetimeFigureOut">
+              <a:rPr lang="en-GB" smtClean="0"/>
+              <a:t>05/07/2021</a:t>
+            </a:fld>
+            <a:endParaRPr lang="en-GB"/>
+          </a:p>
+        </p:txBody>
+      </p:sp>
+      <p:sp>
+        <p:nvSpPr>
+          <p:cNvPr id="6" name="Footer Placeholder 5">
+            <a:extLst>
+              <a:ext uri="{FF2B5EF4-FFF2-40B4-BE49-F238E27FC236}">
+                <a16:creationId xmlns:a16="http://schemas.microsoft.com/office/drawing/2014/main" id="{4C9FB8BB-96D2-477F-BFB7-EEE546A3CE81}"/>
+              </a:ext>
+            </a:extLst>
+          </p:cNvPr>
+          <p:cNvSpPr>
+            <a:spLocks noGrp="1"/>
+          </p:cNvSpPr>
+          <p:nvPr>
+            <p:ph type="ftr" sz="quarter" idx="11"/>
+          </p:nvPr>
+        </p:nvSpPr>
+        <p:spPr/>
+        <p:txBody>
+          <a:bodyPr/>
+          <a:lstStyle/>
+          <a:p>
+            <a:endParaRPr lang="en-GB"/>
+          </a:p>
+        </p:txBody>
+      </p:sp>
+      <p:sp>
+        <p:nvSpPr>
+          <p:cNvPr id="7" name="Slide Number Placeholder 6">
+            <a:extLst>
+              <a:ext uri="{FF2B5EF4-FFF2-40B4-BE49-F238E27FC236}">
+                <a16:creationId xmlns:a16="http://schemas.microsoft.com/office/drawing/2014/main" id="{AF7DFCE1-D6D3-456B-A6C8-F996E6A10AD3}"/>
+              </a:ext>
+            </a:extLst>
+          </p:cNvPr>
+          <p:cNvSpPr>
+            <a:spLocks noGrp="1"/>
+          </p:cNvSpPr>
+          <p:nvPr>
+            <p:ph type="sldNum" sz="quarter" idx="12"/>
+          </p:nvPr>
+        </p:nvSpPr>
+        <p:spPr/>
+        <p:txBody>
+          <a:bodyPr/>
+          <a:lstStyle/>
+          <a:p>
+            <a:fld id="{8479ABEB-CDBB-4AA8-AA24-8D8980FAD85B}" type="slidenum">
+              <a:rPr lang="en-GB" smtClean="0"/>
+              <a:t>‹#›</a:t>
+            </a:fld>
+            <a:endParaRPr lang="en-GB"/>
+          </a:p>
+        </p:txBody>
+      </p:sp>
+    </p:spTree>
+    <p:extLst>
+      <p:ext uri="{BB962C8B-B14F-4D97-AF65-F5344CB8AC3E}">
+        <p14:creationId xmlns:p14="http://schemas.microsoft.com/office/powerpoint/2010/main" val="4116155199"/>
       </p:ext>
     </p:extLst>
   </p:cSld>
@@ -877,7 +4379,7 @@
           <a:p>
             <a:fld id="{9A2B8767-FE38-44DC-83D7-19AB33F098DC}" type="datetimeFigureOut">
               <a:rPr lang="en-GB" smtClean="0"/>
-              <a:t>01/07/2021</a:t>
+              <a:t>05/07/2021</a:t>
             </a:fld>
             <a:endParaRPr lang="en-GB"/>
           </a:p>
@@ -941,6 +4443,1411 @@
     <p:extLst>
       <p:ext uri="{BB962C8B-B14F-4D97-AF65-F5344CB8AC3E}">
         <p14:creationId xmlns:p14="http://schemas.microsoft.com/office/powerpoint/2010/main" val="272430750"/>
+      </p:ext>
+    </p:extLst>
+  </p:cSld>
+  <p:clrMapOvr>
+    <a:masterClrMapping/>
+  </p:clrMapOvr>
+</p:sldLayout>
+</file>
+
+<file path=ppt/slideLayouts/slideLayout20.xml><?xml version="1.0" encoding="utf-8"?>
+<p:sldLayout xmlns:a="http://schemas.openxmlformats.org/drawingml/2006/main" xmlns:r="http://schemas.openxmlformats.org/officeDocument/2006/relationships" xmlns:p="http://schemas.openxmlformats.org/presentationml/2006/main" type="picTx" preserve="1">
+  <p:cSld name="Picture with Caption">
+    <p:spTree>
+      <p:nvGrpSpPr>
+        <p:cNvPr id="1" name=""/>
+        <p:cNvGrpSpPr/>
+        <p:nvPr/>
+      </p:nvGrpSpPr>
+      <p:grpSpPr>
+        <a:xfrm>
+          <a:off x="0" y="0"/>
+          <a:ext cx="0" cy="0"/>
+          <a:chOff x="0" y="0"/>
+          <a:chExt cx="0" cy="0"/>
+        </a:xfrm>
+      </p:grpSpPr>
+      <p:sp>
+        <p:nvSpPr>
+          <p:cNvPr id="2" name="Title 1">
+            <a:extLst>
+              <a:ext uri="{FF2B5EF4-FFF2-40B4-BE49-F238E27FC236}">
+                <a16:creationId xmlns:a16="http://schemas.microsoft.com/office/drawing/2014/main" id="{01E195C3-CC11-4A46-8AA9-A7C595E8259D}"/>
+              </a:ext>
+            </a:extLst>
+          </p:cNvPr>
+          <p:cNvSpPr>
+            <a:spLocks noGrp="1"/>
+          </p:cNvSpPr>
+          <p:nvPr>
+            <p:ph type="title"/>
+          </p:nvPr>
+        </p:nvSpPr>
+        <p:spPr>
+          <a:xfrm>
+            <a:off x="839788" y="457200"/>
+            <a:ext cx="3932237" cy="1600200"/>
+          </a:xfrm>
+        </p:spPr>
+        <p:txBody>
+          <a:bodyPr anchor="b"/>
+          <a:lstStyle>
+            <a:lvl1pPr>
+              <a:defRPr sz="3200"/>
+            </a:lvl1pPr>
+          </a:lstStyle>
+          <a:p>
+            <a:r>
+              <a:rPr lang="en-US"/>
+              <a:t>Click to edit Master title style</a:t>
+            </a:r>
+            <a:endParaRPr lang="en-GB"/>
+          </a:p>
+        </p:txBody>
+      </p:sp>
+      <p:sp>
+        <p:nvSpPr>
+          <p:cNvPr id="3" name="Picture Placeholder 2">
+            <a:extLst>
+              <a:ext uri="{FF2B5EF4-FFF2-40B4-BE49-F238E27FC236}">
+                <a16:creationId xmlns:a16="http://schemas.microsoft.com/office/drawing/2014/main" id="{2EEEBAE7-250F-4106-BB26-10531971B33A}"/>
+              </a:ext>
+            </a:extLst>
+          </p:cNvPr>
+          <p:cNvSpPr>
+            <a:spLocks noGrp="1"/>
+          </p:cNvSpPr>
+          <p:nvPr>
+            <p:ph type="pic" idx="1"/>
+          </p:nvPr>
+        </p:nvSpPr>
+        <p:spPr>
+          <a:xfrm>
+            <a:off x="5183188" y="987425"/>
+            <a:ext cx="6172200" cy="4873625"/>
+          </a:xfrm>
+        </p:spPr>
+        <p:txBody>
+          <a:bodyPr/>
+          <a:lstStyle>
+            <a:lvl1pPr marL="0" indent="0">
+              <a:buNone/>
+              <a:defRPr sz="3200"/>
+            </a:lvl1pPr>
+            <a:lvl2pPr marL="457200" indent="0">
+              <a:buNone/>
+              <a:defRPr sz="2800"/>
+            </a:lvl2pPr>
+            <a:lvl3pPr marL="914400" indent="0">
+              <a:buNone/>
+              <a:defRPr sz="2400"/>
+            </a:lvl3pPr>
+            <a:lvl4pPr marL="1371600" indent="0">
+              <a:buNone/>
+              <a:defRPr sz="2000"/>
+            </a:lvl4pPr>
+            <a:lvl5pPr marL="1828800" indent="0">
+              <a:buNone/>
+              <a:defRPr sz="2000"/>
+            </a:lvl5pPr>
+            <a:lvl6pPr marL="2286000" indent="0">
+              <a:buNone/>
+              <a:defRPr sz="2000"/>
+            </a:lvl6pPr>
+            <a:lvl7pPr marL="2743200" indent="0">
+              <a:buNone/>
+              <a:defRPr sz="2000"/>
+            </a:lvl7pPr>
+            <a:lvl8pPr marL="3200400" indent="0">
+              <a:buNone/>
+              <a:defRPr sz="2000"/>
+            </a:lvl8pPr>
+            <a:lvl9pPr marL="3657600" indent="0">
+              <a:buNone/>
+              <a:defRPr sz="2000"/>
+            </a:lvl9pPr>
+          </a:lstStyle>
+          <a:p>
+            <a:endParaRPr lang="en-GB"/>
+          </a:p>
+        </p:txBody>
+      </p:sp>
+      <p:sp>
+        <p:nvSpPr>
+          <p:cNvPr id="4" name="Text Placeholder 3">
+            <a:extLst>
+              <a:ext uri="{FF2B5EF4-FFF2-40B4-BE49-F238E27FC236}">
+                <a16:creationId xmlns:a16="http://schemas.microsoft.com/office/drawing/2014/main" id="{B4E7B94F-6BFE-4813-A404-FE25552BC29D}"/>
+              </a:ext>
+            </a:extLst>
+          </p:cNvPr>
+          <p:cNvSpPr>
+            <a:spLocks noGrp="1"/>
+          </p:cNvSpPr>
+          <p:nvPr>
+            <p:ph type="body" sz="half" idx="2"/>
+          </p:nvPr>
+        </p:nvSpPr>
+        <p:spPr>
+          <a:xfrm>
+            <a:off x="839788" y="2057400"/>
+            <a:ext cx="3932237" cy="3811588"/>
+          </a:xfrm>
+        </p:spPr>
+        <p:txBody>
+          <a:bodyPr/>
+          <a:lstStyle>
+            <a:lvl1pPr marL="0" indent="0">
+              <a:buNone/>
+              <a:defRPr sz="1600"/>
+            </a:lvl1pPr>
+            <a:lvl2pPr marL="457200" indent="0">
+              <a:buNone/>
+              <a:defRPr sz="1400"/>
+            </a:lvl2pPr>
+            <a:lvl3pPr marL="914400" indent="0">
+              <a:buNone/>
+              <a:defRPr sz="1200"/>
+            </a:lvl3pPr>
+            <a:lvl4pPr marL="1371600" indent="0">
+              <a:buNone/>
+              <a:defRPr sz="1000"/>
+            </a:lvl4pPr>
+            <a:lvl5pPr marL="1828800" indent="0">
+              <a:buNone/>
+              <a:defRPr sz="1000"/>
+            </a:lvl5pPr>
+            <a:lvl6pPr marL="2286000" indent="0">
+              <a:buNone/>
+              <a:defRPr sz="1000"/>
+            </a:lvl6pPr>
+            <a:lvl7pPr marL="2743200" indent="0">
+              <a:buNone/>
+              <a:defRPr sz="1000"/>
+            </a:lvl7pPr>
+            <a:lvl8pPr marL="3200400" indent="0">
+              <a:buNone/>
+              <a:defRPr sz="1000"/>
+            </a:lvl8pPr>
+            <a:lvl9pPr marL="3657600" indent="0">
+              <a:buNone/>
+              <a:defRPr sz="1000"/>
+            </a:lvl9pPr>
+          </a:lstStyle>
+          <a:p>
+            <a:pPr lvl="0"/>
+            <a:r>
+              <a:rPr lang="en-US"/>
+              <a:t>Click to edit Master text styles</a:t>
+            </a:r>
+          </a:p>
+        </p:txBody>
+      </p:sp>
+      <p:sp>
+        <p:nvSpPr>
+          <p:cNvPr id="5" name="Date Placeholder 4">
+            <a:extLst>
+              <a:ext uri="{FF2B5EF4-FFF2-40B4-BE49-F238E27FC236}">
+                <a16:creationId xmlns:a16="http://schemas.microsoft.com/office/drawing/2014/main" id="{1ED96162-E488-45C5-BB80-4A47B6FED8D3}"/>
+              </a:ext>
+            </a:extLst>
+          </p:cNvPr>
+          <p:cNvSpPr>
+            <a:spLocks noGrp="1"/>
+          </p:cNvSpPr>
+          <p:nvPr>
+            <p:ph type="dt" sz="half" idx="10"/>
+          </p:nvPr>
+        </p:nvSpPr>
+        <p:spPr/>
+        <p:txBody>
+          <a:bodyPr/>
+          <a:lstStyle/>
+          <a:p>
+            <a:fld id="{E4A62EDC-D5D1-49C5-B313-6E6F916DA0E0}" type="datetimeFigureOut">
+              <a:rPr lang="en-GB" smtClean="0"/>
+              <a:t>05/07/2021</a:t>
+            </a:fld>
+            <a:endParaRPr lang="en-GB"/>
+          </a:p>
+        </p:txBody>
+      </p:sp>
+      <p:sp>
+        <p:nvSpPr>
+          <p:cNvPr id="6" name="Footer Placeholder 5">
+            <a:extLst>
+              <a:ext uri="{FF2B5EF4-FFF2-40B4-BE49-F238E27FC236}">
+                <a16:creationId xmlns:a16="http://schemas.microsoft.com/office/drawing/2014/main" id="{77F7C909-5AA5-4B0D-9675-8837444EDF9A}"/>
+              </a:ext>
+            </a:extLst>
+          </p:cNvPr>
+          <p:cNvSpPr>
+            <a:spLocks noGrp="1"/>
+          </p:cNvSpPr>
+          <p:nvPr>
+            <p:ph type="ftr" sz="quarter" idx="11"/>
+          </p:nvPr>
+        </p:nvSpPr>
+        <p:spPr/>
+        <p:txBody>
+          <a:bodyPr/>
+          <a:lstStyle/>
+          <a:p>
+            <a:endParaRPr lang="en-GB"/>
+          </a:p>
+        </p:txBody>
+      </p:sp>
+      <p:sp>
+        <p:nvSpPr>
+          <p:cNvPr id="7" name="Slide Number Placeholder 6">
+            <a:extLst>
+              <a:ext uri="{FF2B5EF4-FFF2-40B4-BE49-F238E27FC236}">
+                <a16:creationId xmlns:a16="http://schemas.microsoft.com/office/drawing/2014/main" id="{2E0E1404-578B-4B2F-8203-6F1096B4BEC6}"/>
+              </a:ext>
+            </a:extLst>
+          </p:cNvPr>
+          <p:cNvSpPr>
+            <a:spLocks noGrp="1"/>
+          </p:cNvSpPr>
+          <p:nvPr>
+            <p:ph type="sldNum" sz="quarter" idx="12"/>
+          </p:nvPr>
+        </p:nvSpPr>
+        <p:spPr/>
+        <p:txBody>
+          <a:bodyPr/>
+          <a:lstStyle/>
+          <a:p>
+            <a:fld id="{8479ABEB-CDBB-4AA8-AA24-8D8980FAD85B}" type="slidenum">
+              <a:rPr lang="en-GB" smtClean="0"/>
+              <a:t>‹#›</a:t>
+            </a:fld>
+            <a:endParaRPr lang="en-GB"/>
+          </a:p>
+        </p:txBody>
+      </p:sp>
+    </p:spTree>
+    <p:extLst>
+      <p:ext uri="{BB962C8B-B14F-4D97-AF65-F5344CB8AC3E}">
+        <p14:creationId xmlns:p14="http://schemas.microsoft.com/office/powerpoint/2010/main" val="645326653"/>
+      </p:ext>
+    </p:extLst>
+  </p:cSld>
+  <p:clrMapOvr>
+    <a:masterClrMapping/>
+  </p:clrMapOvr>
+</p:sldLayout>
+</file>
+
+<file path=ppt/slideLayouts/slideLayout21.xml><?xml version="1.0" encoding="utf-8"?>
+<p:sldLayout xmlns:a="http://schemas.openxmlformats.org/drawingml/2006/main" xmlns:r="http://schemas.openxmlformats.org/officeDocument/2006/relationships" xmlns:p="http://schemas.openxmlformats.org/presentationml/2006/main" type="vertTx" preserve="1">
+  <p:cSld name="Title and Vertical Text">
+    <p:spTree>
+      <p:nvGrpSpPr>
+        <p:cNvPr id="1" name=""/>
+        <p:cNvGrpSpPr/>
+        <p:nvPr/>
+      </p:nvGrpSpPr>
+      <p:grpSpPr>
+        <a:xfrm>
+          <a:off x="0" y="0"/>
+          <a:ext cx="0" cy="0"/>
+          <a:chOff x="0" y="0"/>
+          <a:chExt cx="0" cy="0"/>
+        </a:xfrm>
+      </p:grpSpPr>
+      <p:sp>
+        <p:nvSpPr>
+          <p:cNvPr id="2" name="Title 1">
+            <a:extLst>
+              <a:ext uri="{FF2B5EF4-FFF2-40B4-BE49-F238E27FC236}">
+                <a16:creationId xmlns:a16="http://schemas.microsoft.com/office/drawing/2014/main" id="{0AB0683B-37F8-4244-8CFC-26CCC29B9154}"/>
+              </a:ext>
+            </a:extLst>
+          </p:cNvPr>
+          <p:cNvSpPr>
+            <a:spLocks noGrp="1"/>
+          </p:cNvSpPr>
+          <p:nvPr>
+            <p:ph type="title"/>
+          </p:nvPr>
+        </p:nvSpPr>
+        <p:spPr/>
+        <p:txBody>
+          <a:bodyPr/>
+          <a:lstStyle/>
+          <a:p>
+            <a:r>
+              <a:rPr lang="en-US"/>
+              <a:t>Click to edit Master title style</a:t>
+            </a:r>
+            <a:endParaRPr lang="en-GB"/>
+          </a:p>
+        </p:txBody>
+      </p:sp>
+      <p:sp>
+        <p:nvSpPr>
+          <p:cNvPr id="3" name="Vertical Text Placeholder 2">
+            <a:extLst>
+              <a:ext uri="{FF2B5EF4-FFF2-40B4-BE49-F238E27FC236}">
+                <a16:creationId xmlns:a16="http://schemas.microsoft.com/office/drawing/2014/main" id="{DB31B56A-0D00-4E74-8A1B-5D12EF3DECCF}"/>
+              </a:ext>
+            </a:extLst>
+          </p:cNvPr>
+          <p:cNvSpPr>
+            <a:spLocks noGrp="1"/>
+          </p:cNvSpPr>
+          <p:nvPr>
+            <p:ph type="body" orient="vert" idx="1"/>
+          </p:nvPr>
+        </p:nvSpPr>
+        <p:spPr/>
+        <p:txBody>
+          <a:bodyPr vert="eaVert"/>
+          <a:lstStyle/>
+          <a:p>
+            <a:pPr lvl="0"/>
+            <a:r>
+              <a:rPr lang="en-US"/>
+              <a:t>Click to edit Master text styles</a:t>
+            </a:r>
+          </a:p>
+          <a:p>
+            <a:pPr lvl="1"/>
+            <a:r>
+              <a:rPr lang="en-US"/>
+              <a:t>Second level</a:t>
+            </a:r>
+          </a:p>
+          <a:p>
+            <a:pPr lvl="2"/>
+            <a:r>
+              <a:rPr lang="en-US"/>
+              <a:t>Third level</a:t>
+            </a:r>
+          </a:p>
+          <a:p>
+            <a:pPr lvl="3"/>
+            <a:r>
+              <a:rPr lang="en-US"/>
+              <a:t>Fourth level</a:t>
+            </a:r>
+          </a:p>
+          <a:p>
+            <a:pPr lvl="4"/>
+            <a:r>
+              <a:rPr lang="en-US"/>
+              <a:t>Fifth level</a:t>
+            </a:r>
+            <a:endParaRPr lang="en-GB"/>
+          </a:p>
+        </p:txBody>
+      </p:sp>
+      <p:sp>
+        <p:nvSpPr>
+          <p:cNvPr id="4" name="Date Placeholder 3">
+            <a:extLst>
+              <a:ext uri="{FF2B5EF4-FFF2-40B4-BE49-F238E27FC236}">
+                <a16:creationId xmlns:a16="http://schemas.microsoft.com/office/drawing/2014/main" id="{A07C4831-4B15-4FE3-8F16-0505B45A686B}"/>
+              </a:ext>
+            </a:extLst>
+          </p:cNvPr>
+          <p:cNvSpPr>
+            <a:spLocks noGrp="1"/>
+          </p:cNvSpPr>
+          <p:nvPr>
+            <p:ph type="dt" sz="half" idx="10"/>
+          </p:nvPr>
+        </p:nvSpPr>
+        <p:spPr/>
+        <p:txBody>
+          <a:bodyPr/>
+          <a:lstStyle/>
+          <a:p>
+            <a:fld id="{E4A62EDC-D5D1-49C5-B313-6E6F916DA0E0}" type="datetimeFigureOut">
+              <a:rPr lang="en-GB" smtClean="0"/>
+              <a:t>05/07/2021</a:t>
+            </a:fld>
+            <a:endParaRPr lang="en-GB"/>
+          </a:p>
+        </p:txBody>
+      </p:sp>
+      <p:sp>
+        <p:nvSpPr>
+          <p:cNvPr id="5" name="Footer Placeholder 4">
+            <a:extLst>
+              <a:ext uri="{FF2B5EF4-FFF2-40B4-BE49-F238E27FC236}">
+                <a16:creationId xmlns:a16="http://schemas.microsoft.com/office/drawing/2014/main" id="{836A1236-BE64-4C70-AB8D-B987B4078856}"/>
+              </a:ext>
+            </a:extLst>
+          </p:cNvPr>
+          <p:cNvSpPr>
+            <a:spLocks noGrp="1"/>
+          </p:cNvSpPr>
+          <p:nvPr>
+            <p:ph type="ftr" sz="quarter" idx="11"/>
+          </p:nvPr>
+        </p:nvSpPr>
+        <p:spPr/>
+        <p:txBody>
+          <a:bodyPr/>
+          <a:lstStyle/>
+          <a:p>
+            <a:endParaRPr lang="en-GB"/>
+          </a:p>
+        </p:txBody>
+      </p:sp>
+      <p:sp>
+        <p:nvSpPr>
+          <p:cNvPr id="6" name="Slide Number Placeholder 5">
+            <a:extLst>
+              <a:ext uri="{FF2B5EF4-FFF2-40B4-BE49-F238E27FC236}">
+                <a16:creationId xmlns:a16="http://schemas.microsoft.com/office/drawing/2014/main" id="{0D30CDB9-B80A-4B60-A37D-96E1E103B9A3}"/>
+              </a:ext>
+            </a:extLst>
+          </p:cNvPr>
+          <p:cNvSpPr>
+            <a:spLocks noGrp="1"/>
+          </p:cNvSpPr>
+          <p:nvPr>
+            <p:ph type="sldNum" sz="quarter" idx="12"/>
+          </p:nvPr>
+        </p:nvSpPr>
+        <p:spPr/>
+        <p:txBody>
+          <a:bodyPr/>
+          <a:lstStyle/>
+          <a:p>
+            <a:fld id="{8479ABEB-CDBB-4AA8-AA24-8D8980FAD85B}" type="slidenum">
+              <a:rPr lang="en-GB" smtClean="0"/>
+              <a:t>‹#›</a:t>
+            </a:fld>
+            <a:endParaRPr lang="en-GB"/>
+          </a:p>
+        </p:txBody>
+      </p:sp>
+    </p:spTree>
+    <p:extLst>
+      <p:ext uri="{BB962C8B-B14F-4D97-AF65-F5344CB8AC3E}">
+        <p14:creationId xmlns:p14="http://schemas.microsoft.com/office/powerpoint/2010/main" val="55296725"/>
+      </p:ext>
+    </p:extLst>
+  </p:cSld>
+  <p:clrMapOvr>
+    <a:masterClrMapping/>
+  </p:clrMapOvr>
+</p:sldLayout>
+</file>
+
+<file path=ppt/slideLayouts/slideLayout22.xml><?xml version="1.0" encoding="utf-8"?>
+<p:sldLayout xmlns:a="http://schemas.openxmlformats.org/drawingml/2006/main" xmlns:r="http://schemas.openxmlformats.org/officeDocument/2006/relationships" xmlns:p="http://schemas.openxmlformats.org/presentationml/2006/main" type="vertTitleAndTx" preserve="1">
+  <p:cSld name="Vertical Title and Text">
+    <p:spTree>
+      <p:nvGrpSpPr>
+        <p:cNvPr id="1" name=""/>
+        <p:cNvGrpSpPr/>
+        <p:nvPr/>
+      </p:nvGrpSpPr>
+      <p:grpSpPr>
+        <a:xfrm>
+          <a:off x="0" y="0"/>
+          <a:ext cx="0" cy="0"/>
+          <a:chOff x="0" y="0"/>
+          <a:chExt cx="0" cy="0"/>
+        </a:xfrm>
+      </p:grpSpPr>
+      <p:sp>
+        <p:nvSpPr>
+          <p:cNvPr id="2" name="Vertical Title 1">
+            <a:extLst>
+              <a:ext uri="{FF2B5EF4-FFF2-40B4-BE49-F238E27FC236}">
+                <a16:creationId xmlns:a16="http://schemas.microsoft.com/office/drawing/2014/main" id="{019E2F85-3088-4B7E-AC61-888270651BD6}"/>
+              </a:ext>
+            </a:extLst>
+          </p:cNvPr>
+          <p:cNvSpPr>
+            <a:spLocks noGrp="1"/>
+          </p:cNvSpPr>
+          <p:nvPr>
+            <p:ph type="title" orient="vert"/>
+          </p:nvPr>
+        </p:nvSpPr>
+        <p:spPr>
+          <a:xfrm>
+            <a:off x="8724900" y="365125"/>
+            <a:ext cx="2628900" cy="5811838"/>
+          </a:xfrm>
+        </p:spPr>
+        <p:txBody>
+          <a:bodyPr vert="eaVert"/>
+          <a:lstStyle/>
+          <a:p>
+            <a:r>
+              <a:rPr lang="en-US"/>
+              <a:t>Click to edit Master title style</a:t>
+            </a:r>
+            <a:endParaRPr lang="en-GB"/>
+          </a:p>
+        </p:txBody>
+      </p:sp>
+      <p:sp>
+        <p:nvSpPr>
+          <p:cNvPr id="3" name="Vertical Text Placeholder 2">
+            <a:extLst>
+              <a:ext uri="{FF2B5EF4-FFF2-40B4-BE49-F238E27FC236}">
+                <a16:creationId xmlns:a16="http://schemas.microsoft.com/office/drawing/2014/main" id="{5B565029-9658-4AC5-BFFA-9F08D9B097ED}"/>
+              </a:ext>
+            </a:extLst>
+          </p:cNvPr>
+          <p:cNvSpPr>
+            <a:spLocks noGrp="1"/>
+          </p:cNvSpPr>
+          <p:nvPr>
+            <p:ph type="body" orient="vert" idx="1"/>
+          </p:nvPr>
+        </p:nvSpPr>
+        <p:spPr>
+          <a:xfrm>
+            <a:off x="838200" y="365125"/>
+            <a:ext cx="7734300" cy="5811838"/>
+          </a:xfrm>
+        </p:spPr>
+        <p:txBody>
+          <a:bodyPr vert="eaVert"/>
+          <a:lstStyle/>
+          <a:p>
+            <a:pPr lvl="0"/>
+            <a:r>
+              <a:rPr lang="en-US"/>
+              <a:t>Click to edit Master text styles</a:t>
+            </a:r>
+          </a:p>
+          <a:p>
+            <a:pPr lvl="1"/>
+            <a:r>
+              <a:rPr lang="en-US"/>
+              <a:t>Second level</a:t>
+            </a:r>
+          </a:p>
+          <a:p>
+            <a:pPr lvl="2"/>
+            <a:r>
+              <a:rPr lang="en-US"/>
+              <a:t>Third level</a:t>
+            </a:r>
+          </a:p>
+          <a:p>
+            <a:pPr lvl="3"/>
+            <a:r>
+              <a:rPr lang="en-US"/>
+              <a:t>Fourth level</a:t>
+            </a:r>
+          </a:p>
+          <a:p>
+            <a:pPr lvl="4"/>
+            <a:r>
+              <a:rPr lang="en-US"/>
+              <a:t>Fifth level</a:t>
+            </a:r>
+            <a:endParaRPr lang="en-GB"/>
+          </a:p>
+        </p:txBody>
+      </p:sp>
+      <p:sp>
+        <p:nvSpPr>
+          <p:cNvPr id="4" name="Date Placeholder 3">
+            <a:extLst>
+              <a:ext uri="{FF2B5EF4-FFF2-40B4-BE49-F238E27FC236}">
+                <a16:creationId xmlns:a16="http://schemas.microsoft.com/office/drawing/2014/main" id="{67168CD8-BC74-4CCE-81B2-5685290E389E}"/>
+              </a:ext>
+            </a:extLst>
+          </p:cNvPr>
+          <p:cNvSpPr>
+            <a:spLocks noGrp="1"/>
+          </p:cNvSpPr>
+          <p:nvPr>
+            <p:ph type="dt" sz="half" idx="10"/>
+          </p:nvPr>
+        </p:nvSpPr>
+        <p:spPr/>
+        <p:txBody>
+          <a:bodyPr/>
+          <a:lstStyle/>
+          <a:p>
+            <a:fld id="{E4A62EDC-D5D1-49C5-B313-6E6F916DA0E0}" type="datetimeFigureOut">
+              <a:rPr lang="en-GB" smtClean="0"/>
+              <a:t>05/07/2021</a:t>
+            </a:fld>
+            <a:endParaRPr lang="en-GB"/>
+          </a:p>
+        </p:txBody>
+      </p:sp>
+      <p:sp>
+        <p:nvSpPr>
+          <p:cNvPr id="5" name="Footer Placeholder 4">
+            <a:extLst>
+              <a:ext uri="{FF2B5EF4-FFF2-40B4-BE49-F238E27FC236}">
+                <a16:creationId xmlns:a16="http://schemas.microsoft.com/office/drawing/2014/main" id="{EA8EEFD2-09DE-400E-A247-FE394A677122}"/>
+              </a:ext>
+            </a:extLst>
+          </p:cNvPr>
+          <p:cNvSpPr>
+            <a:spLocks noGrp="1"/>
+          </p:cNvSpPr>
+          <p:nvPr>
+            <p:ph type="ftr" sz="quarter" idx="11"/>
+          </p:nvPr>
+        </p:nvSpPr>
+        <p:spPr/>
+        <p:txBody>
+          <a:bodyPr/>
+          <a:lstStyle/>
+          <a:p>
+            <a:endParaRPr lang="en-GB"/>
+          </a:p>
+        </p:txBody>
+      </p:sp>
+      <p:sp>
+        <p:nvSpPr>
+          <p:cNvPr id="6" name="Slide Number Placeholder 5">
+            <a:extLst>
+              <a:ext uri="{FF2B5EF4-FFF2-40B4-BE49-F238E27FC236}">
+                <a16:creationId xmlns:a16="http://schemas.microsoft.com/office/drawing/2014/main" id="{21571627-54E0-4C3F-93A8-B641848E2F86}"/>
+              </a:ext>
+            </a:extLst>
+          </p:cNvPr>
+          <p:cNvSpPr>
+            <a:spLocks noGrp="1"/>
+          </p:cNvSpPr>
+          <p:nvPr>
+            <p:ph type="sldNum" sz="quarter" idx="12"/>
+          </p:nvPr>
+        </p:nvSpPr>
+        <p:spPr/>
+        <p:txBody>
+          <a:bodyPr/>
+          <a:lstStyle/>
+          <a:p>
+            <a:fld id="{8479ABEB-CDBB-4AA8-AA24-8D8980FAD85B}" type="slidenum">
+              <a:rPr lang="en-GB" smtClean="0"/>
+              <a:t>‹#›</a:t>
+            </a:fld>
+            <a:endParaRPr lang="en-GB"/>
+          </a:p>
+        </p:txBody>
+      </p:sp>
+    </p:spTree>
+    <p:extLst>
+      <p:ext uri="{BB962C8B-B14F-4D97-AF65-F5344CB8AC3E}">
+        <p14:creationId xmlns:p14="http://schemas.microsoft.com/office/powerpoint/2010/main" val="1111130240"/>
+      </p:ext>
+    </p:extLst>
+  </p:cSld>
+  <p:clrMapOvr>
+    <a:masterClrMapping/>
+  </p:clrMapOvr>
+</p:sldLayout>
+</file>
+
+<file path=ppt/slideLayouts/slideLayout23.xml><?xml version="1.0" encoding="utf-8"?>
+<p:sldLayout xmlns:a="http://schemas.openxmlformats.org/drawingml/2006/main" xmlns:r="http://schemas.openxmlformats.org/officeDocument/2006/relationships" xmlns:p="http://schemas.openxmlformats.org/presentationml/2006/main" showMasterSp="0" userDrawn="1">
+  <p:cSld name="Section slide teal">
+    <p:bg>
+      <p:bgPr>
+        <a:solidFill>
+          <a:srgbClr val="008080"/>
+        </a:solidFill>
+        <a:effectLst/>
+      </p:bgPr>
+    </p:bg>
+    <p:spTree>
+      <p:nvGrpSpPr>
+        <p:cNvPr id="1" name=""/>
+        <p:cNvGrpSpPr/>
+        <p:nvPr/>
+      </p:nvGrpSpPr>
+      <p:grpSpPr>
+        <a:xfrm>
+          <a:off x="0" y="0"/>
+          <a:ext cx="0" cy="0"/>
+          <a:chOff x="0" y="0"/>
+          <a:chExt cx="0" cy="0"/>
+        </a:xfrm>
+      </p:grpSpPr>
+      <p:sp>
+        <p:nvSpPr>
+          <p:cNvPr id="8" name="Slide Number Placeholder">
+            <a:extLst>
+              <a:ext uri="{FF2B5EF4-FFF2-40B4-BE49-F238E27FC236}">
+                <a16:creationId xmlns:a16="http://schemas.microsoft.com/office/drawing/2014/main" id="{BAA1490B-BB3E-0748-BA6A-B8586696578B}"/>
+              </a:ext>
+            </a:extLst>
+          </p:cNvPr>
+          <p:cNvSpPr>
+            <a:spLocks noGrp="1"/>
+          </p:cNvSpPr>
+          <p:nvPr>
+            <p:ph type="sldNum" sz="quarter" idx="4"/>
+          </p:nvPr>
+        </p:nvSpPr>
+        <p:spPr>
+          <a:xfrm>
+            <a:off x="4662087" y="6250891"/>
+            <a:ext cx="2867826" cy="365125"/>
+          </a:xfrm>
+          <a:prstGeom prst="rect">
+            <a:avLst/>
+          </a:prstGeom>
+        </p:spPr>
+        <p:txBody>
+          <a:bodyPr/>
+          <a:lstStyle>
+            <a:lvl1pPr>
+              <a:defRPr sz="2000">
+                <a:solidFill>
+                  <a:schemeClr val="bg1"/>
+                </a:solidFill>
+              </a:defRPr>
+            </a:lvl1pPr>
+          </a:lstStyle>
+          <a:p>
+            <a:pPr algn="ctr"/>
+            <a:fld id="{232417FB-2EF4-EC49-BC13-97513C37E9E5}" type="slidenum">
+              <a:rPr lang="en-US" smtClean="0"/>
+              <a:pPr algn="ctr"/>
+              <a:t>‹#›</a:t>
+            </a:fld>
+            <a:endParaRPr lang="en-US" dirty="0"/>
+          </a:p>
+        </p:txBody>
+      </p:sp>
+      <p:sp>
+        <p:nvSpPr>
+          <p:cNvPr id="9" name="Footer Placeholder">
+            <a:extLst>
+              <a:ext uri="{FF2B5EF4-FFF2-40B4-BE49-F238E27FC236}">
+                <a16:creationId xmlns:a16="http://schemas.microsoft.com/office/drawing/2014/main" id="{61622BCB-5999-744E-B77D-08F504F71E8B}"/>
+              </a:ext>
+            </a:extLst>
+          </p:cNvPr>
+          <p:cNvSpPr>
+            <a:spLocks noGrp="1"/>
+          </p:cNvSpPr>
+          <p:nvPr>
+            <p:ph type="ftr" sz="quarter" idx="3"/>
+          </p:nvPr>
+        </p:nvSpPr>
+        <p:spPr>
+          <a:xfrm>
+            <a:off x="7529913" y="6250890"/>
+            <a:ext cx="3842030" cy="365125"/>
+          </a:xfrm>
+          <a:prstGeom prst="rect">
+            <a:avLst/>
+          </a:prstGeom>
+        </p:spPr>
+        <p:txBody>
+          <a:bodyPr vert="horz" lIns="91440" tIns="45720" rIns="0" bIns="45720" rtlCol="0" anchor="t" anchorCtr="0"/>
+          <a:lstStyle>
+            <a:lvl1pPr algn="r">
+              <a:defRPr sz="2000" b="1">
+                <a:solidFill>
+                  <a:schemeClr val="bg1"/>
+                </a:solidFill>
+              </a:defRPr>
+            </a:lvl1pPr>
+          </a:lstStyle>
+          <a:p>
+            <a:endParaRPr lang="en-US" dirty="0"/>
+          </a:p>
+        </p:txBody>
+      </p:sp>
+      <p:sp>
+        <p:nvSpPr>
+          <p:cNvPr id="17" name="Title">
+            <a:extLst>
+              <a:ext uri="{FF2B5EF4-FFF2-40B4-BE49-F238E27FC236}">
+                <a16:creationId xmlns:a16="http://schemas.microsoft.com/office/drawing/2014/main" id="{1FFF5308-8243-A94B-81A6-3885912D01F0}"/>
+              </a:ext>
+            </a:extLst>
+          </p:cNvPr>
+          <p:cNvSpPr>
+            <a:spLocks noGrp="1"/>
+          </p:cNvSpPr>
+          <p:nvPr>
+            <p:ph type="title" hasCustomPrompt="1"/>
+          </p:nvPr>
+        </p:nvSpPr>
+        <p:spPr>
+          <a:xfrm>
+            <a:off x="838200" y="2769528"/>
+            <a:ext cx="10515600" cy="1052596"/>
+          </a:xfrm>
+          <a:prstGeom prst="rect">
+            <a:avLst/>
+          </a:prstGeom>
+        </p:spPr>
+        <p:txBody>
+          <a:bodyPr lIns="0" tIns="0" rIns="0" bIns="0" anchor="t" anchorCtr="0">
+            <a:spAutoFit/>
+          </a:bodyPr>
+          <a:lstStyle>
+            <a:lvl1pPr algn="l">
+              <a:defRPr sz="7200">
+                <a:solidFill>
+                  <a:schemeClr val="bg1"/>
+                </a:solidFill>
+              </a:defRPr>
+            </a:lvl1pPr>
+          </a:lstStyle>
+          <a:p>
+            <a:r>
+              <a:rPr lang="en-US" dirty="0"/>
+              <a:t>Section slide</a:t>
+            </a:r>
+          </a:p>
+        </p:txBody>
+      </p:sp>
+      <p:sp>
+        <p:nvSpPr>
+          <p:cNvPr id="16" name="Subtitle">
+            <a:extLst>
+              <a:ext uri="{FF2B5EF4-FFF2-40B4-BE49-F238E27FC236}">
+                <a16:creationId xmlns:a16="http://schemas.microsoft.com/office/drawing/2014/main" id="{5903921C-6D50-A849-B477-5BE38F246FF8}"/>
+              </a:ext>
+            </a:extLst>
+          </p:cNvPr>
+          <p:cNvSpPr>
+            <a:spLocks noGrp="1"/>
+          </p:cNvSpPr>
+          <p:nvPr>
+            <p:ph type="subTitle" idx="1" hasCustomPrompt="1"/>
+          </p:nvPr>
+        </p:nvSpPr>
+        <p:spPr>
+          <a:xfrm>
+            <a:off x="838200" y="3916872"/>
+            <a:ext cx="10515600" cy="1655762"/>
+          </a:xfrm>
+          <a:prstGeom prst="rect">
+            <a:avLst/>
+          </a:prstGeom>
+        </p:spPr>
+        <p:txBody>
+          <a:bodyPr tIns="72000" bIns="0" anchor="t" anchorCtr="0">
+            <a:normAutofit/>
+          </a:bodyPr>
+          <a:lstStyle>
+            <a:lvl1pPr marL="0" indent="0" algn="l">
+              <a:lnSpc>
+                <a:spcPts val="3800"/>
+              </a:lnSpc>
+              <a:spcBef>
+                <a:spcPts val="0"/>
+              </a:spcBef>
+              <a:spcAft>
+                <a:spcPts val="1000"/>
+              </a:spcAft>
+              <a:buNone/>
+              <a:defRPr sz="3200">
+                <a:solidFill>
+                  <a:schemeClr val="bg1"/>
+                </a:solidFill>
+              </a:defRPr>
+            </a:lvl1pPr>
+            <a:lvl2pPr marL="457200" indent="0" algn="ctr">
+              <a:buNone/>
+              <a:defRPr sz="2000"/>
+            </a:lvl2pPr>
+            <a:lvl3pPr marL="914400" indent="0" algn="ctr">
+              <a:buNone/>
+              <a:defRPr sz="1800"/>
+            </a:lvl3pPr>
+            <a:lvl4pPr marL="1371600" indent="0" algn="ctr">
+              <a:buNone/>
+              <a:defRPr sz="1600"/>
+            </a:lvl4pPr>
+            <a:lvl5pPr marL="1828800" indent="0" algn="ctr">
+              <a:buNone/>
+              <a:defRPr sz="1600"/>
+            </a:lvl5pPr>
+            <a:lvl6pPr marL="2286000" indent="0" algn="ctr">
+              <a:buNone/>
+              <a:defRPr sz="1600"/>
+            </a:lvl6pPr>
+            <a:lvl7pPr marL="2743200" indent="0" algn="ctr">
+              <a:buNone/>
+              <a:defRPr sz="1600"/>
+            </a:lvl7pPr>
+            <a:lvl8pPr marL="3200400" indent="0" algn="ctr">
+              <a:buNone/>
+              <a:defRPr sz="1600"/>
+            </a:lvl8pPr>
+            <a:lvl9pPr marL="3657600" indent="0" algn="ctr">
+              <a:buNone/>
+              <a:defRPr sz="1600"/>
+            </a:lvl9pPr>
+          </a:lstStyle>
+          <a:p>
+            <a:r>
+              <a:rPr lang="en-US" dirty="0"/>
+              <a:t>Subtitle</a:t>
+            </a:r>
+          </a:p>
+        </p:txBody>
+      </p:sp>
+      <p:cxnSp>
+        <p:nvCxnSpPr>
+          <p:cNvPr id="10" name="Line">
+            <a:extLst>
+              <a:ext uri="{FF2B5EF4-FFF2-40B4-BE49-F238E27FC236}">
+                <a16:creationId xmlns:a16="http://schemas.microsoft.com/office/drawing/2014/main" id="{9BEE2D9E-3E87-ED40-89C2-DBA774F1F211}"/>
+              </a:ext>
+            </a:extLst>
+          </p:cNvPr>
+          <p:cNvCxnSpPr>
+            <a:cxnSpLocks/>
+          </p:cNvCxnSpPr>
+          <p:nvPr userDrawn="1"/>
+        </p:nvCxnSpPr>
+        <p:spPr>
+          <a:xfrm>
+            <a:off x="823943" y="6055339"/>
+            <a:ext cx="10548000" cy="0"/>
+          </a:xfrm>
+          <a:prstGeom prst="line">
+            <a:avLst/>
+          </a:prstGeom>
+          <a:ln w="12700">
+            <a:solidFill>
+              <a:schemeClr val="bg1"/>
+            </a:solidFill>
+          </a:ln>
+        </p:spPr>
+        <p:style>
+          <a:lnRef idx="1">
+            <a:schemeClr val="accent1"/>
+          </a:lnRef>
+          <a:fillRef idx="0">
+            <a:schemeClr val="accent1"/>
+          </a:fillRef>
+          <a:effectRef idx="0">
+            <a:schemeClr val="accent1"/>
+          </a:effectRef>
+          <a:fontRef idx="minor">
+            <a:schemeClr val="tx1"/>
+          </a:fontRef>
+        </p:style>
+      </p:cxnSp>
+      <p:pic>
+        <p:nvPicPr>
+          <p:cNvPr id="11" name="Logo">
+            <a:extLst>
+              <a:ext uri="{FF2B5EF4-FFF2-40B4-BE49-F238E27FC236}">
+                <a16:creationId xmlns:a16="http://schemas.microsoft.com/office/drawing/2014/main" id="{2015EA9F-8838-304C-B7BC-0CE52FD5BE54}"/>
+              </a:ext>
+            </a:extLst>
+          </p:cNvPr>
+          <p:cNvPicPr>
+            <a:picLocks noChangeAspect="1"/>
+          </p:cNvPicPr>
+          <p:nvPr userDrawn="1"/>
+        </p:nvPicPr>
+        <p:blipFill>
+          <a:blip r:embed="rId2"/>
+          <a:stretch>
+            <a:fillRect/>
+          </a:stretch>
+        </p:blipFill>
+        <p:spPr>
+          <a:xfrm>
+            <a:off x="767166" y="6230570"/>
+            <a:ext cx="3489869" cy="408624"/>
+          </a:xfrm>
+          <a:prstGeom prst="rect">
+            <a:avLst/>
+          </a:prstGeom>
+        </p:spPr>
+      </p:pic>
+    </p:spTree>
+    <p:extLst>
+      <p:ext uri="{BB962C8B-B14F-4D97-AF65-F5344CB8AC3E}">
+        <p14:creationId xmlns:p14="http://schemas.microsoft.com/office/powerpoint/2010/main" val="2543371361"/>
+      </p:ext>
+    </p:extLst>
+  </p:cSld>
+  <p:clrMapOvr>
+    <a:masterClrMapping/>
+  </p:clrMapOvr>
+</p:sldLayout>
+</file>
+
+<file path=ppt/slideLayouts/slideLayout24.xml><?xml version="1.0" encoding="utf-8"?>
+<p:sldLayout xmlns:a="http://schemas.openxmlformats.org/drawingml/2006/main" xmlns:r="http://schemas.openxmlformats.org/officeDocument/2006/relationships" xmlns:p="http://schemas.openxmlformats.org/presentationml/2006/main" showMasterSp="0" userDrawn="1">
+  <p:cSld name="6_Single column title and content">
+    <p:bg>
+      <p:bgPr>
+        <a:solidFill>
+          <a:srgbClr val="008080">
+            <a:alpha val="9804"/>
+          </a:srgbClr>
+        </a:solidFill>
+        <a:effectLst/>
+      </p:bgPr>
+    </p:bg>
+    <p:spTree>
+      <p:nvGrpSpPr>
+        <p:cNvPr id="1" name=""/>
+        <p:cNvGrpSpPr/>
+        <p:nvPr/>
+      </p:nvGrpSpPr>
+      <p:grpSpPr>
+        <a:xfrm>
+          <a:off x="0" y="0"/>
+          <a:ext cx="0" cy="0"/>
+          <a:chOff x="0" y="0"/>
+          <a:chExt cx="0" cy="0"/>
+        </a:xfrm>
+      </p:grpSpPr>
+      <p:sp>
+        <p:nvSpPr>
+          <p:cNvPr id="8" name="Rectangle">
+            <a:extLst>
+              <a:ext uri="{FF2B5EF4-FFF2-40B4-BE49-F238E27FC236}">
+                <a16:creationId xmlns:a16="http://schemas.microsoft.com/office/drawing/2014/main" id="{CAB7C50D-A92E-F542-A579-D6ACCE3E0F84}"/>
+              </a:ext>
+            </a:extLst>
+          </p:cNvPr>
+          <p:cNvSpPr/>
+          <p:nvPr userDrawn="1"/>
+        </p:nvSpPr>
+        <p:spPr>
+          <a:xfrm>
+            <a:off x="0" y="6037942"/>
+            <a:ext cx="12192000" cy="820058"/>
+          </a:xfrm>
+          <a:prstGeom prst="rect">
+            <a:avLst/>
+          </a:prstGeom>
+          <a:solidFill>
+            <a:srgbClr val="008080"/>
+          </a:solidFill>
+          <a:ln>
+            <a:noFill/>
+          </a:ln>
+        </p:spPr>
+        <p:style>
+          <a:lnRef idx="2">
+            <a:schemeClr val="accent1">
+              <a:shade val="50000"/>
+            </a:schemeClr>
+          </a:lnRef>
+          <a:fillRef idx="1">
+            <a:schemeClr val="accent1"/>
+          </a:fillRef>
+          <a:effectRef idx="0">
+            <a:schemeClr val="accent1"/>
+          </a:effectRef>
+          <a:fontRef idx="minor">
+            <a:schemeClr val="lt1"/>
+          </a:fontRef>
+        </p:style>
+        <p:txBody>
+          <a:bodyPr rtlCol="0" anchor="ctr"/>
+          <a:lstStyle/>
+          <a:p>
+            <a:pPr algn="ctr"/>
+            <a:endParaRPr lang="en-US"/>
+          </a:p>
+        </p:txBody>
+      </p:sp>
+      <p:sp>
+        <p:nvSpPr>
+          <p:cNvPr id="13" name="Slide Number Placeholder">
+            <a:extLst>
+              <a:ext uri="{FF2B5EF4-FFF2-40B4-BE49-F238E27FC236}">
+                <a16:creationId xmlns:a16="http://schemas.microsoft.com/office/drawing/2014/main" id="{AB8A9106-B24D-064D-974C-C8C4B2C84B82}"/>
+              </a:ext>
+            </a:extLst>
+          </p:cNvPr>
+          <p:cNvSpPr>
+            <a:spLocks noGrp="1"/>
+          </p:cNvSpPr>
+          <p:nvPr>
+            <p:ph type="sldNum" sz="quarter" idx="4"/>
+          </p:nvPr>
+        </p:nvSpPr>
+        <p:spPr>
+          <a:xfrm>
+            <a:off x="4662087" y="6250891"/>
+            <a:ext cx="2867826" cy="365125"/>
+          </a:xfrm>
+          <a:prstGeom prst="rect">
+            <a:avLst/>
+          </a:prstGeom>
+        </p:spPr>
+        <p:txBody>
+          <a:bodyPr/>
+          <a:lstStyle>
+            <a:lvl1pPr>
+              <a:defRPr sz="2000">
+                <a:solidFill>
+                  <a:schemeClr val="bg1"/>
+                </a:solidFill>
+              </a:defRPr>
+            </a:lvl1pPr>
+          </a:lstStyle>
+          <a:p>
+            <a:pPr algn="ctr"/>
+            <a:fld id="{232417FB-2EF4-EC49-BC13-97513C37E9E5}" type="slidenum">
+              <a:rPr lang="en-US" smtClean="0"/>
+              <a:pPr algn="ctr"/>
+              <a:t>‹#›</a:t>
+            </a:fld>
+            <a:endParaRPr lang="en-US" dirty="0"/>
+          </a:p>
+        </p:txBody>
+      </p:sp>
+      <p:sp>
+        <p:nvSpPr>
+          <p:cNvPr id="14" name="Footer Placeholder">
+            <a:extLst>
+              <a:ext uri="{FF2B5EF4-FFF2-40B4-BE49-F238E27FC236}">
+                <a16:creationId xmlns:a16="http://schemas.microsoft.com/office/drawing/2014/main" id="{EC4B6832-9A04-854F-9075-DF58CE992FA7}"/>
+              </a:ext>
+            </a:extLst>
+          </p:cNvPr>
+          <p:cNvSpPr>
+            <a:spLocks noGrp="1"/>
+          </p:cNvSpPr>
+          <p:nvPr>
+            <p:ph type="ftr" sz="quarter" idx="3"/>
+          </p:nvPr>
+        </p:nvSpPr>
+        <p:spPr>
+          <a:xfrm>
+            <a:off x="7529913" y="6250890"/>
+            <a:ext cx="3842030" cy="365125"/>
+          </a:xfrm>
+          <a:prstGeom prst="rect">
+            <a:avLst/>
+          </a:prstGeom>
+        </p:spPr>
+        <p:txBody>
+          <a:bodyPr vert="horz" lIns="91440" tIns="45720" rIns="0" bIns="45720" rtlCol="0" anchor="t" anchorCtr="0"/>
+          <a:lstStyle>
+            <a:lvl1pPr algn="r">
+              <a:defRPr sz="2000" b="1">
+                <a:solidFill>
+                  <a:schemeClr val="bg1"/>
+                </a:solidFill>
+              </a:defRPr>
+            </a:lvl1pPr>
+          </a:lstStyle>
+          <a:p>
+            <a:endParaRPr lang="en-US" dirty="0"/>
+          </a:p>
+        </p:txBody>
+      </p:sp>
+      <p:sp>
+        <p:nvSpPr>
+          <p:cNvPr id="9" name="Title">
+            <a:extLst>
+              <a:ext uri="{FF2B5EF4-FFF2-40B4-BE49-F238E27FC236}">
+                <a16:creationId xmlns:a16="http://schemas.microsoft.com/office/drawing/2014/main" id="{2ABAF583-29A6-2E47-8107-77BF62EAA799}"/>
+              </a:ext>
+            </a:extLst>
+          </p:cNvPr>
+          <p:cNvSpPr>
+            <a:spLocks noGrp="1"/>
+          </p:cNvSpPr>
+          <p:nvPr>
+            <p:ph type="title" hasCustomPrompt="1"/>
+          </p:nvPr>
+        </p:nvSpPr>
+        <p:spPr>
+          <a:xfrm>
+            <a:off x="838200" y="642127"/>
+            <a:ext cx="10515600" cy="526298"/>
+          </a:xfrm>
+          <a:prstGeom prst="rect">
+            <a:avLst/>
+          </a:prstGeom>
+        </p:spPr>
+        <p:txBody>
+          <a:bodyPr wrap="square">
+            <a:spAutoFit/>
+          </a:bodyPr>
+          <a:lstStyle>
+            <a:lvl1pPr>
+              <a:defRPr sz="3600" baseline="0"/>
+            </a:lvl1pPr>
+          </a:lstStyle>
+          <a:p>
+            <a:r>
+              <a:rPr lang="en-US" dirty="0"/>
+              <a:t>Add your heading here</a:t>
+            </a:r>
+          </a:p>
+        </p:txBody>
+      </p:sp>
+      <p:sp>
+        <p:nvSpPr>
+          <p:cNvPr id="11" name="Content Placeholder">
+            <a:extLst>
+              <a:ext uri="{FF2B5EF4-FFF2-40B4-BE49-F238E27FC236}">
+                <a16:creationId xmlns:a16="http://schemas.microsoft.com/office/drawing/2014/main" id="{84E6AC44-311B-3642-9476-91E530FC2417}"/>
+              </a:ext>
+            </a:extLst>
+          </p:cNvPr>
+          <p:cNvSpPr>
+            <a:spLocks noGrp="1"/>
+          </p:cNvSpPr>
+          <p:nvPr>
+            <p:ph idx="1" hasCustomPrompt="1"/>
+          </p:nvPr>
+        </p:nvSpPr>
+        <p:spPr>
+          <a:xfrm>
+            <a:off x="838200" y="1424324"/>
+            <a:ext cx="10515600" cy="2298001"/>
+          </a:xfrm>
+          <a:prstGeom prst="rect">
+            <a:avLst/>
+          </a:prstGeom>
+        </p:spPr>
+        <p:txBody>
+          <a:bodyPr wrap="square" lIns="0" tIns="0" rIns="0" bIns="0" anchor="t" anchorCtr="0">
+            <a:spAutoFit/>
+          </a:bodyPr>
+          <a:lstStyle>
+            <a:lvl1pPr>
+              <a:lnSpc>
+                <a:spcPct val="110000"/>
+              </a:lnSpc>
+              <a:spcAft>
+                <a:spcPts val="500"/>
+              </a:spcAft>
+              <a:defRPr sz="3200">
+                <a:solidFill>
+                  <a:schemeClr val="tx1"/>
+                </a:solidFill>
+              </a:defRPr>
+            </a:lvl1pPr>
+            <a:lvl2pPr>
+              <a:spcAft>
+                <a:spcPts val="500"/>
+              </a:spcAft>
+              <a:defRPr sz="2800">
+                <a:solidFill>
+                  <a:schemeClr val="tx2"/>
+                </a:solidFill>
+              </a:defRPr>
+            </a:lvl2pPr>
+            <a:lvl3pPr>
+              <a:spcAft>
+                <a:spcPts val="500"/>
+              </a:spcAft>
+              <a:defRPr sz="2400">
+                <a:solidFill>
+                  <a:schemeClr val="tx2"/>
+                </a:solidFill>
+              </a:defRPr>
+            </a:lvl3pPr>
+            <a:lvl4pPr>
+              <a:spcAft>
+                <a:spcPts val="500"/>
+              </a:spcAft>
+              <a:defRPr sz="2000">
+                <a:solidFill>
+                  <a:schemeClr val="tx2"/>
+                </a:solidFill>
+              </a:defRPr>
+            </a:lvl4pPr>
+            <a:lvl5pPr>
+              <a:spcAft>
+                <a:spcPts val="500"/>
+              </a:spcAft>
+              <a:defRPr sz="1800">
+                <a:solidFill>
+                  <a:schemeClr val="tx2"/>
+                </a:solidFill>
+              </a:defRPr>
+            </a:lvl5pPr>
+          </a:lstStyle>
+          <a:p>
+            <a:pPr lvl="0"/>
+            <a:r>
+              <a:rPr lang="en-US" dirty="0"/>
+              <a:t>Single column</a:t>
+            </a:r>
+          </a:p>
+          <a:p>
+            <a:pPr lvl="1"/>
+            <a:r>
+              <a:rPr lang="en-US" dirty="0"/>
+              <a:t>Second level</a:t>
+            </a:r>
+          </a:p>
+          <a:p>
+            <a:pPr lvl="2"/>
+            <a:r>
+              <a:rPr lang="en-US" dirty="0"/>
+              <a:t>Third level</a:t>
+            </a:r>
+          </a:p>
+          <a:p>
+            <a:pPr lvl="3"/>
+            <a:r>
+              <a:rPr lang="en-US" dirty="0"/>
+              <a:t>Fourth level</a:t>
+            </a:r>
+          </a:p>
+          <a:p>
+            <a:pPr lvl="4"/>
+            <a:r>
+              <a:rPr lang="en-US" dirty="0"/>
+              <a:t>Fifth level</a:t>
+            </a:r>
+          </a:p>
+        </p:txBody>
+      </p:sp>
+      <p:pic>
+        <p:nvPicPr>
+          <p:cNvPr id="12" name="Logo">
+            <a:extLst>
+              <a:ext uri="{FF2B5EF4-FFF2-40B4-BE49-F238E27FC236}">
+                <a16:creationId xmlns:a16="http://schemas.microsoft.com/office/drawing/2014/main" id="{81051DAF-865D-C24C-A7D1-F9539C5AEDA7}"/>
+              </a:ext>
+            </a:extLst>
+          </p:cNvPr>
+          <p:cNvPicPr>
+            <a:picLocks noChangeAspect="1"/>
+          </p:cNvPicPr>
+          <p:nvPr userDrawn="1"/>
+        </p:nvPicPr>
+        <p:blipFill>
+          <a:blip r:embed="rId2"/>
+          <a:stretch>
+            <a:fillRect/>
+          </a:stretch>
+        </p:blipFill>
+        <p:spPr>
+          <a:xfrm>
+            <a:off x="767166" y="6230570"/>
+            <a:ext cx="3489869" cy="408624"/>
+          </a:xfrm>
+          <a:prstGeom prst="rect">
+            <a:avLst/>
+          </a:prstGeom>
+        </p:spPr>
+      </p:pic>
+    </p:spTree>
+    <p:extLst>
+      <p:ext uri="{BB962C8B-B14F-4D97-AF65-F5344CB8AC3E}">
+        <p14:creationId xmlns:p14="http://schemas.microsoft.com/office/powerpoint/2010/main" val="91139484"/>
       </p:ext>
     </p:extLst>
   </p:cSld>
@@ -1153,7 +6060,7 @@
           <a:p>
             <a:fld id="{9A2B8767-FE38-44DC-83D7-19AB33F098DC}" type="datetimeFigureOut">
               <a:rPr lang="en-GB" smtClean="0"/>
-              <a:t>01/07/2021</a:t>
+              <a:t>05/07/2021</a:t>
             </a:fld>
             <a:endParaRPr lang="en-GB"/>
           </a:p>
@@ -1421,7 +6328,7 @@
           <a:p>
             <a:fld id="{9A2B8767-FE38-44DC-83D7-19AB33F098DC}" type="datetimeFigureOut">
               <a:rPr lang="en-GB" smtClean="0"/>
-              <a:t>01/07/2021</a:t>
+              <a:t>05/07/2021</a:t>
             </a:fld>
             <a:endParaRPr lang="en-GB"/>
           </a:p>
@@ -1836,7 +6743,7 @@
           <a:p>
             <a:fld id="{9A2B8767-FE38-44DC-83D7-19AB33F098DC}" type="datetimeFigureOut">
               <a:rPr lang="en-GB" smtClean="0"/>
-              <a:t>01/07/2021</a:t>
+              <a:t>05/07/2021</a:t>
             </a:fld>
             <a:endParaRPr lang="en-GB"/>
           </a:p>
@@ -1978,7 +6885,7 @@
           <a:p>
             <a:fld id="{9A2B8767-FE38-44DC-83D7-19AB33F098DC}" type="datetimeFigureOut">
               <a:rPr lang="en-GB" smtClean="0"/>
-              <a:t>01/07/2021</a:t>
+              <a:t>05/07/2021</a:t>
             </a:fld>
             <a:endParaRPr lang="en-GB"/>
           </a:p>
@@ -2091,7 +6998,7 @@
           <a:p>
             <a:fld id="{9A2B8767-FE38-44DC-83D7-19AB33F098DC}" type="datetimeFigureOut">
               <a:rPr lang="en-GB" smtClean="0"/>
-              <a:t>01/07/2021</a:t>
+              <a:t>05/07/2021</a:t>
             </a:fld>
             <a:endParaRPr lang="en-GB"/>
           </a:p>
@@ -2404,7 +7311,7 @@
           <a:p>
             <a:fld id="{9A2B8767-FE38-44DC-83D7-19AB33F098DC}" type="datetimeFigureOut">
               <a:rPr lang="en-GB" smtClean="0"/>
-              <a:t>01/07/2021</a:t>
+              <a:t>05/07/2021</a:t>
             </a:fld>
             <a:endParaRPr lang="en-GB"/>
           </a:p>
@@ -2693,7 +7600,7 @@
           <a:p>
             <a:fld id="{9A2B8767-FE38-44DC-83D7-19AB33F098DC}" type="datetimeFigureOut">
               <a:rPr lang="en-GB" smtClean="0"/>
-              <a:t>01/07/2021</a:t>
+              <a:t>05/07/2021</a:t>
             </a:fld>
             <a:endParaRPr lang="en-GB"/>
           </a:p>
@@ -2936,7 +7843,7 @@
           <a:p>
             <a:fld id="{9A2B8767-FE38-44DC-83D7-19AB33F098DC}" type="datetimeFigureOut">
               <a:rPr lang="en-GB" smtClean="0"/>
-              <a:t>01/07/2021</a:t>
+              <a:t>05/07/2021</a:t>
             </a:fld>
             <a:endParaRPr lang="en-GB"/>
           </a:p>
@@ -3336,7 +8243,860 @@
 </p:sldMaster>
 </file>
 
+<file path=ppt/slideMasters/slideMaster2.xml><?xml version="1.0" encoding="utf-8"?>
+<p:sldMaster xmlns:a="http://schemas.openxmlformats.org/drawingml/2006/main" xmlns:r="http://schemas.openxmlformats.org/officeDocument/2006/relationships" xmlns:p="http://schemas.openxmlformats.org/presentationml/2006/main">
+  <p:cSld>
+    <p:bg>
+      <p:bgRef idx="1001">
+        <a:schemeClr val="bg1"/>
+      </p:bgRef>
+    </p:bg>
+    <p:spTree>
+      <p:nvGrpSpPr>
+        <p:cNvPr id="1" name=""/>
+        <p:cNvGrpSpPr/>
+        <p:nvPr/>
+      </p:nvGrpSpPr>
+      <p:grpSpPr>
+        <a:xfrm>
+          <a:off x="0" y="0"/>
+          <a:ext cx="0" cy="0"/>
+          <a:chOff x="0" y="0"/>
+          <a:chExt cx="0" cy="0"/>
+        </a:xfrm>
+      </p:grpSpPr>
+      <p:sp>
+        <p:nvSpPr>
+          <p:cNvPr id="2" name="Title Placeholder 1">
+            <a:extLst>
+              <a:ext uri="{FF2B5EF4-FFF2-40B4-BE49-F238E27FC236}">
+                <a16:creationId xmlns:a16="http://schemas.microsoft.com/office/drawing/2014/main" id="{3AE39E93-B5D2-4CDD-A745-8FFA8D2FC121}"/>
+              </a:ext>
+            </a:extLst>
+          </p:cNvPr>
+          <p:cNvSpPr>
+            <a:spLocks noGrp="1"/>
+          </p:cNvSpPr>
+          <p:nvPr>
+            <p:ph type="title"/>
+          </p:nvPr>
+        </p:nvSpPr>
+        <p:spPr>
+          <a:xfrm>
+            <a:off x="838200" y="365125"/>
+            <a:ext cx="10515600" cy="1325563"/>
+          </a:xfrm>
+          <a:prstGeom prst="rect">
+            <a:avLst/>
+          </a:prstGeom>
+        </p:spPr>
+        <p:txBody>
+          <a:bodyPr vert="horz" lIns="91440" tIns="45720" rIns="91440" bIns="45720" rtlCol="0" anchor="ctr">
+            <a:normAutofit/>
+          </a:bodyPr>
+          <a:lstStyle/>
+          <a:p>
+            <a:r>
+              <a:rPr lang="en-US"/>
+              <a:t>Click to edit Master title style</a:t>
+            </a:r>
+            <a:endParaRPr lang="en-GB"/>
+          </a:p>
+        </p:txBody>
+      </p:sp>
+      <p:sp>
+        <p:nvSpPr>
+          <p:cNvPr id="3" name="Text Placeholder 2">
+            <a:extLst>
+              <a:ext uri="{FF2B5EF4-FFF2-40B4-BE49-F238E27FC236}">
+                <a16:creationId xmlns:a16="http://schemas.microsoft.com/office/drawing/2014/main" id="{474C09DD-1292-4E1C-BF3B-EC2232B28D24}"/>
+              </a:ext>
+            </a:extLst>
+          </p:cNvPr>
+          <p:cNvSpPr>
+            <a:spLocks noGrp="1"/>
+          </p:cNvSpPr>
+          <p:nvPr>
+            <p:ph type="body" idx="1"/>
+          </p:nvPr>
+        </p:nvSpPr>
+        <p:spPr>
+          <a:xfrm>
+            <a:off x="838200" y="1825625"/>
+            <a:ext cx="10515600" cy="4351338"/>
+          </a:xfrm>
+          <a:prstGeom prst="rect">
+            <a:avLst/>
+          </a:prstGeom>
+        </p:spPr>
+        <p:txBody>
+          <a:bodyPr vert="horz" lIns="91440" tIns="45720" rIns="91440" bIns="45720" rtlCol="0">
+            <a:normAutofit/>
+          </a:bodyPr>
+          <a:lstStyle/>
+          <a:p>
+            <a:pPr lvl="0"/>
+            <a:r>
+              <a:rPr lang="en-US"/>
+              <a:t>Click to edit Master text styles</a:t>
+            </a:r>
+          </a:p>
+          <a:p>
+            <a:pPr lvl="1"/>
+            <a:r>
+              <a:rPr lang="en-US"/>
+              <a:t>Second level</a:t>
+            </a:r>
+          </a:p>
+          <a:p>
+            <a:pPr lvl="2"/>
+            <a:r>
+              <a:rPr lang="en-US"/>
+              <a:t>Third level</a:t>
+            </a:r>
+          </a:p>
+          <a:p>
+            <a:pPr lvl="3"/>
+            <a:r>
+              <a:rPr lang="en-US"/>
+              <a:t>Fourth level</a:t>
+            </a:r>
+          </a:p>
+          <a:p>
+            <a:pPr lvl="4"/>
+            <a:r>
+              <a:rPr lang="en-US"/>
+              <a:t>Fifth level</a:t>
+            </a:r>
+            <a:endParaRPr lang="en-GB"/>
+          </a:p>
+        </p:txBody>
+      </p:sp>
+      <p:sp>
+        <p:nvSpPr>
+          <p:cNvPr id="4" name="Date Placeholder 3">
+            <a:extLst>
+              <a:ext uri="{FF2B5EF4-FFF2-40B4-BE49-F238E27FC236}">
+                <a16:creationId xmlns:a16="http://schemas.microsoft.com/office/drawing/2014/main" id="{DC8B07D1-0CC4-4212-B50C-F69585D2F702}"/>
+              </a:ext>
+            </a:extLst>
+          </p:cNvPr>
+          <p:cNvSpPr>
+            <a:spLocks noGrp="1"/>
+          </p:cNvSpPr>
+          <p:nvPr>
+            <p:ph type="dt" sz="half" idx="2"/>
+          </p:nvPr>
+        </p:nvSpPr>
+        <p:spPr>
+          <a:xfrm>
+            <a:off x="838200" y="6356350"/>
+            <a:ext cx="2743200" cy="365125"/>
+          </a:xfrm>
+          <a:prstGeom prst="rect">
+            <a:avLst/>
+          </a:prstGeom>
+        </p:spPr>
+        <p:txBody>
+          <a:bodyPr vert="horz" lIns="91440" tIns="45720" rIns="91440" bIns="45720" rtlCol="0" anchor="ctr"/>
+          <a:lstStyle>
+            <a:lvl1pPr algn="l">
+              <a:defRPr sz="1200">
+                <a:solidFill>
+                  <a:schemeClr val="tx1">
+                    <a:tint val="75000"/>
+                  </a:schemeClr>
+                </a:solidFill>
+              </a:defRPr>
+            </a:lvl1pPr>
+          </a:lstStyle>
+          <a:p>
+            <a:fld id="{E4A62EDC-D5D1-49C5-B313-6E6F916DA0E0}" type="datetimeFigureOut">
+              <a:rPr lang="en-GB" smtClean="0"/>
+              <a:t>05/07/2021</a:t>
+            </a:fld>
+            <a:endParaRPr lang="en-GB"/>
+          </a:p>
+        </p:txBody>
+      </p:sp>
+      <p:sp>
+        <p:nvSpPr>
+          <p:cNvPr id="5" name="Footer Placeholder 4">
+            <a:extLst>
+              <a:ext uri="{FF2B5EF4-FFF2-40B4-BE49-F238E27FC236}">
+                <a16:creationId xmlns:a16="http://schemas.microsoft.com/office/drawing/2014/main" id="{23786A28-3DF7-48EE-9682-9B662EBE7B20}"/>
+              </a:ext>
+            </a:extLst>
+          </p:cNvPr>
+          <p:cNvSpPr>
+            <a:spLocks noGrp="1"/>
+          </p:cNvSpPr>
+          <p:nvPr>
+            <p:ph type="ftr" sz="quarter" idx="3"/>
+          </p:nvPr>
+        </p:nvSpPr>
+        <p:spPr>
+          <a:xfrm>
+            <a:off x="4038600" y="6356350"/>
+            <a:ext cx="4114800" cy="365125"/>
+          </a:xfrm>
+          <a:prstGeom prst="rect">
+            <a:avLst/>
+          </a:prstGeom>
+        </p:spPr>
+        <p:txBody>
+          <a:bodyPr vert="horz" lIns="91440" tIns="45720" rIns="91440" bIns="45720" rtlCol="0" anchor="ctr"/>
+          <a:lstStyle>
+            <a:lvl1pPr algn="ctr">
+              <a:defRPr sz="1200">
+                <a:solidFill>
+                  <a:schemeClr val="tx1">
+                    <a:tint val="75000"/>
+                  </a:schemeClr>
+                </a:solidFill>
+              </a:defRPr>
+            </a:lvl1pPr>
+          </a:lstStyle>
+          <a:p>
+            <a:endParaRPr lang="en-GB"/>
+          </a:p>
+        </p:txBody>
+      </p:sp>
+      <p:sp>
+        <p:nvSpPr>
+          <p:cNvPr id="6" name="Slide Number Placeholder 5">
+            <a:extLst>
+              <a:ext uri="{FF2B5EF4-FFF2-40B4-BE49-F238E27FC236}">
+                <a16:creationId xmlns:a16="http://schemas.microsoft.com/office/drawing/2014/main" id="{96EA0E7D-FA8B-4484-B875-6F2F13B2E557}"/>
+              </a:ext>
+            </a:extLst>
+          </p:cNvPr>
+          <p:cNvSpPr>
+            <a:spLocks noGrp="1"/>
+          </p:cNvSpPr>
+          <p:nvPr>
+            <p:ph type="sldNum" sz="quarter" idx="4"/>
+          </p:nvPr>
+        </p:nvSpPr>
+        <p:spPr>
+          <a:xfrm>
+            <a:off x="8610600" y="6356350"/>
+            <a:ext cx="2743200" cy="365125"/>
+          </a:xfrm>
+          <a:prstGeom prst="rect">
+            <a:avLst/>
+          </a:prstGeom>
+        </p:spPr>
+        <p:txBody>
+          <a:bodyPr vert="horz" lIns="91440" tIns="45720" rIns="91440" bIns="45720" rtlCol="0" anchor="ctr"/>
+          <a:lstStyle>
+            <a:lvl1pPr algn="r">
+              <a:defRPr sz="1200">
+                <a:solidFill>
+                  <a:schemeClr val="tx1">
+                    <a:tint val="75000"/>
+                  </a:schemeClr>
+                </a:solidFill>
+              </a:defRPr>
+            </a:lvl1pPr>
+          </a:lstStyle>
+          <a:p>
+            <a:fld id="{8479ABEB-CDBB-4AA8-AA24-8D8980FAD85B}" type="slidenum">
+              <a:rPr lang="en-GB" smtClean="0"/>
+              <a:t>‹#›</a:t>
+            </a:fld>
+            <a:endParaRPr lang="en-GB"/>
+          </a:p>
+        </p:txBody>
+      </p:sp>
+    </p:spTree>
+    <p:extLst>
+      <p:ext uri="{BB962C8B-B14F-4D97-AF65-F5344CB8AC3E}">
+        <p14:creationId xmlns:p14="http://schemas.microsoft.com/office/powerpoint/2010/main" val="2605040074"/>
+      </p:ext>
+    </p:extLst>
+  </p:cSld>
+  <p:clrMap bg1="lt1" tx1="dk1" bg2="lt2" tx2="dk2" accent1="accent1" accent2="accent2" accent3="accent3" accent4="accent4" accent5="accent5" accent6="accent6" hlink="hlink" folHlink="folHlink"/>
+  <p:sldLayoutIdLst>
+    <p:sldLayoutId id="2147483661" r:id="rId1"/>
+    <p:sldLayoutId id="2147483662" r:id="rId2"/>
+    <p:sldLayoutId id="2147483663" r:id="rId3"/>
+    <p:sldLayoutId id="2147483664" r:id="rId4"/>
+    <p:sldLayoutId id="2147483665" r:id="rId5"/>
+    <p:sldLayoutId id="2147483666" r:id="rId6"/>
+    <p:sldLayoutId id="2147483667" r:id="rId7"/>
+    <p:sldLayoutId id="2147483668" r:id="rId8"/>
+    <p:sldLayoutId id="2147483669" r:id="rId9"/>
+    <p:sldLayoutId id="2147483670" r:id="rId10"/>
+    <p:sldLayoutId id="2147483671" r:id="rId11"/>
+    <p:sldLayoutId id="2147483672" r:id="rId12"/>
+    <p:sldLayoutId id="2147483673" r:id="rId13"/>
+  </p:sldLayoutIdLst>
+  <p:txStyles>
+    <p:titleStyle>
+      <a:lvl1pPr algn="l" defTabSz="914400" rtl="0" eaLnBrk="1" latinLnBrk="0" hangingPunct="1">
+        <a:lnSpc>
+          <a:spcPct val="90000"/>
+        </a:lnSpc>
+        <a:spcBef>
+          <a:spcPct val="0"/>
+        </a:spcBef>
+        <a:buNone/>
+        <a:defRPr sz="4400" kern="1200">
+          <a:solidFill>
+            <a:schemeClr val="tx1"/>
+          </a:solidFill>
+          <a:latin typeface="+mj-lt"/>
+          <a:ea typeface="+mj-ea"/>
+          <a:cs typeface="+mj-cs"/>
+        </a:defRPr>
+      </a:lvl1pPr>
+    </p:titleStyle>
+    <p:bodyStyle>
+      <a:lvl1pPr marL="228600" indent="-228600" algn="l" defTabSz="914400" rtl="0" eaLnBrk="1" latinLnBrk="0" hangingPunct="1">
+        <a:lnSpc>
+          <a:spcPct val="90000"/>
+        </a:lnSpc>
+        <a:spcBef>
+          <a:spcPts val="1000"/>
+        </a:spcBef>
+        <a:buFont typeface="Arial" panose="020B0604020202020204" pitchFamily="34" charset="0"/>
+        <a:buChar char="•"/>
+        <a:defRPr sz="2800" kern="1200">
+          <a:solidFill>
+            <a:schemeClr val="tx1"/>
+          </a:solidFill>
+          <a:latin typeface="+mn-lt"/>
+          <a:ea typeface="+mn-ea"/>
+          <a:cs typeface="+mn-cs"/>
+        </a:defRPr>
+      </a:lvl1pPr>
+      <a:lvl2pPr marL="685800" indent="-228600" algn="l" defTabSz="914400" rtl="0" eaLnBrk="1" latinLnBrk="0" hangingPunct="1">
+        <a:lnSpc>
+          <a:spcPct val="90000"/>
+        </a:lnSpc>
+        <a:spcBef>
+          <a:spcPts val="500"/>
+        </a:spcBef>
+        <a:buFont typeface="Arial" panose="020B0604020202020204" pitchFamily="34" charset="0"/>
+        <a:buChar char="•"/>
+        <a:defRPr sz="2400" kern="1200">
+          <a:solidFill>
+            <a:schemeClr val="tx1"/>
+          </a:solidFill>
+          <a:latin typeface="+mn-lt"/>
+          <a:ea typeface="+mn-ea"/>
+          <a:cs typeface="+mn-cs"/>
+        </a:defRPr>
+      </a:lvl2pPr>
+      <a:lvl3pPr marL="1143000" indent="-228600" algn="l" defTabSz="914400" rtl="0" eaLnBrk="1" latinLnBrk="0" hangingPunct="1">
+        <a:lnSpc>
+          <a:spcPct val="90000"/>
+        </a:lnSpc>
+        <a:spcBef>
+          <a:spcPts val="500"/>
+        </a:spcBef>
+        <a:buFont typeface="Arial" panose="020B0604020202020204" pitchFamily="34" charset="0"/>
+        <a:buChar char="•"/>
+        <a:defRPr sz="2000" kern="1200">
+          <a:solidFill>
+            <a:schemeClr val="tx1"/>
+          </a:solidFill>
+          <a:latin typeface="+mn-lt"/>
+          <a:ea typeface="+mn-ea"/>
+          <a:cs typeface="+mn-cs"/>
+        </a:defRPr>
+      </a:lvl3pPr>
+      <a:lvl4pPr marL="1600200" indent="-228600" algn="l" defTabSz="914400" rtl="0" eaLnBrk="1" latinLnBrk="0" hangingPunct="1">
+        <a:lnSpc>
+          <a:spcPct val="90000"/>
+        </a:lnSpc>
+        <a:spcBef>
+          <a:spcPts val="500"/>
+        </a:spcBef>
+        <a:buFont typeface="Arial" panose="020B0604020202020204" pitchFamily="34" charset="0"/>
+        <a:buChar char="•"/>
+        <a:defRPr sz="1800" kern="1200">
+          <a:solidFill>
+            <a:schemeClr val="tx1"/>
+          </a:solidFill>
+          <a:latin typeface="+mn-lt"/>
+          <a:ea typeface="+mn-ea"/>
+          <a:cs typeface="+mn-cs"/>
+        </a:defRPr>
+      </a:lvl4pPr>
+      <a:lvl5pPr marL="2057400" indent="-228600" algn="l" defTabSz="914400" rtl="0" eaLnBrk="1" latinLnBrk="0" hangingPunct="1">
+        <a:lnSpc>
+          <a:spcPct val="90000"/>
+        </a:lnSpc>
+        <a:spcBef>
+          <a:spcPts val="500"/>
+        </a:spcBef>
+        <a:buFont typeface="Arial" panose="020B0604020202020204" pitchFamily="34" charset="0"/>
+        <a:buChar char="•"/>
+        <a:defRPr sz="1800" kern="1200">
+          <a:solidFill>
+            <a:schemeClr val="tx1"/>
+          </a:solidFill>
+          <a:latin typeface="+mn-lt"/>
+          <a:ea typeface="+mn-ea"/>
+          <a:cs typeface="+mn-cs"/>
+        </a:defRPr>
+      </a:lvl5pPr>
+      <a:lvl6pPr marL="2514600" indent="-228600" algn="l" defTabSz="914400" rtl="0" eaLnBrk="1" latinLnBrk="0" hangingPunct="1">
+        <a:lnSpc>
+          <a:spcPct val="90000"/>
+        </a:lnSpc>
+        <a:spcBef>
+          <a:spcPts val="500"/>
+        </a:spcBef>
+        <a:buFont typeface="Arial" panose="020B0604020202020204" pitchFamily="34" charset="0"/>
+        <a:buChar char="•"/>
+        <a:defRPr sz="1800" kern="1200">
+          <a:solidFill>
+            <a:schemeClr val="tx1"/>
+          </a:solidFill>
+          <a:latin typeface="+mn-lt"/>
+          <a:ea typeface="+mn-ea"/>
+          <a:cs typeface="+mn-cs"/>
+        </a:defRPr>
+      </a:lvl6pPr>
+      <a:lvl7pPr marL="2971800" indent="-228600" algn="l" defTabSz="914400" rtl="0" eaLnBrk="1" latinLnBrk="0" hangingPunct="1">
+        <a:lnSpc>
+          <a:spcPct val="90000"/>
+        </a:lnSpc>
+        <a:spcBef>
+          <a:spcPts val="500"/>
+        </a:spcBef>
+        <a:buFont typeface="Arial" panose="020B0604020202020204" pitchFamily="34" charset="0"/>
+        <a:buChar char="•"/>
+        <a:defRPr sz="1800" kern="1200">
+          <a:solidFill>
+            <a:schemeClr val="tx1"/>
+          </a:solidFill>
+          <a:latin typeface="+mn-lt"/>
+          <a:ea typeface="+mn-ea"/>
+          <a:cs typeface="+mn-cs"/>
+        </a:defRPr>
+      </a:lvl7pPr>
+      <a:lvl8pPr marL="3429000" indent="-228600" algn="l" defTabSz="914400" rtl="0" eaLnBrk="1" latinLnBrk="0" hangingPunct="1">
+        <a:lnSpc>
+          <a:spcPct val="90000"/>
+        </a:lnSpc>
+        <a:spcBef>
+          <a:spcPts val="500"/>
+        </a:spcBef>
+        <a:buFont typeface="Arial" panose="020B0604020202020204" pitchFamily="34" charset="0"/>
+        <a:buChar char="•"/>
+        <a:defRPr sz="1800" kern="1200">
+          <a:solidFill>
+            <a:schemeClr val="tx1"/>
+          </a:solidFill>
+          <a:latin typeface="+mn-lt"/>
+          <a:ea typeface="+mn-ea"/>
+          <a:cs typeface="+mn-cs"/>
+        </a:defRPr>
+      </a:lvl8pPr>
+      <a:lvl9pPr marL="3886200" indent="-228600" algn="l" defTabSz="914400" rtl="0" eaLnBrk="1" latinLnBrk="0" hangingPunct="1">
+        <a:lnSpc>
+          <a:spcPct val="90000"/>
+        </a:lnSpc>
+        <a:spcBef>
+          <a:spcPts val="500"/>
+        </a:spcBef>
+        <a:buFont typeface="Arial" panose="020B0604020202020204" pitchFamily="34" charset="0"/>
+        <a:buChar char="•"/>
+        <a:defRPr sz="1800" kern="1200">
+          <a:solidFill>
+            <a:schemeClr val="tx1"/>
+          </a:solidFill>
+          <a:latin typeface="+mn-lt"/>
+          <a:ea typeface="+mn-ea"/>
+          <a:cs typeface="+mn-cs"/>
+        </a:defRPr>
+      </a:lvl9pPr>
+    </p:bodyStyle>
+    <p:otherStyle>
+      <a:defPPr>
+        <a:defRPr lang="en-US"/>
+      </a:defPPr>
+      <a:lvl1pPr marL="0" algn="l" defTabSz="914400" rtl="0" eaLnBrk="1" latinLnBrk="0" hangingPunct="1">
+        <a:defRPr sz="1800" kern="1200">
+          <a:solidFill>
+            <a:schemeClr val="tx1"/>
+          </a:solidFill>
+          <a:latin typeface="+mn-lt"/>
+          <a:ea typeface="+mn-ea"/>
+          <a:cs typeface="+mn-cs"/>
+        </a:defRPr>
+      </a:lvl1pPr>
+      <a:lvl2pPr marL="457200" algn="l" defTabSz="914400" rtl="0" eaLnBrk="1" latinLnBrk="0" hangingPunct="1">
+        <a:defRPr sz="1800" kern="1200">
+          <a:solidFill>
+            <a:schemeClr val="tx1"/>
+          </a:solidFill>
+          <a:latin typeface="+mn-lt"/>
+          <a:ea typeface="+mn-ea"/>
+          <a:cs typeface="+mn-cs"/>
+        </a:defRPr>
+      </a:lvl2pPr>
+      <a:lvl3pPr marL="914400" algn="l" defTabSz="914400" rtl="0" eaLnBrk="1" latinLnBrk="0" hangingPunct="1">
+        <a:defRPr sz="1800" kern="1200">
+          <a:solidFill>
+            <a:schemeClr val="tx1"/>
+          </a:solidFill>
+          <a:latin typeface="+mn-lt"/>
+          <a:ea typeface="+mn-ea"/>
+          <a:cs typeface="+mn-cs"/>
+        </a:defRPr>
+      </a:lvl3pPr>
+      <a:lvl4pPr marL="1371600" algn="l" defTabSz="914400" rtl="0" eaLnBrk="1" latinLnBrk="0" hangingPunct="1">
+        <a:defRPr sz="1800" kern="1200">
+          <a:solidFill>
+            <a:schemeClr val="tx1"/>
+          </a:solidFill>
+          <a:latin typeface="+mn-lt"/>
+          <a:ea typeface="+mn-ea"/>
+          <a:cs typeface="+mn-cs"/>
+        </a:defRPr>
+      </a:lvl4pPr>
+      <a:lvl5pPr marL="1828800" algn="l" defTabSz="914400" rtl="0" eaLnBrk="1" latinLnBrk="0" hangingPunct="1">
+        <a:defRPr sz="1800" kern="1200">
+          <a:solidFill>
+            <a:schemeClr val="tx1"/>
+          </a:solidFill>
+          <a:latin typeface="+mn-lt"/>
+          <a:ea typeface="+mn-ea"/>
+          <a:cs typeface="+mn-cs"/>
+        </a:defRPr>
+      </a:lvl5pPr>
+      <a:lvl6pPr marL="2286000" algn="l" defTabSz="914400" rtl="0" eaLnBrk="1" latinLnBrk="0" hangingPunct="1">
+        <a:defRPr sz="1800" kern="1200">
+          <a:solidFill>
+            <a:schemeClr val="tx1"/>
+          </a:solidFill>
+          <a:latin typeface="+mn-lt"/>
+          <a:ea typeface="+mn-ea"/>
+          <a:cs typeface="+mn-cs"/>
+        </a:defRPr>
+      </a:lvl6pPr>
+      <a:lvl7pPr marL="2743200" algn="l" defTabSz="914400" rtl="0" eaLnBrk="1" latinLnBrk="0" hangingPunct="1">
+        <a:defRPr sz="1800" kern="1200">
+          <a:solidFill>
+            <a:schemeClr val="tx1"/>
+          </a:solidFill>
+          <a:latin typeface="+mn-lt"/>
+          <a:ea typeface="+mn-ea"/>
+          <a:cs typeface="+mn-cs"/>
+        </a:defRPr>
+      </a:lvl7pPr>
+      <a:lvl8pPr marL="3200400" algn="l" defTabSz="914400" rtl="0" eaLnBrk="1" latinLnBrk="0" hangingPunct="1">
+        <a:defRPr sz="1800" kern="1200">
+          <a:solidFill>
+            <a:schemeClr val="tx1"/>
+          </a:solidFill>
+          <a:latin typeface="+mn-lt"/>
+          <a:ea typeface="+mn-ea"/>
+          <a:cs typeface="+mn-cs"/>
+        </a:defRPr>
+      </a:lvl8pPr>
+      <a:lvl9pPr marL="3657600" algn="l" defTabSz="914400" rtl="0" eaLnBrk="1" latinLnBrk="0" hangingPunct="1">
+        <a:defRPr sz="1800" kern="1200">
+          <a:solidFill>
+            <a:schemeClr val="tx1"/>
+          </a:solidFill>
+          <a:latin typeface="+mn-lt"/>
+          <a:ea typeface="+mn-ea"/>
+          <a:cs typeface="+mn-cs"/>
+        </a:defRPr>
+      </a:lvl9pPr>
+    </p:otherStyle>
+  </p:txStyles>
+</p:sldMaster>
+</file>
+
 <file path=ppt/slides/slide1.xml><?xml version="1.0" encoding="utf-8"?>
+<p:sld xmlns:a="http://schemas.openxmlformats.org/drawingml/2006/main" xmlns:r="http://schemas.openxmlformats.org/officeDocument/2006/relationships" xmlns:p="http://schemas.openxmlformats.org/presentationml/2006/main">
+  <p:cSld>
+    <p:bg>
+      <p:bgPr>
+        <a:solidFill>
+          <a:srgbClr val="000000"/>
+        </a:solidFill>
+        <a:effectLst/>
+      </p:bgPr>
+    </p:bg>
+    <p:spTree>
+      <p:nvGrpSpPr>
+        <p:cNvPr id="1" name=""/>
+        <p:cNvGrpSpPr/>
+        <p:nvPr/>
+      </p:nvGrpSpPr>
+      <p:grpSpPr>
+        <a:xfrm>
+          <a:off x="0" y="0"/>
+          <a:ext cx="0" cy="0"/>
+          <a:chOff x="0" y="0"/>
+          <a:chExt cx="0" cy="0"/>
+        </a:xfrm>
+      </p:grpSpPr>
+      <p:sp>
+        <p:nvSpPr>
+          <p:cNvPr id="1028" name="Rectangle 70">
+            <a:extLst>
+              <a:ext uri="{FF2B5EF4-FFF2-40B4-BE49-F238E27FC236}">
+                <a16:creationId xmlns:a16="http://schemas.microsoft.com/office/drawing/2014/main" id="{71B2258F-86CA-4D4D-8270-BC05FCDEBFB3}"/>
+              </a:ext>
+              <a:ext uri="{C183D7F6-B498-43B3-948B-1728B52AA6E4}">
+                <adec:decorative xmlns:adec="http://schemas.microsoft.com/office/drawing/2017/decorative" val="1"/>
+              </a:ext>
+            </a:extLst>
+          </p:cNvPr>
+          <p:cNvSpPr>
+            <a:spLocks noGrp="1" noRot="1" noChangeAspect="1" noMove="1" noResize="1" noEditPoints="1" noAdjustHandles="1" noChangeArrowheads="1" noChangeShapeType="1" noTextEdit="1"/>
+          </p:cNvSpPr>
+          <p:nvPr>
+            <p:extLst>
+              <p:ext uri="{386F3935-93C4-4BCD-93E2-E3B085C9AB24}">
+                <p16:designElem xmlns:p16="http://schemas.microsoft.com/office/powerpoint/2015/main" val="1"/>
+              </p:ext>
+            </p:extLst>
+          </p:nvPr>
+        </p:nvSpPr>
+        <p:spPr>
+          <a:xfrm>
+            <a:off x="0" y="0"/>
+            <a:ext cx="12192000" cy="6857999"/>
+          </a:xfrm>
+          <a:prstGeom prst="rect">
+            <a:avLst/>
+          </a:prstGeom>
+          <a:solidFill>
+            <a:srgbClr val="000000"/>
+          </a:solidFill>
+          <a:ln>
+            <a:noFill/>
+          </a:ln>
+        </p:spPr>
+        <p:style>
+          <a:lnRef idx="2">
+            <a:schemeClr val="accent1">
+              <a:shade val="50000"/>
+            </a:schemeClr>
+          </a:lnRef>
+          <a:fillRef idx="1">
+            <a:schemeClr val="accent1"/>
+          </a:fillRef>
+          <a:effectRef idx="0">
+            <a:schemeClr val="accent1"/>
+          </a:effectRef>
+          <a:fontRef idx="minor">
+            <a:schemeClr val="lt1"/>
+          </a:fontRef>
+        </p:style>
+        <p:txBody>
+          <a:bodyPr rtlCol="0" anchor="ctr"/>
+          <a:lstStyle/>
+          <a:p>
+            <a:pPr marL="0" marR="0" lvl="0" indent="0" algn="ctr" defTabSz="914400" rtl="0" eaLnBrk="1" fontAlgn="auto" latinLnBrk="0" hangingPunct="1">
+              <a:lnSpc>
+                <a:spcPct val="100000"/>
+              </a:lnSpc>
+              <a:spcBef>
+                <a:spcPts val="0"/>
+              </a:spcBef>
+              <a:spcAft>
+                <a:spcPts val="0"/>
+              </a:spcAft>
+              <a:buClrTx/>
+              <a:buSzTx/>
+              <a:buFontTx/>
+              <a:buNone/>
+              <a:tabLst/>
+              <a:defRPr/>
+            </a:pPr>
+            <a:endParaRPr kumimoji="0" lang="en-US" sz="1800" b="0" i="0" u="none" strike="noStrike" kern="1200" cap="none" spc="0" normalizeH="0" baseline="0" noProof="0">
+              <a:ln>
+                <a:noFill/>
+              </a:ln>
+              <a:solidFill>
+                <a:prstClr val="white"/>
+              </a:solidFill>
+              <a:effectLst/>
+              <a:uLnTx/>
+              <a:uFillTx/>
+              <a:latin typeface="Calibri" panose="020F0502020204030204"/>
+              <a:ea typeface="+mn-ea"/>
+              <a:cs typeface="+mn-cs"/>
+            </a:endParaRPr>
+          </a:p>
+        </p:txBody>
+      </p:sp>
+      <p:pic>
+        <p:nvPicPr>
+          <p:cNvPr id="1026" name="Picture 2">
+            <a:extLst>
+              <a:ext uri="{FF2B5EF4-FFF2-40B4-BE49-F238E27FC236}">
+                <a16:creationId xmlns:a16="http://schemas.microsoft.com/office/drawing/2014/main" id="{331C74C1-849E-4164-A55B-AA439CE711FE}"/>
+              </a:ext>
+            </a:extLst>
+          </p:cNvPr>
+          <p:cNvPicPr>
+            <a:picLocks noChangeAspect="1" noChangeArrowheads="1"/>
+          </p:cNvPicPr>
+          <p:nvPr/>
+        </p:nvPicPr>
+        <p:blipFill rotWithShape="1">
+          <a:blip r:embed="rId3">
+            <a:alphaModFix amt="50000"/>
+            <a:extLst>
+              <a:ext uri="{28A0092B-C50C-407E-A947-70E740481C1C}">
+                <a14:useLocalDpi xmlns:a14="http://schemas.microsoft.com/office/drawing/2010/main" val="0"/>
+              </a:ext>
+            </a:extLst>
+          </a:blip>
+          <a:srcRect t="6959" b="8771"/>
+          <a:stretch/>
+        </p:blipFill>
+        <p:spPr bwMode="auto">
+          <a:xfrm>
+            <a:off x="20" y="1"/>
+            <a:ext cx="12191980" cy="6857999"/>
+          </a:xfrm>
+          <a:prstGeom prst="rect">
+            <a:avLst/>
+          </a:prstGeom>
+          <a:noFill/>
+          <a:extLst>
+            <a:ext uri="{909E8E84-426E-40DD-AFC4-6F175D3DCCD1}">
+              <a14:hiddenFill xmlns:a14="http://schemas.microsoft.com/office/drawing/2010/main">
+                <a:solidFill>
+                  <a:srgbClr val="FFFFFF"/>
+                </a:solidFill>
+              </a14:hiddenFill>
+            </a:ext>
+          </a:extLst>
+        </p:spPr>
+      </p:pic>
+      <p:sp>
+        <p:nvSpPr>
+          <p:cNvPr id="4" name="Title">
+            <a:extLst>
+              <a:ext uri="{FF2B5EF4-FFF2-40B4-BE49-F238E27FC236}">
+                <a16:creationId xmlns:a16="http://schemas.microsoft.com/office/drawing/2014/main" id="{21123C75-479C-234B-9645-E08CF5BA2050}"/>
+              </a:ext>
+            </a:extLst>
+          </p:cNvPr>
+          <p:cNvSpPr>
+            <a:spLocks noGrp="1"/>
+          </p:cNvSpPr>
+          <p:nvPr>
+            <p:ph type="title"/>
+          </p:nvPr>
+        </p:nvSpPr>
+        <p:spPr>
+          <a:xfrm>
+            <a:off x="1524000" y="1600200"/>
+            <a:ext cx="9144000" cy="2098830"/>
+          </a:xfrm>
+        </p:spPr>
+        <p:txBody>
+          <a:bodyPr vert="horz" lIns="91440" tIns="45720" rIns="91440" bIns="45720" rtlCol="0" anchor="b">
+            <a:normAutofit/>
+          </a:bodyPr>
+          <a:lstStyle/>
+          <a:p>
+            <a:pPr algn="ctr"/>
+            <a:r>
+              <a:rPr lang="en-US" sz="6000" dirty="0">
+                <a:solidFill>
+                  <a:srgbClr val="FFFFFF"/>
+                </a:solidFill>
+              </a:rPr>
+              <a:t>Identifying mentions of ONS in the UK Parliament</a:t>
+            </a:r>
+          </a:p>
+        </p:txBody>
+      </p:sp>
+      <p:sp>
+        <p:nvSpPr>
+          <p:cNvPr id="3" name="Subtitle">
+            <a:extLst>
+              <a:ext uri="{FF2B5EF4-FFF2-40B4-BE49-F238E27FC236}">
+                <a16:creationId xmlns:a16="http://schemas.microsoft.com/office/drawing/2014/main" id="{06DB93C4-9B93-5B4B-9232-71F3A5FBBD1F}"/>
+              </a:ext>
+            </a:extLst>
+          </p:cNvPr>
+          <p:cNvSpPr>
+            <a:spLocks noGrp="1"/>
+          </p:cNvSpPr>
+          <p:nvPr>
+            <p:ph type="subTitle" idx="1"/>
+          </p:nvPr>
+        </p:nvSpPr>
+        <p:spPr>
+          <a:xfrm>
+            <a:off x="1524000" y="5045229"/>
+            <a:ext cx="9144000" cy="1098395"/>
+          </a:xfrm>
+        </p:spPr>
+        <p:txBody>
+          <a:bodyPr vert="horz" lIns="91440" tIns="45720" rIns="91440" bIns="45720" rtlCol="0">
+            <a:normAutofit/>
+          </a:bodyPr>
+          <a:lstStyle/>
+          <a:p>
+            <a:pPr algn="ctr">
+              <a:lnSpc>
+                <a:spcPct val="90000"/>
+              </a:lnSpc>
+              <a:spcBef>
+                <a:spcPts val="1000"/>
+              </a:spcBef>
+            </a:pPr>
+            <a:r>
+              <a:rPr lang="en-US" sz="2400" dirty="0">
+                <a:solidFill>
+                  <a:srgbClr val="FFFFFF"/>
+                </a:solidFill>
+              </a:rPr>
+              <a:t>Rory Corbett</a:t>
+            </a:r>
+          </a:p>
+          <a:p>
+            <a:pPr algn="ctr">
+              <a:lnSpc>
+                <a:spcPct val="90000"/>
+              </a:lnSpc>
+              <a:spcBef>
+                <a:spcPts val="1000"/>
+              </a:spcBef>
+            </a:pPr>
+            <a:r>
+              <a:rPr lang="en-US" sz="2400" dirty="0">
+                <a:solidFill>
+                  <a:srgbClr val="FFFFFF"/>
+                </a:solidFill>
+              </a:rPr>
+              <a:t>Senior Corporate Analyst, Corporate MI &amp; Analytics, ONS</a:t>
+            </a:r>
+          </a:p>
+        </p:txBody>
+      </p:sp>
+    </p:spTree>
+    <p:extLst>
+      <p:ext uri="{BB962C8B-B14F-4D97-AF65-F5344CB8AC3E}">
+        <p14:creationId xmlns:p14="http://schemas.microsoft.com/office/powerpoint/2010/main" val="3244322459"/>
+      </p:ext>
+    </p:extLst>
+  </p:cSld>
+  <p:clrMapOvr>
+    <a:overrideClrMapping bg1="dk1" tx1="lt1" bg2="dk2" tx2="lt2" accent1="accent1" accent2="accent2" accent3="accent3" accent4="accent4" accent5="accent5" accent6="accent6" hlink="hlink" folHlink="folHlink"/>
+  </p:clrMapOvr>
+</p:sld>
+</file>
+
+<file path=ppt/slides/slide10.xml><?xml version="1.0" encoding="utf-8"?>
 <p:sld xmlns:a="http://schemas.openxmlformats.org/drawingml/2006/main" xmlns:r="http://schemas.openxmlformats.org/officeDocument/2006/relationships" xmlns:p="http://schemas.openxmlformats.org/presentationml/2006/main">
   <p:cSld>
     <p:spTree>
@@ -3355,33 +9115,102 @@
       </p:grpSpPr>
       <p:sp>
         <p:nvSpPr>
-          <p:cNvPr id="3" name="Subtitle 2">
-            <a:extLst>
-              <a:ext uri="{FF2B5EF4-FFF2-40B4-BE49-F238E27FC236}">
-                <a16:creationId xmlns:a16="http://schemas.microsoft.com/office/drawing/2014/main" id="{6CFB923E-B180-4D1D-8DDE-4228985949D7}"/>
-              </a:ext>
-            </a:extLst>
-          </p:cNvPr>
-          <p:cNvSpPr>
-            <a:spLocks noGrp="1"/>
-          </p:cNvSpPr>
-          <p:nvPr>
-            <p:ph type="subTitle" idx="1"/>
-          </p:nvPr>
-        </p:nvSpPr>
-        <p:spPr>
-          <a:xfrm>
-            <a:off x="1283368" y="2166269"/>
-            <a:ext cx="9144000" cy="1655762"/>
-          </a:xfrm>
-        </p:spPr>
+          <p:cNvPr id="2" name="Title 1">
+            <a:extLst>
+              <a:ext uri="{FF2B5EF4-FFF2-40B4-BE49-F238E27FC236}">
+                <a16:creationId xmlns:a16="http://schemas.microsoft.com/office/drawing/2014/main" id="{ECFC44C0-1C90-4FD7-A690-F1FF11A0C9EE}"/>
+              </a:ext>
+            </a:extLst>
+          </p:cNvPr>
+          <p:cNvSpPr>
+            <a:spLocks noGrp="1"/>
+          </p:cNvSpPr>
+          <p:nvPr>
+            <p:ph type="title"/>
+          </p:nvPr>
+        </p:nvSpPr>
+        <p:spPr/>
         <p:txBody>
           <a:bodyPr/>
           <a:lstStyle/>
           <a:p>
             <a:r>
               <a:rPr lang="en-GB" dirty="0"/>
-              <a:t>First page (copy from T&amp;F slide deck)</a:t>
+              <a:t>Next steps</a:t>
+            </a:r>
+          </a:p>
+        </p:txBody>
+      </p:sp>
+      <p:sp>
+        <p:nvSpPr>
+          <p:cNvPr id="3" name="Content Placeholder 2">
+            <a:extLst>
+              <a:ext uri="{FF2B5EF4-FFF2-40B4-BE49-F238E27FC236}">
+                <a16:creationId xmlns:a16="http://schemas.microsoft.com/office/drawing/2014/main" id="{7A1EEC23-077C-438F-97C1-F46851364810}"/>
+              </a:ext>
+            </a:extLst>
+          </p:cNvPr>
+          <p:cNvSpPr>
+            <a:spLocks noGrp="1"/>
+          </p:cNvSpPr>
+          <p:nvPr>
+            <p:ph idx="1"/>
+          </p:nvPr>
+        </p:nvSpPr>
+        <p:spPr/>
+        <p:txBody>
+          <a:bodyPr>
+            <a:normAutofit fontScale="92500" lnSpcReduction="10000"/>
+          </a:bodyPr>
+          <a:lstStyle/>
+          <a:p>
+            <a:r>
+              <a:rPr lang="en-GB" dirty="0"/>
+              <a:t>Existing project – productionise</a:t>
+            </a:r>
+          </a:p>
+          <a:p>
+            <a:r>
+              <a:rPr lang="en-GB" dirty="0"/>
+              <a:t>Looking at govt policy papers (T&amp;F group)</a:t>
+            </a:r>
+          </a:p>
+          <a:p>
+            <a:r>
+              <a:rPr lang="en-GB" dirty="0"/>
+              <a:t>Interest from other teams for similar work on other datasets</a:t>
+            </a:r>
+          </a:p>
+          <a:p>
+            <a:r>
+              <a:rPr lang="en-GB" dirty="0"/>
+              <a:t>Private sector - board reports/annual reports &gt; do ONS economic stats get mentioned?</a:t>
+            </a:r>
+          </a:p>
+          <a:p>
+            <a:r>
+              <a:rPr lang="en-GB" dirty="0"/>
+              <a:t>OSR -&gt; using </a:t>
+            </a:r>
+            <a:r>
+              <a:rPr lang="en-GB" dirty="0" err="1"/>
+              <a:t>hansard</a:t>
+            </a:r>
+            <a:r>
+              <a:rPr lang="en-GB" dirty="0"/>
+              <a:t> data to help with evaluating how stats are used (Michael Hodge). Identifying use of stats in parliament.</a:t>
+            </a:r>
+          </a:p>
+          <a:p>
+            <a:r>
+              <a:rPr lang="en-GB" dirty="0"/>
+              <a:t>Anything with quality of forecasting - still way out at the start and at end of FY find we're fine</a:t>
+            </a:r>
+          </a:p>
+          <a:p>
+            <a:r>
+              <a:rPr lang="en-GB" dirty="0"/>
+              <a:t>Vacancies - creating model that updates with the latest data each month(?)</a:t>
             </a:r>
           </a:p>
           <a:p>
@@ -3392,7 +9221,7 @@
     </p:spTree>
     <p:extLst>
       <p:ext uri="{BB962C8B-B14F-4D97-AF65-F5344CB8AC3E}">
-        <p14:creationId xmlns:p14="http://schemas.microsoft.com/office/powerpoint/2010/main" val="465210839"/>
+        <p14:creationId xmlns:p14="http://schemas.microsoft.com/office/powerpoint/2010/main" val="1578003946"/>
       </p:ext>
     </p:extLst>
   </p:cSld>
@@ -3421,10 +9250,10 @@
       </p:grpSpPr>
       <p:sp>
         <p:nvSpPr>
-          <p:cNvPr id="2" name="Title 1">
-            <a:extLst>
-              <a:ext uri="{FF2B5EF4-FFF2-40B4-BE49-F238E27FC236}">
-                <a16:creationId xmlns:a16="http://schemas.microsoft.com/office/drawing/2014/main" id="{1E443C7F-AAA2-463F-8DA2-A639888777E3}"/>
+          <p:cNvPr id="5" name="Title">
+            <a:extLst>
+              <a:ext uri="{FF2B5EF4-FFF2-40B4-BE49-F238E27FC236}">
+                <a16:creationId xmlns:a16="http://schemas.microsoft.com/office/drawing/2014/main" id="{AC5AD953-635B-2B48-B87A-4F5101B6050D}"/>
               </a:ext>
             </a:extLst>
           </p:cNvPr>
@@ -3435,91 +9264,88 @@
             <p:ph type="title"/>
           </p:nvPr>
         </p:nvSpPr>
-        <p:spPr/>
-        <p:txBody>
-          <a:bodyPr/>
-          <a:lstStyle/>
-          <a:p>
-            <a:r>
-              <a:rPr lang="en-GB" dirty="0"/>
-              <a:t>Pascal to Python</a:t>
-            </a:r>
-          </a:p>
-        </p:txBody>
-      </p:sp>
-      <p:sp>
-        <p:nvSpPr>
-          <p:cNvPr id="3" name="Content Placeholder 2">
-            <a:extLst>
-              <a:ext uri="{FF2B5EF4-FFF2-40B4-BE49-F238E27FC236}">
-                <a16:creationId xmlns:a16="http://schemas.microsoft.com/office/drawing/2014/main" id="{E0D130EA-42B5-4EEB-AC32-1F734E745411}"/>
-              </a:ext>
-            </a:extLst>
-          </p:cNvPr>
-          <p:cNvSpPr>
-            <a:spLocks noGrp="1"/>
-          </p:cNvSpPr>
-          <p:nvPr>
-            <p:ph idx="1"/>
-          </p:nvPr>
-        </p:nvSpPr>
-        <p:spPr/>
-        <p:txBody>
-          <a:bodyPr/>
-          <a:lstStyle/>
-          <a:p>
-            <a:r>
-              <a:rPr lang="en-GB" dirty="0"/>
-              <a:t>2</a:t>
-            </a:r>
-            <a:r>
-              <a:rPr lang="en-GB" baseline="30000" dirty="0"/>
-              <a:t>nd</a:t>
-            </a:r>
-            <a:r>
-              <a:rPr lang="en-GB" dirty="0"/>
-              <a:t> page – background: Last time I did any programming was Pascal in school</a:t>
-            </a:r>
-          </a:p>
-          <a:p>
-            <a:endParaRPr lang="en-GB" dirty="0"/>
-          </a:p>
-        </p:txBody>
-      </p:sp>
-      <p:pic>
-        <p:nvPicPr>
-          <p:cNvPr id="4" name="Picture 3">
-            <a:extLst>
-              <a:ext uri="{FF2B5EF4-FFF2-40B4-BE49-F238E27FC236}">
-                <a16:creationId xmlns:a16="http://schemas.microsoft.com/office/drawing/2014/main" id="{8208C96C-C5AE-48CA-BAF1-B9AEA5E40024}"/>
-              </a:ext>
-            </a:extLst>
-          </p:cNvPr>
-          <p:cNvPicPr>
-            <a:picLocks noChangeAspect="1"/>
-          </p:cNvPicPr>
-          <p:nvPr/>
-        </p:nvPicPr>
-        <p:blipFill>
-          <a:blip r:embed="rId2"/>
-          <a:stretch>
-            <a:fillRect/>
-          </a:stretch>
-        </p:blipFill>
         <p:spPr>
           <a:xfrm>
-            <a:off x="6764694" y="2597958"/>
-            <a:ext cx="4430834" cy="3579005"/>
+            <a:off x="838200" y="314714"/>
+            <a:ext cx="10515600" cy="701731"/>
           </a:xfrm>
-          <a:prstGeom prst="rect">
-            <a:avLst/>
-          </a:prstGeom>
         </p:spPr>
-      </p:pic>
+        <p:txBody>
+          <a:bodyPr/>
+          <a:lstStyle/>
+          <a:p>
+            <a:r>
+              <a:rPr lang="en-GB" sz="4400" dirty="0"/>
+              <a:t>Initial Objectives</a:t>
+            </a:r>
+            <a:endParaRPr lang="en-US" sz="4400" dirty="0"/>
+          </a:p>
+        </p:txBody>
+      </p:sp>
+      <p:sp>
+        <p:nvSpPr>
+          <p:cNvPr id="6" name="Content Placeholder">
+            <a:extLst>
+              <a:ext uri="{FF2B5EF4-FFF2-40B4-BE49-F238E27FC236}">
+                <a16:creationId xmlns:a16="http://schemas.microsoft.com/office/drawing/2014/main" id="{4C842C63-75A3-F044-9F81-2C8C2B628C68}"/>
+              </a:ext>
+            </a:extLst>
+          </p:cNvPr>
+          <p:cNvSpPr>
+            <a:spLocks noGrp="1"/>
+          </p:cNvSpPr>
+          <p:nvPr>
+            <p:ph idx="1"/>
+          </p:nvPr>
+        </p:nvSpPr>
+        <p:spPr>
+          <a:xfrm>
+            <a:off x="820057" y="1540138"/>
+            <a:ext cx="10515600" cy="4320285"/>
+          </a:xfrm>
+        </p:spPr>
+        <p:txBody>
+          <a:bodyPr/>
+          <a:lstStyle/>
+          <a:p>
+            <a:r>
+              <a:rPr lang="en-GB" sz="2800" dirty="0"/>
+              <a:t>Use NLP to extract information from Hansard</a:t>
+            </a:r>
+          </a:p>
+          <a:p>
+            <a:r>
+              <a:rPr lang="en-GB" sz="2800" dirty="0"/>
+              <a:t>Identify mentions of ONS/UKSA/OSR in the House of Commons</a:t>
+            </a:r>
+          </a:p>
+          <a:p>
+            <a:r>
+              <a:rPr lang="en-GB" sz="2800" dirty="0"/>
+              <a:t>Group mentions by topic &amp; sentiment</a:t>
+            </a:r>
+          </a:p>
+          <a:p>
+            <a:r>
+              <a:rPr lang="en-GB" sz="2800" dirty="0"/>
+              <a:t>Provide information to Parliamentary team at ONS via interactive dashboard – aiming to replace paid service</a:t>
+            </a:r>
+          </a:p>
+          <a:p>
+            <a:r>
+              <a:rPr lang="en-GB" sz="2800" dirty="0"/>
+              <a:t>Develop my data science skills!</a:t>
+            </a:r>
+          </a:p>
+          <a:p>
+            <a:endParaRPr lang="en-US" dirty="0"/>
+          </a:p>
+        </p:txBody>
+      </p:sp>
     </p:spTree>
     <p:extLst>
       <p:ext uri="{BB962C8B-B14F-4D97-AF65-F5344CB8AC3E}">
-        <p14:creationId xmlns:p14="http://schemas.microsoft.com/office/powerpoint/2010/main" val="810456149"/>
+        <p14:creationId xmlns:p14="http://schemas.microsoft.com/office/powerpoint/2010/main" val="2401366226"/>
       </p:ext>
     </p:extLst>
   </p:cSld>
@@ -3548,10 +9374,10 @@
       </p:grpSpPr>
       <p:sp>
         <p:nvSpPr>
-          <p:cNvPr id="2" name="Title 1">
-            <a:extLst>
-              <a:ext uri="{FF2B5EF4-FFF2-40B4-BE49-F238E27FC236}">
-                <a16:creationId xmlns:a16="http://schemas.microsoft.com/office/drawing/2014/main" id="{CBAA41D7-3B69-4D9B-91C6-56A4D87231D8}"/>
+          <p:cNvPr id="5" name="Title">
+            <a:extLst>
+              <a:ext uri="{FF2B5EF4-FFF2-40B4-BE49-F238E27FC236}">
+                <a16:creationId xmlns:a16="http://schemas.microsoft.com/office/drawing/2014/main" id="{AC5AD953-635B-2B48-B87A-4F5101B6050D}"/>
               </a:ext>
             </a:extLst>
           </p:cNvPr>
@@ -3562,21 +9388,30 @@
             <p:ph type="title"/>
           </p:nvPr>
         </p:nvSpPr>
-        <p:spPr/>
+        <p:spPr>
+          <a:xfrm>
+            <a:off x="820057" y="234815"/>
+            <a:ext cx="10515600" cy="701731"/>
+          </a:xfrm>
+        </p:spPr>
         <p:txBody>
           <a:bodyPr/>
           <a:lstStyle/>
           <a:p>
-            <a:endParaRPr lang="en-GB"/>
-          </a:p>
-        </p:txBody>
-      </p:sp>
-      <p:sp>
-        <p:nvSpPr>
-          <p:cNvPr id="3" name="Content Placeholder 2">
-            <a:extLst>
-              <a:ext uri="{FF2B5EF4-FFF2-40B4-BE49-F238E27FC236}">
-                <a16:creationId xmlns:a16="http://schemas.microsoft.com/office/drawing/2014/main" id="{8D8F8778-9089-42CD-B9E8-8859D09D6F46}"/>
+            <a:r>
+              <a:rPr lang="en-GB" sz="4400" dirty="0"/>
+              <a:t>Challenges</a:t>
+            </a:r>
+            <a:endParaRPr lang="en-US" sz="4400" dirty="0"/>
+          </a:p>
+        </p:txBody>
+      </p:sp>
+      <p:sp>
+        <p:nvSpPr>
+          <p:cNvPr id="6" name="Content Placeholder">
+            <a:extLst>
+              <a:ext uri="{FF2B5EF4-FFF2-40B4-BE49-F238E27FC236}">
+                <a16:creationId xmlns:a16="http://schemas.microsoft.com/office/drawing/2014/main" id="{4C842C63-75A3-F044-9F81-2C8C2B628C68}"/>
               </a:ext>
             </a:extLst>
           </p:cNvPr>
@@ -3587,22 +9422,48 @@
             <p:ph idx="1"/>
           </p:nvPr>
         </p:nvSpPr>
-        <p:spPr/>
+        <p:spPr>
+          <a:xfrm>
+            <a:off x="820057" y="1540138"/>
+            <a:ext cx="10515600" cy="3450816"/>
+          </a:xfrm>
+        </p:spPr>
         <p:txBody>
           <a:bodyPr/>
           <a:lstStyle/>
           <a:p>
             <a:r>
               <a:rPr lang="en-GB" dirty="0"/>
-              <a:t>My project info pt1</a:t>
-            </a:r>
+              <a:t>Accessing data – overcoming network challenges</a:t>
+            </a:r>
+          </a:p>
+          <a:p>
+            <a:r>
+              <a:rPr lang="en-GB" dirty="0"/>
+              <a:t>Early user engagement – sentiment not very useful</a:t>
+            </a:r>
+          </a:p>
+          <a:p>
+            <a:r>
+              <a:rPr lang="en-GB" dirty="0"/>
+              <a:t>Natural Language Processing – learning &amp; application</a:t>
+            </a:r>
+          </a:p>
+          <a:p>
+            <a:r>
+              <a:rPr lang="en-GB" dirty="0"/>
+              <a:t>Topic classification – designing &amp; evaluating models</a:t>
+            </a:r>
+          </a:p>
+          <a:p>
+            <a:endParaRPr lang="en-US" dirty="0"/>
           </a:p>
         </p:txBody>
       </p:sp>
     </p:spTree>
     <p:extLst>
       <p:ext uri="{BB962C8B-B14F-4D97-AF65-F5344CB8AC3E}">
-        <p14:creationId xmlns:p14="http://schemas.microsoft.com/office/powerpoint/2010/main" val="621966046"/>
+        <p14:creationId xmlns:p14="http://schemas.microsoft.com/office/powerpoint/2010/main" val="792428251"/>
       </p:ext>
     </p:extLst>
   </p:cSld>
@@ -3631,10 +9492,10 @@
       </p:grpSpPr>
       <p:sp>
         <p:nvSpPr>
-          <p:cNvPr id="2" name="Title 1">
-            <a:extLst>
-              <a:ext uri="{FF2B5EF4-FFF2-40B4-BE49-F238E27FC236}">
-                <a16:creationId xmlns:a16="http://schemas.microsoft.com/office/drawing/2014/main" id="{B6C20B89-04AF-4D53-A2FF-69CFD1B7DB3E}"/>
+          <p:cNvPr id="5" name="Title">
+            <a:extLst>
+              <a:ext uri="{FF2B5EF4-FFF2-40B4-BE49-F238E27FC236}">
+                <a16:creationId xmlns:a16="http://schemas.microsoft.com/office/drawing/2014/main" id="{AC5AD953-635B-2B48-B87A-4F5101B6050D}"/>
               </a:ext>
             </a:extLst>
           </p:cNvPr>
@@ -3645,39 +9506,1283 @@
             <p:ph type="title"/>
           </p:nvPr>
         </p:nvSpPr>
-        <p:spPr/>
+        <p:spPr>
+          <a:xfrm>
+            <a:off x="838199" y="146548"/>
+            <a:ext cx="10515600" cy="701731"/>
+          </a:xfrm>
+        </p:spPr>
         <p:txBody>
           <a:bodyPr/>
           <a:lstStyle/>
           <a:p>
-            <a:endParaRPr lang="en-GB"/>
-          </a:p>
-        </p:txBody>
-      </p:sp>
-      <p:sp>
-        <p:nvSpPr>
-          <p:cNvPr id="3" name="Content Placeholder 2">
-            <a:extLst>
-              <a:ext uri="{FF2B5EF4-FFF2-40B4-BE49-F238E27FC236}">
-                <a16:creationId xmlns:a16="http://schemas.microsoft.com/office/drawing/2014/main" id="{FE6C6685-F03D-4094-94FE-822ACE2BFFA3}"/>
-              </a:ext>
-            </a:extLst>
-          </p:cNvPr>
-          <p:cNvSpPr>
-            <a:spLocks noGrp="1"/>
-          </p:cNvSpPr>
-          <p:nvPr>
-            <p:ph idx="1"/>
-          </p:nvPr>
-        </p:nvSpPr>
-        <p:spPr/>
-        <p:txBody>
-          <a:bodyPr/>
-          <a:lstStyle/>
-          <a:p>
-            <a:r>
-              <a:rPr lang="en-GB" dirty="0"/>
-              <a:t>My project info pt2</a:t>
+            <a:r>
+              <a:rPr lang="en-GB" sz="4400" dirty="0"/>
+              <a:t>Method</a:t>
+            </a:r>
+            <a:endParaRPr lang="en-US" sz="4400" dirty="0"/>
+          </a:p>
+        </p:txBody>
+      </p:sp>
+      <p:pic>
+        <p:nvPicPr>
+          <p:cNvPr id="2" name="Picture 1">
+            <a:extLst>
+              <a:ext uri="{FF2B5EF4-FFF2-40B4-BE49-F238E27FC236}">
+                <a16:creationId xmlns:a16="http://schemas.microsoft.com/office/drawing/2014/main" id="{A207312E-31A7-4F5B-97CE-126D9F2C57C4}"/>
+              </a:ext>
+            </a:extLst>
+          </p:cNvPr>
+          <p:cNvPicPr>
+            <a:picLocks noChangeAspect="1"/>
+          </p:cNvPicPr>
+          <p:nvPr/>
+        </p:nvPicPr>
+        <p:blipFill>
+          <a:blip r:embed="rId3"/>
+          <a:stretch>
+            <a:fillRect/>
+          </a:stretch>
+        </p:blipFill>
+        <p:spPr>
+          <a:xfrm>
+            <a:off x="8424419" y="1371405"/>
+            <a:ext cx="2583729" cy="1624567"/>
+          </a:xfrm>
+          <a:prstGeom prst="rect">
+            <a:avLst/>
+          </a:prstGeom>
+        </p:spPr>
+      </p:pic>
+      <p:pic>
+        <p:nvPicPr>
+          <p:cNvPr id="1026" name="Picture 2">
+            <a:extLst>
+              <a:ext uri="{FF2B5EF4-FFF2-40B4-BE49-F238E27FC236}">
+                <a16:creationId xmlns:a16="http://schemas.microsoft.com/office/drawing/2014/main" id="{2822AE0B-1B2C-4665-9D14-506B60371E90}"/>
+              </a:ext>
+            </a:extLst>
+          </p:cNvPr>
+          <p:cNvPicPr>
+            <a:picLocks noChangeAspect="1" noChangeArrowheads="1"/>
+          </p:cNvPicPr>
+          <p:nvPr/>
+        </p:nvPicPr>
+        <p:blipFill>
+          <a:blip r:embed="rId4">
+            <a:extLst>
+              <a:ext uri="{28A0092B-C50C-407E-A947-70E740481C1C}">
+                <a14:useLocalDpi xmlns:a14="http://schemas.microsoft.com/office/drawing/2010/main" val="0"/>
+              </a:ext>
+            </a:extLst>
+          </a:blip>
+          <a:srcRect/>
+          <a:stretch>
+            <a:fillRect/>
+          </a:stretch>
+        </p:blipFill>
+        <p:spPr bwMode="auto">
+          <a:xfrm>
+            <a:off x="838200" y="1371405"/>
+            <a:ext cx="2583730" cy="1621410"/>
+          </a:xfrm>
+          <a:prstGeom prst="rect">
+            <a:avLst/>
+          </a:prstGeom>
+          <a:noFill/>
+          <a:extLst>
+            <a:ext uri="{909E8E84-426E-40DD-AFC4-6F175D3DCCD1}">
+              <a14:hiddenFill xmlns:a14="http://schemas.microsoft.com/office/drawing/2010/main">
+                <a:solidFill>
+                  <a:srgbClr val="FFFFFF"/>
+                </a:solidFill>
+              </a14:hiddenFill>
+            </a:ext>
+          </a:extLst>
+        </p:spPr>
+      </p:pic>
+      <p:pic>
+        <p:nvPicPr>
+          <p:cNvPr id="1028" name="Picture 4">
+            <a:extLst>
+              <a:ext uri="{FF2B5EF4-FFF2-40B4-BE49-F238E27FC236}">
+                <a16:creationId xmlns:a16="http://schemas.microsoft.com/office/drawing/2014/main" id="{8D81548A-A5D6-4528-B01A-BE0E8205514A}"/>
+              </a:ext>
+            </a:extLst>
+          </p:cNvPr>
+          <p:cNvPicPr>
+            <a:picLocks noChangeAspect="1" noChangeArrowheads="1"/>
+          </p:cNvPicPr>
+          <p:nvPr/>
+        </p:nvPicPr>
+        <p:blipFill>
+          <a:blip r:embed="rId5">
+            <a:extLst>
+              <a:ext uri="{28A0092B-C50C-407E-A947-70E740481C1C}">
+                <a14:useLocalDpi xmlns:a14="http://schemas.microsoft.com/office/drawing/2010/main" val="0"/>
+              </a:ext>
+            </a:extLst>
+          </a:blip>
+          <a:srcRect/>
+          <a:stretch>
+            <a:fillRect/>
+          </a:stretch>
+        </p:blipFill>
+        <p:spPr bwMode="auto">
+          <a:xfrm>
+            <a:off x="4631310" y="1371405"/>
+            <a:ext cx="2583729" cy="1621410"/>
+          </a:xfrm>
+          <a:prstGeom prst="rect">
+            <a:avLst/>
+          </a:prstGeom>
+          <a:noFill/>
+          <a:extLst>
+            <a:ext uri="{909E8E84-426E-40DD-AFC4-6F175D3DCCD1}">
+              <a14:hiddenFill xmlns:a14="http://schemas.microsoft.com/office/drawing/2010/main">
+                <a:solidFill>
+                  <a:srgbClr val="FFFFFF"/>
+                </a:solidFill>
+              </a14:hiddenFill>
+            </a:ext>
+          </a:extLst>
+        </p:spPr>
+      </p:pic>
+      <p:pic>
+        <p:nvPicPr>
+          <p:cNvPr id="3" name="Picture 2">
+            <a:extLst>
+              <a:ext uri="{FF2B5EF4-FFF2-40B4-BE49-F238E27FC236}">
+                <a16:creationId xmlns:a16="http://schemas.microsoft.com/office/drawing/2014/main" id="{74B85DBF-6477-4C17-950D-F992FCC7403F}"/>
+              </a:ext>
+            </a:extLst>
+          </p:cNvPr>
+          <p:cNvPicPr>
+            <a:picLocks noChangeAspect="1"/>
+          </p:cNvPicPr>
+          <p:nvPr/>
+        </p:nvPicPr>
+        <p:blipFill>
+          <a:blip r:embed="rId6"/>
+          <a:stretch>
+            <a:fillRect/>
+          </a:stretch>
+        </p:blipFill>
+        <p:spPr>
+          <a:xfrm>
+            <a:off x="838199" y="3976177"/>
+            <a:ext cx="2583731" cy="1621410"/>
+          </a:xfrm>
+          <a:prstGeom prst="rect">
+            <a:avLst/>
+          </a:prstGeom>
+        </p:spPr>
+      </p:pic>
+      <p:sp>
+        <p:nvSpPr>
+          <p:cNvPr id="7" name="Rectangle 6">
+            <a:extLst>
+              <a:ext uri="{FF2B5EF4-FFF2-40B4-BE49-F238E27FC236}">
+                <a16:creationId xmlns:a16="http://schemas.microsoft.com/office/drawing/2014/main" id="{BAC4D879-53AA-44ED-B046-240CD3162A9F}"/>
+              </a:ext>
+            </a:extLst>
+          </p:cNvPr>
+          <p:cNvSpPr/>
+          <p:nvPr/>
+        </p:nvSpPr>
+        <p:spPr>
+          <a:xfrm>
+            <a:off x="838200" y="1371405"/>
+            <a:ext cx="2583730" cy="1621410"/>
+          </a:xfrm>
+          <a:prstGeom prst="rect">
+            <a:avLst/>
+          </a:prstGeom>
+          <a:noFill/>
+          <a:ln w="28575"/>
+        </p:spPr>
+        <p:style>
+          <a:lnRef idx="2">
+            <a:schemeClr val="dk1">
+              <a:shade val="50000"/>
+            </a:schemeClr>
+          </a:lnRef>
+          <a:fillRef idx="1">
+            <a:schemeClr val="dk1"/>
+          </a:fillRef>
+          <a:effectRef idx="0">
+            <a:schemeClr val="dk1"/>
+          </a:effectRef>
+          <a:fontRef idx="minor">
+            <a:schemeClr val="lt1"/>
+          </a:fontRef>
+        </p:style>
+        <p:txBody>
+          <a:bodyPr rtlCol="0" anchor="ctr"/>
+          <a:lstStyle/>
+          <a:p>
+            <a:pPr marL="0" marR="0" lvl="0" indent="0" algn="ctr" defTabSz="914400" rtl="0" eaLnBrk="1" fontAlgn="auto" latinLnBrk="0" hangingPunct="1">
+              <a:lnSpc>
+                <a:spcPct val="100000"/>
+              </a:lnSpc>
+              <a:spcBef>
+                <a:spcPts val="0"/>
+              </a:spcBef>
+              <a:spcAft>
+                <a:spcPts val="0"/>
+              </a:spcAft>
+              <a:buClrTx/>
+              <a:buSzTx/>
+              <a:buFontTx/>
+              <a:buNone/>
+              <a:tabLst/>
+              <a:defRPr/>
+            </a:pPr>
+            <a:endParaRPr kumimoji="0" lang="en-GB" sz="1800" b="0" i="0" u="none" strike="noStrike" kern="1200" cap="none" spc="0" normalizeH="0" baseline="0" noProof="0">
+              <a:ln>
+                <a:noFill/>
+              </a:ln>
+              <a:solidFill>
+                <a:prstClr val="white"/>
+              </a:solidFill>
+              <a:effectLst/>
+              <a:uLnTx/>
+              <a:uFillTx/>
+              <a:latin typeface="Calibri" panose="020F0502020204030204"/>
+              <a:ea typeface="+mn-ea"/>
+              <a:cs typeface="+mn-cs"/>
+            </a:endParaRPr>
+          </a:p>
+        </p:txBody>
+      </p:sp>
+      <p:sp>
+        <p:nvSpPr>
+          <p:cNvPr id="11" name="Rectangle 10">
+            <a:extLst>
+              <a:ext uri="{FF2B5EF4-FFF2-40B4-BE49-F238E27FC236}">
+                <a16:creationId xmlns:a16="http://schemas.microsoft.com/office/drawing/2014/main" id="{BC2300A6-98F1-4779-8A64-F56F6A122B89}"/>
+              </a:ext>
+            </a:extLst>
+          </p:cNvPr>
+          <p:cNvSpPr/>
+          <p:nvPr/>
+        </p:nvSpPr>
+        <p:spPr>
+          <a:xfrm>
+            <a:off x="4631309" y="1371405"/>
+            <a:ext cx="2583730" cy="1621410"/>
+          </a:xfrm>
+          <a:prstGeom prst="rect">
+            <a:avLst/>
+          </a:prstGeom>
+          <a:noFill/>
+          <a:ln w="28575"/>
+        </p:spPr>
+        <p:style>
+          <a:lnRef idx="2">
+            <a:schemeClr val="dk1">
+              <a:shade val="50000"/>
+            </a:schemeClr>
+          </a:lnRef>
+          <a:fillRef idx="1">
+            <a:schemeClr val="dk1"/>
+          </a:fillRef>
+          <a:effectRef idx="0">
+            <a:schemeClr val="dk1"/>
+          </a:effectRef>
+          <a:fontRef idx="minor">
+            <a:schemeClr val="lt1"/>
+          </a:fontRef>
+        </p:style>
+        <p:txBody>
+          <a:bodyPr rtlCol="0" anchor="ctr"/>
+          <a:lstStyle/>
+          <a:p>
+            <a:pPr marL="0" marR="0" lvl="0" indent="0" algn="ctr" defTabSz="914400" rtl="0" eaLnBrk="1" fontAlgn="auto" latinLnBrk="0" hangingPunct="1">
+              <a:lnSpc>
+                <a:spcPct val="100000"/>
+              </a:lnSpc>
+              <a:spcBef>
+                <a:spcPts val="0"/>
+              </a:spcBef>
+              <a:spcAft>
+                <a:spcPts val="0"/>
+              </a:spcAft>
+              <a:buClrTx/>
+              <a:buSzTx/>
+              <a:buFontTx/>
+              <a:buNone/>
+              <a:tabLst/>
+              <a:defRPr/>
+            </a:pPr>
+            <a:endParaRPr kumimoji="0" lang="en-GB" sz="1800" b="0" i="0" u="none" strike="noStrike" kern="1200" cap="none" spc="0" normalizeH="0" baseline="0" noProof="0">
+              <a:ln>
+                <a:noFill/>
+              </a:ln>
+              <a:solidFill>
+                <a:prstClr val="white"/>
+              </a:solidFill>
+              <a:effectLst/>
+              <a:uLnTx/>
+              <a:uFillTx/>
+              <a:latin typeface="Calibri" panose="020F0502020204030204"/>
+              <a:ea typeface="+mn-ea"/>
+              <a:cs typeface="+mn-cs"/>
+            </a:endParaRPr>
+          </a:p>
+        </p:txBody>
+      </p:sp>
+      <p:sp>
+        <p:nvSpPr>
+          <p:cNvPr id="12" name="Rectangle 11">
+            <a:extLst>
+              <a:ext uri="{FF2B5EF4-FFF2-40B4-BE49-F238E27FC236}">
+                <a16:creationId xmlns:a16="http://schemas.microsoft.com/office/drawing/2014/main" id="{569A60E2-504F-4E26-A673-41BE300955BE}"/>
+              </a:ext>
+            </a:extLst>
+          </p:cNvPr>
+          <p:cNvSpPr/>
+          <p:nvPr/>
+        </p:nvSpPr>
+        <p:spPr>
+          <a:xfrm>
+            <a:off x="8424419" y="1371405"/>
+            <a:ext cx="2583730" cy="1621410"/>
+          </a:xfrm>
+          <a:prstGeom prst="rect">
+            <a:avLst/>
+          </a:prstGeom>
+          <a:noFill/>
+          <a:ln w="28575"/>
+        </p:spPr>
+        <p:style>
+          <a:lnRef idx="2">
+            <a:schemeClr val="dk1">
+              <a:shade val="50000"/>
+            </a:schemeClr>
+          </a:lnRef>
+          <a:fillRef idx="1">
+            <a:schemeClr val="dk1"/>
+          </a:fillRef>
+          <a:effectRef idx="0">
+            <a:schemeClr val="dk1"/>
+          </a:effectRef>
+          <a:fontRef idx="minor">
+            <a:schemeClr val="lt1"/>
+          </a:fontRef>
+        </p:style>
+        <p:txBody>
+          <a:bodyPr rtlCol="0" anchor="ctr"/>
+          <a:lstStyle/>
+          <a:p>
+            <a:pPr marL="0" marR="0" lvl="0" indent="0" algn="ctr" defTabSz="914400" rtl="0" eaLnBrk="1" fontAlgn="auto" latinLnBrk="0" hangingPunct="1">
+              <a:lnSpc>
+                <a:spcPct val="100000"/>
+              </a:lnSpc>
+              <a:spcBef>
+                <a:spcPts val="0"/>
+              </a:spcBef>
+              <a:spcAft>
+                <a:spcPts val="0"/>
+              </a:spcAft>
+              <a:buClrTx/>
+              <a:buSzTx/>
+              <a:buFontTx/>
+              <a:buNone/>
+              <a:tabLst/>
+              <a:defRPr/>
+            </a:pPr>
+            <a:endParaRPr kumimoji="0" lang="en-GB" sz="1800" b="0" i="0" u="none" strike="noStrike" kern="1200" cap="none" spc="0" normalizeH="0" baseline="0" noProof="0">
+              <a:ln>
+                <a:noFill/>
+              </a:ln>
+              <a:solidFill>
+                <a:prstClr val="white"/>
+              </a:solidFill>
+              <a:effectLst/>
+              <a:uLnTx/>
+              <a:uFillTx/>
+              <a:latin typeface="Calibri" panose="020F0502020204030204"/>
+              <a:ea typeface="+mn-ea"/>
+              <a:cs typeface="+mn-cs"/>
+            </a:endParaRPr>
+          </a:p>
+        </p:txBody>
+      </p:sp>
+      <p:sp>
+        <p:nvSpPr>
+          <p:cNvPr id="13" name="Rectangle 12">
+            <a:extLst>
+              <a:ext uri="{FF2B5EF4-FFF2-40B4-BE49-F238E27FC236}">
+                <a16:creationId xmlns:a16="http://schemas.microsoft.com/office/drawing/2014/main" id="{56250791-219C-4875-91A9-ECF82A7B0064}"/>
+              </a:ext>
+            </a:extLst>
+          </p:cNvPr>
+          <p:cNvSpPr/>
+          <p:nvPr/>
+        </p:nvSpPr>
+        <p:spPr>
+          <a:xfrm>
+            <a:off x="838199" y="3976177"/>
+            <a:ext cx="2583730" cy="1621410"/>
+          </a:xfrm>
+          <a:prstGeom prst="rect">
+            <a:avLst/>
+          </a:prstGeom>
+          <a:noFill/>
+          <a:ln w="28575"/>
+        </p:spPr>
+        <p:style>
+          <a:lnRef idx="2">
+            <a:schemeClr val="dk1">
+              <a:shade val="50000"/>
+            </a:schemeClr>
+          </a:lnRef>
+          <a:fillRef idx="1">
+            <a:schemeClr val="dk1"/>
+          </a:fillRef>
+          <a:effectRef idx="0">
+            <a:schemeClr val="dk1"/>
+          </a:effectRef>
+          <a:fontRef idx="minor">
+            <a:schemeClr val="lt1"/>
+          </a:fontRef>
+        </p:style>
+        <p:txBody>
+          <a:bodyPr rtlCol="0" anchor="ctr"/>
+          <a:lstStyle/>
+          <a:p>
+            <a:pPr marL="0" marR="0" lvl="0" indent="0" algn="ctr" defTabSz="914400" rtl="0" eaLnBrk="1" fontAlgn="auto" latinLnBrk="0" hangingPunct="1">
+              <a:lnSpc>
+                <a:spcPct val="100000"/>
+              </a:lnSpc>
+              <a:spcBef>
+                <a:spcPts val="0"/>
+              </a:spcBef>
+              <a:spcAft>
+                <a:spcPts val="0"/>
+              </a:spcAft>
+              <a:buClrTx/>
+              <a:buSzTx/>
+              <a:buFontTx/>
+              <a:buNone/>
+              <a:tabLst/>
+              <a:defRPr/>
+            </a:pPr>
+            <a:endParaRPr kumimoji="0" lang="en-GB" sz="1800" b="0" i="0" u="none" strike="noStrike" kern="1200" cap="none" spc="0" normalizeH="0" baseline="0" noProof="0">
+              <a:ln>
+                <a:noFill/>
+              </a:ln>
+              <a:solidFill>
+                <a:prstClr val="white"/>
+              </a:solidFill>
+              <a:effectLst/>
+              <a:uLnTx/>
+              <a:uFillTx/>
+              <a:latin typeface="Calibri" panose="020F0502020204030204"/>
+              <a:ea typeface="+mn-ea"/>
+              <a:cs typeface="+mn-cs"/>
+            </a:endParaRPr>
+          </a:p>
+        </p:txBody>
+      </p:sp>
+      <p:pic>
+        <p:nvPicPr>
+          <p:cNvPr id="1032" name="Picture 8">
+            <a:extLst>
+              <a:ext uri="{FF2B5EF4-FFF2-40B4-BE49-F238E27FC236}">
+                <a16:creationId xmlns:a16="http://schemas.microsoft.com/office/drawing/2014/main" id="{3BF911BA-9EE5-4E72-AE7D-EA7A151E209B}"/>
+              </a:ext>
+            </a:extLst>
+          </p:cNvPr>
+          <p:cNvPicPr>
+            <a:picLocks noChangeAspect="1" noChangeArrowheads="1"/>
+          </p:cNvPicPr>
+          <p:nvPr/>
+        </p:nvPicPr>
+        <p:blipFill>
+          <a:blip r:embed="rId7">
+            <a:extLst>
+              <a:ext uri="{28A0092B-C50C-407E-A947-70E740481C1C}">
+                <a14:useLocalDpi xmlns:a14="http://schemas.microsoft.com/office/drawing/2010/main" val="0"/>
+              </a:ext>
+            </a:extLst>
+          </a:blip>
+          <a:srcRect/>
+          <a:stretch>
+            <a:fillRect/>
+          </a:stretch>
+        </p:blipFill>
+        <p:spPr bwMode="auto">
+          <a:xfrm>
+            <a:off x="8424418" y="3884514"/>
+            <a:ext cx="2583729" cy="1621410"/>
+          </a:xfrm>
+          <a:prstGeom prst="rect">
+            <a:avLst/>
+          </a:prstGeom>
+          <a:noFill/>
+          <a:extLst>
+            <a:ext uri="{909E8E84-426E-40DD-AFC4-6F175D3DCCD1}">
+              <a14:hiddenFill xmlns:a14="http://schemas.microsoft.com/office/drawing/2010/main">
+                <a:solidFill>
+                  <a:srgbClr val="FFFFFF"/>
+                </a:solidFill>
+              </a14:hiddenFill>
+            </a:ext>
+          </a:extLst>
+        </p:spPr>
+      </p:pic>
+      <p:sp>
+        <p:nvSpPr>
+          <p:cNvPr id="17" name="Rectangle 16">
+            <a:extLst>
+              <a:ext uri="{FF2B5EF4-FFF2-40B4-BE49-F238E27FC236}">
+                <a16:creationId xmlns:a16="http://schemas.microsoft.com/office/drawing/2014/main" id="{3C0E58C1-E5B1-4DD6-882C-B60115211430}"/>
+              </a:ext>
+            </a:extLst>
+          </p:cNvPr>
+          <p:cNvSpPr/>
+          <p:nvPr/>
+        </p:nvSpPr>
+        <p:spPr>
+          <a:xfrm>
+            <a:off x="8424417" y="3976177"/>
+            <a:ext cx="2583730" cy="1621410"/>
+          </a:xfrm>
+          <a:prstGeom prst="rect">
+            <a:avLst/>
+          </a:prstGeom>
+          <a:noFill/>
+          <a:ln w="28575"/>
+        </p:spPr>
+        <p:style>
+          <a:lnRef idx="2">
+            <a:schemeClr val="dk1">
+              <a:shade val="50000"/>
+            </a:schemeClr>
+          </a:lnRef>
+          <a:fillRef idx="1">
+            <a:schemeClr val="dk1"/>
+          </a:fillRef>
+          <a:effectRef idx="0">
+            <a:schemeClr val="dk1"/>
+          </a:effectRef>
+          <a:fontRef idx="minor">
+            <a:schemeClr val="lt1"/>
+          </a:fontRef>
+        </p:style>
+        <p:txBody>
+          <a:bodyPr rtlCol="0" anchor="ctr"/>
+          <a:lstStyle/>
+          <a:p>
+            <a:pPr marL="0" marR="0" lvl="0" indent="0" algn="ctr" defTabSz="914400" rtl="0" eaLnBrk="1" fontAlgn="auto" latinLnBrk="0" hangingPunct="1">
+              <a:lnSpc>
+                <a:spcPct val="100000"/>
+              </a:lnSpc>
+              <a:spcBef>
+                <a:spcPts val="0"/>
+              </a:spcBef>
+              <a:spcAft>
+                <a:spcPts val="0"/>
+              </a:spcAft>
+              <a:buClrTx/>
+              <a:buSzTx/>
+              <a:buFontTx/>
+              <a:buNone/>
+              <a:tabLst/>
+              <a:defRPr/>
+            </a:pPr>
+            <a:endParaRPr kumimoji="0" lang="en-GB" sz="1800" b="0" i="0" u="none" strike="noStrike" kern="1200" cap="none" spc="0" normalizeH="0" baseline="0" noProof="0">
+              <a:ln>
+                <a:noFill/>
+              </a:ln>
+              <a:solidFill>
+                <a:prstClr val="white"/>
+              </a:solidFill>
+              <a:effectLst/>
+              <a:uLnTx/>
+              <a:uFillTx/>
+              <a:latin typeface="Calibri" panose="020F0502020204030204"/>
+              <a:ea typeface="+mn-ea"/>
+              <a:cs typeface="+mn-cs"/>
+            </a:endParaRPr>
+          </a:p>
+        </p:txBody>
+      </p:sp>
+      <p:cxnSp>
+        <p:nvCxnSpPr>
+          <p:cNvPr id="10" name="Straight Arrow Connector 9">
+            <a:extLst>
+              <a:ext uri="{FF2B5EF4-FFF2-40B4-BE49-F238E27FC236}">
+                <a16:creationId xmlns:a16="http://schemas.microsoft.com/office/drawing/2014/main" id="{EA9D5919-BDD8-4015-82B2-671AACA4F5DA}"/>
+              </a:ext>
+            </a:extLst>
+          </p:cNvPr>
+          <p:cNvCxnSpPr>
+            <a:stCxn id="7" idx="3"/>
+            <a:endCxn id="11" idx="1"/>
+          </p:cNvCxnSpPr>
+          <p:nvPr/>
+        </p:nvCxnSpPr>
+        <p:spPr>
+          <a:xfrm>
+            <a:off x="3421930" y="2182110"/>
+            <a:ext cx="1209379" cy="0"/>
+          </a:xfrm>
+          <a:prstGeom prst="straightConnector1">
+            <a:avLst/>
+          </a:prstGeom>
+          <a:ln w="12700">
+            <a:tailEnd type="triangle"/>
+          </a:ln>
+        </p:spPr>
+        <p:style>
+          <a:lnRef idx="1">
+            <a:schemeClr val="dk1"/>
+          </a:lnRef>
+          <a:fillRef idx="0">
+            <a:schemeClr val="dk1"/>
+          </a:fillRef>
+          <a:effectRef idx="0">
+            <a:schemeClr val="dk1"/>
+          </a:effectRef>
+          <a:fontRef idx="minor">
+            <a:schemeClr val="tx1"/>
+          </a:fontRef>
+        </p:style>
+      </p:cxnSp>
+      <p:cxnSp>
+        <p:nvCxnSpPr>
+          <p:cNvPr id="20" name="Straight Arrow Connector 19">
+            <a:extLst>
+              <a:ext uri="{FF2B5EF4-FFF2-40B4-BE49-F238E27FC236}">
+                <a16:creationId xmlns:a16="http://schemas.microsoft.com/office/drawing/2014/main" id="{97D4C784-05FD-4158-A869-F0EC4E9BDD8D}"/>
+              </a:ext>
+            </a:extLst>
+          </p:cNvPr>
+          <p:cNvCxnSpPr>
+            <a:cxnSpLocks/>
+            <a:stCxn id="11" idx="3"/>
+            <a:endCxn id="12" idx="1"/>
+          </p:cNvCxnSpPr>
+          <p:nvPr/>
+        </p:nvCxnSpPr>
+        <p:spPr>
+          <a:xfrm>
+            <a:off x="7215039" y="2182110"/>
+            <a:ext cx="1209380" cy="0"/>
+          </a:xfrm>
+          <a:prstGeom prst="straightConnector1">
+            <a:avLst/>
+          </a:prstGeom>
+          <a:ln w="12700">
+            <a:tailEnd type="triangle"/>
+          </a:ln>
+        </p:spPr>
+        <p:style>
+          <a:lnRef idx="1">
+            <a:schemeClr val="dk1"/>
+          </a:lnRef>
+          <a:fillRef idx="0">
+            <a:schemeClr val="dk1"/>
+          </a:fillRef>
+          <a:effectRef idx="0">
+            <a:schemeClr val="dk1"/>
+          </a:effectRef>
+          <a:fontRef idx="minor">
+            <a:schemeClr val="tx1"/>
+          </a:fontRef>
+        </p:style>
+      </p:cxnSp>
+      <p:pic>
+        <p:nvPicPr>
+          <p:cNvPr id="1034" name="Picture 10">
+            <a:extLst>
+              <a:ext uri="{FF2B5EF4-FFF2-40B4-BE49-F238E27FC236}">
+                <a16:creationId xmlns:a16="http://schemas.microsoft.com/office/drawing/2014/main" id="{F518B26D-5B8D-49A6-8009-2F50B3F90A49}"/>
+              </a:ext>
+            </a:extLst>
+          </p:cNvPr>
+          <p:cNvPicPr>
+            <a:picLocks noChangeAspect="1" noChangeArrowheads="1"/>
+          </p:cNvPicPr>
+          <p:nvPr/>
+        </p:nvPicPr>
+        <p:blipFill>
+          <a:blip r:embed="rId8">
+            <a:extLst>
+              <a:ext uri="{28A0092B-C50C-407E-A947-70E740481C1C}">
+                <a14:useLocalDpi xmlns:a14="http://schemas.microsoft.com/office/drawing/2010/main" val="0"/>
+              </a:ext>
+            </a:extLst>
+          </a:blip>
+          <a:srcRect/>
+          <a:stretch>
+            <a:fillRect/>
+          </a:stretch>
+        </p:blipFill>
+        <p:spPr bwMode="auto">
+          <a:xfrm>
+            <a:off x="4631310" y="3976176"/>
+            <a:ext cx="2583729" cy="1621410"/>
+          </a:xfrm>
+          <a:prstGeom prst="rect">
+            <a:avLst/>
+          </a:prstGeom>
+          <a:noFill/>
+          <a:extLst>
+            <a:ext uri="{909E8E84-426E-40DD-AFC4-6F175D3DCCD1}">
+              <a14:hiddenFill xmlns:a14="http://schemas.microsoft.com/office/drawing/2010/main">
+                <a:solidFill>
+                  <a:srgbClr val="FFFFFF"/>
+                </a:solidFill>
+              </a14:hiddenFill>
+            </a:ext>
+          </a:extLst>
+        </p:spPr>
+      </p:pic>
+      <p:sp>
+        <p:nvSpPr>
+          <p:cNvPr id="24" name="Rectangle 23">
+            <a:extLst>
+              <a:ext uri="{FF2B5EF4-FFF2-40B4-BE49-F238E27FC236}">
+                <a16:creationId xmlns:a16="http://schemas.microsoft.com/office/drawing/2014/main" id="{87762386-BD16-4062-99F6-EBE05CC402B3}"/>
+              </a:ext>
+            </a:extLst>
+          </p:cNvPr>
+          <p:cNvSpPr/>
+          <p:nvPr/>
+        </p:nvSpPr>
+        <p:spPr>
+          <a:xfrm>
+            <a:off x="4631309" y="3972674"/>
+            <a:ext cx="2583730" cy="1621410"/>
+          </a:xfrm>
+          <a:prstGeom prst="rect">
+            <a:avLst/>
+          </a:prstGeom>
+          <a:noFill/>
+          <a:ln w="28575"/>
+        </p:spPr>
+        <p:style>
+          <a:lnRef idx="2">
+            <a:schemeClr val="dk1">
+              <a:shade val="50000"/>
+            </a:schemeClr>
+          </a:lnRef>
+          <a:fillRef idx="1">
+            <a:schemeClr val="dk1"/>
+          </a:fillRef>
+          <a:effectRef idx="0">
+            <a:schemeClr val="dk1"/>
+          </a:effectRef>
+          <a:fontRef idx="minor">
+            <a:schemeClr val="lt1"/>
+          </a:fontRef>
+        </p:style>
+        <p:txBody>
+          <a:bodyPr rtlCol="0" anchor="ctr"/>
+          <a:lstStyle/>
+          <a:p>
+            <a:pPr marL="0" marR="0" lvl="0" indent="0" algn="ctr" defTabSz="914400" rtl="0" eaLnBrk="1" fontAlgn="auto" latinLnBrk="0" hangingPunct="1">
+              <a:lnSpc>
+                <a:spcPct val="100000"/>
+              </a:lnSpc>
+              <a:spcBef>
+                <a:spcPts val="0"/>
+              </a:spcBef>
+              <a:spcAft>
+                <a:spcPts val="0"/>
+              </a:spcAft>
+              <a:buClrTx/>
+              <a:buSzTx/>
+              <a:buFontTx/>
+              <a:buNone/>
+              <a:tabLst/>
+              <a:defRPr/>
+            </a:pPr>
+            <a:endParaRPr kumimoji="0" lang="en-GB" sz="1800" b="0" i="0" u="none" strike="noStrike" kern="1200" cap="none" spc="0" normalizeH="0" baseline="0" noProof="0">
+              <a:ln>
+                <a:noFill/>
+              </a:ln>
+              <a:solidFill>
+                <a:prstClr val="white"/>
+              </a:solidFill>
+              <a:effectLst/>
+              <a:uLnTx/>
+              <a:uFillTx/>
+              <a:latin typeface="Calibri" panose="020F0502020204030204"/>
+              <a:ea typeface="+mn-ea"/>
+              <a:cs typeface="+mn-cs"/>
+            </a:endParaRPr>
+          </a:p>
+        </p:txBody>
+      </p:sp>
+      <p:cxnSp>
+        <p:nvCxnSpPr>
+          <p:cNvPr id="25" name="Straight Arrow Connector 24">
+            <a:extLst>
+              <a:ext uri="{FF2B5EF4-FFF2-40B4-BE49-F238E27FC236}">
+                <a16:creationId xmlns:a16="http://schemas.microsoft.com/office/drawing/2014/main" id="{8A5BB400-248D-4EAD-98CA-0058AB063864}"/>
+              </a:ext>
+            </a:extLst>
+          </p:cNvPr>
+          <p:cNvCxnSpPr/>
+          <p:nvPr/>
+        </p:nvCxnSpPr>
+        <p:spPr>
+          <a:xfrm>
+            <a:off x="3421930" y="4783379"/>
+            <a:ext cx="1209379" cy="0"/>
+          </a:xfrm>
+          <a:prstGeom prst="straightConnector1">
+            <a:avLst/>
+          </a:prstGeom>
+          <a:ln w="12700">
+            <a:tailEnd type="triangle"/>
+          </a:ln>
+        </p:spPr>
+        <p:style>
+          <a:lnRef idx="1">
+            <a:schemeClr val="dk1"/>
+          </a:lnRef>
+          <a:fillRef idx="0">
+            <a:schemeClr val="dk1"/>
+          </a:fillRef>
+          <a:effectRef idx="0">
+            <a:schemeClr val="dk1"/>
+          </a:effectRef>
+          <a:fontRef idx="minor">
+            <a:schemeClr val="tx1"/>
+          </a:fontRef>
+        </p:style>
+      </p:cxnSp>
+      <p:cxnSp>
+        <p:nvCxnSpPr>
+          <p:cNvPr id="26" name="Straight Arrow Connector 25">
+            <a:extLst>
+              <a:ext uri="{FF2B5EF4-FFF2-40B4-BE49-F238E27FC236}">
+                <a16:creationId xmlns:a16="http://schemas.microsoft.com/office/drawing/2014/main" id="{A9EBCE46-47EE-4BB8-8BD0-3EC6157FF549}"/>
+              </a:ext>
+            </a:extLst>
+          </p:cNvPr>
+          <p:cNvCxnSpPr/>
+          <p:nvPr/>
+        </p:nvCxnSpPr>
+        <p:spPr>
+          <a:xfrm>
+            <a:off x="7215039" y="4783379"/>
+            <a:ext cx="1209379" cy="0"/>
+          </a:xfrm>
+          <a:prstGeom prst="straightConnector1">
+            <a:avLst/>
+          </a:prstGeom>
+          <a:ln w="12700">
+            <a:tailEnd type="triangle"/>
+          </a:ln>
+        </p:spPr>
+        <p:style>
+          <a:lnRef idx="1">
+            <a:schemeClr val="dk1"/>
+          </a:lnRef>
+          <a:fillRef idx="0">
+            <a:schemeClr val="dk1"/>
+          </a:fillRef>
+          <a:effectRef idx="0">
+            <a:schemeClr val="dk1"/>
+          </a:effectRef>
+          <a:fontRef idx="minor">
+            <a:schemeClr val="tx1"/>
+          </a:fontRef>
+        </p:style>
+      </p:cxnSp>
+      <p:sp>
+        <p:nvSpPr>
+          <p:cNvPr id="18" name="TextBox 17">
+            <a:extLst>
+              <a:ext uri="{FF2B5EF4-FFF2-40B4-BE49-F238E27FC236}">
+                <a16:creationId xmlns:a16="http://schemas.microsoft.com/office/drawing/2014/main" id="{02BCA27A-6767-4820-A0BC-81D02415C0CB}"/>
+              </a:ext>
+            </a:extLst>
+          </p:cNvPr>
+          <p:cNvSpPr txBox="1"/>
+          <p:nvPr/>
+        </p:nvSpPr>
+        <p:spPr>
+          <a:xfrm>
+            <a:off x="1004954" y="926816"/>
+            <a:ext cx="2250220" cy="369332"/>
+          </a:xfrm>
+          <a:prstGeom prst="rect">
+            <a:avLst/>
+          </a:prstGeom>
+          <a:noFill/>
+        </p:spPr>
+        <p:txBody>
+          <a:bodyPr wrap="square" rtlCol="0">
+            <a:spAutoFit/>
+          </a:bodyPr>
+          <a:lstStyle/>
+          <a:p>
+            <a:pPr marL="0" marR="0" lvl="0" indent="0" algn="l" defTabSz="914400" rtl="0" eaLnBrk="1" fontAlgn="auto" latinLnBrk="0" hangingPunct="1">
+              <a:lnSpc>
+                <a:spcPct val="100000"/>
+              </a:lnSpc>
+              <a:spcBef>
+                <a:spcPts val="0"/>
+              </a:spcBef>
+              <a:spcAft>
+                <a:spcPts val="0"/>
+              </a:spcAft>
+              <a:buClrTx/>
+              <a:buSzTx/>
+              <a:buFontTx/>
+              <a:buNone/>
+              <a:tabLst/>
+              <a:defRPr/>
+            </a:pPr>
+            <a:r>
+              <a:rPr kumimoji="0" lang="en-GB" sz="1800" b="0" i="0" u="none" strike="noStrike" kern="1200" cap="none" spc="0" normalizeH="0" baseline="0" noProof="0" dirty="0">
+                <a:ln>
+                  <a:noFill/>
+                </a:ln>
+                <a:solidFill>
+                  <a:prstClr val="black"/>
+                </a:solidFill>
+                <a:effectLst/>
+                <a:uLnTx/>
+                <a:uFillTx/>
+                <a:latin typeface="Calibri" panose="020F0502020204030204"/>
+                <a:ea typeface="+mn-ea"/>
+                <a:cs typeface="+mn-cs"/>
+              </a:rPr>
+              <a:t>Speech in Parliament</a:t>
+            </a:r>
+          </a:p>
+        </p:txBody>
+      </p:sp>
+      <p:sp>
+        <p:nvSpPr>
+          <p:cNvPr id="28" name="TextBox 27">
+            <a:extLst>
+              <a:ext uri="{FF2B5EF4-FFF2-40B4-BE49-F238E27FC236}">
+                <a16:creationId xmlns:a16="http://schemas.microsoft.com/office/drawing/2014/main" id="{564D36FB-629A-43B5-AF6F-DE38420BE85D}"/>
+              </a:ext>
+            </a:extLst>
+          </p:cNvPr>
+          <p:cNvSpPr txBox="1"/>
+          <p:nvPr/>
+        </p:nvSpPr>
+        <p:spPr>
+          <a:xfrm>
+            <a:off x="4798064" y="906049"/>
+            <a:ext cx="2250220" cy="369332"/>
+          </a:xfrm>
+          <a:prstGeom prst="rect">
+            <a:avLst/>
+          </a:prstGeom>
+          <a:noFill/>
+        </p:spPr>
+        <p:txBody>
+          <a:bodyPr wrap="square" rtlCol="0">
+            <a:spAutoFit/>
+          </a:bodyPr>
+          <a:lstStyle/>
+          <a:p>
+            <a:pPr marL="0" marR="0" lvl="0" indent="0" algn="l" defTabSz="914400" rtl="0" eaLnBrk="1" fontAlgn="auto" latinLnBrk="0" hangingPunct="1">
+              <a:lnSpc>
+                <a:spcPct val="100000"/>
+              </a:lnSpc>
+              <a:spcBef>
+                <a:spcPts val="0"/>
+              </a:spcBef>
+              <a:spcAft>
+                <a:spcPts val="0"/>
+              </a:spcAft>
+              <a:buClrTx/>
+              <a:buSzTx/>
+              <a:buFontTx/>
+              <a:buNone/>
+              <a:tabLst/>
+              <a:defRPr/>
+            </a:pPr>
+            <a:r>
+              <a:rPr kumimoji="0" lang="en-GB" sz="1800" b="0" i="0" u="none" strike="noStrike" kern="1200" cap="none" spc="0" normalizeH="0" baseline="0" noProof="0" dirty="0">
+                <a:ln>
+                  <a:noFill/>
+                </a:ln>
+                <a:solidFill>
+                  <a:prstClr val="black"/>
+                </a:solidFill>
+                <a:effectLst/>
+                <a:uLnTx/>
+                <a:uFillTx/>
+                <a:latin typeface="Calibri" panose="020F0502020204030204"/>
+                <a:ea typeface="+mn-ea"/>
+                <a:cs typeface="+mn-cs"/>
+              </a:rPr>
+              <a:t>Recorded in Hansard</a:t>
+            </a:r>
+          </a:p>
+        </p:txBody>
+      </p:sp>
+      <p:sp>
+        <p:nvSpPr>
+          <p:cNvPr id="29" name="TextBox 28">
+            <a:extLst>
+              <a:ext uri="{FF2B5EF4-FFF2-40B4-BE49-F238E27FC236}">
+                <a16:creationId xmlns:a16="http://schemas.microsoft.com/office/drawing/2014/main" id="{5E80A21C-9762-432C-B560-4D6B21A86D5A}"/>
+              </a:ext>
+            </a:extLst>
+          </p:cNvPr>
+          <p:cNvSpPr txBox="1"/>
+          <p:nvPr/>
+        </p:nvSpPr>
+        <p:spPr>
+          <a:xfrm>
+            <a:off x="8334969" y="931018"/>
+            <a:ext cx="2762626" cy="369332"/>
+          </a:xfrm>
+          <a:prstGeom prst="rect">
+            <a:avLst/>
+          </a:prstGeom>
+          <a:noFill/>
+        </p:spPr>
+        <p:txBody>
+          <a:bodyPr wrap="square" rtlCol="0">
+            <a:spAutoFit/>
+          </a:bodyPr>
+          <a:lstStyle/>
+          <a:p>
+            <a:pPr marL="0" marR="0" lvl="0" indent="0" algn="l" defTabSz="914400" rtl="0" eaLnBrk="1" fontAlgn="auto" latinLnBrk="0" hangingPunct="1">
+              <a:lnSpc>
+                <a:spcPct val="100000"/>
+              </a:lnSpc>
+              <a:spcBef>
+                <a:spcPts val="0"/>
+              </a:spcBef>
+              <a:spcAft>
+                <a:spcPts val="0"/>
+              </a:spcAft>
+              <a:buClrTx/>
+              <a:buSzTx/>
+              <a:buFontTx/>
+              <a:buNone/>
+              <a:tabLst/>
+              <a:defRPr/>
+            </a:pPr>
+            <a:r>
+              <a:rPr kumimoji="0" lang="en-GB" sz="1800" b="0" i="0" u="none" strike="noStrike" kern="1200" cap="none" spc="0" normalizeH="0" baseline="0" noProof="0" dirty="0">
+                <a:ln>
+                  <a:noFill/>
+                </a:ln>
+                <a:solidFill>
+                  <a:prstClr val="black"/>
+                </a:solidFill>
+                <a:effectLst/>
+                <a:uLnTx/>
+                <a:uFillTx/>
+                <a:latin typeface="Calibri" panose="020F0502020204030204"/>
+                <a:ea typeface="+mn-ea"/>
+                <a:cs typeface="+mn-cs"/>
+              </a:rPr>
+              <a:t>Speeches converted to XML</a:t>
+            </a:r>
+          </a:p>
+        </p:txBody>
+      </p:sp>
+      <p:sp>
+        <p:nvSpPr>
+          <p:cNvPr id="30" name="TextBox 29">
+            <a:extLst>
+              <a:ext uri="{FF2B5EF4-FFF2-40B4-BE49-F238E27FC236}">
+                <a16:creationId xmlns:a16="http://schemas.microsoft.com/office/drawing/2014/main" id="{6EBCCFFA-D20B-4B68-A73C-DE192E05EFCF}"/>
+              </a:ext>
+            </a:extLst>
+          </p:cNvPr>
+          <p:cNvSpPr txBox="1"/>
+          <p:nvPr/>
+        </p:nvSpPr>
+        <p:spPr>
+          <a:xfrm>
+            <a:off x="838199" y="3563357"/>
+            <a:ext cx="2583728" cy="369332"/>
+          </a:xfrm>
+          <a:prstGeom prst="rect">
+            <a:avLst/>
+          </a:prstGeom>
+          <a:noFill/>
+        </p:spPr>
+        <p:txBody>
+          <a:bodyPr wrap="square" rtlCol="0">
+            <a:spAutoFit/>
+          </a:bodyPr>
+          <a:lstStyle/>
+          <a:p>
+            <a:pPr marL="0" marR="0" lvl="0" indent="0" algn="l" defTabSz="914400" rtl="0" eaLnBrk="1" fontAlgn="auto" latinLnBrk="0" hangingPunct="1">
+              <a:lnSpc>
+                <a:spcPct val="100000"/>
+              </a:lnSpc>
+              <a:spcBef>
+                <a:spcPts val="0"/>
+              </a:spcBef>
+              <a:spcAft>
+                <a:spcPts val="0"/>
+              </a:spcAft>
+              <a:buClrTx/>
+              <a:buSzTx/>
+              <a:buFontTx/>
+              <a:buNone/>
+              <a:tabLst/>
+              <a:defRPr/>
+            </a:pPr>
+            <a:r>
+              <a:rPr kumimoji="0" lang="en-GB" sz="1800" b="0" i="0" u="none" strike="noStrike" kern="1200" cap="none" spc="0" normalizeH="0" baseline="0" noProof="0" dirty="0">
+                <a:ln>
+                  <a:noFill/>
+                </a:ln>
+                <a:solidFill>
+                  <a:prstClr val="black"/>
+                </a:solidFill>
+                <a:effectLst/>
+                <a:uLnTx/>
+                <a:uFillTx/>
+                <a:latin typeface="Calibri" panose="020F0502020204030204"/>
+                <a:ea typeface="+mn-ea"/>
+                <a:cs typeface="+mn-cs"/>
+              </a:rPr>
+              <a:t>Data cleaning/processing</a:t>
+            </a:r>
+          </a:p>
+        </p:txBody>
+      </p:sp>
+      <p:sp>
+        <p:nvSpPr>
+          <p:cNvPr id="31" name="TextBox 30">
+            <a:extLst>
+              <a:ext uri="{FF2B5EF4-FFF2-40B4-BE49-F238E27FC236}">
+                <a16:creationId xmlns:a16="http://schemas.microsoft.com/office/drawing/2014/main" id="{E508EE9A-2057-45CB-B334-D66A31BE1DA9}"/>
+              </a:ext>
+            </a:extLst>
+          </p:cNvPr>
+          <p:cNvSpPr txBox="1"/>
+          <p:nvPr/>
+        </p:nvSpPr>
+        <p:spPr>
+          <a:xfrm>
+            <a:off x="4934122" y="3563357"/>
+            <a:ext cx="2004605" cy="369332"/>
+          </a:xfrm>
+          <a:prstGeom prst="rect">
+            <a:avLst/>
+          </a:prstGeom>
+          <a:noFill/>
+        </p:spPr>
+        <p:txBody>
+          <a:bodyPr wrap="square" rtlCol="0">
+            <a:spAutoFit/>
+          </a:bodyPr>
+          <a:lstStyle/>
+          <a:p>
+            <a:pPr marL="0" marR="0" lvl="0" indent="0" algn="l" defTabSz="914400" rtl="0" eaLnBrk="1" fontAlgn="auto" latinLnBrk="0" hangingPunct="1">
+              <a:lnSpc>
+                <a:spcPct val="100000"/>
+              </a:lnSpc>
+              <a:spcBef>
+                <a:spcPts val="0"/>
+              </a:spcBef>
+              <a:spcAft>
+                <a:spcPts val="0"/>
+              </a:spcAft>
+              <a:buClrTx/>
+              <a:buSzTx/>
+              <a:buFontTx/>
+              <a:buNone/>
+              <a:tabLst/>
+              <a:defRPr/>
+            </a:pPr>
+            <a:r>
+              <a:rPr kumimoji="0" lang="en-GB" sz="1800" b="0" i="0" u="none" strike="noStrike" kern="1200" cap="none" spc="0" normalizeH="0" baseline="0" noProof="0" dirty="0">
+                <a:ln>
+                  <a:noFill/>
+                </a:ln>
+                <a:solidFill>
+                  <a:prstClr val="black"/>
+                </a:solidFill>
+                <a:effectLst/>
+                <a:uLnTx/>
+                <a:uFillTx/>
+                <a:latin typeface="Calibri" panose="020F0502020204030204"/>
+                <a:ea typeface="+mn-ea"/>
+                <a:cs typeface="+mn-cs"/>
+              </a:rPr>
+              <a:t>Topic Classification</a:t>
+            </a:r>
+          </a:p>
+        </p:txBody>
+      </p:sp>
+      <p:sp>
+        <p:nvSpPr>
+          <p:cNvPr id="32" name="TextBox 31">
+            <a:extLst>
+              <a:ext uri="{FF2B5EF4-FFF2-40B4-BE49-F238E27FC236}">
+                <a16:creationId xmlns:a16="http://schemas.microsoft.com/office/drawing/2014/main" id="{B694C131-63E6-41B4-B47E-37B3304F8C8C}"/>
+              </a:ext>
+            </a:extLst>
+          </p:cNvPr>
+          <p:cNvSpPr txBox="1"/>
+          <p:nvPr/>
+        </p:nvSpPr>
+        <p:spPr>
+          <a:xfrm>
+            <a:off x="9087803" y="3564530"/>
+            <a:ext cx="1256957" cy="369332"/>
+          </a:xfrm>
+          <a:prstGeom prst="rect">
+            <a:avLst/>
+          </a:prstGeom>
+          <a:noFill/>
+        </p:spPr>
+        <p:txBody>
+          <a:bodyPr wrap="square" rtlCol="0">
+            <a:spAutoFit/>
+          </a:bodyPr>
+          <a:lstStyle/>
+          <a:p>
+            <a:pPr marL="0" marR="0" lvl="0" indent="0" algn="l" defTabSz="914400" rtl="0" eaLnBrk="1" fontAlgn="auto" latinLnBrk="0" hangingPunct="1">
+              <a:lnSpc>
+                <a:spcPct val="100000"/>
+              </a:lnSpc>
+              <a:spcBef>
+                <a:spcPts val="0"/>
+              </a:spcBef>
+              <a:spcAft>
+                <a:spcPts val="0"/>
+              </a:spcAft>
+              <a:buClrTx/>
+              <a:buSzTx/>
+              <a:buFontTx/>
+              <a:buNone/>
+              <a:tabLst/>
+              <a:defRPr/>
+            </a:pPr>
+            <a:r>
+              <a:rPr kumimoji="0" lang="en-GB" sz="1800" b="0" i="0" u="none" strike="noStrike" kern="1200" cap="none" spc="0" normalizeH="0" baseline="0" noProof="0" dirty="0">
+                <a:ln>
+                  <a:noFill/>
+                </a:ln>
+                <a:solidFill>
+                  <a:prstClr val="black"/>
+                </a:solidFill>
+                <a:effectLst/>
+                <a:uLnTx/>
+                <a:uFillTx/>
+                <a:latin typeface="Calibri" panose="020F0502020204030204"/>
+                <a:ea typeface="+mn-ea"/>
+                <a:cs typeface="+mn-cs"/>
+              </a:rPr>
+              <a:t>Dashboard</a:t>
             </a:r>
           </a:p>
         </p:txBody>
@@ -3685,7 +10790,7 @@
     </p:spTree>
     <p:extLst>
       <p:ext uri="{BB962C8B-B14F-4D97-AF65-F5344CB8AC3E}">
-        <p14:creationId xmlns:p14="http://schemas.microsoft.com/office/powerpoint/2010/main" val="3277843375"/>
+        <p14:creationId xmlns:p14="http://schemas.microsoft.com/office/powerpoint/2010/main" val="2602372408"/>
       </p:ext>
     </p:extLst>
   </p:cSld>
@@ -3714,10 +10819,10 @@
       </p:grpSpPr>
       <p:sp>
         <p:nvSpPr>
-          <p:cNvPr id="2" name="Title 1">
-            <a:extLst>
-              <a:ext uri="{FF2B5EF4-FFF2-40B4-BE49-F238E27FC236}">
-                <a16:creationId xmlns:a16="http://schemas.microsoft.com/office/drawing/2014/main" id="{B6304914-4CA4-4468-80DB-F5C1A951B1E4}"/>
+          <p:cNvPr id="5" name="Title">
+            <a:extLst>
+              <a:ext uri="{FF2B5EF4-FFF2-40B4-BE49-F238E27FC236}">
+                <a16:creationId xmlns:a16="http://schemas.microsoft.com/office/drawing/2014/main" id="{AC5AD953-635B-2B48-B87A-4F5101B6050D}"/>
               </a:ext>
             </a:extLst>
           </p:cNvPr>
@@ -3728,21 +10833,29 @@
             <p:ph type="title"/>
           </p:nvPr>
         </p:nvSpPr>
-        <p:spPr/>
+        <p:spPr>
+          <a:xfrm>
+            <a:off x="838200" y="165661"/>
+            <a:ext cx="10515600" cy="701731"/>
+          </a:xfrm>
+        </p:spPr>
         <p:txBody>
           <a:bodyPr/>
           <a:lstStyle/>
           <a:p>
-            <a:endParaRPr lang="en-GB"/>
-          </a:p>
-        </p:txBody>
-      </p:sp>
-      <p:sp>
-        <p:nvSpPr>
-          <p:cNvPr id="3" name="Content Placeholder 2">
-            <a:extLst>
-              <a:ext uri="{FF2B5EF4-FFF2-40B4-BE49-F238E27FC236}">
-                <a16:creationId xmlns:a16="http://schemas.microsoft.com/office/drawing/2014/main" id="{C0378EF9-A621-41D8-B2D9-E103A3F6A93F}"/>
+            <a:r>
+              <a:rPr lang="en-US" sz="4400" dirty="0"/>
+              <a:t>Topic Classification</a:t>
+            </a:r>
+          </a:p>
+        </p:txBody>
+      </p:sp>
+      <p:sp>
+        <p:nvSpPr>
+          <p:cNvPr id="6" name="Content Placeholder">
+            <a:extLst>
+              <a:ext uri="{FF2B5EF4-FFF2-40B4-BE49-F238E27FC236}">
+                <a16:creationId xmlns:a16="http://schemas.microsoft.com/office/drawing/2014/main" id="{4C842C63-75A3-F044-9F81-2C8C2B628C68}"/>
               </a:ext>
             </a:extLst>
           </p:cNvPr>
@@ -3753,71 +10866,199 @@
             <p:ph idx="1"/>
           </p:nvPr>
         </p:nvSpPr>
-        <p:spPr/>
+        <p:spPr>
+          <a:xfrm>
+            <a:off x="838200" y="1336092"/>
+            <a:ext cx="10515600" cy="3846309"/>
+          </a:xfrm>
+        </p:spPr>
         <p:txBody>
           <a:bodyPr/>
           <a:lstStyle/>
           <a:p>
             <a:r>
-              <a:rPr lang="en-GB" dirty="0"/>
-              <a:t>What I </a:t>
-            </a:r>
-            <a:r>
-              <a:rPr lang="en-GB" dirty="0" err="1"/>
-              <a:t>leanred</a:t>
-            </a:r>
-            <a:r>
-              <a:rPr lang="en-GB" dirty="0"/>
-              <a:t>:</a:t>
-            </a:r>
-          </a:p>
-          <a:p>
-            <a:r>
-              <a:rPr lang="en-GB" dirty="0"/>
-              <a:t>Git (</a:t>
-            </a:r>
-            <a:r>
-              <a:rPr lang="en-GB" dirty="0" err="1"/>
-              <a:t>gitignore</a:t>
-            </a:r>
-            <a:r>
-              <a:rPr lang="en-GB" dirty="0"/>
-              <a:t> + big files)</a:t>
-            </a:r>
-          </a:p>
-          <a:p>
-            <a:r>
-              <a:rPr lang="en-GB" dirty="0"/>
-              <a:t>Debugging &amp; what to search for (problem formulation)</a:t>
-            </a:r>
-          </a:p>
-          <a:p>
-            <a:r>
-              <a:rPr lang="en-GB" dirty="0"/>
-              <a:t>Python - functional programming, spacy</a:t>
-            </a:r>
-          </a:p>
-          <a:p>
-            <a:r>
-              <a:rPr lang="en-GB" dirty="0"/>
-              <a:t>ML - model build &amp; evaluation (rules based turned out better in prototype - monitor going forward)</a:t>
-            </a:r>
-          </a:p>
-          <a:p>
-            <a:r>
-              <a:rPr lang="en-GB" dirty="0"/>
-              <a:t>User engagement early - topic &gt; sentiment</a:t>
-            </a:r>
-          </a:p>
-          <a:p>
-            <a:endParaRPr lang="en-GB" dirty="0"/>
+              <a:rPr lang="en-GB" sz="2800" dirty="0"/>
+              <a:t>Machine Learning </a:t>
+            </a:r>
+          </a:p>
+          <a:p>
+            <a:r>
+              <a:rPr lang="en-GB" sz="2800" dirty="0">
+                <a:solidFill>
+                  <a:schemeClr val="tx1"/>
+                </a:solidFill>
+              </a:rPr>
+              <a:t>Rules-based system</a:t>
+            </a:r>
+          </a:p>
+          <a:p>
+            <a:r>
+              <a:rPr lang="en-GB" sz="2800" dirty="0"/>
+              <a:t>Debate titles vs speeches vs both</a:t>
+            </a:r>
+            <a:endParaRPr lang="en-GB" sz="2800" dirty="0">
+              <a:solidFill>
+                <a:schemeClr val="tx1"/>
+              </a:solidFill>
+            </a:endParaRPr>
+          </a:p>
+          <a:p>
+            <a:r>
+              <a:rPr lang="en-GB" sz="2800" dirty="0"/>
+              <a:t>Evaluation</a:t>
+            </a:r>
+          </a:p>
+          <a:p>
+            <a:r>
+              <a:rPr lang="en-GB" sz="2800" dirty="0">
+                <a:solidFill>
+                  <a:schemeClr val="tx1"/>
+                </a:solidFill>
+              </a:rPr>
+              <a:t>Further development</a:t>
+            </a:r>
+            <a:endParaRPr lang="en-GB" sz="2400" dirty="0">
+              <a:solidFill>
+                <a:schemeClr val="tx1"/>
+              </a:solidFill>
+            </a:endParaRPr>
+          </a:p>
+          <a:p>
+            <a:pPr marL="0" indent="0">
+              <a:buNone/>
+            </a:pPr>
+            <a:endParaRPr lang="en-US" dirty="0"/>
+          </a:p>
+        </p:txBody>
+      </p:sp>
+      <p:pic>
+        <p:nvPicPr>
+          <p:cNvPr id="4" name="Picture 10">
+            <a:extLst>
+              <a:ext uri="{FF2B5EF4-FFF2-40B4-BE49-F238E27FC236}">
+                <a16:creationId xmlns:a16="http://schemas.microsoft.com/office/drawing/2014/main" id="{B1F2472B-B794-4F12-8E6E-3958DE0E7967}"/>
+              </a:ext>
+            </a:extLst>
+          </p:cNvPr>
+          <p:cNvPicPr>
+            <a:picLocks noChangeAspect="1" noChangeArrowheads="1"/>
+          </p:cNvPicPr>
+          <p:nvPr/>
+        </p:nvPicPr>
+        <p:blipFill>
+          <a:blip r:embed="rId3">
+            <a:extLst>
+              <a:ext uri="{28A0092B-C50C-407E-A947-70E740481C1C}">
+                <a14:useLocalDpi xmlns:a14="http://schemas.microsoft.com/office/drawing/2010/main" val="0"/>
+              </a:ext>
+            </a:extLst>
+          </a:blip>
+          <a:srcRect/>
+          <a:stretch>
+            <a:fillRect/>
+          </a:stretch>
+        </p:blipFill>
+        <p:spPr bwMode="auto">
+          <a:xfrm>
+            <a:off x="6501752" y="1571761"/>
+            <a:ext cx="4471027" cy="2805777"/>
+          </a:xfrm>
+          <a:prstGeom prst="rect">
+            <a:avLst/>
+          </a:prstGeom>
+          <a:noFill/>
+          <a:extLst>
+            <a:ext uri="{909E8E84-426E-40DD-AFC4-6F175D3DCCD1}">
+              <a14:hiddenFill xmlns:a14="http://schemas.microsoft.com/office/drawing/2010/main">
+                <a:solidFill>
+                  <a:srgbClr val="FFFFFF"/>
+                </a:solidFill>
+              </a14:hiddenFill>
+            </a:ext>
+          </a:extLst>
+        </p:spPr>
+      </p:pic>
+      <p:sp>
+        <p:nvSpPr>
+          <p:cNvPr id="7" name="Rectangle 6">
+            <a:extLst>
+              <a:ext uri="{FF2B5EF4-FFF2-40B4-BE49-F238E27FC236}">
+                <a16:creationId xmlns:a16="http://schemas.microsoft.com/office/drawing/2014/main" id="{36D58B35-D205-4B28-93F0-528AE9A3E269}"/>
+              </a:ext>
+            </a:extLst>
+          </p:cNvPr>
+          <p:cNvSpPr/>
+          <p:nvPr/>
+        </p:nvSpPr>
+        <p:spPr>
+          <a:xfrm>
+            <a:off x="6501750" y="1568259"/>
+            <a:ext cx="4471027" cy="2805777"/>
+          </a:xfrm>
+          <a:prstGeom prst="rect">
+            <a:avLst/>
+          </a:prstGeom>
+          <a:noFill/>
+          <a:ln w="28575"/>
+        </p:spPr>
+        <p:style>
+          <a:lnRef idx="2">
+            <a:schemeClr val="dk1">
+              <a:shade val="50000"/>
+            </a:schemeClr>
+          </a:lnRef>
+          <a:fillRef idx="1">
+            <a:schemeClr val="dk1"/>
+          </a:fillRef>
+          <a:effectRef idx="0">
+            <a:schemeClr val="dk1"/>
+          </a:effectRef>
+          <a:fontRef idx="minor">
+            <a:schemeClr val="lt1"/>
+          </a:fontRef>
+        </p:style>
+        <p:txBody>
+          <a:bodyPr rtlCol="0" anchor="ctr"/>
+          <a:lstStyle/>
+          <a:p>
+            <a:pPr marL="0" marR="0" lvl="0" indent="0" algn="ctr" defTabSz="914400" rtl="0" eaLnBrk="1" fontAlgn="auto" latinLnBrk="0" hangingPunct="1">
+              <a:lnSpc>
+                <a:spcPct val="100000"/>
+              </a:lnSpc>
+              <a:spcBef>
+                <a:spcPts val="0"/>
+              </a:spcBef>
+              <a:spcAft>
+                <a:spcPts val="0"/>
+              </a:spcAft>
+              <a:buClrTx/>
+              <a:buSzTx/>
+              <a:buFontTx/>
+              <a:buNone/>
+              <a:tabLst/>
+              <a:defRPr/>
+            </a:pPr>
+            <a:endParaRPr kumimoji="0" lang="en-GB" sz="1800" b="0" i="0" u="none" strike="noStrike" kern="1200" cap="none" spc="0" normalizeH="0" baseline="0" noProof="0">
+              <a:ln>
+                <a:noFill/>
+              </a:ln>
+              <a:solidFill>
+                <a:prstClr val="white"/>
+              </a:solidFill>
+              <a:effectLst/>
+              <a:uLnTx/>
+              <a:uFillTx/>
+              <a:latin typeface="Calibri" panose="020F0502020204030204"/>
+              <a:ea typeface="+mn-ea"/>
+              <a:cs typeface="+mn-cs"/>
+            </a:endParaRPr>
           </a:p>
         </p:txBody>
       </p:sp>
     </p:spTree>
     <p:extLst>
       <p:ext uri="{BB962C8B-B14F-4D97-AF65-F5344CB8AC3E}">
-        <p14:creationId xmlns:p14="http://schemas.microsoft.com/office/powerpoint/2010/main" val="1606398483"/>
+        <p14:creationId xmlns:p14="http://schemas.microsoft.com/office/powerpoint/2010/main" val="3202105594"/>
       </p:ext>
     </p:extLst>
   </p:cSld>
@@ -3846,10 +11087,10 @@
       </p:grpSpPr>
       <p:sp>
         <p:nvSpPr>
-          <p:cNvPr id="2" name="Title 1">
-            <a:extLst>
-              <a:ext uri="{FF2B5EF4-FFF2-40B4-BE49-F238E27FC236}">
-                <a16:creationId xmlns:a16="http://schemas.microsoft.com/office/drawing/2014/main" id="{ECFC44C0-1C90-4FD7-A690-F1FF11A0C9EE}"/>
+          <p:cNvPr id="5" name="Title">
+            <a:extLst>
+              <a:ext uri="{FF2B5EF4-FFF2-40B4-BE49-F238E27FC236}">
+                <a16:creationId xmlns:a16="http://schemas.microsoft.com/office/drawing/2014/main" id="{AC5AD953-635B-2B48-B87A-4F5101B6050D}"/>
               </a:ext>
             </a:extLst>
           </p:cNvPr>
@@ -3860,24 +11101,30 @@
             <p:ph type="title"/>
           </p:nvPr>
         </p:nvSpPr>
-        <p:spPr/>
+        <p:spPr>
+          <a:xfrm>
+            <a:off x="758301" y="234815"/>
+            <a:ext cx="10515600" cy="701731"/>
+          </a:xfrm>
+        </p:spPr>
         <p:txBody>
           <a:bodyPr/>
           <a:lstStyle/>
           <a:p>
             <a:r>
-              <a:rPr lang="en-GB" dirty="0"/>
-              <a:t>Next steps</a:t>
-            </a:r>
-          </a:p>
-        </p:txBody>
-      </p:sp>
-      <p:sp>
-        <p:nvSpPr>
-          <p:cNvPr id="3" name="Content Placeholder 2">
-            <a:extLst>
-              <a:ext uri="{FF2B5EF4-FFF2-40B4-BE49-F238E27FC236}">
-                <a16:creationId xmlns:a16="http://schemas.microsoft.com/office/drawing/2014/main" id="{7A1EEC23-077C-438F-97C1-F46851364810}"/>
+              <a:rPr lang="en-GB" sz="4400" dirty="0"/>
+              <a:t>What I learned</a:t>
+            </a:r>
+            <a:endParaRPr lang="en-US" sz="4400" dirty="0"/>
+          </a:p>
+        </p:txBody>
+      </p:sp>
+      <p:sp>
+        <p:nvSpPr>
+          <p:cNvPr id="6" name="Content Placeholder">
+            <a:extLst>
+              <a:ext uri="{FF2B5EF4-FFF2-40B4-BE49-F238E27FC236}">
+                <a16:creationId xmlns:a16="http://schemas.microsoft.com/office/drawing/2014/main" id="{4C842C63-75A3-F044-9F81-2C8C2B628C68}"/>
               </a:ext>
             </a:extLst>
           </p:cNvPr>
@@ -3888,71 +11135,320 @@
             <p:ph idx="1"/>
           </p:nvPr>
         </p:nvSpPr>
-        <p:spPr/>
-        <p:txBody>
-          <a:bodyPr>
-            <a:normAutofit fontScale="92500" lnSpcReduction="10000"/>
-          </a:bodyPr>
-          <a:lstStyle/>
-          <a:p>
-            <a:r>
-              <a:rPr lang="en-GB" dirty="0"/>
-              <a:t>Existing project – productionise</a:t>
-            </a:r>
-          </a:p>
-          <a:p>
-            <a:r>
-              <a:rPr lang="en-GB" dirty="0"/>
-              <a:t>Looking at govt policy papers (T&amp;F group)</a:t>
-            </a:r>
-          </a:p>
-          <a:p>
-            <a:r>
-              <a:rPr lang="en-GB" dirty="0"/>
-              <a:t>Interest from other teams for similar work on other datasets</a:t>
-            </a:r>
-          </a:p>
-          <a:p>
-            <a:r>
-              <a:rPr lang="en-GB" dirty="0"/>
-              <a:t>Private sector - board reports/annual reports &gt; do ONS economic stats get mentioned?</a:t>
-            </a:r>
-          </a:p>
-          <a:p>
-            <a:r>
-              <a:rPr lang="en-GB" dirty="0"/>
-              <a:t>OSR -&gt; using </a:t>
-            </a:r>
-            <a:r>
-              <a:rPr lang="en-GB" dirty="0" err="1"/>
-              <a:t>hansard</a:t>
-            </a:r>
-            <a:r>
-              <a:rPr lang="en-GB" dirty="0"/>
-              <a:t> data to help with evaluating how stats are used (Michael Hodge). Identifying use of stats in parliament.</a:t>
-            </a:r>
-          </a:p>
-          <a:p>
-            <a:r>
-              <a:rPr lang="en-GB" dirty="0"/>
-              <a:t>Anything with quality of forecasting - still way out at the start and at end of FY find we're fine</a:t>
-            </a:r>
-          </a:p>
-          <a:p>
-            <a:r>
-              <a:rPr lang="en-GB" dirty="0"/>
-              <a:t>Vacancies - creating model that updates with the latest data each month(?)</a:t>
-            </a:r>
-          </a:p>
-          <a:p>
-            <a:endParaRPr lang="en-GB" dirty="0"/>
+        <p:spPr>
+          <a:xfrm>
+            <a:off x="609600" y="1030907"/>
+            <a:ext cx="5141976" cy="5727722"/>
+          </a:xfrm>
+        </p:spPr>
+        <p:txBody>
+          <a:bodyPr/>
+          <a:lstStyle/>
+          <a:p>
+            <a:pPr marL="0" indent="0">
+              <a:buNone/>
+            </a:pPr>
+            <a:r>
+              <a:rPr lang="en-GB" sz="2400" dirty="0"/>
+              <a:t>Data science</a:t>
+            </a:r>
+          </a:p>
+          <a:p>
+            <a:pPr marL="742950" lvl="1" indent="-285750">
+              <a:buFontTx/>
+              <a:buChar char="-"/>
+            </a:pPr>
+            <a:r>
+              <a:rPr lang="en-GB" sz="1800" dirty="0">
+                <a:solidFill>
+                  <a:schemeClr val="tx1"/>
+                </a:solidFill>
+              </a:rPr>
+              <a:t>Coding, incl. experience with plenty of Python packages, modular code</a:t>
+            </a:r>
+          </a:p>
+          <a:p>
+            <a:pPr marL="742950" lvl="1" indent="-285750">
+              <a:buFontTx/>
+              <a:buChar char="-"/>
+            </a:pPr>
+            <a:r>
+              <a:rPr lang="en-GB" sz="1800" dirty="0">
+                <a:solidFill>
+                  <a:schemeClr val="tx1"/>
+                </a:solidFill>
+              </a:rPr>
+              <a:t>Debugging + problem formulation </a:t>
+            </a:r>
+          </a:p>
+          <a:p>
+            <a:pPr marL="742950" lvl="1" indent="-285750">
+              <a:buFontTx/>
+              <a:buChar char="-"/>
+            </a:pPr>
+            <a:r>
+              <a:rPr lang="en-GB" sz="1800" dirty="0">
+                <a:solidFill>
+                  <a:schemeClr val="tx1"/>
+                </a:solidFill>
+              </a:rPr>
+              <a:t>Git</a:t>
+            </a:r>
+          </a:p>
+          <a:p>
+            <a:pPr marL="742950" lvl="1" indent="-285750">
+              <a:buFontTx/>
+              <a:buChar char="-"/>
+            </a:pPr>
+            <a:r>
+              <a:rPr lang="en-GB" sz="1800" dirty="0">
+                <a:solidFill>
+                  <a:schemeClr val="tx1"/>
+                </a:solidFill>
+              </a:rPr>
+              <a:t>Documentation – reading &amp; writing</a:t>
+            </a:r>
+          </a:p>
+          <a:p>
+            <a:pPr marL="742950" lvl="1" indent="-285750">
+              <a:buFontTx/>
+              <a:buChar char="-"/>
+            </a:pPr>
+            <a:r>
+              <a:rPr lang="en-GB" sz="1800" dirty="0">
+                <a:solidFill>
+                  <a:schemeClr val="tx1"/>
+                </a:solidFill>
+              </a:rPr>
+              <a:t>Web scraping, automating file downloads &amp; dealing with ONS network</a:t>
+            </a:r>
+          </a:p>
+          <a:p>
+            <a:pPr marL="742950" lvl="1" indent="-285750">
+              <a:buFontTx/>
+              <a:buChar char="-"/>
+            </a:pPr>
+            <a:r>
+              <a:rPr lang="en-GB" sz="1800" dirty="0">
+                <a:solidFill>
+                  <a:schemeClr val="tx1"/>
+                </a:solidFill>
+              </a:rPr>
+              <a:t>NLP with </a:t>
+            </a:r>
+            <a:r>
+              <a:rPr lang="en-GB" sz="1800" dirty="0" err="1">
+                <a:solidFill>
+                  <a:schemeClr val="tx1"/>
+                </a:solidFill>
+              </a:rPr>
+              <a:t>spaCy</a:t>
+            </a:r>
+            <a:endParaRPr lang="en-GB" sz="1800" dirty="0">
+              <a:solidFill>
+                <a:schemeClr val="tx1"/>
+              </a:solidFill>
+            </a:endParaRPr>
+          </a:p>
+          <a:p>
+            <a:pPr marL="742950" lvl="1" indent="-285750">
+              <a:buFontTx/>
+              <a:buChar char="-"/>
+            </a:pPr>
+            <a:r>
+              <a:rPr lang="en-GB" sz="1800" dirty="0">
+                <a:solidFill>
+                  <a:schemeClr val="tx1"/>
+                </a:solidFill>
+              </a:rPr>
+              <a:t>Rules based NLP</a:t>
+            </a:r>
+          </a:p>
+          <a:p>
+            <a:pPr marL="742950" lvl="1" indent="-285750">
+              <a:buFontTx/>
+              <a:buChar char="-"/>
+            </a:pPr>
+            <a:r>
+              <a:rPr lang="en-GB" sz="1800" dirty="0">
+                <a:solidFill>
+                  <a:schemeClr val="tx1"/>
+                </a:solidFill>
+              </a:rPr>
+              <a:t>Machine Learning modelling </a:t>
+            </a:r>
+          </a:p>
+          <a:p>
+            <a:pPr marL="742950" lvl="1" indent="-285750">
+              <a:buFontTx/>
+              <a:buChar char="-"/>
+            </a:pPr>
+            <a:r>
+              <a:rPr lang="en-GB" sz="1800" dirty="0">
+                <a:solidFill>
+                  <a:schemeClr val="tx1"/>
+                </a:solidFill>
+              </a:rPr>
+              <a:t>Evaluating approaches </a:t>
+            </a:r>
+          </a:p>
+          <a:p>
+            <a:pPr marL="1200150" lvl="2" indent="-285750">
+              <a:buFontTx/>
+              <a:buChar char="-"/>
+            </a:pPr>
+            <a:r>
+              <a:rPr lang="en-GB" sz="1400" dirty="0">
+                <a:solidFill>
+                  <a:schemeClr val="tx1"/>
+                </a:solidFill>
+              </a:rPr>
+              <a:t>rules vs ML</a:t>
+            </a:r>
+          </a:p>
+          <a:p>
+            <a:pPr marL="1200150" lvl="2" indent="-285750">
+              <a:buFontTx/>
+              <a:buChar char="-"/>
+            </a:pPr>
+            <a:r>
+              <a:rPr lang="en-GB" sz="1400" dirty="0">
+                <a:solidFill>
+                  <a:prstClr val="black"/>
+                </a:solidFill>
+              </a:rPr>
+              <a:t>Recall &amp; Precision (False positives, false negatives etc.)</a:t>
+            </a:r>
+          </a:p>
+          <a:p>
+            <a:pPr marL="914400" lvl="2" indent="0">
+              <a:buNone/>
+            </a:pPr>
+            <a:endParaRPr lang="en-GB" sz="1000" dirty="0">
+              <a:solidFill>
+                <a:schemeClr val="tx1"/>
+              </a:solidFill>
+            </a:endParaRPr>
+          </a:p>
+          <a:p>
+            <a:pPr marL="0" indent="0">
+              <a:buNone/>
+            </a:pPr>
+            <a:endParaRPr lang="en-US" sz="2000" dirty="0"/>
+          </a:p>
+        </p:txBody>
+      </p:sp>
+      <p:pic>
+        <p:nvPicPr>
+          <p:cNvPr id="4" name="Picture 3">
+            <a:extLst>
+              <a:ext uri="{FF2B5EF4-FFF2-40B4-BE49-F238E27FC236}">
+                <a16:creationId xmlns:a16="http://schemas.microsoft.com/office/drawing/2014/main" id="{0E927BB0-A37E-4CFF-BA84-6146C984B5EE}"/>
+              </a:ext>
+            </a:extLst>
+          </p:cNvPr>
+          <p:cNvPicPr>
+            <a:picLocks noChangeAspect="1"/>
+          </p:cNvPicPr>
+          <p:nvPr/>
+        </p:nvPicPr>
+        <p:blipFill>
+          <a:blip r:embed="rId3"/>
+          <a:stretch>
+            <a:fillRect/>
+          </a:stretch>
+        </p:blipFill>
+        <p:spPr>
+          <a:xfrm>
+            <a:off x="6096000" y="1300048"/>
+            <a:ext cx="5607576" cy="3998406"/>
+          </a:xfrm>
+          <a:prstGeom prst="rect">
+            <a:avLst/>
+          </a:prstGeom>
+        </p:spPr>
+      </p:pic>
+      <p:sp>
+        <p:nvSpPr>
+          <p:cNvPr id="7" name="Rectangle 6">
+            <a:extLst>
+              <a:ext uri="{FF2B5EF4-FFF2-40B4-BE49-F238E27FC236}">
+                <a16:creationId xmlns:a16="http://schemas.microsoft.com/office/drawing/2014/main" id="{4EF4E644-C70D-413B-A021-20DFC19C8807}"/>
+              </a:ext>
+            </a:extLst>
+          </p:cNvPr>
+          <p:cNvSpPr/>
+          <p:nvPr/>
+        </p:nvSpPr>
+        <p:spPr>
+          <a:xfrm>
+            <a:off x="6096000" y="1300048"/>
+            <a:ext cx="5607576" cy="3998406"/>
+          </a:xfrm>
+          <a:prstGeom prst="rect">
+            <a:avLst/>
+          </a:prstGeom>
+          <a:noFill/>
+          <a:ln w="28575"/>
+        </p:spPr>
+        <p:style>
+          <a:lnRef idx="2">
+            <a:schemeClr val="dk1">
+              <a:shade val="50000"/>
+            </a:schemeClr>
+          </a:lnRef>
+          <a:fillRef idx="1">
+            <a:schemeClr val="dk1"/>
+          </a:fillRef>
+          <a:effectRef idx="0">
+            <a:schemeClr val="dk1"/>
+          </a:effectRef>
+          <a:fontRef idx="minor">
+            <a:schemeClr val="lt1"/>
+          </a:fontRef>
+        </p:style>
+        <p:txBody>
+          <a:bodyPr rtlCol="0" anchor="ctr"/>
+          <a:lstStyle/>
+          <a:p>
+            <a:pPr marL="0" marR="0" lvl="0" indent="0" algn="ctr" defTabSz="914400" rtl="0" eaLnBrk="1" fontAlgn="auto" latinLnBrk="0" hangingPunct="1">
+              <a:lnSpc>
+                <a:spcPct val="100000"/>
+              </a:lnSpc>
+              <a:spcBef>
+                <a:spcPts val="0"/>
+              </a:spcBef>
+              <a:spcAft>
+                <a:spcPts val="0"/>
+              </a:spcAft>
+              <a:buClrTx/>
+              <a:buSzTx/>
+              <a:buFontTx/>
+              <a:buNone/>
+              <a:tabLst/>
+              <a:defRPr/>
+            </a:pPr>
+            <a:endParaRPr kumimoji="0" lang="en-GB" sz="1800" b="0" i="0" u="none" strike="noStrike" kern="1200" cap="none" spc="0" normalizeH="0" baseline="0" noProof="0">
+              <a:ln>
+                <a:noFill/>
+              </a:ln>
+              <a:solidFill>
+                <a:prstClr val="white"/>
+              </a:solidFill>
+              <a:effectLst/>
+              <a:uLnTx/>
+              <a:uFillTx/>
+              <a:latin typeface="Calibri" panose="020F0502020204030204"/>
+              <a:ea typeface="+mn-ea"/>
+              <a:cs typeface="+mn-cs"/>
+            </a:endParaRPr>
           </a:p>
         </p:txBody>
       </p:sp>
     </p:spTree>
     <p:extLst>
       <p:ext uri="{BB962C8B-B14F-4D97-AF65-F5344CB8AC3E}">
-        <p14:creationId xmlns:p14="http://schemas.microsoft.com/office/powerpoint/2010/main" val="1578003946"/>
+        <p14:creationId xmlns:p14="http://schemas.microsoft.com/office/powerpoint/2010/main" val="626448777"/>
       </p:ext>
     </p:extLst>
   </p:cSld>
@@ -3981,10 +11477,10 @@
       </p:grpSpPr>
       <p:sp>
         <p:nvSpPr>
-          <p:cNvPr id="2" name="Title 1">
-            <a:extLst>
-              <a:ext uri="{FF2B5EF4-FFF2-40B4-BE49-F238E27FC236}">
-                <a16:creationId xmlns:a16="http://schemas.microsoft.com/office/drawing/2014/main" id="{4CD4E70A-B4CB-4A58-B3CA-76E46B510930}"/>
+          <p:cNvPr id="5" name="Title">
+            <a:extLst>
+              <a:ext uri="{FF2B5EF4-FFF2-40B4-BE49-F238E27FC236}">
+                <a16:creationId xmlns:a16="http://schemas.microsoft.com/office/drawing/2014/main" id="{AC5AD953-635B-2B48-B87A-4F5101B6050D}"/>
               </a:ext>
             </a:extLst>
           </p:cNvPr>
@@ -3995,21 +11491,30 @@
             <p:ph type="title"/>
           </p:nvPr>
         </p:nvSpPr>
-        <p:spPr/>
+        <p:spPr>
+          <a:xfrm>
+            <a:off x="758301" y="234815"/>
+            <a:ext cx="10515600" cy="701731"/>
+          </a:xfrm>
+        </p:spPr>
         <p:txBody>
           <a:bodyPr/>
           <a:lstStyle/>
           <a:p>
-            <a:endParaRPr lang="en-GB"/>
-          </a:p>
-        </p:txBody>
-      </p:sp>
-      <p:sp>
-        <p:nvSpPr>
-          <p:cNvPr id="3" name="Content Placeholder 2">
-            <a:extLst>
-              <a:ext uri="{FF2B5EF4-FFF2-40B4-BE49-F238E27FC236}">
-                <a16:creationId xmlns:a16="http://schemas.microsoft.com/office/drawing/2014/main" id="{76EEE76F-42F0-403F-A797-4C23BC15B4EB}"/>
+            <a:r>
+              <a:rPr lang="en-GB" sz="4400" dirty="0"/>
+              <a:t>What I learned</a:t>
+            </a:r>
+            <a:endParaRPr lang="en-US" sz="4400" dirty="0"/>
+          </a:p>
+        </p:txBody>
+      </p:sp>
+      <p:sp>
+        <p:nvSpPr>
+          <p:cNvPr id="6" name="Content Placeholder">
+            <a:extLst>
+              <a:ext uri="{FF2B5EF4-FFF2-40B4-BE49-F238E27FC236}">
+                <a16:creationId xmlns:a16="http://schemas.microsoft.com/office/drawing/2014/main" id="{4C842C63-75A3-F044-9F81-2C8C2B628C68}"/>
               </a:ext>
             </a:extLst>
           </p:cNvPr>
@@ -4020,18 +11525,22 @@
             <p:ph idx="1"/>
           </p:nvPr>
         </p:nvSpPr>
-        <p:spPr/>
+        <p:spPr>
+          <a:xfrm>
+            <a:off x="838200" y="1307797"/>
+            <a:ext cx="5383491" cy="4189865"/>
+          </a:xfrm>
+        </p:spPr>
         <p:txBody>
           <a:bodyPr/>
           <a:lstStyle/>
           <a:p>
-            <a:pPr marL="285750" indent="-285750">
-              <a:buFontTx/>
-              <a:buChar char="-"/>
+            <a:pPr marL="0" indent="0">
+              <a:buNone/>
             </a:pPr>
             <a:r>
-              <a:rPr lang="en-GB" sz="2000" dirty="0"/>
-              <a:t>More technical audience (Graduation event)</a:t>
+              <a:rPr lang="en-GB" sz="2400" dirty="0"/>
+              <a:t>Project management</a:t>
             </a:r>
           </a:p>
           <a:p>
@@ -4040,8 +11549,12 @@
               <a:buChar char="-"/>
             </a:pPr>
             <a:r>
-              <a:rPr lang="en-GB" sz="2000" dirty="0"/>
-              <a:t>rewriting code to be more modular/functional, re-using it</a:t>
+              <a:rPr lang="en-GB" sz="1800" dirty="0">
+                <a:solidFill>
+                  <a:schemeClr val="tx1"/>
+                </a:solidFill>
+              </a:rPr>
+              <a:t>Using GitHub to manage a Data Science project</a:t>
             </a:r>
           </a:p>
           <a:p>
@@ -4050,19 +11563,464 @@
               <a:buChar char="-"/>
             </a:pPr>
             <a:r>
-              <a:rPr lang="en-GB" sz="2000" dirty="0"/>
-              <a:t>Usage of git</a:t>
-            </a:r>
-          </a:p>
-          <a:p>
-            <a:endParaRPr lang="en-GB" dirty="0"/>
-          </a:p>
-        </p:txBody>
-      </p:sp>
+              <a:rPr lang="en-GB" sz="1800" dirty="0">
+                <a:solidFill>
+                  <a:schemeClr val="tx1"/>
+                </a:solidFill>
+              </a:rPr>
+              <a:t>Further experience with Agile development practices </a:t>
+            </a:r>
+          </a:p>
+          <a:p>
+            <a:pPr marL="742950" lvl="1" indent="-285750">
+              <a:buFontTx/>
+              <a:buChar char="-"/>
+            </a:pPr>
+            <a:r>
+              <a:rPr lang="en-GB" sz="1800" dirty="0">
+                <a:solidFill>
+                  <a:schemeClr val="tx1"/>
+                </a:solidFill>
+              </a:rPr>
+              <a:t>Asynchronous working</a:t>
+            </a:r>
+          </a:p>
+          <a:p>
+            <a:pPr marL="742950" lvl="1" indent="-285750">
+              <a:buFontTx/>
+              <a:buChar char="-"/>
+            </a:pPr>
+            <a:r>
+              <a:rPr lang="en-GB" sz="1800" dirty="0">
+                <a:solidFill>
+                  <a:schemeClr val="tx1"/>
+                </a:solidFill>
+              </a:rPr>
+              <a:t>Scoping realistic aims for prototype</a:t>
+            </a:r>
+          </a:p>
+          <a:p>
+            <a:pPr marL="742950" lvl="1" indent="-285750">
+              <a:buFontTx/>
+              <a:buChar char="-"/>
+            </a:pPr>
+            <a:r>
+              <a:rPr lang="en-GB" sz="1800" dirty="0">
+                <a:solidFill>
+                  <a:schemeClr val="tx1"/>
+                </a:solidFill>
+              </a:rPr>
+              <a:t>Importance of early user engagement</a:t>
+            </a:r>
+          </a:p>
+          <a:p>
+            <a:pPr marL="742950" lvl="1" indent="-285750">
+              <a:buFontTx/>
+              <a:buChar char="-"/>
+            </a:pPr>
+            <a:r>
+              <a:rPr lang="en-GB" sz="1800" dirty="0">
+                <a:solidFill>
+                  <a:schemeClr val="tx1"/>
+                </a:solidFill>
+              </a:rPr>
+              <a:t>Wireframing product very early on </a:t>
+            </a:r>
+          </a:p>
+          <a:p>
+            <a:pPr marL="742950" lvl="1" indent="-285750">
+              <a:buFontTx/>
+              <a:buChar char="-"/>
+            </a:pPr>
+            <a:r>
+              <a:rPr lang="en-GB" sz="1800" dirty="0">
+                <a:solidFill>
+                  <a:schemeClr val="tx1"/>
+                </a:solidFill>
+              </a:rPr>
+              <a:t>Identifying user priorities</a:t>
+            </a:r>
+          </a:p>
+          <a:p>
+            <a:pPr marL="742950" lvl="1" indent="-285750">
+              <a:buFontTx/>
+              <a:buChar char="-"/>
+            </a:pPr>
+            <a:r>
+              <a:rPr lang="en-GB" sz="1800" dirty="0">
+                <a:solidFill>
+                  <a:prstClr val="black"/>
+                </a:solidFill>
+              </a:rPr>
+              <a:t>User testing &amp; working in the open with users</a:t>
+            </a:r>
+          </a:p>
+          <a:p>
+            <a:pPr marL="0" indent="0">
+              <a:buNone/>
+            </a:pPr>
+            <a:endParaRPr lang="en-US" sz="2000" dirty="0"/>
+          </a:p>
+        </p:txBody>
+      </p:sp>
+      <p:pic>
+        <p:nvPicPr>
+          <p:cNvPr id="1026" name="Picture 2">
+            <a:extLst>
+              <a:ext uri="{FF2B5EF4-FFF2-40B4-BE49-F238E27FC236}">
+                <a16:creationId xmlns:a16="http://schemas.microsoft.com/office/drawing/2014/main" id="{034DB595-24EB-492B-9693-83DDC39A70FE}"/>
+              </a:ext>
+            </a:extLst>
+          </p:cNvPr>
+          <p:cNvPicPr>
+            <a:picLocks noChangeAspect="1" noChangeArrowheads="1"/>
+          </p:cNvPicPr>
+          <p:nvPr/>
+        </p:nvPicPr>
+        <p:blipFill>
+          <a:blip r:embed="rId3">
+            <a:extLst>
+              <a:ext uri="{28A0092B-C50C-407E-A947-70E740481C1C}">
+                <a14:useLocalDpi xmlns:a14="http://schemas.microsoft.com/office/drawing/2010/main" val="0"/>
+              </a:ext>
+            </a:extLst>
+          </a:blip>
+          <a:srcRect/>
+          <a:stretch>
+            <a:fillRect/>
+          </a:stretch>
+        </p:blipFill>
+        <p:spPr bwMode="auto">
+          <a:xfrm>
+            <a:off x="6221691" y="1708019"/>
+            <a:ext cx="5715000" cy="2857500"/>
+          </a:xfrm>
+          <a:prstGeom prst="rect">
+            <a:avLst/>
+          </a:prstGeom>
+          <a:noFill/>
+          <a:extLst>
+            <a:ext uri="{909E8E84-426E-40DD-AFC4-6F175D3DCCD1}">
+              <a14:hiddenFill xmlns:a14="http://schemas.microsoft.com/office/drawing/2010/main">
+                <a:solidFill>
+                  <a:srgbClr val="FFFFFF"/>
+                </a:solidFill>
+              </a14:hiddenFill>
+            </a:ext>
+          </a:extLst>
+        </p:spPr>
+      </p:pic>
     </p:spTree>
     <p:extLst>
       <p:ext uri="{BB962C8B-B14F-4D97-AF65-F5344CB8AC3E}">
-        <p14:creationId xmlns:p14="http://schemas.microsoft.com/office/powerpoint/2010/main" val="3161158733"/>
+        <p14:creationId xmlns:p14="http://schemas.microsoft.com/office/powerpoint/2010/main" val="3623892067"/>
+      </p:ext>
+    </p:extLst>
+  </p:cSld>
+  <p:clrMapOvr>
+    <a:masterClrMapping/>
+  </p:clrMapOvr>
+</p:sld>
+</file>
+
+<file path=ppt/slides/slide8.xml><?xml version="1.0" encoding="utf-8"?>
+<p:sld xmlns:a="http://schemas.openxmlformats.org/drawingml/2006/main" xmlns:r="http://schemas.openxmlformats.org/officeDocument/2006/relationships" xmlns:p="http://schemas.openxmlformats.org/presentationml/2006/main">
+  <p:cSld>
+    <p:spTree>
+      <p:nvGrpSpPr>
+        <p:cNvPr id="1" name=""/>
+        <p:cNvGrpSpPr/>
+        <p:nvPr/>
+      </p:nvGrpSpPr>
+      <p:grpSpPr>
+        <a:xfrm>
+          <a:off x="0" y="0"/>
+          <a:ext cx="0" cy="0"/>
+          <a:chOff x="0" y="0"/>
+          <a:chExt cx="0" cy="0"/>
+        </a:xfrm>
+      </p:grpSpPr>
+      <p:sp>
+        <p:nvSpPr>
+          <p:cNvPr id="5" name="Title">
+            <a:extLst>
+              <a:ext uri="{FF2B5EF4-FFF2-40B4-BE49-F238E27FC236}">
+                <a16:creationId xmlns:a16="http://schemas.microsoft.com/office/drawing/2014/main" id="{AC5AD953-635B-2B48-B87A-4F5101B6050D}"/>
+              </a:ext>
+            </a:extLst>
+          </p:cNvPr>
+          <p:cNvSpPr>
+            <a:spLocks noGrp="1"/>
+          </p:cNvSpPr>
+          <p:nvPr>
+            <p:ph type="title"/>
+          </p:nvPr>
+        </p:nvSpPr>
+        <p:spPr>
+          <a:xfrm>
+            <a:off x="838200" y="284829"/>
+            <a:ext cx="10515600" cy="701731"/>
+          </a:xfrm>
+        </p:spPr>
+        <p:txBody>
+          <a:bodyPr/>
+          <a:lstStyle/>
+          <a:p>
+            <a:r>
+              <a:rPr lang="en-GB" sz="4400" dirty="0"/>
+              <a:t>What next?</a:t>
+            </a:r>
+            <a:endParaRPr lang="en-US" sz="4400" dirty="0"/>
+          </a:p>
+        </p:txBody>
+      </p:sp>
+      <p:sp>
+        <p:nvSpPr>
+          <p:cNvPr id="6" name="Content Placeholder">
+            <a:extLst>
+              <a:ext uri="{FF2B5EF4-FFF2-40B4-BE49-F238E27FC236}">
+                <a16:creationId xmlns:a16="http://schemas.microsoft.com/office/drawing/2014/main" id="{4C842C63-75A3-F044-9F81-2C8C2B628C68}"/>
+              </a:ext>
+            </a:extLst>
+          </p:cNvPr>
+          <p:cNvSpPr>
+            <a:spLocks noGrp="1"/>
+          </p:cNvSpPr>
+          <p:nvPr>
+            <p:ph idx="1"/>
+          </p:nvPr>
+        </p:nvSpPr>
+        <p:spPr>
+          <a:xfrm>
+            <a:off x="838200" y="1540279"/>
+            <a:ext cx="10515600" cy="3016723"/>
+          </a:xfrm>
+        </p:spPr>
+        <p:txBody>
+          <a:bodyPr/>
+          <a:lstStyle/>
+          <a:p>
+            <a:r>
+              <a:rPr lang="en-GB" sz="2000" dirty="0"/>
+              <a:t>Productionise dashboard – weekly updates, live data</a:t>
+            </a:r>
+          </a:p>
+          <a:p>
+            <a:r>
+              <a:rPr lang="en-GB" sz="2000" dirty="0"/>
+              <a:t>Include all data from UK Parliament, then add in NI Executive, Scottish Parliament &amp; Welsh Senedd </a:t>
+            </a:r>
+          </a:p>
+          <a:p>
+            <a:r>
+              <a:rPr lang="en-GB" sz="2000" dirty="0"/>
+              <a:t>Automatic identification of topics with frequent/infrequent mentions</a:t>
+            </a:r>
+            <a:endParaRPr lang="en-GB" sz="2000" dirty="0">
+              <a:solidFill>
+                <a:prstClr val="black"/>
+              </a:solidFill>
+            </a:endParaRPr>
+          </a:p>
+          <a:p>
+            <a:pPr>
+              <a:lnSpc>
+                <a:spcPct val="90000"/>
+              </a:lnSpc>
+              <a:spcAft>
+                <a:spcPts val="0"/>
+              </a:spcAft>
+            </a:pPr>
+            <a:r>
+              <a:rPr lang="en-GB" sz="2000" dirty="0">
+                <a:solidFill>
+                  <a:prstClr val="black"/>
+                </a:solidFill>
+              </a:rPr>
+              <a:t>Link up with OSR to look at how we might evaluate how our stats are used in Parliament </a:t>
+            </a:r>
+          </a:p>
+          <a:p>
+            <a:pPr>
+              <a:lnSpc>
+                <a:spcPct val="90000"/>
+              </a:lnSpc>
+              <a:spcAft>
+                <a:spcPts val="0"/>
+              </a:spcAft>
+            </a:pPr>
+            <a:r>
+              <a:rPr lang="en-GB" sz="2000" dirty="0">
+                <a:solidFill>
+                  <a:prstClr val="black"/>
+                </a:solidFill>
+              </a:rPr>
+              <a:t>Expand approach to include govt policy papers </a:t>
+            </a:r>
+          </a:p>
+          <a:p>
+            <a:pPr>
+              <a:spcAft>
+                <a:spcPts val="0"/>
+              </a:spcAft>
+            </a:pPr>
+            <a:r>
+              <a:rPr lang="en-GB" sz="2100" dirty="0">
+                <a:solidFill>
+                  <a:prstClr val="black"/>
+                </a:solidFill>
+              </a:rPr>
+              <a:t>X-gov possibilities </a:t>
+            </a:r>
+          </a:p>
+          <a:p>
+            <a:pPr lvl="1">
+              <a:spcAft>
+                <a:spcPts val="0"/>
+              </a:spcAft>
+            </a:pPr>
+            <a:r>
+              <a:rPr lang="en-GB" sz="1400" dirty="0">
+                <a:solidFill>
+                  <a:prstClr val="black"/>
+                </a:solidFill>
+              </a:rPr>
+              <a:t>Could be adapted to suit other government departments</a:t>
+            </a:r>
+          </a:p>
+        </p:txBody>
+      </p:sp>
+    </p:spTree>
+    <p:extLst>
+      <p:ext uri="{BB962C8B-B14F-4D97-AF65-F5344CB8AC3E}">
+        <p14:creationId xmlns:p14="http://schemas.microsoft.com/office/powerpoint/2010/main" val="2512118271"/>
+      </p:ext>
+    </p:extLst>
+  </p:cSld>
+  <p:clrMapOvr>
+    <a:masterClrMapping/>
+  </p:clrMapOvr>
+</p:sld>
+</file>
+
+<file path=ppt/slides/slide9.xml><?xml version="1.0" encoding="utf-8"?>
+<p:sld xmlns:a="http://schemas.openxmlformats.org/drawingml/2006/main" xmlns:r="http://schemas.openxmlformats.org/officeDocument/2006/relationships" xmlns:p="http://schemas.openxmlformats.org/presentationml/2006/main">
+  <p:cSld>
+    <p:spTree>
+      <p:nvGrpSpPr>
+        <p:cNvPr id="1" name=""/>
+        <p:cNvGrpSpPr/>
+        <p:nvPr/>
+      </p:nvGrpSpPr>
+      <p:grpSpPr>
+        <a:xfrm>
+          <a:off x="0" y="0"/>
+          <a:ext cx="0" cy="0"/>
+          <a:chOff x="0" y="0"/>
+          <a:chExt cx="0" cy="0"/>
+        </a:xfrm>
+      </p:grpSpPr>
+      <p:sp>
+        <p:nvSpPr>
+          <p:cNvPr id="2" name="Title 1">
+            <a:extLst>
+              <a:ext uri="{FF2B5EF4-FFF2-40B4-BE49-F238E27FC236}">
+                <a16:creationId xmlns:a16="http://schemas.microsoft.com/office/drawing/2014/main" id="{1E443C7F-AAA2-463F-8DA2-A639888777E3}"/>
+              </a:ext>
+            </a:extLst>
+          </p:cNvPr>
+          <p:cNvSpPr>
+            <a:spLocks noGrp="1"/>
+          </p:cNvSpPr>
+          <p:nvPr>
+            <p:ph type="title"/>
+          </p:nvPr>
+        </p:nvSpPr>
+        <p:spPr/>
+        <p:txBody>
+          <a:bodyPr/>
+          <a:lstStyle/>
+          <a:p>
+            <a:r>
+              <a:rPr lang="en-GB" dirty="0"/>
+              <a:t>Pascal to Python</a:t>
+            </a:r>
+          </a:p>
+        </p:txBody>
+      </p:sp>
+      <p:sp>
+        <p:nvSpPr>
+          <p:cNvPr id="3" name="Content Placeholder 2">
+            <a:extLst>
+              <a:ext uri="{FF2B5EF4-FFF2-40B4-BE49-F238E27FC236}">
+                <a16:creationId xmlns:a16="http://schemas.microsoft.com/office/drawing/2014/main" id="{E0D130EA-42B5-4EEB-AC32-1F734E745411}"/>
+              </a:ext>
+            </a:extLst>
+          </p:cNvPr>
+          <p:cNvSpPr>
+            <a:spLocks noGrp="1"/>
+          </p:cNvSpPr>
+          <p:nvPr>
+            <p:ph idx="1"/>
+          </p:nvPr>
+        </p:nvSpPr>
+        <p:spPr/>
+        <p:txBody>
+          <a:bodyPr/>
+          <a:lstStyle/>
+          <a:p>
+            <a:r>
+              <a:rPr lang="en-GB" dirty="0"/>
+              <a:t>2</a:t>
+            </a:r>
+            <a:r>
+              <a:rPr lang="en-GB" baseline="30000" dirty="0"/>
+              <a:t>nd</a:t>
+            </a:r>
+            <a:r>
+              <a:rPr lang="en-GB" dirty="0"/>
+              <a:t> page – background: Last time I did any programming was Pascal in school</a:t>
+            </a:r>
+          </a:p>
+          <a:p>
+            <a:endParaRPr lang="en-GB" dirty="0"/>
+          </a:p>
+        </p:txBody>
+      </p:sp>
+      <p:pic>
+        <p:nvPicPr>
+          <p:cNvPr id="4" name="Picture 3">
+            <a:extLst>
+              <a:ext uri="{FF2B5EF4-FFF2-40B4-BE49-F238E27FC236}">
+                <a16:creationId xmlns:a16="http://schemas.microsoft.com/office/drawing/2014/main" id="{8208C96C-C5AE-48CA-BAF1-B9AEA5E40024}"/>
+              </a:ext>
+            </a:extLst>
+          </p:cNvPr>
+          <p:cNvPicPr>
+            <a:picLocks noChangeAspect="1"/>
+          </p:cNvPicPr>
+          <p:nvPr/>
+        </p:nvPicPr>
+        <p:blipFill>
+          <a:blip r:embed="rId2"/>
+          <a:stretch>
+            <a:fillRect/>
+          </a:stretch>
+        </p:blipFill>
+        <p:spPr>
+          <a:xfrm>
+            <a:off x="6764694" y="2597958"/>
+            <a:ext cx="4430834" cy="3579005"/>
+          </a:xfrm>
+          <a:prstGeom prst="rect">
+            <a:avLst/>
+          </a:prstGeom>
+        </p:spPr>
+      </p:pic>
+    </p:spTree>
+    <p:extLst>
+      <p:ext uri="{BB962C8B-B14F-4D97-AF65-F5344CB8AC3E}">
+        <p14:creationId xmlns:p14="http://schemas.microsoft.com/office/powerpoint/2010/main" val="810456149"/>
       </p:ext>
     </p:extLst>
   </p:cSld>
@@ -4365,4 +12323,594 @@
     </a:ext>
   </a:extLst>
 </a:theme>
+</file>
+
+<file path=ppt/theme/theme2.xml><?xml version="1.0" encoding="utf-8"?>
+<a:theme xmlns:a="http://schemas.openxmlformats.org/drawingml/2006/main" name="1_Office Theme">
+  <a:themeElements>
+    <a:clrScheme name="Office">
+      <a:dk1>
+        <a:sysClr val="windowText" lastClr="000000"/>
+      </a:dk1>
+      <a:lt1>
+        <a:sysClr val="window" lastClr="FFFFFF"/>
+      </a:lt1>
+      <a:dk2>
+        <a:srgbClr val="44546A"/>
+      </a:dk2>
+      <a:lt2>
+        <a:srgbClr val="E7E6E6"/>
+      </a:lt2>
+      <a:accent1>
+        <a:srgbClr val="4472C4"/>
+      </a:accent1>
+      <a:accent2>
+        <a:srgbClr val="ED7D31"/>
+      </a:accent2>
+      <a:accent3>
+        <a:srgbClr val="A5A5A5"/>
+      </a:accent3>
+      <a:accent4>
+        <a:srgbClr val="FFC000"/>
+      </a:accent4>
+      <a:accent5>
+        <a:srgbClr val="5B9BD5"/>
+      </a:accent5>
+      <a:accent6>
+        <a:srgbClr val="70AD47"/>
+      </a:accent6>
+      <a:hlink>
+        <a:srgbClr val="0563C1"/>
+      </a:hlink>
+      <a:folHlink>
+        <a:srgbClr val="954F72"/>
+      </a:folHlink>
+    </a:clrScheme>
+    <a:fontScheme name="Office">
+      <a:majorFont>
+        <a:latin typeface="Calibri Light" panose="020F0302020204030204"/>
+        <a:ea typeface=""/>
+        <a:cs typeface=""/>
+        <a:font script="Jpan" typeface="游ゴシック Light"/>
+        <a:font script="Hang" typeface="맑은 고딕"/>
+        <a:font script="Hans" typeface="等线 Light"/>
+        <a:font script="Hant" typeface="新細明體"/>
+        <a:font script="Arab" typeface="Times New Roman"/>
+        <a:font script="Hebr" typeface="Times New Roman"/>
+        <a:font script="Thai" typeface="Angsana New"/>
+        <a:font script="Ethi" typeface="Nyala"/>
+        <a:font script="Beng" typeface="Vrinda"/>
+        <a:font script="Gujr" typeface="Shruti"/>
+        <a:font script="Khmr" typeface="MoolBoran"/>
+        <a:font script="Knda" typeface="Tunga"/>
+        <a:font script="Guru" typeface="Raavi"/>
+        <a:font script="Cans" typeface="Euphemia"/>
+        <a:font script="Cher" typeface="Plantagenet Cherokee"/>
+        <a:font script="Yiii" typeface="Microsoft Yi Baiti"/>
+        <a:font script="Tibt" typeface="Microsoft Himalaya"/>
+        <a:font script="Thaa" typeface="MV Boli"/>
+        <a:font script="Deva" typeface="Mangal"/>
+        <a:font script="Telu" typeface="Gautami"/>
+        <a:font script="Taml" typeface="Latha"/>
+        <a:font script="Syrc" typeface="Estrangelo Edessa"/>
+        <a:font script="Orya" typeface="Kalinga"/>
+        <a:font script="Mlym" typeface="Kartika"/>
+        <a:font script="Laoo" typeface="DokChampa"/>
+        <a:font script="Sinh" typeface="Iskoola Pota"/>
+        <a:font script="Mong" typeface="Mongolian Baiti"/>
+        <a:font script="Viet" typeface="Times New Roman"/>
+        <a:font script="Uigh" typeface="Microsoft Uighur"/>
+        <a:font script="Geor" typeface="Sylfaen"/>
+        <a:font script="Armn" typeface="Arial"/>
+        <a:font script="Bugi" typeface="Leelawadee UI"/>
+        <a:font script="Bopo" typeface="Microsoft JhengHei"/>
+        <a:font script="Java" typeface="Javanese Text"/>
+        <a:font script="Lisu" typeface="Segoe UI"/>
+        <a:font script="Mymr" typeface="Myanmar Text"/>
+        <a:font script="Nkoo" typeface="Ebrima"/>
+        <a:font script="Olck" typeface="Nirmala UI"/>
+        <a:font script="Osma" typeface="Ebrima"/>
+        <a:font script="Phag" typeface="Phagspa"/>
+        <a:font script="Syrn" typeface="Estrangelo Edessa"/>
+        <a:font script="Syrj" typeface="Estrangelo Edessa"/>
+        <a:font script="Syre" typeface="Estrangelo Edessa"/>
+        <a:font script="Sora" typeface="Nirmala UI"/>
+        <a:font script="Tale" typeface="Microsoft Tai Le"/>
+        <a:font script="Talu" typeface="Microsoft New Tai Lue"/>
+        <a:font script="Tfng" typeface="Ebrima"/>
+      </a:majorFont>
+      <a:minorFont>
+        <a:latin typeface="Calibri" panose="020F0502020204030204"/>
+        <a:ea typeface=""/>
+        <a:cs typeface=""/>
+        <a:font script="Jpan" typeface="游ゴシック"/>
+        <a:font script="Hang" typeface="맑은 고딕"/>
+        <a:font script="Hans" typeface="等线"/>
+        <a:font script="Hant" typeface="新細明體"/>
+        <a:font script="Arab" typeface="Arial"/>
+        <a:font script="Hebr" typeface="Arial"/>
+        <a:font script="Thai" typeface="Cordia New"/>
+        <a:font script="Ethi" typeface="Nyala"/>
+        <a:font script="Beng" typeface="Vrinda"/>
+        <a:font script="Gujr" typeface="Shruti"/>
+        <a:font script="Khmr" typeface="DaunPenh"/>
+        <a:font script="Knda" typeface="Tunga"/>
+        <a:font script="Guru" typeface="Raavi"/>
+        <a:font script="Cans" typeface="Euphemia"/>
+        <a:font script="Cher" typeface="Plantagenet Cherokee"/>
+        <a:font script="Yiii" typeface="Microsoft Yi Baiti"/>
+        <a:font script="Tibt" typeface="Microsoft Himalaya"/>
+        <a:font script="Thaa" typeface="MV Boli"/>
+        <a:font script="Deva" typeface="Mangal"/>
+        <a:font script="Telu" typeface="Gautami"/>
+        <a:font script="Taml" typeface="Latha"/>
+        <a:font script="Syrc" typeface="Estrangelo Edessa"/>
+        <a:font script="Orya" typeface="Kalinga"/>
+        <a:font script="Mlym" typeface="Kartika"/>
+        <a:font script="Laoo" typeface="DokChampa"/>
+        <a:font script="Sinh" typeface="Iskoola Pota"/>
+        <a:font script="Mong" typeface="Mongolian Baiti"/>
+        <a:font script="Viet" typeface="Arial"/>
+        <a:font script="Uigh" typeface="Microsoft Uighur"/>
+        <a:font script="Geor" typeface="Sylfaen"/>
+        <a:font script="Armn" typeface="Arial"/>
+        <a:font script="Bugi" typeface="Leelawadee UI"/>
+        <a:font script="Bopo" typeface="Microsoft JhengHei"/>
+        <a:font script="Java" typeface="Javanese Text"/>
+        <a:font script="Lisu" typeface="Segoe UI"/>
+        <a:font script="Mymr" typeface="Myanmar Text"/>
+        <a:font script="Nkoo" typeface="Ebrima"/>
+        <a:font script="Olck" typeface="Nirmala UI"/>
+        <a:font script="Osma" typeface="Ebrima"/>
+        <a:font script="Phag" typeface="Phagspa"/>
+        <a:font script="Syrn" typeface="Estrangelo Edessa"/>
+        <a:font script="Syrj" typeface="Estrangelo Edessa"/>
+        <a:font script="Syre" typeface="Estrangelo Edessa"/>
+        <a:font script="Sora" typeface="Nirmala UI"/>
+        <a:font script="Tale" typeface="Microsoft Tai Le"/>
+        <a:font script="Talu" typeface="Microsoft New Tai Lue"/>
+        <a:font script="Tfng" typeface="Ebrima"/>
+      </a:minorFont>
+    </a:fontScheme>
+    <a:fmtScheme name="Office">
+      <a:fillStyleLst>
+        <a:solidFill>
+          <a:schemeClr val="phClr"/>
+        </a:solidFill>
+        <a:gradFill rotWithShape="1">
+          <a:gsLst>
+            <a:gs pos="0">
+              <a:schemeClr val="phClr">
+                <a:lumMod val="110000"/>
+                <a:satMod val="105000"/>
+                <a:tint val="67000"/>
+              </a:schemeClr>
+            </a:gs>
+            <a:gs pos="50000">
+              <a:schemeClr val="phClr">
+                <a:lumMod val="105000"/>
+                <a:satMod val="103000"/>
+                <a:tint val="73000"/>
+              </a:schemeClr>
+            </a:gs>
+            <a:gs pos="100000">
+              <a:schemeClr val="phClr">
+                <a:lumMod val="105000"/>
+                <a:satMod val="109000"/>
+                <a:tint val="81000"/>
+              </a:schemeClr>
+            </a:gs>
+          </a:gsLst>
+          <a:lin ang="5400000" scaled="0"/>
+        </a:gradFill>
+        <a:gradFill rotWithShape="1">
+          <a:gsLst>
+            <a:gs pos="0">
+              <a:schemeClr val="phClr">
+                <a:satMod val="103000"/>
+                <a:lumMod val="102000"/>
+                <a:tint val="94000"/>
+              </a:schemeClr>
+            </a:gs>
+            <a:gs pos="50000">
+              <a:schemeClr val="phClr">
+                <a:satMod val="110000"/>
+                <a:lumMod val="100000"/>
+                <a:shade val="100000"/>
+              </a:schemeClr>
+            </a:gs>
+            <a:gs pos="100000">
+              <a:schemeClr val="phClr">
+                <a:lumMod val="99000"/>
+                <a:satMod val="120000"/>
+                <a:shade val="78000"/>
+              </a:schemeClr>
+            </a:gs>
+          </a:gsLst>
+          <a:lin ang="5400000" scaled="0"/>
+        </a:gradFill>
+      </a:fillStyleLst>
+      <a:lnStyleLst>
+        <a:ln w="6350" cap="flat" cmpd="sng" algn="ctr">
+          <a:solidFill>
+            <a:schemeClr val="phClr"/>
+          </a:solidFill>
+          <a:prstDash val="solid"/>
+          <a:miter lim="800000"/>
+        </a:ln>
+        <a:ln w="12700" cap="flat" cmpd="sng" algn="ctr">
+          <a:solidFill>
+            <a:schemeClr val="phClr"/>
+          </a:solidFill>
+          <a:prstDash val="solid"/>
+          <a:miter lim="800000"/>
+        </a:ln>
+        <a:ln w="19050" cap="flat" cmpd="sng" algn="ctr">
+          <a:solidFill>
+            <a:schemeClr val="phClr"/>
+          </a:solidFill>
+          <a:prstDash val="solid"/>
+          <a:miter lim="800000"/>
+        </a:ln>
+      </a:lnStyleLst>
+      <a:effectStyleLst>
+        <a:effectStyle>
+          <a:effectLst/>
+        </a:effectStyle>
+        <a:effectStyle>
+          <a:effectLst/>
+        </a:effectStyle>
+        <a:effectStyle>
+          <a:effectLst>
+            <a:outerShdw blurRad="57150" dist="19050" dir="5400000" algn="ctr" rotWithShape="0">
+              <a:srgbClr val="000000">
+                <a:alpha val="63000"/>
+              </a:srgbClr>
+            </a:outerShdw>
+          </a:effectLst>
+        </a:effectStyle>
+      </a:effectStyleLst>
+      <a:bgFillStyleLst>
+        <a:solidFill>
+          <a:schemeClr val="phClr"/>
+        </a:solidFill>
+        <a:solidFill>
+          <a:schemeClr val="phClr">
+            <a:tint val="95000"/>
+            <a:satMod val="170000"/>
+          </a:schemeClr>
+        </a:solidFill>
+        <a:gradFill rotWithShape="1">
+          <a:gsLst>
+            <a:gs pos="0">
+              <a:schemeClr val="phClr">
+                <a:tint val="93000"/>
+                <a:satMod val="150000"/>
+                <a:shade val="98000"/>
+                <a:lumMod val="102000"/>
+              </a:schemeClr>
+            </a:gs>
+            <a:gs pos="50000">
+              <a:schemeClr val="phClr">
+                <a:tint val="98000"/>
+                <a:satMod val="130000"/>
+                <a:shade val="90000"/>
+                <a:lumMod val="103000"/>
+              </a:schemeClr>
+            </a:gs>
+            <a:gs pos="100000">
+              <a:schemeClr val="phClr">
+                <a:shade val="63000"/>
+                <a:satMod val="120000"/>
+              </a:schemeClr>
+            </a:gs>
+          </a:gsLst>
+          <a:lin ang="5400000" scaled="0"/>
+        </a:gradFill>
+      </a:bgFillStyleLst>
+    </a:fmtScheme>
+  </a:themeElements>
+  <a:objectDefaults/>
+  <a:extraClrSchemeLst/>
+  <a:extLst>
+    <a:ext uri="{05A4C25C-085E-4340-85A3-A5531E510DB2}">
+      <thm15:themeFamily xmlns:thm15="http://schemas.microsoft.com/office/thememl/2012/main" name="Office Theme" id="{62F939B6-93AF-4DB8-9C6B-D6C7DFDC589F}" vid="{4A3C46E8-61CC-4603-A589-7422A47A8E4A}"/>
+    </a:ext>
+  </a:extLst>
+</a:theme>
+</file>
+
+<file path=ppt/theme/theme3.xml><?xml version="1.0" encoding="utf-8"?>
+<a:theme xmlns:a="http://schemas.openxmlformats.org/drawingml/2006/main" name="Office Theme">
+  <a:themeElements>
+    <a:clrScheme name="Office">
+      <a:dk1>
+        <a:sysClr val="windowText" lastClr="000000"/>
+      </a:dk1>
+      <a:lt1>
+        <a:sysClr val="window" lastClr="FFFFFF"/>
+      </a:lt1>
+      <a:dk2>
+        <a:srgbClr val="44546A"/>
+      </a:dk2>
+      <a:lt2>
+        <a:srgbClr val="E7E6E6"/>
+      </a:lt2>
+      <a:accent1>
+        <a:srgbClr val="4472C4"/>
+      </a:accent1>
+      <a:accent2>
+        <a:srgbClr val="ED7D31"/>
+      </a:accent2>
+      <a:accent3>
+        <a:srgbClr val="A5A5A5"/>
+      </a:accent3>
+      <a:accent4>
+        <a:srgbClr val="FFC000"/>
+      </a:accent4>
+      <a:accent5>
+        <a:srgbClr val="5B9BD5"/>
+      </a:accent5>
+      <a:accent6>
+        <a:srgbClr val="70AD47"/>
+      </a:accent6>
+      <a:hlink>
+        <a:srgbClr val="0563C1"/>
+      </a:hlink>
+      <a:folHlink>
+        <a:srgbClr val="954F72"/>
+      </a:folHlink>
+    </a:clrScheme>
+    <a:fontScheme name="Office">
+      <a:majorFont>
+        <a:latin typeface="Calibri Light" panose="020F0302020204030204"/>
+        <a:ea typeface=""/>
+        <a:cs typeface=""/>
+        <a:font script="Jpan" typeface="游ゴシック Light"/>
+        <a:font script="Hang" typeface="맑은 고딕"/>
+        <a:font script="Hans" typeface="等线 Light"/>
+        <a:font script="Hant" typeface="新細明體"/>
+        <a:font script="Arab" typeface="Times New Roman"/>
+        <a:font script="Hebr" typeface="Times New Roman"/>
+        <a:font script="Thai" typeface="Angsana New"/>
+        <a:font script="Ethi" typeface="Nyala"/>
+        <a:font script="Beng" typeface="Vrinda"/>
+        <a:font script="Gujr" typeface="Shruti"/>
+        <a:font script="Khmr" typeface="MoolBoran"/>
+        <a:font script="Knda" typeface="Tunga"/>
+        <a:font script="Guru" typeface="Raavi"/>
+        <a:font script="Cans" typeface="Euphemia"/>
+        <a:font script="Cher" typeface="Plantagenet Cherokee"/>
+        <a:font script="Yiii" typeface="Microsoft Yi Baiti"/>
+        <a:font script="Tibt" typeface="Microsoft Himalaya"/>
+        <a:font script="Thaa" typeface="MV Boli"/>
+        <a:font script="Deva" typeface="Mangal"/>
+        <a:font script="Telu" typeface="Gautami"/>
+        <a:font script="Taml" typeface="Latha"/>
+        <a:font script="Syrc" typeface="Estrangelo Edessa"/>
+        <a:font script="Orya" typeface="Kalinga"/>
+        <a:font script="Mlym" typeface="Kartika"/>
+        <a:font script="Laoo" typeface="DokChampa"/>
+        <a:font script="Sinh" typeface="Iskoola Pota"/>
+        <a:font script="Mong" typeface="Mongolian Baiti"/>
+        <a:font script="Viet" typeface="Times New Roman"/>
+        <a:font script="Uigh" typeface="Microsoft Uighur"/>
+        <a:font script="Geor" typeface="Sylfaen"/>
+        <a:font script="Armn" typeface="Arial"/>
+        <a:font script="Bugi" typeface="Leelawadee UI"/>
+        <a:font script="Bopo" typeface="Microsoft JhengHei"/>
+        <a:font script="Java" typeface="Javanese Text"/>
+        <a:font script="Lisu" typeface="Segoe UI"/>
+        <a:font script="Mymr" typeface="Myanmar Text"/>
+        <a:font script="Nkoo" typeface="Ebrima"/>
+        <a:font script="Olck" typeface="Nirmala UI"/>
+        <a:font script="Osma" typeface="Ebrima"/>
+        <a:font script="Phag" typeface="Phagspa"/>
+        <a:font script="Syrn" typeface="Estrangelo Edessa"/>
+        <a:font script="Syrj" typeface="Estrangelo Edessa"/>
+        <a:font script="Syre" typeface="Estrangelo Edessa"/>
+        <a:font script="Sora" typeface="Nirmala UI"/>
+        <a:font script="Tale" typeface="Microsoft Tai Le"/>
+        <a:font script="Talu" typeface="Microsoft New Tai Lue"/>
+        <a:font script="Tfng" typeface="Ebrima"/>
+      </a:majorFont>
+      <a:minorFont>
+        <a:latin typeface="Calibri" panose="020F0502020204030204"/>
+        <a:ea typeface=""/>
+        <a:cs typeface=""/>
+        <a:font script="Jpan" typeface="游ゴシック"/>
+        <a:font script="Hang" typeface="맑은 고딕"/>
+        <a:font script="Hans" typeface="等线"/>
+        <a:font script="Hant" typeface="新細明體"/>
+        <a:font script="Arab" typeface="Arial"/>
+        <a:font script="Hebr" typeface="Arial"/>
+        <a:font script="Thai" typeface="Cordia New"/>
+        <a:font script="Ethi" typeface="Nyala"/>
+        <a:font script="Beng" typeface="Vrinda"/>
+        <a:font script="Gujr" typeface="Shruti"/>
+        <a:font script="Khmr" typeface="DaunPenh"/>
+        <a:font script="Knda" typeface="Tunga"/>
+        <a:font script="Guru" typeface="Raavi"/>
+        <a:font script="Cans" typeface="Euphemia"/>
+        <a:font script="Cher" typeface="Plantagenet Cherokee"/>
+        <a:font script="Yiii" typeface="Microsoft Yi Baiti"/>
+        <a:font script="Tibt" typeface="Microsoft Himalaya"/>
+        <a:font script="Thaa" typeface="MV Boli"/>
+        <a:font script="Deva" typeface="Mangal"/>
+        <a:font script="Telu" typeface="Gautami"/>
+        <a:font script="Taml" typeface="Latha"/>
+        <a:font script="Syrc" typeface="Estrangelo Edessa"/>
+        <a:font script="Orya" typeface="Kalinga"/>
+        <a:font script="Mlym" typeface="Kartika"/>
+        <a:font script="Laoo" typeface="DokChampa"/>
+        <a:font script="Sinh" typeface="Iskoola Pota"/>
+        <a:font script="Mong" typeface="Mongolian Baiti"/>
+        <a:font script="Viet" typeface="Arial"/>
+        <a:font script="Uigh" typeface="Microsoft Uighur"/>
+        <a:font script="Geor" typeface="Sylfaen"/>
+        <a:font script="Armn" typeface="Arial"/>
+        <a:font script="Bugi" typeface="Leelawadee UI"/>
+        <a:font script="Bopo" typeface="Microsoft JhengHei"/>
+        <a:font script="Java" typeface="Javanese Text"/>
+        <a:font script="Lisu" typeface="Segoe UI"/>
+        <a:font script="Mymr" typeface="Myanmar Text"/>
+        <a:font script="Nkoo" typeface="Ebrima"/>
+        <a:font script="Olck" typeface="Nirmala UI"/>
+        <a:font script="Osma" typeface="Ebrima"/>
+        <a:font script="Phag" typeface="Phagspa"/>
+        <a:font script="Syrn" typeface="Estrangelo Edessa"/>
+        <a:font script="Syrj" typeface="Estrangelo Edessa"/>
+        <a:font script="Syre" typeface="Estrangelo Edessa"/>
+        <a:font script="Sora" typeface="Nirmala UI"/>
+        <a:font script="Tale" typeface="Microsoft Tai Le"/>
+        <a:font script="Talu" typeface="Microsoft New Tai Lue"/>
+        <a:font script="Tfng" typeface="Ebrima"/>
+      </a:minorFont>
+    </a:fontScheme>
+    <a:fmtScheme name="Office">
+      <a:fillStyleLst>
+        <a:solidFill>
+          <a:schemeClr val="phClr"/>
+        </a:solidFill>
+        <a:gradFill rotWithShape="1">
+          <a:gsLst>
+            <a:gs pos="0">
+              <a:schemeClr val="phClr">
+                <a:lumMod val="110000"/>
+                <a:satMod val="105000"/>
+                <a:tint val="67000"/>
+              </a:schemeClr>
+            </a:gs>
+            <a:gs pos="50000">
+              <a:schemeClr val="phClr">
+                <a:lumMod val="105000"/>
+                <a:satMod val="103000"/>
+                <a:tint val="73000"/>
+              </a:schemeClr>
+            </a:gs>
+            <a:gs pos="100000">
+              <a:schemeClr val="phClr">
+                <a:lumMod val="105000"/>
+                <a:satMod val="109000"/>
+                <a:tint val="81000"/>
+              </a:schemeClr>
+            </a:gs>
+          </a:gsLst>
+          <a:lin ang="5400000" scaled="0"/>
+        </a:gradFill>
+        <a:gradFill rotWithShape="1">
+          <a:gsLst>
+            <a:gs pos="0">
+              <a:schemeClr val="phClr">
+                <a:satMod val="103000"/>
+                <a:lumMod val="102000"/>
+                <a:tint val="94000"/>
+              </a:schemeClr>
+            </a:gs>
+            <a:gs pos="50000">
+              <a:schemeClr val="phClr">
+                <a:satMod val="110000"/>
+                <a:lumMod val="100000"/>
+                <a:shade val="100000"/>
+              </a:schemeClr>
+            </a:gs>
+            <a:gs pos="100000">
+              <a:schemeClr val="phClr">
+                <a:lumMod val="99000"/>
+                <a:satMod val="120000"/>
+                <a:shade val="78000"/>
+              </a:schemeClr>
+            </a:gs>
+          </a:gsLst>
+          <a:lin ang="5400000" scaled="0"/>
+        </a:gradFill>
+      </a:fillStyleLst>
+      <a:lnStyleLst>
+        <a:ln w="6350" cap="flat" cmpd="sng" algn="ctr">
+          <a:solidFill>
+            <a:schemeClr val="phClr"/>
+          </a:solidFill>
+          <a:prstDash val="solid"/>
+          <a:miter lim="800000"/>
+        </a:ln>
+        <a:ln w="12700" cap="flat" cmpd="sng" algn="ctr">
+          <a:solidFill>
+            <a:schemeClr val="phClr"/>
+          </a:solidFill>
+          <a:prstDash val="solid"/>
+          <a:miter lim="800000"/>
+        </a:ln>
+        <a:ln w="19050" cap="flat" cmpd="sng" algn="ctr">
+          <a:solidFill>
+            <a:schemeClr val="phClr"/>
+          </a:solidFill>
+          <a:prstDash val="solid"/>
+          <a:miter lim="800000"/>
+        </a:ln>
+      </a:lnStyleLst>
+      <a:effectStyleLst>
+        <a:effectStyle>
+          <a:effectLst/>
+        </a:effectStyle>
+        <a:effectStyle>
+          <a:effectLst/>
+        </a:effectStyle>
+        <a:effectStyle>
+          <a:effectLst>
+            <a:outerShdw blurRad="57150" dist="19050" dir="5400000" algn="ctr" rotWithShape="0">
+              <a:srgbClr val="000000">
+                <a:alpha val="63000"/>
+              </a:srgbClr>
+            </a:outerShdw>
+          </a:effectLst>
+        </a:effectStyle>
+      </a:effectStyleLst>
+      <a:bgFillStyleLst>
+        <a:solidFill>
+          <a:schemeClr val="phClr"/>
+        </a:solidFill>
+        <a:solidFill>
+          <a:schemeClr val="phClr">
+            <a:tint val="95000"/>
+            <a:satMod val="170000"/>
+          </a:schemeClr>
+        </a:solidFill>
+        <a:gradFill rotWithShape="1">
+          <a:gsLst>
+            <a:gs pos="0">
+              <a:schemeClr val="phClr">
+                <a:tint val="93000"/>
+                <a:satMod val="150000"/>
+                <a:shade val="98000"/>
+                <a:lumMod val="102000"/>
+              </a:schemeClr>
+            </a:gs>
+            <a:gs pos="50000">
+              <a:schemeClr val="phClr">
+                <a:tint val="98000"/>
+                <a:satMod val="130000"/>
+                <a:shade val="90000"/>
+                <a:lumMod val="103000"/>
+              </a:schemeClr>
+            </a:gs>
+            <a:gs pos="100000">
+              <a:schemeClr val="phClr">
+                <a:shade val="63000"/>
+                <a:satMod val="120000"/>
+              </a:schemeClr>
+            </a:gs>
+          </a:gsLst>
+          <a:lin ang="5400000" scaled="0"/>
+        </a:gradFill>
+      </a:bgFillStyleLst>
+    </a:fmtScheme>
+  </a:themeElements>
+  <a:objectDefaults/>
+  <a:extraClrSchemeLst/>
+  <a:extLst>
+    <a:ext uri="{05A4C25C-085E-4340-85A3-A5531E510DB2}">
+      <thm15:themeFamily xmlns:thm15="http://schemas.microsoft.com/office/thememl/2012/main" name="Office Theme" id="{62F939B6-93AF-4DB8-9C6B-D6C7DFDC589F}" vid="{4A3C46E8-61CC-4603-A589-7422A47A8E4A}"/>
+    </a:ext>
+  </a:extLst>
+</a:theme>
 </file>
--- a/user-engagement/dsa-presentation.pptx
+++ b/user-engagement/dsa-presentation.pptx
@@ -2,23 +2,21 @@
 <file path=ppt/presentation.xml><?xml version="1.0" encoding="utf-8"?>
 <p:presentation xmlns:a="http://schemas.openxmlformats.org/drawingml/2006/main" xmlns:r="http://schemas.openxmlformats.org/officeDocument/2006/relationships" xmlns:p="http://schemas.openxmlformats.org/presentationml/2006/main" saveSubsetFonts="1">
   <p:sldMasterIdLst>
-    <p:sldMasterId id="2147483648" r:id="rId1"/>
-    <p:sldMasterId id="2147483660" r:id="rId2"/>
+    <p:sldMasterId id="2147483660" r:id="rId1"/>
   </p:sldMasterIdLst>
   <p:notesMasterIdLst>
-    <p:notesMasterId r:id="rId13"/>
+    <p:notesMasterId r:id="rId11"/>
   </p:notesMasterIdLst>
   <p:sldIdLst>
-    <p:sldId id="417" r:id="rId3"/>
-    <p:sldId id="418" r:id="rId4"/>
-    <p:sldId id="425" r:id="rId5"/>
-    <p:sldId id="426" r:id="rId6"/>
-    <p:sldId id="429" r:id="rId7"/>
+    <p:sldId id="417" r:id="rId2"/>
+    <p:sldId id="418" r:id="rId3"/>
+    <p:sldId id="425" r:id="rId4"/>
+    <p:sldId id="426" r:id="rId5"/>
+    <p:sldId id="429" r:id="rId6"/>
+    <p:sldId id="420" r:id="rId7"/>
     <p:sldId id="421" r:id="rId8"/>
     <p:sldId id="427" r:id="rId9"/>
     <p:sldId id="422" r:id="rId10"/>
-    <p:sldId id="261" r:id="rId11"/>
-    <p:sldId id="260" r:id="rId12"/>
   </p:sldIdLst>
   <p:sldSz cx="12192000" cy="6858000"/>
   <p:notesSz cx="6858000" cy="9144000"/>
@@ -207,7 +205,7 @@
           <a:p>
             <a:fld id="{94DF1D53-A775-4F01-BB08-6DCC3B47CB2E}" type="datetimeFigureOut">
               <a:rPr lang="en-GB" smtClean="0"/>
-              <a:t>05/07/2021</a:t>
+              <a:t>08/07/2021</a:t>
             </a:fld>
             <a:endParaRPr lang="en-GB"/>
           </a:p>
@@ -543,6 +541,16 @@
               <a:t>3 parts: what I have done, what I learned &amp; what’s next</a:t>
             </a:r>
           </a:p>
+          <a:p>
+            <a:pPr marL="171450" indent="-171450">
+              <a:buFontTx/>
+              <a:buChar char="-"/>
+            </a:pPr>
+            <a:r>
+              <a:rPr lang="en-GB" dirty="0"/>
+              <a:t>background: parliamentary team &amp; strategic need for impact MI</a:t>
+            </a:r>
+          </a:p>
         </p:txBody>
       </p:sp>
       <p:sp>
@@ -1216,7 +1224,10 @@
           <a:bodyPr/>
           <a:lstStyle/>
           <a:p>
-            <a:endParaRPr lang="en-GB" dirty="0"/>
+            <a:r>
+              <a:rPr lang="en-GB" dirty="0"/>
+              <a:t>- Supervised ML model &gt; defined target topics</a:t>
+            </a:r>
           </a:p>
         </p:txBody>
       </p:sp>
@@ -1362,7 +1373,13 @@
           <a:p>
             <a:r>
               <a:rPr lang="en-GB" dirty="0"/>
-              <a:t>Data science</a:t>
+              <a:t>Dec 2018 – green = ONS decision on student loan statistics</a:t>
+            </a:r>
+          </a:p>
+          <a:p>
+            <a:r>
+              <a:rPr lang="en-GB" dirty="0"/>
+              <a:t>Dark blue = census – first shows up in late 2018, gets more frequent as census approaches</a:t>
             </a:r>
           </a:p>
           <a:p>
@@ -1371,7 +1388,22 @@
           <a:p>
             <a:r>
               <a:rPr lang="en-GB" dirty="0"/>
-              <a:t>Summarise during talk – learned A LOT. Some key highlights are… (pick out 3?) [prob: documentation / ML exposure &amp; evaluation / Git]</a:t>
+              <a:t>Light blue = crime</a:t>
+            </a:r>
+          </a:p>
+          <a:p>
+            <a:r>
+              <a:rPr lang="en-GB" dirty="0"/>
+              <a:t>Light orange = economy</a:t>
+            </a:r>
+          </a:p>
+          <a:p>
+            <a:endParaRPr lang="en-GB" dirty="0"/>
+          </a:p>
+          <a:p>
+            <a:r>
+              <a:rPr lang="en-GB" dirty="0"/>
+              <a:t>Both fairly frequent.</a:t>
             </a:r>
           </a:p>
         </p:txBody>
@@ -1462,7 +1494,7 @@
     </p:spTree>
     <p:extLst>
       <p:ext uri="{BB962C8B-B14F-4D97-AF65-F5344CB8AC3E}">
-        <p14:creationId xmlns:p14="http://schemas.microsoft.com/office/powerpoint/2010/main" val="2160320761"/>
+        <p14:creationId xmlns:p14="http://schemas.microsoft.com/office/powerpoint/2010/main" val="3852155576"/>
       </p:ext>
     </p:extLst>
   </p:cSld>
@@ -1518,7 +1550,7 @@
           <a:p>
             <a:r>
               <a:rPr lang="en-GB" dirty="0"/>
-              <a:t>Project mgmt.</a:t>
+              <a:t>Data science</a:t>
             </a:r>
           </a:p>
           <a:p>
@@ -1527,50 +1559,16 @@
           <a:p>
             <a:r>
               <a:rPr lang="en-GB" dirty="0"/>
-              <a:t>Contacts:</a:t>
+              <a:t>Summarise during talk – learned A LOT. Some key highlights are… (pick out 3?) [prob: documentation / ML exposure &amp; evaluation / Git]</a:t>
             </a:r>
           </a:p>
           <a:p>
             <a:endParaRPr lang="en-GB" dirty="0"/>
           </a:p>
           <a:p>
-            <a:pPr marL="171450" indent="-171450">
-              <a:buFontTx/>
-              <a:buChar char="-"/>
-            </a:pPr>
             <a:r>
               <a:rPr lang="en-GB" dirty="0"/>
-              <a:t>Key contacts in ONS/OSR (e.g. Mitch &amp; Michael)</a:t>
-            </a:r>
-          </a:p>
-          <a:p>
-            <a:pPr marL="171450" indent="-171450">
-              <a:buFontTx/>
-              <a:buChar char="-"/>
-            </a:pPr>
-            <a:r>
-              <a:rPr lang="en-GB" dirty="0"/>
-              <a:t>X-gov data science Slack</a:t>
-            </a:r>
-          </a:p>
-          <a:p>
-            <a:pPr marL="171450" indent="-171450">
-              <a:buFontTx/>
-              <a:buChar char="-"/>
-            </a:pPr>
-            <a:r>
-              <a:rPr lang="en-GB" dirty="0"/>
-              <a:t>DSA cohort</a:t>
-            </a:r>
-          </a:p>
-          <a:p>
-            <a:pPr marL="171450" indent="-171450">
-              <a:buFontTx/>
-              <a:buChar char="-"/>
-            </a:pPr>
-            <a:r>
-              <a:rPr lang="en-GB" dirty="0"/>
-              <a:t>Cabinet Office (James!)</a:t>
+              <a:t>Link to Daniel’s talk – how to conceptualise issues, James helped a lot with this </a:t>
             </a:r>
           </a:p>
         </p:txBody>
@@ -1661,6 +1659,205 @@
     </p:spTree>
     <p:extLst>
       <p:ext uri="{BB962C8B-B14F-4D97-AF65-F5344CB8AC3E}">
+        <p14:creationId xmlns:p14="http://schemas.microsoft.com/office/powerpoint/2010/main" val="2160320761"/>
+      </p:ext>
+    </p:extLst>
+  </p:cSld>
+  <p:clrMapOvr>
+    <a:masterClrMapping/>
+  </p:clrMapOvr>
+</p:notes>
+</file>
+
+<file path=ppt/notesSlides/notesSlide8.xml><?xml version="1.0" encoding="utf-8"?>
+<p:notes xmlns:a="http://schemas.openxmlformats.org/drawingml/2006/main" xmlns:r="http://schemas.openxmlformats.org/officeDocument/2006/relationships" xmlns:p="http://schemas.openxmlformats.org/presentationml/2006/main">
+  <p:cSld>
+    <p:spTree>
+      <p:nvGrpSpPr>
+        <p:cNvPr id="1" name=""/>
+        <p:cNvGrpSpPr/>
+        <p:nvPr/>
+      </p:nvGrpSpPr>
+      <p:grpSpPr>
+        <a:xfrm>
+          <a:off x="0" y="0"/>
+          <a:ext cx="0" cy="0"/>
+          <a:chOff x="0" y="0"/>
+          <a:chExt cx="0" cy="0"/>
+        </a:xfrm>
+      </p:grpSpPr>
+      <p:sp>
+        <p:nvSpPr>
+          <p:cNvPr id="2" name="Slide Image Placeholder 1"/>
+          <p:cNvSpPr>
+            <a:spLocks noGrp="1" noRot="1" noChangeAspect="1"/>
+          </p:cNvSpPr>
+          <p:nvPr>
+            <p:ph type="sldImg"/>
+          </p:nvPr>
+        </p:nvSpPr>
+        <p:spPr/>
+      </p:sp>
+      <p:sp>
+        <p:nvSpPr>
+          <p:cNvPr id="3" name="Notes Placeholder 2"/>
+          <p:cNvSpPr>
+            <a:spLocks noGrp="1"/>
+          </p:cNvSpPr>
+          <p:nvPr>
+            <p:ph type="body" idx="1"/>
+          </p:nvPr>
+        </p:nvSpPr>
+        <p:spPr/>
+        <p:txBody>
+          <a:bodyPr/>
+          <a:lstStyle/>
+          <a:p>
+            <a:r>
+              <a:rPr lang="en-GB" dirty="0"/>
+              <a:t>Project mgmt.</a:t>
+            </a:r>
+          </a:p>
+          <a:p>
+            <a:endParaRPr lang="en-GB" dirty="0"/>
+          </a:p>
+          <a:p>
+            <a:r>
+              <a:rPr lang="en-GB" dirty="0"/>
+              <a:t>Contacts:</a:t>
+            </a:r>
+          </a:p>
+          <a:p>
+            <a:endParaRPr lang="en-GB" dirty="0"/>
+          </a:p>
+          <a:p>
+            <a:pPr marL="171450" indent="-171450">
+              <a:buFontTx/>
+              <a:buChar char="-"/>
+            </a:pPr>
+            <a:r>
+              <a:rPr lang="en-GB" dirty="0"/>
+              <a:t>Key contacts in ONS/OSR (e.g. Mitch &amp; Michael)</a:t>
+            </a:r>
+          </a:p>
+          <a:p>
+            <a:pPr marL="171450" indent="-171450">
+              <a:buFontTx/>
+              <a:buChar char="-"/>
+            </a:pPr>
+            <a:r>
+              <a:rPr lang="en-GB" dirty="0"/>
+              <a:t>X-gov data science Slack</a:t>
+            </a:r>
+          </a:p>
+          <a:p>
+            <a:pPr marL="171450" indent="-171450">
+              <a:buFontTx/>
+              <a:buChar char="-"/>
+            </a:pPr>
+            <a:r>
+              <a:rPr lang="en-GB" dirty="0"/>
+              <a:t>DSA cohort</a:t>
+            </a:r>
+          </a:p>
+          <a:p>
+            <a:pPr marL="171450" indent="-171450">
+              <a:buFontTx/>
+              <a:buChar char="-"/>
+            </a:pPr>
+            <a:r>
+              <a:rPr lang="en-GB" dirty="0"/>
+              <a:t>Cabinet Office (James!)</a:t>
+            </a:r>
+          </a:p>
+        </p:txBody>
+      </p:sp>
+      <p:sp>
+        <p:nvSpPr>
+          <p:cNvPr id="4" name="Slide Number Placeholder 3"/>
+          <p:cNvSpPr>
+            <a:spLocks noGrp="1"/>
+          </p:cNvSpPr>
+          <p:nvPr>
+            <p:ph type="sldNum" sz="quarter" idx="5"/>
+          </p:nvPr>
+        </p:nvSpPr>
+        <p:spPr/>
+        <p:txBody>
+          <a:bodyPr/>
+          <a:lstStyle/>
+          <a:p>
+            <a:pPr marL="0" marR="0" lvl="0" indent="0" algn="r" defTabSz="914400" rtl="0" eaLnBrk="1" fontAlgn="auto" latinLnBrk="0" hangingPunct="1">
+              <a:lnSpc>
+                <a:spcPct val="100000"/>
+              </a:lnSpc>
+              <a:spcBef>
+                <a:spcPts val="0"/>
+              </a:spcBef>
+              <a:spcAft>
+                <a:spcPts val="0"/>
+              </a:spcAft>
+              <a:buClrTx/>
+              <a:buSzTx/>
+              <a:buFontTx/>
+              <a:buNone/>
+              <a:tabLst/>
+              <a:defRPr/>
+            </a:pPr>
+            <a:fld id="{86546826-96BA-4624-A10C-6B069BA71481}" type="slidenum">
+              <a:rPr kumimoji="0" lang="en-GB" sz="1200" b="0" i="0" u="none" strike="noStrike" kern="1200" cap="none" spc="0" normalizeH="0" baseline="0" noProof="0" smtClean="0">
+                <a:ln>
+                  <a:noFill/>
+                </a:ln>
+                <a:solidFill>
+                  <a:prstClr val="black"/>
+                </a:solidFill>
+                <a:effectLst/>
+                <a:uLnTx/>
+                <a:uFillTx/>
+                <a:latin typeface="Calibri" panose="020F0502020204030204"/>
+                <a:ea typeface="+mn-ea"/>
+                <a:cs typeface="+mn-cs"/>
+              </a:rPr>
+              <a:pPr marL="0" marR="0" lvl="0" indent="0" algn="r" defTabSz="914400" rtl="0" eaLnBrk="1" fontAlgn="auto" latinLnBrk="0" hangingPunct="1">
+                <a:lnSpc>
+                  <a:spcPct val="100000"/>
+                </a:lnSpc>
+                <a:spcBef>
+                  <a:spcPts val="0"/>
+                </a:spcBef>
+                <a:spcAft>
+                  <a:spcPts val="0"/>
+                </a:spcAft>
+                <a:buClrTx/>
+                <a:buSzTx/>
+                <a:buFontTx/>
+                <a:buNone/>
+                <a:tabLst/>
+                <a:defRPr/>
+              </a:pPr>
+              <a:t>8</a:t>
+            </a:fld>
+            <a:endParaRPr kumimoji="0" lang="en-GB" sz="1200" b="0" i="0" u="none" strike="noStrike" kern="1200" cap="none" spc="0" normalizeH="0" baseline="0" noProof="0">
+              <a:ln>
+                <a:noFill/>
+              </a:ln>
+              <a:solidFill>
+                <a:prstClr val="black"/>
+              </a:solidFill>
+              <a:effectLst/>
+              <a:uLnTx/>
+              <a:uFillTx/>
+              <a:latin typeface="Calibri" panose="020F0502020204030204"/>
+              <a:ea typeface="+mn-ea"/>
+              <a:cs typeface="+mn-cs"/>
+            </a:endParaRPr>
+          </a:p>
+        </p:txBody>
+      </p:sp>
+    </p:spTree>
+    <p:extLst>
+      <p:ext uri="{BB962C8B-B14F-4D97-AF65-F5344CB8AC3E}">
         <p14:creationId xmlns:p14="http://schemas.microsoft.com/office/powerpoint/2010/main" val="2805507030"/>
       </p:ext>
     </p:extLst>
@@ -1693,7 +1890,7 @@
           <p:cNvPr id="2" name="Title 1">
             <a:extLst>
               <a:ext uri="{FF2B5EF4-FFF2-40B4-BE49-F238E27FC236}">
-                <a16:creationId xmlns:a16="http://schemas.microsoft.com/office/drawing/2014/main" id="{56D59B97-6DB3-46A3-B3E7-E6AD8AEB777A}"/>
+                <a16:creationId xmlns:a16="http://schemas.microsoft.com/office/drawing/2014/main" id="{D542F4DA-3C57-492E-BA91-10C822567FAF}"/>
               </a:ext>
             </a:extLst>
           </p:cNvPr>
@@ -1731,7 +1928,7 @@
           <p:cNvPr id="3" name="Subtitle 2">
             <a:extLst>
               <a:ext uri="{FF2B5EF4-FFF2-40B4-BE49-F238E27FC236}">
-                <a16:creationId xmlns:a16="http://schemas.microsoft.com/office/drawing/2014/main" id="{6318ED6F-E25B-4F25-B352-34238A03A3C7}"/>
+                <a16:creationId xmlns:a16="http://schemas.microsoft.com/office/drawing/2014/main" id="{93824668-68BB-4321-893A-21B5C74B68A7}"/>
               </a:ext>
             </a:extLst>
           </p:cNvPr>
@@ -1802,7 +1999,7 @@
           <p:cNvPr id="4" name="Date Placeholder 3">
             <a:extLst>
               <a:ext uri="{FF2B5EF4-FFF2-40B4-BE49-F238E27FC236}">
-                <a16:creationId xmlns:a16="http://schemas.microsoft.com/office/drawing/2014/main" id="{72964437-6F6F-4B2D-BC97-CBBFC4CC8D8F}"/>
+                <a16:creationId xmlns:a16="http://schemas.microsoft.com/office/drawing/2014/main" id="{260577F3-D26D-482F-8C54-E0D394B15177}"/>
               </a:ext>
             </a:extLst>
           </p:cNvPr>
@@ -1818,9 +2015,9 @@
           <a:bodyPr/>
           <a:lstStyle/>
           <a:p>
-            <a:fld id="{9A2B8767-FE38-44DC-83D7-19AB33F098DC}" type="datetimeFigureOut">
+            <a:fld id="{E4A62EDC-D5D1-49C5-B313-6E6F916DA0E0}" type="datetimeFigureOut">
               <a:rPr lang="en-GB" smtClean="0"/>
-              <a:t>05/07/2021</a:t>
+              <a:t>08/07/2021</a:t>
             </a:fld>
             <a:endParaRPr lang="en-GB"/>
           </a:p>
@@ -1831,7 +2028,7 @@
           <p:cNvPr id="5" name="Footer Placeholder 4">
             <a:extLst>
               <a:ext uri="{FF2B5EF4-FFF2-40B4-BE49-F238E27FC236}">
-                <a16:creationId xmlns:a16="http://schemas.microsoft.com/office/drawing/2014/main" id="{DC9AA35E-B1AF-40F6-81AF-74096E9E7840}"/>
+                <a16:creationId xmlns:a16="http://schemas.microsoft.com/office/drawing/2014/main" id="{50A0905B-0C15-43EE-A9DF-6BBACC5EF026}"/>
               </a:ext>
             </a:extLst>
           </p:cNvPr>
@@ -1856,7 +2053,7 @@
           <p:cNvPr id="6" name="Slide Number Placeholder 5">
             <a:extLst>
               <a:ext uri="{FF2B5EF4-FFF2-40B4-BE49-F238E27FC236}">
-                <a16:creationId xmlns:a16="http://schemas.microsoft.com/office/drawing/2014/main" id="{B92FDDF7-E1BA-4385-9D19-30A0B97C6304}"/>
+                <a16:creationId xmlns:a16="http://schemas.microsoft.com/office/drawing/2014/main" id="{7EC80981-F939-48A9-BD25-D4E8225DAF53}"/>
               </a:ext>
             </a:extLst>
           </p:cNvPr>
@@ -1872,7 +2069,7 @@
           <a:bodyPr/>
           <a:lstStyle/>
           <a:p>
-            <a:fld id="{97ABADF5-99D5-4F32-BD40-0C1618C9DAD9}" type="slidenum">
+            <a:fld id="{8479ABEB-CDBB-4AA8-AA24-8D8980FAD85B}" type="slidenum">
               <a:rPr lang="en-GB" smtClean="0"/>
               <a:t>‹#›</a:t>
             </a:fld>
@@ -1883,7 +2080,7 @@
     </p:spTree>
     <p:extLst>
       <p:ext uri="{BB962C8B-B14F-4D97-AF65-F5344CB8AC3E}">
-        <p14:creationId xmlns:p14="http://schemas.microsoft.com/office/powerpoint/2010/main" val="3919545294"/>
+        <p14:creationId xmlns:p14="http://schemas.microsoft.com/office/powerpoint/2010/main" val="1890716614"/>
       </p:ext>
     </p:extLst>
   </p:cSld>
@@ -1915,7 +2112,7 @@
           <p:cNvPr id="2" name="Title 1">
             <a:extLst>
               <a:ext uri="{FF2B5EF4-FFF2-40B4-BE49-F238E27FC236}">
-                <a16:creationId xmlns:a16="http://schemas.microsoft.com/office/drawing/2014/main" id="{541F471F-D07C-4327-B3BF-47596536CE8C}"/>
+                <a16:creationId xmlns:a16="http://schemas.microsoft.com/office/drawing/2014/main" id="{0AB0683B-37F8-4244-8CFC-26CCC29B9154}"/>
               </a:ext>
             </a:extLst>
           </p:cNvPr>
@@ -1944,7 +2141,7 @@
           <p:cNvPr id="3" name="Vertical Text Placeholder 2">
             <a:extLst>
               <a:ext uri="{FF2B5EF4-FFF2-40B4-BE49-F238E27FC236}">
-                <a16:creationId xmlns:a16="http://schemas.microsoft.com/office/drawing/2014/main" id="{AFB2159F-C04D-4DAE-AE75-6AFE7A32CF7D}"/>
+                <a16:creationId xmlns:a16="http://schemas.microsoft.com/office/drawing/2014/main" id="{DB31B56A-0D00-4E74-8A1B-5D12EF3DECCF}"/>
               </a:ext>
             </a:extLst>
           </p:cNvPr>
@@ -2002,7 +2199,7 @@
           <p:cNvPr id="4" name="Date Placeholder 3">
             <a:extLst>
               <a:ext uri="{FF2B5EF4-FFF2-40B4-BE49-F238E27FC236}">
-                <a16:creationId xmlns:a16="http://schemas.microsoft.com/office/drawing/2014/main" id="{8A7ABF9E-3320-4E43-A46C-8CD54C530FB5}"/>
+                <a16:creationId xmlns:a16="http://schemas.microsoft.com/office/drawing/2014/main" id="{A07C4831-4B15-4FE3-8F16-0505B45A686B}"/>
               </a:ext>
             </a:extLst>
           </p:cNvPr>
@@ -2018,9 +2215,9 @@
           <a:bodyPr/>
           <a:lstStyle/>
           <a:p>
-            <a:fld id="{9A2B8767-FE38-44DC-83D7-19AB33F098DC}" type="datetimeFigureOut">
+            <a:fld id="{E4A62EDC-D5D1-49C5-B313-6E6F916DA0E0}" type="datetimeFigureOut">
               <a:rPr lang="en-GB" smtClean="0"/>
-              <a:t>05/07/2021</a:t>
+              <a:t>08/07/2021</a:t>
             </a:fld>
             <a:endParaRPr lang="en-GB"/>
           </a:p>
@@ -2031,7 +2228,7 @@
           <p:cNvPr id="5" name="Footer Placeholder 4">
             <a:extLst>
               <a:ext uri="{FF2B5EF4-FFF2-40B4-BE49-F238E27FC236}">
-                <a16:creationId xmlns:a16="http://schemas.microsoft.com/office/drawing/2014/main" id="{8631A610-79B4-4BC5-AAD0-29DD1EA3D2BE}"/>
+                <a16:creationId xmlns:a16="http://schemas.microsoft.com/office/drawing/2014/main" id="{836A1236-BE64-4C70-AB8D-B987B4078856}"/>
               </a:ext>
             </a:extLst>
           </p:cNvPr>
@@ -2056,7 +2253,7 @@
           <p:cNvPr id="6" name="Slide Number Placeholder 5">
             <a:extLst>
               <a:ext uri="{FF2B5EF4-FFF2-40B4-BE49-F238E27FC236}">
-                <a16:creationId xmlns:a16="http://schemas.microsoft.com/office/drawing/2014/main" id="{EC573C7A-9CE9-4331-BC1B-9138FEAC314D}"/>
+                <a16:creationId xmlns:a16="http://schemas.microsoft.com/office/drawing/2014/main" id="{0D30CDB9-B80A-4B60-A37D-96E1E103B9A3}"/>
               </a:ext>
             </a:extLst>
           </p:cNvPr>
@@ -2072,7 +2269,7 @@
           <a:bodyPr/>
           <a:lstStyle/>
           <a:p>
-            <a:fld id="{97ABADF5-99D5-4F32-BD40-0C1618C9DAD9}" type="slidenum">
+            <a:fld id="{8479ABEB-CDBB-4AA8-AA24-8D8980FAD85B}" type="slidenum">
               <a:rPr lang="en-GB" smtClean="0"/>
               <a:t>‹#›</a:t>
             </a:fld>
@@ -2083,7 +2280,7 @@
     </p:spTree>
     <p:extLst>
       <p:ext uri="{BB962C8B-B14F-4D97-AF65-F5344CB8AC3E}">
-        <p14:creationId xmlns:p14="http://schemas.microsoft.com/office/powerpoint/2010/main" val="2260295899"/>
+        <p14:creationId xmlns:p14="http://schemas.microsoft.com/office/powerpoint/2010/main" val="55296725"/>
       </p:ext>
     </p:extLst>
   </p:cSld>
@@ -2115,7 +2312,7 @@
           <p:cNvPr id="2" name="Vertical Title 1">
             <a:extLst>
               <a:ext uri="{FF2B5EF4-FFF2-40B4-BE49-F238E27FC236}">
-                <a16:creationId xmlns:a16="http://schemas.microsoft.com/office/drawing/2014/main" id="{FC58195A-E98D-4891-9435-C212DABD0A9F}"/>
+                <a16:creationId xmlns:a16="http://schemas.microsoft.com/office/drawing/2014/main" id="{019E2F85-3088-4B7E-AC61-888270651BD6}"/>
               </a:ext>
             </a:extLst>
           </p:cNvPr>
@@ -2149,7 +2346,7 @@
           <p:cNvPr id="3" name="Vertical Text Placeholder 2">
             <a:extLst>
               <a:ext uri="{FF2B5EF4-FFF2-40B4-BE49-F238E27FC236}">
-                <a16:creationId xmlns:a16="http://schemas.microsoft.com/office/drawing/2014/main" id="{A4664E01-258A-45B6-AC4C-0F0E8BF3475E}"/>
+                <a16:creationId xmlns:a16="http://schemas.microsoft.com/office/drawing/2014/main" id="{5B565029-9658-4AC5-BFFA-9F08D9B097ED}"/>
               </a:ext>
             </a:extLst>
           </p:cNvPr>
@@ -2212,229 +2409,7 @@
           <p:cNvPr id="4" name="Date Placeholder 3">
             <a:extLst>
               <a:ext uri="{FF2B5EF4-FFF2-40B4-BE49-F238E27FC236}">
-                <a16:creationId xmlns:a16="http://schemas.microsoft.com/office/drawing/2014/main" id="{AA0E728A-5367-4E8C-A16D-4295E88787F3}"/>
-              </a:ext>
-            </a:extLst>
-          </p:cNvPr>
-          <p:cNvSpPr>
-            <a:spLocks noGrp="1"/>
-          </p:cNvSpPr>
-          <p:nvPr>
-            <p:ph type="dt" sz="half" idx="10"/>
-          </p:nvPr>
-        </p:nvSpPr>
-        <p:spPr/>
-        <p:txBody>
-          <a:bodyPr/>
-          <a:lstStyle/>
-          <a:p>
-            <a:fld id="{9A2B8767-FE38-44DC-83D7-19AB33F098DC}" type="datetimeFigureOut">
-              <a:rPr lang="en-GB" smtClean="0"/>
-              <a:t>05/07/2021</a:t>
-            </a:fld>
-            <a:endParaRPr lang="en-GB"/>
-          </a:p>
-        </p:txBody>
-      </p:sp>
-      <p:sp>
-        <p:nvSpPr>
-          <p:cNvPr id="5" name="Footer Placeholder 4">
-            <a:extLst>
-              <a:ext uri="{FF2B5EF4-FFF2-40B4-BE49-F238E27FC236}">
-                <a16:creationId xmlns:a16="http://schemas.microsoft.com/office/drawing/2014/main" id="{47B889F8-BD89-49F7-A22E-5972BA1DEF32}"/>
-              </a:ext>
-            </a:extLst>
-          </p:cNvPr>
-          <p:cNvSpPr>
-            <a:spLocks noGrp="1"/>
-          </p:cNvSpPr>
-          <p:nvPr>
-            <p:ph type="ftr" sz="quarter" idx="11"/>
-          </p:nvPr>
-        </p:nvSpPr>
-        <p:spPr/>
-        <p:txBody>
-          <a:bodyPr/>
-          <a:lstStyle/>
-          <a:p>
-            <a:endParaRPr lang="en-GB"/>
-          </a:p>
-        </p:txBody>
-      </p:sp>
-      <p:sp>
-        <p:nvSpPr>
-          <p:cNvPr id="6" name="Slide Number Placeholder 5">
-            <a:extLst>
-              <a:ext uri="{FF2B5EF4-FFF2-40B4-BE49-F238E27FC236}">
-                <a16:creationId xmlns:a16="http://schemas.microsoft.com/office/drawing/2014/main" id="{8EFEECFB-440D-458E-8647-5F1FEC156295}"/>
-              </a:ext>
-            </a:extLst>
-          </p:cNvPr>
-          <p:cNvSpPr>
-            <a:spLocks noGrp="1"/>
-          </p:cNvSpPr>
-          <p:nvPr>
-            <p:ph type="sldNum" sz="quarter" idx="12"/>
-          </p:nvPr>
-        </p:nvSpPr>
-        <p:spPr/>
-        <p:txBody>
-          <a:bodyPr/>
-          <a:lstStyle/>
-          <a:p>
-            <a:fld id="{97ABADF5-99D5-4F32-BD40-0C1618C9DAD9}" type="slidenum">
-              <a:rPr lang="en-GB" smtClean="0"/>
-              <a:t>‹#›</a:t>
-            </a:fld>
-            <a:endParaRPr lang="en-GB"/>
-          </a:p>
-        </p:txBody>
-      </p:sp>
-    </p:spTree>
-    <p:extLst>
-      <p:ext uri="{BB962C8B-B14F-4D97-AF65-F5344CB8AC3E}">
-        <p14:creationId xmlns:p14="http://schemas.microsoft.com/office/powerpoint/2010/main" val="618981323"/>
-      </p:ext>
-    </p:extLst>
-  </p:cSld>
-  <p:clrMapOvr>
-    <a:masterClrMapping/>
-  </p:clrMapOvr>
-</p:sldLayout>
-</file>
-
-<file path=ppt/slideLayouts/slideLayout12.xml><?xml version="1.0" encoding="utf-8"?>
-<p:sldLayout xmlns:a="http://schemas.openxmlformats.org/drawingml/2006/main" xmlns:r="http://schemas.openxmlformats.org/officeDocument/2006/relationships" xmlns:p="http://schemas.openxmlformats.org/presentationml/2006/main" type="title" preserve="1">
-  <p:cSld name="Title Slide">
-    <p:spTree>
-      <p:nvGrpSpPr>
-        <p:cNvPr id="1" name=""/>
-        <p:cNvGrpSpPr/>
-        <p:nvPr/>
-      </p:nvGrpSpPr>
-      <p:grpSpPr>
-        <a:xfrm>
-          <a:off x="0" y="0"/>
-          <a:ext cx="0" cy="0"/>
-          <a:chOff x="0" y="0"/>
-          <a:chExt cx="0" cy="0"/>
-        </a:xfrm>
-      </p:grpSpPr>
-      <p:sp>
-        <p:nvSpPr>
-          <p:cNvPr id="2" name="Title 1">
-            <a:extLst>
-              <a:ext uri="{FF2B5EF4-FFF2-40B4-BE49-F238E27FC236}">
-                <a16:creationId xmlns:a16="http://schemas.microsoft.com/office/drawing/2014/main" id="{D542F4DA-3C57-492E-BA91-10C822567FAF}"/>
-              </a:ext>
-            </a:extLst>
-          </p:cNvPr>
-          <p:cNvSpPr>
-            <a:spLocks noGrp="1"/>
-          </p:cNvSpPr>
-          <p:nvPr>
-            <p:ph type="ctrTitle"/>
-          </p:nvPr>
-        </p:nvSpPr>
-        <p:spPr>
-          <a:xfrm>
-            <a:off x="1524000" y="1122363"/>
-            <a:ext cx="9144000" cy="2387600"/>
-          </a:xfrm>
-        </p:spPr>
-        <p:txBody>
-          <a:bodyPr anchor="b"/>
-          <a:lstStyle>
-            <a:lvl1pPr algn="ctr">
-              <a:defRPr sz="6000"/>
-            </a:lvl1pPr>
-          </a:lstStyle>
-          <a:p>
-            <a:r>
-              <a:rPr lang="en-US"/>
-              <a:t>Click to edit Master title style</a:t>
-            </a:r>
-            <a:endParaRPr lang="en-GB"/>
-          </a:p>
-        </p:txBody>
-      </p:sp>
-      <p:sp>
-        <p:nvSpPr>
-          <p:cNvPr id="3" name="Subtitle 2">
-            <a:extLst>
-              <a:ext uri="{FF2B5EF4-FFF2-40B4-BE49-F238E27FC236}">
-                <a16:creationId xmlns:a16="http://schemas.microsoft.com/office/drawing/2014/main" id="{93824668-68BB-4321-893A-21B5C74B68A7}"/>
-              </a:ext>
-            </a:extLst>
-          </p:cNvPr>
-          <p:cNvSpPr>
-            <a:spLocks noGrp="1"/>
-          </p:cNvSpPr>
-          <p:nvPr>
-            <p:ph type="subTitle" idx="1"/>
-          </p:nvPr>
-        </p:nvSpPr>
-        <p:spPr>
-          <a:xfrm>
-            <a:off x="1524000" y="3602038"/>
-            <a:ext cx="9144000" cy="1655762"/>
-          </a:xfrm>
-        </p:spPr>
-        <p:txBody>
-          <a:bodyPr/>
-          <a:lstStyle>
-            <a:lvl1pPr marL="0" indent="0" algn="ctr">
-              <a:buNone/>
-              <a:defRPr sz="2400"/>
-            </a:lvl1pPr>
-            <a:lvl2pPr marL="457200" indent="0" algn="ctr">
-              <a:buNone/>
-              <a:defRPr sz="2000"/>
-            </a:lvl2pPr>
-            <a:lvl3pPr marL="914400" indent="0" algn="ctr">
-              <a:buNone/>
-              <a:defRPr sz="1800"/>
-            </a:lvl3pPr>
-            <a:lvl4pPr marL="1371600" indent="0" algn="ctr">
-              <a:buNone/>
-              <a:defRPr sz="1600"/>
-            </a:lvl4pPr>
-            <a:lvl5pPr marL="1828800" indent="0" algn="ctr">
-              <a:buNone/>
-              <a:defRPr sz="1600"/>
-            </a:lvl5pPr>
-            <a:lvl6pPr marL="2286000" indent="0" algn="ctr">
-              <a:buNone/>
-              <a:defRPr sz="1600"/>
-            </a:lvl6pPr>
-            <a:lvl7pPr marL="2743200" indent="0" algn="ctr">
-              <a:buNone/>
-              <a:defRPr sz="1600"/>
-            </a:lvl7pPr>
-            <a:lvl8pPr marL="3200400" indent="0" algn="ctr">
-              <a:buNone/>
-              <a:defRPr sz="1600"/>
-            </a:lvl8pPr>
-            <a:lvl9pPr marL="3657600" indent="0" algn="ctr">
-              <a:buNone/>
-              <a:defRPr sz="1600"/>
-            </a:lvl9pPr>
-          </a:lstStyle>
-          <a:p>
-            <a:r>
-              <a:rPr lang="en-US"/>
-              <a:t>Click to edit Master subtitle style</a:t>
-            </a:r>
-            <a:endParaRPr lang="en-GB"/>
-          </a:p>
-        </p:txBody>
-      </p:sp>
-      <p:sp>
-        <p:nvSpPr>
-          <p:cNvPr id="4" name="Date Placeholder 3">
-            <a:extLst>
-              <a:ext uri="{FF2B5EF4-FFF2-40B4-BE49-F238E27FC236}">
-                <a16:creationId xmlns:a16="http://schemas.microsoft.com/office/drawing/2014/main" id="{260577F3-D26D-482F-8C54-E0D394B15177}"/>
+                <a16:creationId xmlns:a16="http://schemas.microsoft.com/office/drawing/2014/main" id="{67168CD8-BC74-4CCE-81B2-5685290E389E}"/>
               </a:ext>
             </a:extLst>
           </p:cNvPr>
@@ -2452,2633 +2427,7 @@
           <a:p>
             <a:fld id="{E4A62EDC-D5D1-49C5-B313-6E6F916DA0E0}" type="datetimeFigureOut">
               <a:rPr lang="en-GB" smtClean="0"/>
-              <a:t>05/07/2021</a:t>
-            </a:fld>
-            <a:endParaRPr lang="en-GB"/>
-          </a:p>
-        </p:txBody>
-      </p:sp>
-      <p:sp>
-        <p:nvSpPr>
-          <p:cNvPr id="5" name="Footer Placeholder 4">
-            <a:extLst>
-              <a:ext uri="{FF2B5EF4-FFF2-40B4-BE49-F238E27FC236}">
-                <a16:creationId xmlns:a16="http://schemas.microsoft.com/office/drawing/2014/main" id="{50A0905B-0C15-43EE-A9DF-6BBACC5EF026}"/>
-              </a:ext>
-            </a:extLst>
-          </p:cNvPr>
-          <p:cNvSpPr>
-            <a:spLocks noGrp="1"/>
-          </p:cNvSpPr>
-          <p:nvPr>
-            <p:ph type="ftr" sz="quarter" idx="11"/>
-          </p:nvPr>
-        </p:nvSpPr>
-        <p:spPr/>
-        <p:txBody>
-          <a:bodyPr/>
-          <a:lstStyle/>
-          <a:p>
-            <a:endParaRPr lang="en-GB"/>
-          </a:p>
-        </p:txBody>
-      </p:sp>
-      <p:sp>
-        <p:nvSpPr>
-          <p:cNvPr id="6" name="Slide Number Placeholder 5">
-            <a:extLst>
-              <a:ext uri="{FF2B5EF4-FFF2-40B4-BE49-F238E27FC236}">
-                <a16:creationId xmlns:a16="http://schemas.microsoft.com/office/drawing/2014/main" id="{7EC80981-F939-48A9-BD25-D4E8225DAF53}"/>
-              </a:ext>
-            </a:extLst>
-          </p:cNvPr>
-          <p:cNvSpPr>
-            <a:spLocks noGrp="1"/>
-          </p:cNvSpPr>
-          <p:nvPr>
-            <p:ph type="sldNum" sz="quarter" idx="12"/>
-          </p:nvPr>
-        </p:nvSpPr>
-        <p:spPr/>
-        <p:txBody>
-          <a:bodyPr/>
-          <a:lstStyle/>
-          <a:p>
-            <a:fld id="{8479ABEB-CDBB-4AA8-AA24-8D8980FAD85B}" type="slidenum">
-              <a:rPr lang="en-GB" smtClean="0"/>
-              <a:t>‹#›</a:t>
-            </a:fld>
-            <a:endParaRPr lang="en-GB"/>
-          </a:p>
-        </p:txBody>
-      </p:sp>
-    </p:spTree>
-    <p:extLst>
-      <p:ext uri="{BB962C8B-B14F-4D97-AF65-F5344CB8AC3E}">
-        <p14:creationId xmlns:p14="http://schemas.microsoft.com/office/powerpoint/2010/main" val="1890716614"/>
-      </p:ext>
-    </p:extLst>
-  </p:cSld>
-  <p:clrMapOvr>
-    <a:masterClrMapping/>
-  </p:clrMapOvr>
-</p:sldLayout>
-</file>
-
-<file path=ppt/slideLayouts/slideLayout13.xml><?xml version="1.0" encoding="utf-8"?>
-<p:sldLayout xmlns:a="http://schemas.openxmlformats.org/drawingml/2006/main" xmlns:r="http://schemas.openxmlformats.org/officeDocument/2006/relationships" xmlns:p="http://schemas.openxmlformats.org/presentationml/2006/main" type="obj" preserve="1">
-  <p:cSld name="Title and Content">
-    <p:spTree>
-      <p:nvGrpSpPr>
-        <p:cNvPr id="1" name=""/>
-        <p:cNvGrpSpPr/>
-        <p:nvPr/>
-      </p:nvGrpSpPr>
-      <p:grpSpPr>
-        <a:xfrm>
-          <a:off x="0" y="0"/>
-          <a:ext cx="0" cy="0"/>
-          <a:chOff x="0" y="0"/>
-          <a:chExt cx="0" cy="0"/>
-        </a:xfrm>
-      </p:grpSpPr>
-      <p:sp>
-        <p:nvSpPr>
-          <p:cNvPr id="2" name="Title 1">
-            <a:extLst>
-              <a:ext uri="{FF2B5EF4-FFF2-40B4-BE49-F238E27FC236}">
-                <a16:creationId xmlns:a16="http://schemas.microsoft.com/office/drawing/2014/main" id="{F4784A09-1989-49ED-A3AA-F1BDC807D7EF}"/>
-              </a:ext>
-            </a:extLst>
-          </p:cNvPr>
-          <p:cNvSpPr>
-            <a:spLocks noGrp="1"/>
-          </p:cNvSpPr>
-          <p:nvPr>
-            <p:ph type="title"/>
-          </p:nvPr>
-        </p:nvSpPr>
-        <p:spPr/>
-        <p:txBody>
-          <a:bodyPr/>
-          <a:lstStyle/>
-          <a:p>
-            <a:r>
-              <a:rPr lang="en-US"/>
-              <a:t>Click to edit Master title style</a:t>
-            </a:r>
-            <a:endParaRPr lang="en-GB"/>
-          </a:p>
-        </p:txBody>
-      </p:sp>
-      <p:sp>
-        <p:nvSpPr>
-          <p:cNvPr id="3" name="Content Placeholder 2">
-            <a:extLst>
-              <a:ext uri="{FF2B5EF4-FFF2-40B4-BE49-F238E27FC236}">
-                <a16:creationId xmlns:a16="http://schemas.microsoft.com/office/drawing/2014/main" id="{FB95AFAA-666F-4C67-AFD3-E8DF4810920E}"/>
-              </a:ext>
-            </a:extLst>
-          </p:cNvPr>
-          <p:cNvSpPr>
-            <a:spLocks noGrp="1"/>
-          </p:cNvSpPr>
-          <p:nvPr>
-            <p:ph idx="1"/>
-          </p:nvPr>
-        </p:nvSpPr>
-        <p:spPr/>
-        <p:txBody>
-          <a:bodyPr/>
-          <a:lstStyle/>
-          <a:p>
-            <a:pPr lvl="0"/>
-            <a:r>
-              <a:rPr lang="en-US"/>
-              <a:t>Click to edit Master text styles</a:t>
-            </a:r>
-          </a:p>
-          <a:p>
-            <a:pPr lvl="1"/>
-            <a:r>
-              <a:rPr lang="en-US"/>
-              <a:t>Second level</a:t>
-            </a:r>
-          </a:p>
-          <a:p>
-            <a:pPr lvl="2"/>
-            <a:r>
-              <a:rPr lang="en-US"/>
-              <a:t>Third level</a:t>
-            </a:r>
-          </a:p>
-          <a:p>
-            <a:pPr lvl="3"/>
-            <a:r>
-              <a:rPr lang="en-US"/>
-              <a:t>Fourth level</a:t>
-            </a:r>
-          </a:p>
-          <a:p>
-            <a:pPr lvl="4"/>
-            <a:r>
-              <a:rPr lang="en-US"/>
-              <a:t>Fifth level</a:t>
-            </a:r>
-            <a:endParaRPr lang="en-GB"/>
-          </a:p>
-        </p:txBody>
-      </p:sp>
-      <p:sp>
-        <p:nvSpPr>
-          <p:cNvPr id="4" name="Date Placeholder 3">
-            <a:extLst>
-              <a:ext uri="{FF2B5EF4-FFF2-40B4-BE49-F238E27FC236}">
-                <a16:creationId xmlns:a16="http://schemas.microsoft.com/office/drawing/2014/main" id="{009CDF00-BDF5-444A-B340-7AC7335AD43D}"/>
-              </a:ext>
-            </a:extLst>
-          </p:cNvPr>
-          <p:cNvSpPr>
-            <a:spLocks noGrp="1"/>
-          </p:cNvSpPr>
-          <p:nvPr>
-            <p:ph type="dt" sz="half" idx="10"/>
-          </p:nvPr>
-        </p:nvSpPr>
-        <p:spPr/>
-        <p:txBody>
-          <a:bodyPr/>
-          <a:lstStyle/>
-          <a:p>
-            <a:fld id="{E4A62EDC-D5D1-49C5-B313-6E6F916DA0E0}" type="datetimeFigureOut">
-              <a:rPr lang="en-GB" smtClean="0"/>
-              <a:t>05/07/2021</a:t>
-            </a:fld>
-            <a:endParaRPr lang="en-GB"/>
-          </a:p>
-        </p:txBody>
-      </p:sp>
-      <p:sp>
-        <p:nvSpPr>
-          <p:cNvPr id="5" name="Footer Placeholder 4">
-            <a:extLst>
-              <a:ext uri="{FF2B5EF4-FFF2-40B4-BE49-F238E27FC236}">
-                <a16:creationId xmlns:a16="http://schemas.microsoft.com/office/drawing/2014/main" id="{67D8DFD9-AF70-4B2A-BA67-71CC3FCAB4BF}"/>
-              </a:ext>
-            </a:extLst>
-          </p:cNvPr>
-          <p:cNvSpPr>
-            <a:spLocks noGrp="1"/>
-          </p:cNvSpPr>
-          <p:nvPr>
-            <p:ph type="ftr" sz="quarter" idx="11"/>
-          </p:nvPr>
-        </p:nvSpPr>
-        <p:spPr/>
-        <p:txBody>
-          <a:bodyPr/>
-          <a:lstStyle/>
-          <a:p>
-            <a:endParaRPr lang="en-GB"/>
-          </a:p>
-        </p:txBody>
-      </p:sp>
-      <p:sp>
-        <p:nvSpPr>
-          <p:cNvPr id="6" name="Slide Number Placeholder 5">
-            <a:extLst>
-              <a:ext uri="{FF2B5EF4-FFF2-40B4-BE49-F238E27FC236}">
-                <a16:creationId xmlns:a16="http://schemas.microsoft.com/office/drawing/2014/main" id="{DC04D0E2-81FA-41BA-8F72-C377EA398384}"/>
-              </a:ext>
-            </a:extLst>
-          </p:cNvPr>
-          <p:cNvSpPr>
-            <a:spLocks noGrp="1"/>
-          </p:cNvSpPr>
-          <p:nvPr>
-            <p:ph type="sldNum" sz="quarter" idx="12"/>
-          </p:nvPr>
-        </p:nvSpPr>
-        <p:spPr/>
-        <p:txBody>
-          <a:bodyPr/>
-          <a:lstStyle/>
-          <a:p>
-            <a:fld id="{8479ABEB-CDBB-4AA8-AA24-8D8980FAD85B}" type="slidenum">
-              <a:rPr lang="en-GB" smtClean="0"/>
-              <a:t>‹#›</a:t>
-            </a:fld>
-            <a:endParaRPr lang="en-GB"/>
-          </a:p>
-        </p:txBody>
-      </p:sp>
-    </p:spTree>
-    <p:extLst>
-      <p:ext uri="{BB962C8B-B14F-4D97-AF65-F5344CB8AC3E}">
-        <p14:creationId xmlns:p14="http://schemas.microsoft.com/office/powerpoint/2010/main" val="241556907"/>
-      </p:ext>
-    </p:extLst>
-  </p:cSld>
-  <p:clrMapOvr>
-    <a:masterClrMapping/>
-  </p:clrMapOvr>
-</p:sldLayout>
-</file>
-
-<file path=ppt/slideLayouts/slideLayout14.xml><?xml version="1.0" encoding="utf-8"?>
-<p:sldLayout xmlns:a="http://schemas.openxmlformats.org/drawingml/2006/main" xmlns:r="http://schemas.openxmlformats.org/officeDocument/2006/relationships" xmlns:p="http://schemas.openxmlformats.org/presentationml/2006/main" type="secHead" preserve="1">
-  <p:cSld name="Section Header">
-    <p:spTree>
-      <p:nvGrpSpPr>
-        <p:cNvPr id="1" name=""/>
-        <p:cNvGrpSpPr/>
-        <p:nvPr/>
-      </p:nvGrpSpPr>
-      <p:grpSpPr>
-        <a:xfrm>
-          <a:off x="0" y="0"/>
-          <a:ext cx="0" cy="0"/>
-          <a:chOff x="0" y="0"/>
-          <a:chExt cx="0" cy="0"/>
-        </a:xfrm>
-      </p:grpSpPr>
-      <p:sp>
-        <p:nvSpPr>
-          <p:cNvPr id="2" name="Title 1">
-            <a:extLst>
-              <a:ext uri="{FF2B5EF4-FFF2-40B4-BE49-F238E27FC236}">
-                <a16:creationId xmlns:a16="http://schemas.microsoft.com/office/drawing/2014/main" id="{9F1564A6-4238-410D-A687-830FF65E4DFD}"/>
-              </a:ext>
-            </a:extLst>
-          </p:cNvPr>
-          <p:cNvSpPr>
-            <a:spLocks noGrp="1"/>
-          </p:cNvSpPr>
-          <p:nvPr>
-            <p:ph type="title"/>
-          </p:nvPr>
-        </p:nvSpPr>
-        <p:spPr>
-          <a:xfrm>
-            <a:off x="831850" y="1709738"/>
-            <a:ext cx="10515600" cy="2852737"/>
-          </a:xfrm>
-        </p:spPr>
-        <p:txBody>
-          <a:bodyPr anchor="b"/>
-          <a:lstStyle>
-            <a:lvl1pPr>
-              <a:defRPr sz="6000"/>
-            </a:lvl1pPr>
-          </a:lstStyle>
-          <a:p>
-            <a:r>
-              <a:rPr lang="en-US"/>
-              <a:t>Click to edit Master title style</a:t>
-            </a:r>
-            <a:endParaRPr lang="en-GB"/>
-          </a:p>
-        </p:txBody>
-      </p:sp>
-      <p:sp>
-        <p:nvSpPr>
-          <p:cNvPr id="3" name="Text Placeholder 2">
-            <a:extLst>
-              <a:ext uri="{FF2B5EF4-FFF2-40B4-BE49-F238E27FC236}">
-                <a16:creationId xmlns:a16="http://schemas.microsoft.com/office/drawing/2014/main" id="{1961D4A7-A5C3-48A5-8F95-DE3B31999BC7}"/>
-              </a:ext>
-            </a:extLst>
-          </p:cNvPr>
-          <p:cNvSpPr>
-            <a:spLocks noGrp="1"/>
-          </p:cNvSpPr>
-          <p:nvPr>
-            <p:ph type="body" idx="1"/>
-          </p:nvPr>
-        </p:nvSpPr>
-        <p:spPr>
-          <a:xfrm>
-            <a:off x="831850" y="4589463"/>
-            <a:ext cx="10515600" cy="1500187"/>
-          </a:xfrm>
-        </p:spPr>
-        <p:txBody>
-          <a:bodyPr/>
-          <a:lstStyle>
-            <a:lvl1pPr marL="0" indent="0">
-              <a:buNone/>
-              <a:defRPr sz="2400">
-                <a:solidFill>
-                  <a:schemeClr val="tx1">
-                    <a:tint val="75000"/>
-                  </a:schemeClr>
-                </a:solidFill>
-              </a:defRPr>
-            </a:lvl1pPr>
-            <a:lvl2pPr marL="457200" indent="0">
-              <a:buNone/>
-              <a:defRPr sz="2000">
-                <a:solidFill>
-                  <a:schemeClr val="tx1">
-                    <a:tint val="75000"/>
-                  </a:schemeClr>
-                </a:solidFill>
-              </a:defRPr>
-            </a:lvl2pPr>
-            <a:lvl3pPr marL="914400" indent="0">
-              <a:buNone/>
-              <a:defRPr sz="1800">
-                <a:solidFill>
-                  <a:schemeClr val="tx1">
-                    <a:tint val="75000"/>
-                  </a:schemeClr>
-                </a:solidFill>
-              </a:defRPr>
-            </a:lvl3pPr>
-            <a:lvl4pPr marL="1371600" indent="0">
-              <a:buNone/>
-              <a:defRPr sz="1600">
-                <a:solidFill>
-                  <a:schemeClr val="tx1">
-                    <a:tint val="75000"/>
-                  </a:schemeClr>
-                </a:solidFill>
-              </a:defRPr>
-            </a:lvl4pPr>
-            <a:lvl5pPr marL="1828800" indent="0">
-              <a:buNone/>
-              <a:defRPr sz="1600">
-                <a:solidFill>
-                  <a:schemeClr val="tx1">
-                    <a:tint val="75000"/>
-                  </a:schemeClr>
-                </a:solidFill>
-              </a:defRPr>
-            </a:lvl5pPr>
-            <a:lvl6pPr marL="2286000" indent="0">
-              <a:buNone/>
-              <a:defRPr sz="1600">
-                <a:solidFill>
-                  <a:schemeClr val="tx1">
-                    <a:tint val="75000"/>
-                  </a:schemeClr>
-                </a:solidFill>
-              </a:defRPr>
-            </a:lvl6pPr>
-            <a:lvl7pPr marL="2743200" indent="0">
-              <a:buNone/>
-              <a:defRPr sz="1600">
-                <a:solidFill>
-                  <a:schemeClr val="tx1">
-                    <a:tint val="75000"/>
-                  </a:schemeClr>
-                </a:solidFill>
-              </a:defRPr>
-            </a:lvl7pPr>
-            <a:lvl8pPr marL="3200400" indent="0">
-              <a:buNone/>
-              <a:defRPr sz="1600">
-                <a:solidFill>
-                  <a:schemeClr val="tx1">
-                    <a:tint val="75000"/>
-                  </a:schemeClr>
-                </a:solidFill>
-              </a:defRPr>
-            </a:lvl8pPr>
-            <a:lvl9pPr marL="3657600" indent="0">
-              <a:buNone/>
-              <a:defRPr sz="1600">
-                <a:solidFill>
-                  <a:schemeClr val="tx1">
-                    <a:tint val="75000"/>
-                  </a:schemeClr>
-                </a:solidFill>
-              </a:defRPr>
-            </a:lvl9pPr>
-          </a:lstStyle>
-          <a:p>
-            <a:pPr lvl="0"/>
-            <a:r>
-              <a:rPr lang="en-US"/>
-              <a:t>Click to edit Master text styles</a:t>
-            </a:r>
-          </a:p>
-        </p:txBody>
-      </p:sp>
-      <p:sp>
-        <p:nvSpPr>
-          <p:cNvPr id="4" name="Date Placeholder 3">
-            <a:extLst>
-              <a:ext uri="{FF2B5EF4-FFF2-40B4-BE49-F238E27FC236}">
-                <a16:creationId xmlns:a16="http://schemas.microsoft.com/office/drawing/2014/main" id="{2467F68F-748C-4E92-BEF8-B67E4F61C0A4}"/>
-              </a:ext>
-            </a:extLst>
-          </p:cNvPr>
-          <p:cNvSpPr>
-            <a:spLocks noGrp="1"/>
-          </p:cNvSpPr>
-          <p:nvPr>
-            <p:ph type="dt" sz="half" idx="10"/>
-          </p:nvPr>
-        </p:nvSpPr>
-        <p:spPr/>
-        <p:txBody>
-          <a:bodyPr/>
-          <a:lstStyle/>
-          <a:p>
-            <a:fld id="{E4A62EDC-D5D1-49C5-B313-6E6F916DA0E0}" type="datetimeFigureOut">
-              <a:rPr lang="en-GB" smtClean="0"/>
-              <a:t>05/07/2021</a:t>
-            </a:fld>
-            <a:endParaRPr lang="en-GB"/>
-          </a:p>
-        </p:txBody>
-      </p:sp>
-      <p:sp>
-        <p:nvSpPr>
-          <p:cNvPr id="5" name="Footer Placeholder 4">
-            <a:extLst>
-              <a:ext uri="{FF2B5EF4-FFF2-40B4-BE49-F238E27FC236}">
-                <a16:creationId xmlns:a16="http://schemas.microsoft.com/office/drawing/2014/main" id="{8A37CB54-5216-4417-8339-47F9BB58AF4C}"/>
-              </a:ext>
-            </a:extLst>
-          </p:cNvPr>
-          <p:cNvSpPr>
-            <a:spLocks noGrp="1"/>
-          </p:cNvSpPr>
-          <p:nvPr>
-            <p:ph type="ftr" sz="quarter" idx="11"/>
-          </p:nvPr>
-        </p:nvSpPr>
-        <p:spPr/>
-        <p:txBody>
-          <a:bodyPr/>
-          <a:lstStyle/>
-          <a:p>
-            <a:endParaRPr lang="en-GB"/>
-          </a:p>
-        </p:txBody>
-      </p:sp>
-      <p:sp>
-        <p:nvSpPr>
-          <p:cNvPr id="6" name="Slide Number Placeholder 5">
-            <a:extLst>
-              <a:ext uri="{FF2B5EF4-FFF2-40B4-BE49-F238E27FC236}">
-                <a16:creationId xmlns:a16="http://schemas.microsoft.com/office/drawing/2014/main" id="{7E53B410-02D8-4B9C-B490-6A0D3DC01CCA}"/>
-              </a:ext>
-            </a:extLst>
-          </p:cNvPr>
-          <p:cNvSpPr>
-            <a:spLocks noGrp="1"/>
-          </p:cNvSpPr>
-          <p:nvPr>
-            <p:ph type="sldNum" sz="quarter" idx="12"/>
-          </p:nvPr>
-        </p:nvSpPr>
-        <p:spPr/>
-        <p:txBody>
-          <a:bodyPr/>
-          <a:lstStyle/>
-          <a:p>
-            <a:fld id="{8479ABEB-CDBB-4AA8-AA24-8D8980FAD85B}" type="slidenum">
-              <a:rPr lang="en-GB" smtClean="0"/>
-              <a:t>‹#›</a:t>
-            </a:fld>
-            <a:endParaRPr lang="en-GB"/>
-          </a:p>
-        </p:txBody>
-      </p:sp>
-    </p:spTree>
-    <p:extLst>
-      <p:ext uri="{BB962C8B-B14F-4D97-AF65-F5344CB8AC3E}">
-        <p14:creationId xmlns:p14="http://schemas.microsoft.com/office/powerpoint/2010/main" val="1415028317"/>
-      </p:ext>
-    </p:extLst>
-  </p:cSld>
-  <p:clrMapOvr>
-    <a:masterClrMapping/>
-  </p:clrMapOvr>
-</p:sldLayout>
-</file>
-
-<file path=ppt/slideLayouts/slideLayout15.xml><?xml version="1.0" encoding="utf-8"?>
-<p:sldLayout xmlns:a="http://schemas.openxmlformats.org/drawingml/2006/main" xmlns:r="http://schemas.openxmlformats.org/officeDocument/2006/relationships" xmlns:p="http://schemas.openxmlformats.org/presentationml/2006/main" type="twoObj" preserve="1">
-  <p:cSld name="Two Content">
-    <p:spTree>
-      <p:nvGrpSpPr>
-        <p:cNvPr id="1" name=""/>
-        <p:cNvGrpSpPr/>
-        <p:nvPr/>
-      </p:nvGrpSpPr>
-      <p:grpSpPr>
-        <a:xfrm>
-          <a:off x="0" y="0"/>
-          <a:ext cx="0" cy="0"/>
-          <a:chOff x="0" y="0"/>
-          <a:chExt cx="0" cy="0"/>
-        </a:xfrm>
-      </p:grpSpPr>
-      <p:sp>
-        <p:nvSpPr>
-          <p:cNvPr id="2" name="Title 1">
-            <a:extLst>
-              <a:ext uri="{FF2B5EF4-FFF2-40B4-BE49-F238E27FC236}">
-                <a16:creationId xmlns:a16="http://schemas.microsoft.com/office/drawing/2014/main" id="{47AEE31B-9EF1-4454-A236-0E16DFF9ED90}"/>
-              </a:ext>
-            </a:extLst>
-          </p:cNvPr>
-          <p:cNvSpPr>
-            <a:spLocks noGrp="1"/>
-          </p:cNvSpPr>
-          <p:nvPr>
-            <p:ph type="title"/>
-          </p:nvPr>
-        </p:nvSpPr>
-        <p:spPr/>
-        <p:txBody>
-          <a:bodyPr/>
-          <a:lstStyle/>
-          <a:p>
-            <a:r>
-              <a:rPr lang="en-US"/>
-              <a:t>Click to edit Master title style</a:t>
-            </a:r>
-            <a:endParaRPr lang="en-GB"/>
-          </a:p>
-        </p:txBody>
-      </p:sp>
-      <p:sp>
-        <p:nvSpPr>
-          <p:cNvPr id="3" name="Content Placeholder 2">
-            <a:extLst>
-              <a:ext uri="{FF2B5EF4-FFF2-40B4-BE49-F238E27FC236}">
-                <a16:creationId xmlns:a16="http://schemas.microsoft.com/office/drawing/2014/main" id="{13036343-8311-423D-A7D8-097FEA302D3E}"/>
-              </a:ext>
-            </a:extLst>
-          </p:cNvPr>
-          <p:cNvSpPr>
-            <a:spLocks noGrp="1"/>
-          </p:cNvSpPr>
-          <p:nvPr>
-            <p:ph sz="half" idx="1"/>
-          </p:nvPr>
-        </p:nvSpPr>
-        <p:spPr>
-          <a:xfrm>
-            <a:off x="838200" y="1825625"/>
-            <a:ext cx="5181600" cy="4351338"/>
-          </a:xfrm>
-        </p:spPr>
-        <p:txBody>
-          <a:bodyPr/>
-          <a:lstStyle/>
-          <a:p>
-            <a:pPr lvl="0"/>
-            <a:r>
-              <a:rPr lang="en-US"/>
-              <a:t>Click to edit Master text styles</a:t>
-            </a:r>
-          </a:p>
-          <a:p>
-            <a:pPr lvl="1"/>
-            <a:r>
-              <a:rPr lang="en-US"/>
-              <a:t>Second level</a:t>
-            </a:r>
-          </a:p>
-          <a:p>
-            <a:pPr lvl="2"/>
-            <a:r>
-              <a:rPr lang="en-US"/>
-              <a:t>Third level</a:t>
-            </a:r>
-          </a:p>
-          <a:p>
-            <a:pPr lvl="3"/>
-            <a:r>
-              <a:rPr lang="en-US"/>
-              <a:t>Fourth level</a:t>
-            </a:r>
-          </a:p>
-          <a:p>
-            <a:pPr lvl="4"/>
-            <a:r>
-              <a:rPr lang="en-US"/>
-              <a:t>Fifth level</a:t>
-            </a:r>
-            <a:endParaRPr lang="en-GB"/>
-          </a:p>
-        </p:txBody>
-      </p:sp>
-      <p:sp>
-        <p:nvSpPr>
-          <p:cNvPr id="4" name="Content Placeholder 3">
-            <a:extLst>
-              <a:ext uri="{FF2B5EF4-FFF2-40B4-BE49-F238E27FC236}">
-                <a16:creationId xmlns:a16="http://schemas.microsoft.com/office/drawing/2014/main" id="{80107C3F-16A2-43B9-9970-67D3C67BCCF5}"/>
-              </a:ext>
-            </a:extLst>
-          </p:cNvPr>
-          <p:cNvSpPr>
-            <a:spLocks noGrp="1"/>
-          </p:cNvSpPr>
-          <p:nvPr>
-            <p:ph sz="half" idx="2"/>
-          </p:nvPr>
-        </p:nvSpPr>
-        <p:spPr>
-          <a:xfrm>
-            <a:off x="6172200" y="1825625"/>
-            <a:ext cx="5181600" cy="4351338"/>
-          </a:xfrm>
-        </p:spPr>
-        <p:txBody>
-          <a:bodyPr/>
-          <a:lstStyle/>
-          <a:p>
-            <a:pPr lvl="0"/>
-            <a:r>
-              <a:rPr lang="en-US"/>
-              <a:t>Click to edit Master text styles</a:t>
-            </a:r>
-          </a:p>
-          <a:p>
-            <a:pPr lvl="1"/>
-            <a:r>
-              <a:rPr lang="en-US"/>
-              <a:t>Second level</a:t>
-            </a:r>
-          </a:p>
-          <a:p>
-            <a:pPr lvl="2"/>
-            <a:r>
-              <a:rPr lang="en-US"/>
-              <a:t>Third level</a:t>
-            </a:r>
-          </a:p>
-          <a:p>
-            <a:pPr lvl="3"/>
-            <a:r>
-              <a:rPr lang="en-US"/>
-              <a:t>Fourth level</a:t>
-            </a:r>
-          </a:p>
-          <a:p>
-            <a:pPr lvl="4"/>
-            <a:r>
-              <a:rPr lang="en-US"/>
-              <a:t>Fifth level</a:t>
-            </a:r>
-            <a:endParaRPr lang="en-GB"/>
-          </a:p>
-        </p:txBody>
-      </p:sp>
-      <p:sp>
-        <p:nvSpPr>
-          <p:cNvPr id="5" name="Date Placeholder 4">
-            <a:extLst>
-              <a:ext uri="{FF2B5EF4-FFF2-40B4-BE49-F238E27FC236}">
-                <a16:creationId xmlns:a16="http://schemas.microsoft.com/office/drawing/2014/main" id="{95023420-AED3-4C1B-9568-DE9A15AF31B1}"/>
-              </a:ext>
-            </a:extLst>
-          </p:cNvPr>
-          <p:cNvSpPr>
-            <a:spLocks noGrp="1"/>
-          </p:cNvSpPr>
-          <p:nvPr>
-            <p:ph type="dt" sz="half" idx="10"/>
-          </p:nvPr>
-        </p:nvSpPr>
-        <p:spPr/>
-        <p:txBody>
-          <a:bodyPr/>
-          <a:lstStyle/>
-          <a:p>
-            <a:fld id="{E4A62EDC-D5D1-49C5-B313-6E6F916DA0E0}" type="datetimeFigureOut">
-              <a:rPr lang="en-GB" smtClean="0"/>
-              <a:t>05/07/2021</a:t>
-            </a:fld>
-            <a:endParaRPr lang="en-GB"/>
-          </a:p>
-        </p:txBody>
-      </p:sp>
-      <p:sp>
-        <p:nvSpPr>
-          <p:cNvPr id="6" name="Footer Placeholder 5">
-            <a:extLst>
-              <a:ext uri="{FF2B5EF4-FFF2-40B4-BE49-F238E27FC236}">
-                <a16:creationId xmlns:a16="http://schemas.microsoft.com/office/drawing/2014/main" id="{2DEFBC6E-FFF9-4FAB-844A-F21E88D02919}"/>
-              </a:ext>
-            </a:extLst>
-          </p:cNvPr>
-          <p:cNvSpPr>
-            <a:spLocks noGrp="1"/>
-          </p:cNvSpPr>
-          <p:nvPr>
-            <p:ph type="ftr" sz="quarter" idx="11"/>
-          </p:nvPr>
-        </p:nvSpPr>
-        <p:spPr/>
-        <p:txBody>
-          <a:bodyPr/>
-          <a:lstStyle/>
-          <a:p>
-            <a:endParaRPr lang="en-GB"/>
-          </a:p>
-        </p:txBody>
-      </p:sp>
-      <p:sp>
-        <p:nvSpPr>
-          <p:cNvPr id="7" name="Slide Number Placeholder 6">
-            <a:extLst>
-              <a:ext uri="{FF2B5EF4-FFF2-40B4-BE49-F238E27FC236}">
-                <a16:creationId xmlns:a16="http://schemas.microsoft.com/office/drawing/2014/main" id="{4FD18EFD-B2FA-45FD-B7A4-0BC05F2DB837}"/>
-              </a:ext>
-            </a:extLst>
-          </p:cNvPr>
-          <p:cNvSpPr>
-            <a:spLocks noGrp="1"/>
-          </p:cNvSpPr>
-          <p:nvPr>
-            <p:ph type="sldNum" sz="quarter" idx="12"/>
-          </p:nvPr>
-        </p:nvSpPr>
-        <p:spPr/>
-        <p:txBody>
-          <a:bodyPr/>
-          <a:lstStyle/>
-          <a:p>
-            <a:fld id="{8479ABEB-CDBB-4AA8-AA24-8D8980FAD85B}" type="slidenum">
-              <a:rPr lang="en-GB" smtClean="0"/>
-              <a:t>‹#›</a:t>
-            </a:fld>
-            <a:endParaRPr lang="en-GB"/>
-          </a:p>
-        </p:txBody>
-      </p:sp>
-    </p:spTree>
-    <p:extLst>
-      <p:ext uri="{BB962C8B-B14F-4D97-AF65-F5344CB8AC3E}">
-        <p14:creationId xmlns:p14="http://schemas.microsoft.com/office/powerpoint/2010/main" val="1798443286"/>
-      </p:ext>
-    </p:extLst>
-  </p:cSld>
-  <p:clrMapOvr>
-    <a:masterClrMapping/>
-  </p:clrMapOvr>
-</p:sldLayout>
-</file>
-
-<file path=ppt/slideLayouts/slideLayout16.xml><?xml version="1.0" encoding="utf-8"?>
-<p:sldLayout xmlns:a="http://schemas.openxmlformats.org/drawingml/2006/main" xmlns:r="http://schemas.openxmlformats.org/officeDocument/2006/relationships" xmlns:p="http://schemas.openxmlformats.org/presentationml/2006/main" type="twoTxTwoObj" preserve="1">
-  <p:cSld name="Comparison">
-    <p:spTree>
-      <p:nvGrpSpPr>
-        <p:cNvPr id="1" name=""/>
-        <p:cNvGrpSpPr/>
-        <p:nvPr/>
-      </p:nvGrpSpPr>
-      <p:grpSpPr>
-        <a:xfrm>
-          <a:off x="0" y="0"/>
-          <a:ext cx="0" cy="0"/>
-          <a:chOff x="0" y="0"/>
-          <a:chExt cx="0" cy="0"/>
-        </a:xfrm>
-      </p:grpSpPr>
-      <p:sp>
-        <p:nvSpPr>
-          <p:cNvPr id="2" name="Title 1">
-            <a:extLst>
-              <a:ext uri="{FF2B5EF4-FFF2-40B4-BE49-F238E27FC236}">
-                <a16:creationId xmlns:a16="http://schemas.microsoft.com/office/drawing/2014/main" id="{2642A440-7D52-41EF-9144-A48C19569715}"/>
-              </a:ext>
-            </a:extLst>
-          </p:cNvPr>
-          <p:cNvSpPr>
-            <a:spLocks noGrp="1"/>
-          </p:cNvSpPr>
-          <p:nvPr>
-            <p:ph type="title"/>
-          </p:nvPr>
-        </p:nvSpPr>
-        <p:spPr>
-          <a:xfrm>
-            <a:off x="839788" y="365125"/>
-            <a:ext cx="10515600" cy="1325563"/>
-          </a:xfrm>
-        </p:spPr>
-        <p:txBody>
-          <a:bodyPr/>
-          <a:lstStyle/>
-          <a:p>
-            <a:r>
-              <a:rPr lang="en-US"/>
-              <a:t>Click to edit Master title style</a:t>
-            </a:r>
-            <a:endParaRPr lang="en-GB"/>
-          </a:p>
-        </p:txBody>
-      </p:sp>
-      <p:sp>
-        <p:nvSpPr>
-          <p:cNvPr id="3" name="Text Placeholder 2">
-            <a:extLst>
-              <a:ext uri="{FF2B5EF4-FFF2-40B4-BE49-F238E27FC236}">
-                <a16:creationId xmlns:a16="http://schemas.microsoft.com/office/drawing/2014/main" id="{5FA0B939-580E-424B-BFF9-E74C96C8CF80}"/>
-              </a:ext>
-            </a:extLst>
-          </p:cNvPr>
-          <p:cNvSpPr>
-            <a:spLocks noGrp="1"/>
-          </p:cNvSpPr>
-          <p:nvPr>
-            <p:ph type="body" idx="1"/>
-          </p:nvPr>
-        </p:nvSpPr>
-        <p:spPr>
-          <a:xfrm>
-            <a:off x="839788" y="1681163"/>
-            <a:ext cx="5157787" cy="823912"/>
-          </a:xfrm>
-        </p:spPr>
-        <p:txBody>
-          <a:bodyPr anchor="b"/>
-          <a:lstStyle>
-            <a:lvl1pPr marL="0" indent="0">
-              <a:buNone/>
-              <a:defRPr sz="2400" b="1"/>
-            </a:lvl1pPr>
-            <a:lvl2pPr marL="457200" indent="0">
-              <a:buNone/>
-              <a:defRPr sz="2000" b="1"/>
-            </a:lvl2pPr>
-            <a:lvl3pPr marL="914400" indent="0">
-              <a:buNone/>
-              <a:defRPr sz="1800" b="1"/>
-            </a:lvl3pPr>
-            <a:lvl4pPr marL="1371600" indent="0">
-              <a:buNone/>
-              <a:defRPr sz="1600" b="1"/>
-            </a:lvl4pPr>
-            <a:lvl5pPr marL="1828800" indent="0">
-              <a:buNone/>
-              <a:defRPr sz="1600" b="1"/>
-            </a:lvl5pPr>
-            <a:lvl6pPr marL="2286000" indent="0">
-              <a:buNone/>
-              <a:defRPr sz="1600" b="1"/>
-            </a:lvl6pPr>
-            <a:lvl7pPr marL="2743200" indent="0">
-              <a:buNone/>
-              <a:defRPr sz="1600" b="1"/>
-            </a:lvl7pPr>
-            <a:lvl8pPr marL="3200400" indent="0">
-              <a:buNone/>
-              <a:defRPr sz="1600" b="1"/>
-            </a:lvl8pPr>
-            <a:lvl9pPr marL="3657600" indent="0">
-              <a:buNone/>
-              <a:defRPr sz="1600" b="1"/>
-            </a:lvl9pPr>
-          </a:lstStyle>
-          <a:p>
-            <a:pPr lvl="0"/>
-            <a:r>
-              <a:rPr lang="en-US"/>
-              <a:t>Click to edit Master text styles</a:t>
-            </a:r>
-          </a:p>
-        </p:txBody>
-      </p:sp>
-      <p:sp>
-        <p:nvSpPr>
-          <p:cNvPr id="4" name="Content Placeholder 3">
-            <a:extLst>
-              <a:ext uri="{FF2B5EF4-FFF2-40B4-BE49-F238E27FC236}">
-                <a16:creationId xmlns:a16="http://schemas.microsoft.com/office/drawing/2014/main" id="{D5A459B9-AF99-4E25-A1F2-18CEA154D28D}"/>
-              </a:ext>
-            </a:extLst>
-          </p:cNvPr>
-          <p:cNvSpPr>
-            <a:spLocks noGrp="1"/>
-          </p:cNvSpPr>
-          <p:nvPr>
-            <p:ph sz="half" idx="2"/>
-          </p:nvPr>
-        </p:nvSpPr>
-        <p:spPr>
-          <a:xfrm>
-            <a:off x="839788" y="2505075"/>
-            <a:ext cx="5157787" cy="3684588"/>
-          </a:xfrm>
-        </p:spPr>
-        <p:txBody>
-          <a:bodyPr/>
-          <a:lstStyle/>
-          <a:p>
-            <a:pPr lvl="0"/>
-            <a:r>
-              <a:rPr lang="en-US"/>
-              <a:t>Click to edit Master text styles</a:t>
-            </a:r>
-          </a:p>
-          <a:p>
-            <a:pPr lvl="1"/>
-            <a:r>
-              <a:rPr lang="en-US"/>
-              <a:t>Second level</a:t>
-            </a:r>
-          </a:p>
-          <a:p>
-            <a:pPr lvl="2"/>
-            <a:r>
-              <a:rPr lang="en-US"/>
-              <a:t>Third level</a:t>
-            </a:r>
-          </a:p>
-          <a:p>
-            <a:pPr lvl="3"/>
-            <a:r>
-              <a:rPr lang="en-US"/>
-              <a:t>Fourth level</a:t>
-            </a:r>
-          </a:p>
-          <a:p>
-            <a:pPr lvl="4"/>
-            <a:r>
-              <a:rPr lang="en-US"/>
-              <a:t>Fifth level</a:t>
-            </a:r>
-            <a:endParaRPr lang="en-GB"/>
-          </a:p>
-        </p:txBody>
-      </p:sp>
-      <p:sp>
-        <p:nvSpPr>
-          <p:cNvPr id="5" name="Text Placeholder 4">
-            <a:extLst>
-              <a:ext uri="{FF2B5EF4-FFF2-40B4-BE49-F238E27FC236}">
-                <a16:creationId xmlns:a16="http://schemas.microsoft.com/office/drawing/2014/main" id="{3086CC4B-EE71-4291-A44C-0B2B680A607C}"/>
-              </a:ext>
-            </a:extLst>
-          </p:cNvPr>
-          <p:cNvSpPr>
-            <a:spLocks noGrp="1"/>
-          </p:cNvSpPr>
-          <p:nvPr>
-            <p:ph type="body" sz="quarter" idx="3"/>
-          </p:nvPr>
-        </p:nvSpPr>
-        <p:spPr>
-          <a:xfrm>
-            <a:off x="6172200" y="1681163"/>
-            <a:ext cx="5183188" cy="823912"/>
-          </a:xfrm>
-        </p:spPr>
-        <p:txBody>
-          <a:bodyPr anchor="b"/>
-          <a:lstStyle>
-            <a:lvl1pPr marL="0" indent="0">
-              <a:buNone/>
-              <a:defRPr sz="2400" b="1"/>
-            </a:lvl1pPr>
-            <a:lvl2pPr marL="457200" indent="0">
-              <a:buNone/>
-              <a:defRPr sz="2000" b="1"/>
-            </a:lvl2pPr>
-            <a:lvl3pPr marL="914400" indent="0">
-              <a:buNone/>
-              <a:defRPr sz="1800" b="1"/>
-            </a:lvl3pPr>
-            <a:lvl4pPr marL="1371600" indent="0">
-              <a:buNone/>
-              <a:defRPr sz="1600" b="1"/>
-            </a:lvl4pPr>
-            <a:lvl5pPr marL="1828800" indent="0">
-              <a:buNone/>
-              <a:defRPr sz="1600" b="1"/>
-            </a:lvl5pPr>
-            <a:lvl6pPr marL="2286000" indent="0">
-              <a:buNone/>
-              <a:defRPr sz="1600" b="1"/>
-            </a:lvl6pPr>
-            <a:lvl7pPr marL="2743200" indent="0">
-              <a:buNone/>
-              <a:defRPr sz="1600" b="1"/>
-            </a:lvl7pPr>
-            <a:lvl8pPr marL="3200400" indent="0">
-              <a:buNone/>
-              <a:defRPr sz="1600" b="1"/>
-            </a:lvl8pPr>
-            <a:lvl9pPr marL="3657600" indent="0">
-              <a:buNone/>
-              <a:defRPr sz="1600" b="1"/>
-            </a:lvl9pPr>
-          </a:lstStyle>
-          <a:p>
-            <a:pPr lvl="0"/>
-            <a:r>
-              <a:rPr lang="en-US"/>
-              <a:t>Click to edit Master text styles</a:t>
-            </a:r>
-          </a:p>
-        </p:txBody>
-      </p:sp>
-      <p:sp>
-        <p:nvSpPr>
-          <p:cNvPr id="6" name="Content Placeholder 5">
-            <a:extLst>
-              <a:ext uri="{FF2B5EF4-FFF2-40B4-BE49-F238E27FC236}">
-                <a16:creationId xmlns:a16="http://schemas.microsoft.com/office/drawing/2014/main" id="{E35A5253-41FD-4E95-A82C-35269F0974C4}"/>
-              </a:ext>
-            </a:extLst>
-          </p:cNvPr>
-          <p:cNvSpPr>
-            <a:spLocks noGrp="1"/>
-          </p:cNvSpPr>
-          <p:nvPr>
-            <p:ph sz="quarter" idx="4"/>
-          </p:nvPr>
-        </p:nvSpPr>
-        <p:spPr>
-          <a:xfrm>
-            <a:off x="6172200" y="2505075"/>
-            <a:ext cx="5183188" cy="3684588"/>
-          </a:xfrm>
-        </p:spPr>
-        <p:txBody>
-          <a:bodyPr/>
-          <a:lstStyle/>
-          <a:p>
-            <a:pPr lvl="0"/>
-            <a:r>
-              <a:rPr lang="en-US"/>
-              <a:t>Click to edit Master text styles</a:t>
-            </a:r>
-          </a:p>
-          <a:p>
-            <a:pPr lvl="1"/>
-            <a:r>
-              <a:rPr lang="en-US"/>
-              <a:t>Second level</a:t>
-            </a:r>
-          </a:p>
-          <a:p>
-            <a:pPr lvl="2"/>
-            <a:r>
-              <a:rPr lang="en-US"/>
-              <a:t>Third level</a:t>
-            </a:r>
-          </a:p>
-          <a:p>
-            <a:pPr lvl="3"/>
-            <a:r>
-              <a:rPr lang="en-US"/>
-              <a:t>Fourth level</a:t>
-            </a:r>
-          </a:p>
-          <a:p>
-            <a:pPr lvl="4"/>
-            <a:r>
-              <a:rPr lang="en-US"/>
-              <a:t>Fifth level</a:t>
-            </a:r>
-            <a:endParaRPr lang="en-GB"/>
-          </a:p>
-        </p:txBody>
-      </p:sp>
-      <p:sp>
-        <p:nvSpPr>
-          <p:cNvPr id="7" name="Date Placeholder 6">
-            <a:extLst>
-              <a:ext uri="{FF2B5EF4-FFF2-40B4-BE49-F238E27FC236}">
-                <a16:creationId xmlns:a16="http://schemas.microsoft.com/office/drawing/2014/main" id="{ADBE1DA4-22A4-415C-8650-45ACC5DAB24D}"/>
-              </a:ext>
-            </a:extLst>
-          </p:cNvPr>
-          <p:cNvSpPr>
-            <a:spLocks noGrp="1"/>
-          </p:cNvSpPr>
-          <p:nvPr>
-            <p:ph type="dt" sz="half" idx="10"/>
-          </p:nvPr>
-        </p:nvSpPr>
-        <p:spPr/>
-        <p:txBody>
-          <a:bodyPr/>
-          <a:lstStyle/>
-          <a:p>
-            <a:fld id="{E4A62EDC-D5D1-49C5-B313-6E6F916DA0E0}" type="datetimeFigureOut">
-              <a:rPr lang="en-GB" smtClean="0"/>
-              <a:t>05/07/2021</a:t>
-            </a:fld>
-            <a:endParaRPr lang="en-GB"/>
-          </a:p>
-        </p:txBody>
-      </p:sp>
-      <p:sp>
-        <p:nvSpPr>
-          <p:cNvPr id="8" name="Footer Placeholder 7">
-            <a:extLst>
-              <a:ext uri="{FF2B5EF4-FFF2-40B4-BE49-F238E27FC236}">
-                <a16:creationId xmlns:a16="http://schemas.microsoft.com/office/drawing/2014/main" id="{0CCDC4EF-C574-41A8-9E41-BCBFFCB55C52}"/>
-              </a:ext>
-            </a:extLst>
-          </p:cNvPr>
-          <p:cNvSpPr>
-            <a:spLocks noGrp="1"/>
-          </p:cNvSpPr>
-          <p:nvPr>
-            <p:ph type="ftr" sz="quarter" idx="11"/>
-          </p:nvPr>
-        </p:nvSpPr>
-        <p:spPr/>
-        <p:txBody>
-          <a:bodyPr/>
-          <a:lstStyle/>
-          <a:p>
-            <a:endParaRPr lang="en-GB"/>
-          </a:p>
-        </p:txBody>
-      </p:sp>
-      <p:sp>
-        <p:nvSpPr>
-          <p:cNvPr id="9" name="Slide Number Placeholder 8">
-            <a:extLst>
-              <a:ext uri="{FF2B5EF4-FFF2-40B4-BE49-F238E27FC236}">
-                <a16:creationId xmlns:a16="http://schemas.microsoft.com/office/drawing/2014/main" id="{1645C063-FBB5-4021-BA30-866F9E8BF214}"/>
-              </a:ext>
-            </a:extLst>
-          </p:cNvPr>
-          <p:cNvSpPr>
-            <a:spLocks noGrp="1"/>
-          </p:cNvSpPr>
-          <p:nvPr>
-            <p:ph type="sldNum" sz="quarter" idx="12"/>
-          </p:nvPr>
-        </p:nvSpPr>
-        <p:spPr/>
-        <p:txBody>
-          <a:bodyPr/>
-          <a:lstStyle/>
-          <a:p>
-            <a:fld id="{8479ABEB-CDBB-4AA8-AA24-8D8980FAD85B}" type="slidenum">
-              <a:rPr lang="en-GB" smtClean="0"/>
-              <a:t>‹#›</a:t>
-            </a:fld>
-            <a:endParaRPr lang="en-GB"/>
-          </a:p>
-        </p:txBody>
-      </p:sp>
-    </p:spTree>
-    <p:extLst>
-      <p:ext uri="{BB962C8B-B14F-4D97-AF65-F5344CB8AC3E}">
-        <p14:creationId xmlns:p14="http://schemas.microsoft.com/office/powerpoint/2010/main" val="3677763891"/>
-      </p:ext>
-    </p:extLst>
-  </p:cSld>
-  <p:clrMapOvr>
-    <a:masterClrMapping/>
-  </p:clrMapOvr>
-</p:sldLayout>
-</file>
-
-<file path=ppt/slideLayouts/slideLayout17.xml><?xml version="1.0" encoding="utf-8"?>
-<p:sldLayout xmlns:a="http://schemas.openxmlformats.org/drawingml/2006/main" xmlns:r="http://schemas.openxmlformats.org/officeDocument/2006/relationships" xmlns:p="http://schemas.openxmlformats.org/presentationml/2006/main" type="titleOnly" preserve="1">
-  <p:cSld name="Title Only">
-    <p:spTree>
-      <p:nvGrpSpPr>
-        <p:cNvPr id="1" name=""/>
-        <p:cNvGrpSpPr/>
-        <p:nvPr/>
-      </p:nvGrpSpPr>
-      <p:grpSpPr>
-        <a:xfrm>
-          <a:off x="0" y="0"/>
-          <a:ext cx="0" cy="0"/>
-          <a:chOff x="0" y="0"/>
-          <a:chExt cx="0" cy="0"/>
-        </a:xfrm>
-      </p:grpSpPr>
-      <p:sp>
-        <p:nvSpPr>
-          <p:cNvPr id="2" name="Title 1">
-            <a:extLst>
-              <a:ext uri="{FF2B5EF4-FFF2-40B4-BE49-F238E27FC236}">
-                <a16:creationId xmlns:a16="http://schemas.microsoft.com/office/drawing/2014/main" id="{5CBF4397-7FAB-431D-A1AD-1DC559C9EC49}"/>
-              </a:ext>
-            </a:extLst>
-          </p:cNvPr>
-          <p:cNvSpPr>
-            <a:spLocks noGrp="1"/>
-          </p:cNvSpPr>
-          <p:nvPr>
-            <p:ph type="title"/>
-          </p:nvPr>
-        </p:nvSpPr>
-        <p:spPr/>
-        <p:txBody>
-          <a:bodyPr/>
-          <a:lstStyle/>
-          <a:p>
-            <a:r>
-              <a:rPr lang="en-US"/>
-              <a:t>Click to edit Master title style</a:t>
-            </a:r>
-            <a:endParaRPr lang="en-GB"/>
-          </a:p>
-        </p:txBody>
-      </p:sp>
-      <p:sp>
-        <p:nvSpPr>
-          <p:cNvPr id="3" name="Date Placeholder 2">
-            <a:extLst>
-              <a:ext uri="{FF2B5EF4-FFF2-40B4-BE49-F238E27FC236}">
-                <a16:creationId xmlns:a16="http://schemas.microsoft.com/office/drawing/2014/main" id="{5574DFC4-0E5D-4085-8860-B2386B02D4DA}"/>
-              </a:ext>
-            </a:extLst>
-          </p:cNvPr>
-          <p:cNvSpPr>
-            <a:spLocks noGrp="1"/>
-          </p:cNvSpPr>
-          <p:nvPr>
-            <p:ph type="dt" sz="half" idx="10"/>
-          </p:nvPr>
-        </p:nvSpPr>
-        <p:spPr/>
-        <p:txBody>
-          <a:bodyPr/>
-          <a:lstStyle/>
-          <a:p>
-            <a:fld id="{E4A62EDC-D5D1-49C5-B313-6E6F916DA0E0}" type="datetimeFigureOut">
-              <a:rPr lang="en-GB" smtClean="0"/>
-              <a:t>05/07/2021</a:t>
-            </a:fld>
-            <a:endParaRPr lang="en-GB"/>
-          </a:p>
-        </p:txBody>
-      </p:sp>
-      <p:sp>
-        <p:nvSpPr>
-          <p:cNvPr id="4" name="Footer Placeholder 3">
-            <a:extLst>
-              <a:ext uri="{FF2B5EF4-FFF2-40B4-BE49-F238E27FC236}">
-                <a16:creationId xmlns:a16="http://schemas.microsoft.com/office/drawing/2014/main" id="{7D91B68A-6F8D-42C0-B5F5-150F11609B52}"/>
-              </a:ext>
-            </a:extLst>
-          </p:cNvPr>
-          <p:cNvSpPr>
-            <a:spLocks noGrp="1"/>
-          </p:cNvSpPr>
-          <p:nvPr>
-            <p:ph type="ftr" sz="quarter" idx="11"/>
-          </p:nvPr>
-        </p:nvSpPr>
-        <p:spPr/>
-        <p:txBody>
-          <a:bodyPr/>
-          <a:lstStyle/>
-          <a:p>
-            <a:endParaRPr lang="en-GB"/>
-          </a:p>
-        </p:txBody>
-      </p:sp>
-      <p:sp>
-        <p:nvSpPr>
-          <p:cNvPr id="5" name="Slide Number Placeholder 4">
-            <a:extLst>
-              <a:ext uri="{FF2B5EF4-FFF2-40B4-BE49-F238E27FC236}">
-                <a16:creationId xmlns:a16="http://schemas.microsoft.com/office/drawing/2014/main" id="{362B7BA1-C570-4EF9-9D23-22BAEB98CDFD}"/>
-              </a:ext>
-            </a:extLst>
-          </p:cNvPr>
-          <p:cNvSpPr>
-            <a:spLocks noGrp="1"/>
-          </p:cNvSpPr>
-          <p:nvPr>
-            <p:ph type="sldNum" sz="quarter" idx="12"/>
-          </p:nvPr>
-        </p:nvSpPr>
-        <p:spPr/>
-        <p:txBody>
-          <a:bodyPr/>
-          <a:lstStyle/>
-          <a:p>
-            <a:fld id="{8479ABEB-CDBB-4AA8-AA24-8D8980FAD85B}" type="slidenum">
-              <a:rPr lang="en-GB" smtClean="0"/>
-              <a:t>‹#›</a:t>
-            </a:fld>
-            <a:endParaRPr lang="en-GB"/>
-          </a:p>
-        </p:txBody>
-      </p:sp>
-    </p:spTree>
-    <p:extLst>
-      <p:ext uri="{BB962C8B-B14F-4D97-AF65-F5344CB8AC3E}">
-        <p14:creationId xmlns:p14="http://schemas.microsoft.com/office/powerpoint/2010/main" val="2003229145"/>
-      </p:ext>
-    </p:extLst>
-  </p:cSld>
-  <p:clrMapOvr>
-    <a:masterClrMapping/>
-  </p:clrMapOvr>
-</p:sldLayout>
-</file>
-
-<file path=ppt/slideLayouts/slideLayout18.xml><?xml version="1.0" encoding="utf-8"?>
-<p:sldLayout xmlns:a="http://schemas.openxmlformats.org/drawingml/2006/main" xmlns:r="http://schemas.openxmlformats.org/officeDocument/2006/relationships" xmlns:p="http://schemas.openxmlformats.org/presentationml/2006/main" type="blank" preserve="1">
-  <p:cSld name="Blank">
-    <p:spTree>
-      <p:nvGrpSpPr>
-        <p:cNvPr id="1" name=""/>
-        <p:cNvGrpSpPr/>
-        <p:nvPr/>
-      </p:nvGrpSpPr>
-      <p:grpSpPr>
-        <a:xfrm>
-          <a:off x="0" y="0"/>
-          <a:ext cx="0" cy="0"/>
-          <a:chOff x="0" y="0"/>
-          <a:chExt cx="0" cy="0"/>
-        </a:xfrm>
-      </p:grpSpPr>
-      <p:sp>
-        <p:nvSpPr>
-          <p:cNvPr id="2" name="Date Placeholder 1">
-            <a:extLst>
-              <a:ext uri="{FF2B5EF4-FFF2-40B4-BE49-F238E27FC236}">
-                <a16:creationId xmlns:a16="http://schemas.microsoft.com/office/drawing/2014/main" id="{01A67CCD-3041-4905-A76A-EF87A8C00C1E}"/>
-              </a:ext>
-            </a:extLst>
-          </p:cNvPr>
-          <p:cNvSpPr>
-            <a:spLocks noGrp="1"/>
-          </p:cNvSpPr>
-          <p:nvPr>
-            <p:ph type="dt" sz="half" idx="10"/>
-          </p:nvPr>
-        </p:nvSpPr>
-        <p:spPr/>
-        <p:txBody>
-          <a:bodyPr/>
-          <a:lstStyle/>
-          <a:p>
-            <a:fld id="{E4A62EDC-D5D1-49C5-B313-6E6F916DA0E0}" type="datetimeFigureOut">
-              <a:rPr lang="en-GB" smtClean="0"/>
-              <a:t>05/07/2021</a:t>
-            </a:fld>
-            <a:endParaRPr lang="en-GB"/>
-          </a:p>
-        </p:txBody>
-      </p:sp>
-      <p:sp>
-        <p:nvSpPr>
-          <p:cNvPr id="3" name="Footer Placeholder 2">
-            <a:extLst>
-              <a:ext uri="{FF2B5EF4-FFF2-40B4-BE49-F238E27FC236}">
-                <a16:creationId xmlns:a16="http://schemas.microsoft.com/office/drawing/2014/main" id="{1B867FD0-1884-4C2E-8D9D-77E61EE53A0E}"/>
-              </a:ext>
-            </a:extLst>
-          </p:cNvPr>
-          <p:cNvSpPr>
-            <a:spLocks noGrp="1"/>
-          </p:cNvSpPr>
-          <p:nvPr>
-            <p:ph type="ftr" sz="quarter" idx="11"/>
-          </p:nvPr>
-        </p:nvSpPr>
-        <p:spPr/>
-        <p:txBody>
-          <a:bodyPr/>
-          <a:lstStyle/>
-          <a:p>
-            <a:endParaRPr lang="en-GB"/>
-          </a:p>
-        </p:txBody>
-      </p:sp>
-      <p:sp>
-        <p:nvSpPr>
-          <p:cNvPr id="4" name="Slide Number Placeholder 3">
-            <a:extLst>
-              <a:ext uri="{FF2B5EF4-FFF2-40B4-BE49-F238E27FC236}">
-                <a16:creationId xmlns:a16="http://schemas.microsoft.com/office/drawing/2014/main" id="{DA29B228-E4AC-4B6B-8367-B04DDAF76761}"/>
-              </a:ext>
-            </a:extLst>
-          </p:cNvPr>
-          <p:cNvSpPr>
-            <a:spLocks noGrp="1"/>
-          </p:cNvSpPr>
-          <p:nvPr>
-            <p:ph type="sldNum" sz="quarter" idx="12"/>
-          </p:nvPr>
-        </p:nvSpPr>
-        <p:spPr/>
-        <p:txBody>
-          <a:bodyPr/>
-          <a:lstStyle/>
-          <a:p>
-            <a:fld id="{8479ABEB-CDBB-4AA8-AA24-8D8980FAD85B}" type="slidenum">
-              <a:rPr lang="en-GB" smtClean="0"/>
-              <a:t>‹#›</a:t>
-            </a:fld>
-            <a:endParaRPr lang="en-GB"/>
-          </a:p>
-        </p:txBody>
-      </p:sp>
-    </p:spTree>
-    <p:extLst>
-      <p:ext uri="{BB962C8B-B14F-4D97-AF65-F5344CB8AC3E}">
-        <p14:creationId xmlns:p14="http://schemas.microsoft.com/office/powerpoint/2010/main" val="2259551097"/>
-      </p:ext>
-    </p:extLst>
-  </p:cSld>
-  <p:clrMapOvr>
-    <a:masterClrMapping/>
-  </p:clrMapOvr>
-</p:sldLayout>
-</file>
-
-<file path=ppt/slideLayouts/slideLayout19.xml><?xml version="1.0" encoding="utf-8"?>
-<p:sldLayout xmlns:a="http://schemas.openxmlformats.org/drawingml/2006/main" xmlns:r="http://schemas.openxmlformats.org/officeDocument/2006/relationships" xmlns:p="http://schemas.openxmlformats.org/presentationml/2006/main" type="objTx" preserve="1">
-  <p:cSld name="Content with Caption">
-    <p:spTree>
-      <p:nvGrpSpPr>
-        <p:cNvPr id="1" name=""/>
-        <p:cNvGrpSpPr/>
-        <p:nvPr/>
-      </p:nvGrpSpPr>
-      <p:grpSpPr>
-        <a:xfrm>
-          <a:off x="0" y="0"/>
-          <a:ext cx="0" cy="0"/>
-          <a:chOff x="0" y="0"/>
-          <a:chExt cx="0" cy="0"/>
-        </a:xfrm>
-      </p:grpSpPr>
-      <p:sp>
-        <p:nvSpPr>
-          <p:cNvPr id="2" name="Title 1">
-            <a:extLst>
-              <a:ext uri="{FF2B5EF4-FFF2-40B4-BE49-F238E27FC236}">
-                <a16:creationId xmlns:a16="http://schemas.microsoft.com/office/drawing/2014/main" id="{332C89F3-9CDF-4712-B581-051EE9379207}"/>
-              </a:ext>
-            </a:extLst>
-          </p:cNvPr>
-          <p:cNvSpPr>
-            <a:spLocks noGrp="1"/>
-          </p:cNvSpPr>
-          <p:nvPr>
-            <p:ph type="title"/>
-          </p:nvPr>
-        </p:nvSpPr>
-        <p:spPr>
-          <a:xfrm>
-            <a:off x="839788" y="457200"/>
-            <a:ext cx="3932237" cy="1600200"/>
-          </a:xfrm>
-        </p:spPr>
-        <p:txBody>
-          <a:bodyPr anchor="b"/>
-          <a:lstStyle>
-            <a:lvl1pPr>
-              <a:defRPr sz="3200"/>
-            </a:lvl1pPr>
-          </a:lstStyle>
-          <a:p>
-            <a:r>
-              <a:rPr lang="en-US"/>
-              <a:t>Click to edit Master title style</a:t>
-            </a:r>
-            <a:endParaRPr lang="en-GB"/>
-          </a:p>
-        </p:txBody>
-      </p:sp>
-      <p:sp>
-        <p:nvSpPr>
-          <p:cNvPr id="3" name="Content Placeholder 2">
-            <a:extLst>
-              <a:ext uri="{FF2B5EF4-FFF2-40B4-BE49-F238E27FC236}">
-                <a16:creationId xmlns:a16="http://schemas.microsoft.com/office/drawing/2014/main" id="{533EB781-78A6-4F56-806A-A6FB1DE8BC96}"/>
-              </a:ext>
-            </a:extLst>
-          </p:cNvPr>
-          <p:cNvSpPr>
-            <a:spLocks noGrp="1"/>
-          </p:cNvSpPr>
-          <p:nvPr>
-            <p:ph idx="1"/>
-          </p:nvPr>
-        </p:nvSpPr>
-        <p:spPr>
-          <a:xfrm>
-            <a:off x="5183188" y="987425"/>
-            <a:ext cx="6172200" cy="4873625"/>
-          </a:xfrm>
-        </p:spPr>
-        <p:txBody>
-          <a:bodyPr/>
-          <a:lstStyle>
-            <a:lvl1pPr>
-              <a:defRPr sz="3200"/>
-            </a:lvl1pPr>
-            <a:lvl2pPr>
-              <a:defRPr sz="2800"/>
-            </a:lvl2pPr>
-            <a:lvl3pPr>
-              <a:defRPr sz="2400"/>
-            </a:lvl3pPr>
-            <a:lvl4pPr>
-              <a:defRPr sz="2000"/>
-            </a:lvl4pPr>
-            <a:lvl5pPr>
-              <a:defRPr sz="2000"/>
-            </a:lvl5pPr>
-            <a:lvl6pPr>
-              <a:defRPr sz="2000"/>
-            </a:lvl6pPr>
-            <a:lvl7pPr>
-              <a:defRPr sz="2000"/>
-            </a:lvl7pPr>
-            <a:lvl8pPr>
-              <a:defRPr sz="2000"/>
-            </a:lvl8pPr>
-            <a:lvl9pPr>
-              <a:defRPr sz="2000"/>
-            </a:lvl9pPr>
-          </a:lstStyle>
-          <a:p>
-            <a:pPr lvl="0"/>
-            <a:r>
-              <a:rPr lang="en-US"/>
-              <a:t>Click to edit Master text styles</a:t>
-            </a:r>
-          </a:p>
-          <a:p>
-            <a:pPr lvl="1"/>
-            <a:r>
-              <a:rPr lang="en-US"/>
-              <a:t>Second level</a:t>
-            </a:r>
-          </a:p>
-          <a:p>
-            <a:pPr lvl="2"/>
-            <a:r>
-              <a:rPr lang="en-US"/>
-              <a:t>Third level</a:t>
-            </a:r>
-          </a:p>
-          <a:p>
-            <a:pPr lvl="3"/>
-            <a:r>
-              <a:rPr lang="en-US"/>
-              <a:t>Fourth level</a:t>
-            </a:r>
-          </a:p>
-          <a:p>
-            <a:pPr lvl="4"/>
-            <a:r>
-              <a:rPr lang="en-US"/>
-              <a:t>Fifth level</a:t>
-            </a:r>
-            <a:endParaRPr lang="en-GB"/>
-          </a:p>
-        </p:txBody>
-      </p:sp>
-      <p:sp>
-        <p:nvSpPr>
-          <p:cNvPr id="4" name="Text Placeholder 3">
-            <a:extLst>
-              <a:ext uri="{FF2B5EF4-FFF2-40B4-BE49-F238E27FC236}">
-                <a16:creationId xmlns:a16="http://schemas.microsoft.com/office/drawing/2014/main" id="{540AAE4B-091D-4BDC-B117-04A9247B9297}"/>
-              </a:ext>
-            </a:extLst>
-          </p:cNvPr>
-          <p:cNvSpPr>
-            <a:spLocks noGrp="1"/>
-          </p:cNvSpPr>
-          <p:nvPr>
-            <p:ph type="body" sz="half" idx="2"/>
-          </p:nvPr>
-        </p:nvSpPr>
-        <p:spPr>
-          <a:xfrm>
-            <a:off x="839788" y="2057400"/>
-            <a:ext cx="3932237" cy="3811588"/>
-          </a:xfrm>
-        </p:spPr>
-        <p:txBody>
-          <a:bodyPr/>
-          <a:lstStyle>
-            <a:lvl1pPr marL="0" indent="0">
-              <a:buNone/>
-              <a:defRPr sz="1600"/>
-            </a:lvl1pPr>
-            <a:lvl2pPr marL="457200" indent="0">
-              <a:buNone/>
-              <a:defRPr sz="1400"/>
-            </a:lvl2pPr>
-            <a:lvl3pPr marL="914400" indent="0">
-              <a:buNone/>
-              <a:defRPr sz="1200"/>
-            </a:lvl3pPr>
-            <a:lvl4pPr marL="1371600" indent="0">
-              <a:buNone/>
-              <a:defRPr sz="1000"/>
-            </a:lvl4pPr>
-            <a:lvl5pPr marL="1828800" indent="0">
-              <a:buNone/>
-              <a:defRPr sz="1000"/>
-            </a:lvl5pPr>
-            <a:lvl6pPr marL="2286000" indent="0">
-              <a:buNone/>
-              <a:defRPr sz="1000"/>
-            </a:lvl6pPr>
-            <a:lvl7pPr marL="2743200" indent="0">
-              <a:buNone/>
-              <a:defRPr sz="1000"/>
-            </a:lvl7pPr>
-            <a:lvl8pPr marL="3200400" indent="0">
-              <a:buNone/>
-              <a:defRPr sz="1000"/>
-            </a:lvl8pPr>
-            <a:lvl9pPr marL="3657600" indent="0">
-              <a:buNone/>
-              <a:defRPr sz="1000"/>
-            </a:lvl9pPr>
-          </a:lstStyle>
-          <a:p>
-            <a:pPr lvl="0"/>
-            <a:r>
-              <a:rPr lang="en-US"/>
-              <a:t>Click to edit Master text styles</a:t>
-            </a:r>
-          </a:p>
-        </p:txBody>
-      </p:sp>
-      <p:sp>
-        <p:nvSpPr>
-          <p:cNvPr id="5" name="Date Placeholder 4">
-            <a:extLst>
-              <a:ext uri="{FF2B5EF4-FFF2-40B4-BE49-F238E27FC236}">
-                <a16:creationId xmlns:a16="http://schemas.microsoft.com/office/drawing/2014/main" id="{A4531FE5-1C89-444F-854B-70585AE31A37}"/>
-              </a:ext>
-            </a:extLst>
-          </p:cNvPr>
-          <p:cNvSpPr>
-            <a:spLocks noGrp="1"/>
-          </p:cNvSpPr>
-          <p:nvPr>
-            <p:ph type="dt" sz="half" idx="10"/>
-          </p:nvPr>
-        </p:nvSpPr>
-        <p:spPr/>
-        <p:txBody>
-          <a:bodyPr/>
-          <a:lstStyle/>
-          <a:p>
-            <a:fld id="{E4A62EDC-D5D1-49C5-B313-6E6F916DA0E0}" type="datetimeFigureOut">
-              <a:rPr lang="en-GB" smtClean="0"/>
-              <a:t>05/07/2021</a:t>
-            </a:fld>
-            <a:endParaRPr lang="en-GB"/>
-          </a:p>
-        </p:txBody>
-      </p:sp>
-      <p:sp>
-        <p:nvSpPr>
-          <p:cNvPr id="6" name="Footer Placeholder 5">
-            <a:extLst>
-              <a:ext uri="{FF2B5EF4-FFF2-40B4-BE49-F238E27FC236}">
-                <a16:creationId xmlns:a16="http://schemas.microsoft.com/office/drawing/2014/main" id="{4C9FB8BB-96D2-477F-BFB7-EEE546A3CE81}"/>
-              </a:ext>
-            </a:extLst>
-          </p:cNvPr>
-          <p:cNvSpPr>
-            <a:spLocks noGrp="1"/>
-          </p:cNvSpPr>
-          <p:nvPr>
-            <p:ph type="ftr" sz="quarter" idx="11"/>
-          </p:nvPr>
-        </p:nvSpPr>
-        <p:spPr/>
-        <p:txBody>
-          <a:bodyPr/>
-          <a:lstStyle/>
-          <a:p>
-            <a:endParaRPr lang="en-GB"/>
-          </a:p>
-        </p:txBody>
-      </p:sp>
-      <p:sp>
-        <p:nvSpPr>
-          <p:cNvPr id="7" name="Slide Number Placeholder 6">
-            <a:extLst>
-              <a:ext uri="{FF2B5EF4-FFF2-40B4-BE49-F238E27FC236}">
-                <a16:creationId xmlns:a16="http://schemas.microsoft.com/office/drawing/2014/main" id="{AF7DFCE1-D6D3-456B-A6C8-F996E6A10AD3}"/>
-              </a:ext>
-            </a:extLst>
-          </p:cNvPr>
-          <p:cNvSpPr>
-            <a:spLocks noGrp="1"/>
-          </p:cNvSpPr>
-          <p:nvPr>
-            <p:ph type="sldNum" sz="quarter" idx="12"/>
-          </p:nvPr>
-        </p:nvSpPr>
-        <p:spPr/>
-        <p:txBody>
-          <a:bodyPr/>
-          <a:lstStyle/>
-          <a:p>
-            <a:fld id="{8479ABEB-CDBB-4AA8-AA24-8D8980FAD85B}" type="slidenum">
-              <a:rPr lang="en-GB" smtClean="0"/>
-              <a:t>‹#›</a:t>
-            </a:fld>
-            <a:endParaRPr lang="en-GB"/>
-          </a:p>
-        </p:txBody>
-      </p:sp>
-    </p:spTree>
-    <p:extLst>
-      <p:ext uri="{BB962C8B-B14F-4D97-AF65-F5344CB8AC3E}">
-        <p14:creationId xmlns:p14="http://schemas.microsoft.com/office/powerpoint/2010/main" val="4116155199"/>
-      </p:ext>
-    </p:extLst>
-  </p:cSld>
-  <p:clrMapOvr>
-    <a:masterClrMapping/>
-  </p:clrMapOvr>
-</p:sldLayout>
-</file>
-
-<file path=ppt/slideLayouts/slideLayout2.xml><?xml version="1.0" encoding="utf-8"?>
-<p:sldLayout xmlns:a="http://schemas.openxmlformats.org/drawingml/2006/main" xmlns:r="http://schemas.openxmlformats.org/officeDocument/2006/relationships" xmlns:p="http://schemas.openxmlformats.org/presentationml/2006/main" type="obj" preserve="1">
-  <p:cSld name="Title and Content">
-    <p:spTree>
-      <p:nvGrpSpPr>
-        <p:cNvPr id="1" name=""/>
-        <p:cNvGrpSpPr/>
-        <p:nvPr/>
-      </p:nvGrpSpPr>
-      <p:grpSpPr>
-        <a:xfrm>
-          <a:off x="0" y="0"/>
-          <a:ext cx="0" cy="0"/>
-          <a:chOff x="0" y="0"/>
-          <a:chExt cx="0" cy="0"/>
-        </a:xfrm>
-      </p:grpSpPr>
-      <p:sp>
-        <p:nvSpPr>
-          <p:cNvPr id="2" name="Title 1">
-            <a:extLst>
-              <a:ext uri="{FF2B5EF4-FFF2-40B4-BE49-F238E27FC236}">
-                <a16:creationId xmlns:a16="http://schemas.microsoft.com/office/drawing/2014/main" id="{8965DF5A-5456-4FFD-80FD-1FAB6A810B21}"/>
-              </a:ext>
-            </a:extLst>
-          </p:cNvPr>
-          <p:cNvSpPr>
-            <a:spLocks noGrp="1"/>
-          </p:cNvSpPr>
-          <p:nvPr>
-            <p:ph type="title"/>
-          </p:nvPr>
-        </p:nvSpPr>
-        <p:spPr/>
-        <p:txBody>
-          <a:bodyPr/>
-          <a:lstStyle/>
-          <a:p>
-            <a:r>
-              <a:rPr lang="en-US"/>
-              <a:t>Click to edit Master title style</a:t>
-            </a:r>
-            <a:endParaRPr lang="en-GB"/>
-          </a:p>
-        </p:txBody>
-      </p:sp>
-      <p:sp>
-        <p:nvSpPr>
-          <p:cNvPr id="3" name="Content Placeholder 2">
-            <a:extLst>
-              <a:ext uri="{FF2B5EF4-FFF2-40B4-BE49-F238E27FC236}">
-                <a16:creationId xmlns:a16="http://schemas.microsoft.com/office/drawing/2014/main" id="{E6320DFE-A881-445C-BF8D-B56307A8F746}"/>
-              </a:ext>
-            </a:extLst>
-          </p:cNvPr>
-          <p:cNvSpPr>
-            <a:spLocks noGrp="1"/>
-          </p:cNvSpPr>
-          <p:nvPr>
-            <p:ph idx="1"/>
-          </p:nvPr>
-        </p:nvSpPr>
-        <p:spPr/>
-        <p:txBody>
-          <a:bodyPr/>
-          <a:lstStyle/>
-          <a:p>
-            <a:pPr lvl="0"/>
-            <a:r>
-              <a:rPr lang="en-US"/>
-              <a:t>Click to edit Master text styles</a:t>
-            </a:r>
-          </a:p>
-          <a:p>
-            <a:pPr lvl="1"/>
-            <a:r>
-              <a:rPr lang="en-US"/>
-              <a:t>Second level</a:t>
-            </a:r>
-          </a:p>
-          <a:p>
-            <a:pPr lvl="2"/>
-            <a:r>
-              <a:rPr lang="en-US"/>
-              <a:t>Third level</a:t>
-            </a:r>
-          </a:p>
-          <a:p>
-            <a:pPr lvl="3"/>
-            <a:r>
-              <a:rPr lang="en-US"/>
-              <a:t>Fourth level</a:t>
-            </a:r>
-          </a:p>
-          <a:p>
-            <a:pPr lvl="4"/>
-            <a:r>
-              <a:rPr lang="en-US"/>
-              <a:t>Fifth level</a:t>
-            </a:r>
-            <a:endParaRPr lang="en-GB"/>
-          </a:p>
-        </p:txBody>
-      </p:sp>
-      <p:sp>
-        <p:nvSpPr>
-          <p:cNvPr id="4" name="Date Placeholder 3">
-            <a:extLst>
-              <a:ext uri="{FF2B5EF4-FFF2-40B4-BE49-F238E27FC236}">
-                <a16:creationId xmlns:a16="http://schemas.microsoft.com/office/drawing/2014/main" id="{9686B6DF-BEF7-4F84-89D6-33504D36C28E}"/>
-              </a:ext>
-            </a:extLst>
-          </p:cNvPr>
-          <p:cNvSpPr>
-            <a:spLocks noGrp="1"/>
-          </p:cNvSpPr>
-          <p:nvPr>
-            <p:ph type="dt" sz="half" idx="10"/>
-          </p:nvPr>
-        </p:nvSpPr>
-        <p:spPr/>
-        <p:txBody>
-          <a:bodyPr/>
-          <a:lstStyle/>
-          <a:p>
-            <a:fld id="{9A2B8767-FE38-44DC-83D7-19AB33F098DC}" type="datetimeFigureOut">
-              <a:rPr lang="en-GB" smtClean="0"/>
-              <a:t>05/07/2021</a:t>
-            </a:fld>
-            <a:endParaRPr lang="en-GB"/>
-          </a:p>
-        </p:txBody>
-      </p:sp>
-      <p:sp>
-        <p:nvSpPr>
-          <p:cNvPr id="5" name="Footer Placeholder 4">
-            <a:extLst>
-              <a:ext uri="{FF2B5EF4-FFF2-40B4-BE49-F238E27FC236}">
-                <a16:creationId xmlns:a16="http://schemas.microsoft.com/office/drawing/2014/main" id="{50969AC7-AA59-4D3C-AC04-DF2E5A8C40B9}"/>
-              </a:ext>
-            </a:extLst>
-          </p:cNvPr>
-          <p:cNvSpPr>
-            <a:spLocks noGrp="1"/>
-          </p:cNvSpPr>
-          <p:nvPr>
-            <p:ph type="ftr" sz="quarter" idx="11"/>
-          </p:nvPr>
-        </p:nvSpPr>
-        <p:spPr/>
-        <p:txBody>
-          <a:bodyPr/>
-          <a:lstStyle/>
-          <a:p>
-            <a:endParaRPr lang="en-GB"/>
-          </a:p>
-        </p:txBody>
-      </p:sp>
-      <p:sp>
-        <p:nvSpPr>
-          <p:cNvPr id="6" name="Slide Number Placeholder 5">
-            <a:extLst>
-              <a:ext uri="{FF2B5EF4-FFF2-40B4-BE49-F238E27FC236}">
-                <a16:creationId xmlns:a16="http://schemas.microsoft.com/office/drawing/2014/main" id="{65DDC4BA-D032-4BC9-8CA9-A3BF7A2DE6E9}"/>
-              </a:ext>
-            </a:extLst>
-          </p:cNvPr>
-          <p:cNvSpPr>
-            <a:spLocks noGrp="1"/>
-          </p:cNvSpPr>
-          <p:nvPr>
-            <p:ph type="sldNum" sz="quarter" idx="12"/>
-          </p:nvPr>
-        </p:nvSpPr>
-        <p:spPr/>
-        <p:txBody>
-          <a:bodyPr/>
-          <a:lstStyle/>
-          <a:p>
-            <a:fld id="{97ABADF5-99D5-4F32-BD40-0C1618C9DAD9}" type="slidenum">
-              <a:rPr lang="en-GB" smtClean="0"/>
-              <a:t>‹#›</a:t>
-            </a:fld>
-            <a:endParaRPr lang="en-GB"/>
-          </a:p>
-        </p:txBody>
-      </p:sp>
-    </p:spTree>
-    <p:extLst>
-      <p:ext uri="{BB962C8B-B14F-4D97-AF65-F5344CB8AC3E}">
-        <p14:creationId xmlns:p14="http://schemas.microsoft.com/office/powerpoint/2010/main" val="272430750"/>
-      </p:ext>
-    </p:extLst>
-  </p:cSld>
-  <p:clrMapOvr>
-    <a:masterClrMapping/>
-  </p:clrMapOvr>
-</p:sldLayout>
-</file>
-
-<file path=ppt/slideLayouts/slideLayout20.xml><?xml version="1.0" encoding="utf-8"?>
-<p:sldLayout xmlns:a="http://schemas.openxmlformats.org/drawingml/2006/main" xmlns:r="http://schemas.openxmlformats.org/officeDocument/2006/relationships" xmlns:p="http://schemas.openxmlformats.org/presentationml/2006/main" type="picTx" preserve="1">
-  <p:cSld name="Picture with Caption">
-    <p:spTree>
-      <p:nvGrpSpPr>
-        <p:cNvPr id="1" name=""/>
-        <p:cNvGrpSpPr/>
-        <p:nvPr/>
-      </p:nvGrpSpPr>
-      <p:grpSpPr>
-        <a:xfrm>
-          <a:off x="0" y="0"/>
-          <a:ext cx="0" cy="0"/>
-          <a:chOff x="0" y="0"/>
-          <a:chExt cx="0" cy="0"/>
-        </a:xfrm>
-      </p:grpSpPr>
-      <p:sp>
-        <p:nvSpPr>
-          <p:cNvPr id="2" name="Title 1">
-            <a:extLst>
-              <a:ext uri="{FF2B5EF4-FFF2-40B4-BE49-F238E27FC236}">
-                <a16:creationId xmlns:a16="http://schemas.microsoft.com/office/drawing/2014/main" id="{01E195C3-CC11-4A46-8AA9-A7C595E8259D}"/>
-              </a:ext>
-            </a:extLst>
-          </p:cNvPr>
-          <p:cNvSpPr>
-            <a:spLocks noGrp="1"/>
-          </p:cNvSpPr>
-          <p:nvPr>
-            <p:ph type="title"/>
-          </p:nvPr>
-        </p:nvSpPr>
-        <p:spPr>
-          <a:xfrm>
-            <a:off x="839788" y="457200"/>
-            <a:ext cx="3932237" cy="1600200"/>
-          </a:xfrm>
-        </p:spPr>
-        <p:txBody>
-          <a:bodyPr anchor="b"/>
-          <a:lstStyle>
-            <a:lvl1pPr>
-              <a:defRPr sz="3200"/>
-            </a:lvl1pPr>
-          </a:lstStyle>
-          <a:p>
-            <a:r>
-              <a:rPr lang="en-US"/>
-              <a:t>Click to edit Master title style</a:t>
-            </a:r>
-            <a:endParaRPr lang="en-GB"/>
-          </a:p>
-        </p:txBody>
-      </p:sp>
-      <p:sp>
-        <p:nvSpPr>
-          <p:cNvPr id="3" name="Picture Placeholder 2">
-            <a:extLst>
-              <a:ext uri="{FF2B5EF4-FFF2-40B4-BE49-F238E27FC236}">
-                <a16:creationId xmlns:a16="http://schemas.microsoft.com/office/drawing/2014/main" id="{2EEEBAE7-250F-4106-BB26-10531971B33A}"/>
-              </a:ext>
-            </a:extLst>
-          </p:cNvPr>
-          <p:cNvSpPr>
-            <a:spLocks noGrp="1"/>
-          </p:cNvSpPr>
-          <p:nvPr>
-            <p:ph type="pic" idx="1"/>
-          </p:nvPr>
-        </p:nvSpPr>
-        <p:spPr>
-          <a:xfrm>
-            <a:off x="5183188" y="987425"/>
-            <a:ext cx="6172200" cy="4873625"/>
-          </a:xfrm>
-        </p:spPr>
-        <p:txBody>
-          <a:bodyPr/>
-          <a:lstStyle>
-            <a:lvl1pPr marL="0" indent="0">
-              <a:buNone/>
-              <a:defRPr sz="3200"/>
-            </a:lvl1pPr>
-            <a:lvl2pPr marL="457200" indent="0">
-              <a:buNone/>
-              <a:defRPr sz="2800"/>
-            </a:lvl2pPr>
-            <a:lvl3pPr marL="914400" indent="0">
-              <a:buNone/>
-              <a:defRPr sz="2400"/>
-            </a:lvl3pPr>
-            <a:lvl4pPr marL="1371600" indent="0">
-              <a:buNone/>
-              <a:defRPr sz="2000"/>
-            </a:lvl4pPr>
-            <a:lvl5pPr marL="1828800" indent="0">
-              <a:buNone/>
-              <a:defRPr sz="2000"/>
-            </a:lvl5pPr>
-            <a:lvl6pPr marL="2286000" indent="0">
-              <a:buNone/>
-              <a:defRPr sz="2000"/>
-            </a:lvl6pPr>
-            <a:lvl7pPr marL="2743200" indent="0">
-              <a:buNone/>
-              <a:defRPr sz="2000"/>
-            </a:lvl7pPr>
-            <a:lvl8pPr marL="3200400" indent="0">
-              <a:buNone/>
-              <a:defRPr sz="2000"/>
-            </a:lvl8pPr>
-            <a:lvl9pPr marL="3657600" indent="0">
-              <a:buNone/>
-              <a:defRPr sz="2000"/>
-            </a:lvl9pPr>
-          </a:lstStyle>
-          <a:p>
-            <a:endParaRPr lang="en-GB"/>
-          </a:p>
-        </p:txBody>
-      </p:sp>
-      <p:sp>
-        <p:nvSpPr>
-          <p:cNvPr id="4" name="Text Placeholder 3">
-            <a:extLst>
-              <a:ext uri="{FF2B5EF4-FFF2-40B4-BE49-F238E27FC236}">
-                <a16:creationId xmlns:a16="http://schemas.microsoft.com/office/drawing/2014/main" id="{B4E7B94F-6BFE-4813-A404-FE25552BC29D}"/>
-              </a:ext>
-            </a:extLst>
-          </p:cNvPr>
-          <p:cNvSpPr>
-            <a:spLocks noGrp="1"/>
-          </p:cNvSpPr>
-          <p:nvPr>
-            <p:ph type="body" sz="half" idx="2"/>
-          </p:nvPr>
-        </p:nvSpPr>
-        <p:spPr>
-          <a:xfrm>
-            <a:off x="839788" y="2057400"/>
-            <a:ext cx="3932237" cy="3811588"/>
-          </a:xfrm>
-        </p:spPr>
-        <p:txBody>
-          <a:bodyPr/>
-          <a:lstStyle>
-            <a:lvl1pPr marL="0" indent="0">
-              <a:buNone/>
-              <a:defRPr sz="1600"/>
-            </a:lvl1pPr>
-            <a:lvl2pPr marL="457200" indent="0">
-              <a:buNone/>
-              <a:defRPr sz="1400"/>
-            </a:lvl2pPr>
-            <a:lvl3pPr marL="914400" indent="0">
-              <a:buNone/>
-              <a:defRPr sz="1200"/>
-            </a:lvl3pPr>
-            <a:lvl4pPr marL="1371600" indent="0">
-              <a:buNone/>
-              <a:defRPr sz="1000"/>
-            </a:lvl4pPr>
-            <a:lvl5pPr marL="1828800" indent="0">
-              <a:buNone/>
-              <a:defRPr sz="1000"/>
-            </a:lvl5pPr>
-            <a:lvl6pPr marL="2286000" indent="0">
-              <a:buNone/>
-              <a:defRPr sz="1000"/>
-            </a:lvl6pPr>
-            <a:lvl7pPr marL="2743200" indent="0">
-              <a:buNone/>
-              <a:defRPr sz="1000"/>
-            </a:lvl7pPr>
-            <a:lvl8pPr marL="3200400" indent="0">
-              <a:buNone/>
-              <a:defRPr sz="1000"/>
-            </a:lvl8pPr>
-            <a:lvl9pPr marL="3657600" indent="0">
-              <a:buNone/>
-              <a:defRPr sz="1000"/>
-            </a:lvl9pPr>
-          </a:lstStyle>
-          <a:p>
-            <a:pPr lvl="0"/>
-            <a:r>
-              <a:rPr lang="en-US"/>
-              <a:t>Click to edit Master text styles</a:t>
-            </a:r>
-          </a:p>
-        </p:txBody>
-      </p:sp>
-      <p:sp>
-        <p:nvSpPr>
-          <p:cNvPr id="5" name="Date Placeholder 4">
-            <a:extLst>
-              <a:ext uri="{FF2B5EF4-FFF2-40B4-BE49-F238E27FC236}">
-                <a16:creationId xmlns:a16="http://schemas.microsoft.com/office/drawing/2014/main" id="{1ED96162-E488-45C5-BB80-4A47B6FED8D3}"/>
-              </a:ext>
-            </a:extLst>
-          </p:cNvPr>
-          <p:cNvSpPr>
-            <a:spLocks noGrp="1"/>
-          </p:cNvSpPr>
-          <p:nvPr>
-            <p:ph type="dt" sz="half" idx="10"/>
-          </p:nvPr>
-        </p:nvSpPr>
-        <p:spPr/>
-        <p:txBody>
-          <a:bodyPr/>
-          <a:lstStyle/>
-          <a:p>
-            <a:fld id="{E4A62EDC-D5D1-49C5-B313-6E6F916DA0E0}" type="datetimeFigureOut">
-              <a:rPr lang="en-GB" smtClean="0"/>
-              <a:t>05/07/2021</a:t>
-            </a:fld>
-            <a:endParaRPr lang="en-GB"/>
-          </a:p>
-        </p:txBody>
-      </p:sp>
-      <p:sp>
-        <p:nvSpPr>
-          <p:cNvPr id="6" name="Footer Placeholder 5">
-            <a:extLst>
-              <a:ext uri="{FF2B5EF4-FFF2-40B4-BE49-F238E27FC236}">
-                <a16:creationId xmlns:a16="http://schemas.microsoft.com/office/drawing/2014/main" id="{77F7C909-5AA5-4B0D-9675-8837444EDF9A}"/>
-              </a:ext>
-            </a:extLst>
-          </p:cNvPr>
-          <p:cNvSpPr>
-            <a:spLocks noGrp="1"/>
-          </p:cNvSpPr>
-          <p:nvPr>
-            <p:ph type="ftr" sz="quarter" idx="11"/>
-          </p:nvPr>
-        </p:nvSpPr>
-        <p:spPr/>
-        <p:txBody>
-          <a:bodyPr/>
-          <a:lstStyle/>
-          <a:p>
-            <a:endParaRPr lang="en-GB"/>
-          </a:p>
-        </p:txBody>
-      </p:sp>
-      <p:sp>
-        <p:nvSpPr>
-          <p:cNvPr id="7" name="Slide Number Placeholder 6">
-            <a:extLst>
-              <a:ext uri="{FF2B5EF4-FFF2-40B4-BE49-F238E27FC236}">
-                <a16:creationId xmlns:a16="http://schemas.microsoft.com/office/drawing/2014/main" id="{2E0E1404-578B-4B2F-8203-6F1096B4BEC6}"/>
-              </a:ext>
-            </a:extLst>
-          </p:cNvPr>
-          <p:cNvSpPr>
-            <a:spLocks noGrp="1"/>
-          </p:cNvSpPr>
-          <p:nvPr>
-            <p:ph type="sldNum" sz="quarter" idx="12"/>
-          </p:nvPr>
-        </p:nvSpPr>
-        <p:spPr/>
-        <p:txBody>
-          <a:bodyPr/>
-          <a:lstStyle/>
-          <a:p>
-            <a:fld id="{8479ABEB-CDBB-4AA8-AA24-8D8980FAD85B}" type="slidenum">
-              <a:rPr lang="en-GB" smtClean="0"/>
-              <a:t>‹#›</a:t>
-            </a:fld>
-            <a:endParaRPr lang="en-GB"/>
-          </a:p>
-        </p:txBody>
-      </p:sp>
-    </p:spTree>
-    <p:extLst>
-      <p:ext uri="{BB962C8B-B14F-4D97-AF65-F5344CB8AC3E}">
-        <p14:creationId xmlns:p14="http://schemas.microsoft.com/office/powerpoint/2010/main" val="645326653"/>
-      </p:ext>
-    </p:extLst>
-  </p:cSld>
-  <p:clrMapOvr>
-    <a:masterClrMapping/>
-  </p:clrMapOvr>
-</p:sldLayout>
-</file>
-
-<file path=ppt/slideLayouts/slideLayout21.xml><?xml version="1.0" encoding="utf-8"?>
-<p:sldLayout xmlns:a="http://schemas.openxmlformats.org/drawingml/2006/main" xmlns:r="http://schemas.openxmlformats.org/officeDocument/2006/relationships" xmlns:p="http://schemas.openxmlformats.org/presentationml/2006/main" type="vertTx" preserve="1">
-  <p:cSld name="Title and Vertical Text">
-    <p:spTree>
-      <p:nvGrpSpPr>
-        <p:cNvPr id="1" name=""/>
-        <p:cNvGrpSpPr/>
-        <p:nvPr/>
-      </p:nvGrpSpPr>
-      <p:grpSpPr>
-        <a:xfrm>
-          <a:off x="0" y="0"/>
-          <a:ext cx="0" cy="0"/>
-          <a:chOff x="0" y="0"/>
-          <a:chExt cx="0" cy="0"/>
-        </a:xfrm>
-      </p:grpSpPr>
-      <p:sp>
-        <p:nvSpPr>
-          <p:cNvPr id="2" name="Title 1">
-            <a:extLst>
-              <a:ext uri="{FF2B5EF4-FFF2-40B4-BE49-F238E27FC236}">
-                <a16:creationId xmlns:a16="http://schemas.microsoft.com/office/drawing/2014/main" id="{0AB0683B-37F8-4244-8CFC-26CCC29B9154}"/>
-              </a:ext>
-            </a:extLst>
-          </p:cNvPr>
-          <p:cNvSpPr>
-            <a:spLocks noGrp="1"/>
-          </p:cNvSpPr>
-          <p:nvPr>
-            <p:ph type="title"/>
-          </p:nvPr>
-        </p:nvSpPr>
-        <p:spPr/>
-        <p:txBody>
-          <a:bodyPr/>
-          <a:lstStyle/>
-          <a:p>
-            <a:r>
-              <a:rPr lang="en-US"/>
-              <a:t>Click to edit Master title style</a:t>
-            </a:r>
-            <a:endParaRPr lang="en-GB"/>
-          </a:p>
-        </p:txBody>
-      </p:sp>
-      <p:sp>
-        <p:nvSpPr>
-          <p:cNvPr id="3" name="Vertical Text Placeholder 2">
-            <a:extLst>
-              <a:ext uri="{FF2B5EF4-FFF2-40B4-BE49-F238E27FC236}">
-                <a16:creationId xmlns:a16="http://schemas.microsoft.com/office/drawing/2014/main" id="{DB31B56A-0D00-4E74-8A1B-5D12EF3DECCF}"/>
-              </a:ext>
-            </a:extLst>
-          </p:cNvPr>
-          <p:cNvSpPr>
-            <a:spLocks noGrp="1"/>
-          </p:cNvSpPr>
-          <p:nvPr>
-            <p:ph type="body" orient="vert" idx="1"/>
-          </p:nvPr>
-        </p:nvSpPr>
-        <p:spPr/>
-        <p:txBody>
-          <a:bodyPr vert="eaVert"/>
-          <a:lstStyle/>
-          <a:p>
-            <a:pPr lvl="0"/>
-            <a:r>
-              <a:rPr lang="en-US"/>
-              <a:t>Click to edit Master text styles</a:t>
-            </a:r>
-          </a:p>
-          <a:p>
-            <a:pPr lvl="1"/>
-            <a:r>
-              <a:rPr lang="en-US"/>
-              <a:t>Second level</a:t>
-            </a:r>
-          </a:p>
-          <a:p>
-            <a:pPr lvl="2"/>
-            <a:r>
-              <a:rPr lang="en-US"/>
-              <a:t>Third level</a:t>
-            </a:r>
-          </a:p>
-          <a:p>
-            <a:pPr lvl="3"/>
-            <a:r>
-              <a:rPr lang="en-US"/>
-              <a:t>Fourth level</a:t>
-            </a:r>
-          </a:p>
-          <a:p>
-            <a:pPr lvl="4"/>
-            <a:r>
-              <a:rPr lang="en-US"/>
-              <a:t>Fifth level</a:t>
-            </a:r>
-            <a:endParaRPr lang="en-GB"/>
-          </a:p>
-        </p:txBody>
-      </p:sp>
-      <p:sp>
-        <p:nvSpPr>
-          <p:cNvPr id="4" name="Date Placeholder 3">
-            <a:extLst>
-              <a:ext uri="{FF2B5EF4-FFF2-40B4-BE49-F238E27FC236}">
-                <a16:creationId xmlns:a16="http://schemas.microsoft.com/office/drawing/2014/main" id="{A07C4831-4B15-4FE3-8F16-0505B45A686B}"/>
-              </a:ext>
-            </a:extLst>
-          </p:cNvPr>
-          <p:cNvSpPr>
-            <a:spLocks noGrp="1"/>
-          </p:cNvSpPr>
-          <p:nvPr>
-            <p:ph type="dt" sz="half" idx="10"/>
-          </p:nvPr>
-        </p:nvSpPr>
-        <p:spPr/>
-        <p:txBody>
-          <a:bodyPr/>
-          <a:lstStyle/>
-          <a:p>
-            <a:fld id="{E4A62EDC-D5D1-49C5-B313-6E6F916DA0E0}" type="datetimeFigureOut">
-              <a:rPr lang="en-GB" smtClean="0"/>
-              <a:t>05/07/2021</a:t>
-            </a:fld>
-            <a:endParaRPr lang="en-GB"/>
-          </a:p>
-        </p:txBody>
-      </p:sp>
-      <p:sp>
-        <p:nvSpPr>
-          <p:cNvPr id="5" name="Footer Placeholder 4">
-            <a:extLst>
-              <a:ext uri="{FF2B5EF4-FFF2-40B4-BE49-F238E27FC236}">
-                <a16:creationId xmlns:a16="http://schemas.microsoft.com/office/drawing/2014/main" id="{836A1236-BE64-4C70-AB8D-B987B4078856}"/>
-              </a:ext>
-            </a:extLst>
-          </p:cNvPr>
-          <p:cNvSpPr>
-            <a:spLocks noGrp="1"/>
-          </p:cNvSpPr>
-          <p:nvPr>
-            <p:ph type="ftr" sz="quarter" idx="11"/>
-          </p:nvPr>
-        </p:nvSpPr>
-        <p:spPr/>
-        <p:txBody>
-          <a:bodyPr/>
-          <a:lstStyle/>
-          <a:p>
-            <a:endParaRPr lang="en-GB"/>
-          </a:p>
-        </p:txBody>
-      </p:sp>
-      <p:sp>
-        <p:nvSpPr>
-          <p:cNvPr id="6" name="Slide Number Placeholder 5">
-            <a:extLst>
-              <a:ext uri="{FF2B5EF4-FFF2-40B4-BE49-F238E27FC236}">
-                <a16:creationId xmlns:a16="http://schemas.microsoft.com/office/drawing/2014/main" id="{0D30CDB9-B80A-4B60-A37D-96E1E103B9A3}"/>
-              </a:ext>
-            </a:extLst>
-          </p:cNvPr>
-          <p:cNvSpPr>
-            <a:spLocks noGrp="1"/>
-          </p:cNvSpPr>
-          <p:nvPr>
-            <p:ph type="sldNum" sz="quarter" idx="12"/>
-          </p:nvPr>
-        </p:nvSpPr>
-        <p:spPr/>
-        <p:txBody>
-          <a:bodyPr/>
-          <a:lstStyle/>
-          <a:p>
-            <a:fld id="{8479ABEB-CDBB-4AA8-AA24-8D8980FAD85B}" type="slidenum">
-              <a:rPr lang="en-GB" smtClean="0"/>
-              <a:t>‹#›</a:t>
-            </a:fld>
-            <a:endParaRPr lang="en-GB"/>
-          </a:p>
-        </p:txBody>
-      </p:sp>
-    </p:spTree>
-    <p:extLst>
-      <p:ext uri="{BB962C8B-B14F-4D97-AF65-F5344CB8AC3E}">
-        <p14:creationId xmlns:p14="http://schemas.microsoft.com/office/powerpoint/2010/main" val="55296725"/>
-      </p:ext>
-    </p:extLst>
-  </p:cSld>
-  <p:clrMapOvr>
-    <a:masterClrMapping/>
-  </p:clrMapOvr>
-</p:sldLayout>
-</file>
-
-<file path=ppt/slideLayouts/slideLayout22.xml><?xml version="1.0" encoding="utf-8"?>
-<p:sldLayout xmlns:a="http://schemas.openxmlformats.org/drawingml/2006/main" xmlns:r="http://schemas.openxmlformats.org/officeDocument/2006/relationships" xmlns:p="http://schemas.openxmlformats.org/presentationml/2006/main" type="vertTitleAndTx" preserve="1">
-  <p:cSld name="Vertical Title and Text">
-    <p:spTree>
-      <p:nvGrpSpPr>
-        <p:cNvPr id="1" name=""/>
-        <p:cNvGrpSpPr/>
-        <p:nvPr/>
-      </p:nvGrpSpPr>
-      <p:grpSpPr>
-        <a:xfrm>
-          <a:off x="0" y="0"/>
-          <a:ext cx="0" cy="0"/>
-          <a:chOff x="0" y="0"/>
-          <a:chExt cx="0" cy="0"/>
-        </a:xfrm>
-      </p:grpSpPr>
-      <p:sp>
-        <p:nvSpPr>
-          <p:cNvPr id="2" name="Vertical Title 1">
-            <a:extLst>
-              <a:ext uri="{FF2B5EF4-FFF2-40B4-BE49-F238E27FC236}">
-                <a16:creationId xmlns:a16="http://schemas.microsoft.com/office/drawing/2014/main" id="{019E2F85-3088-4B7E-AC61-888270651BD6}"/>
-              </a:ext>
-            </a:extLst>
-          </p:cNvPr>
-          <p:cNvSpPr>
-            <a:spLocks noGrp="1"/>
-          </p:cNvSpPr>
-          <p:nvPr>
-            <p:ph type="title" orient="vert"/>
-          </p:nvPr>
-        </p:nvSpPr>
-        <p:spPr>
-          <a:xfrm>
-            <a:off x="8724900" y="365125"/>
-            <a:ext cx="2628900" cy="5811838"/>
-          </a:xfrm>
-        </p:spPr>
-        <p:txBody>
-          <a:bodyPr vert="eaVert"/>
-          <a:lstStyle/>
-          <a:p>
-            <a:r>
-              <a:rPr lang="en-US"/>
-              <a:t>Click to edit Master title style</a:t>
-            </a:r>
-            <a:endParaRPr lang="en-GB"/>
-          </a:p>
-        </p:txBody>
-      </p:sp>
-      <p:sp>
-        <p:nvSpPr>
-          <p:cNvPr id="3" name="Vertical Text Placeholder 2">
-            <a:extLst>
-              <a:ext uri="{FF2B5EF4-FFF2-40B4-BE49-F238E27FC236}">
-                <a16:creationId xmlns:a16="http://schemas.microsoft.com/office/drawing/2014/main" id="{5B565029-9658-4AC5-BFFA-9F08D9B097ED}"/>
-              </a:ext>
-            </a:extLst>
-          </p:cNvPr>
-          <p:cNvSpPr>
-            <a:spLocks noGrp="1"/>
-          </p:cNvSpPr>
-          <p:nvPr>
-            <p:ph type="body" orient="vert" idx="1"/>
-          </p:nvPr>
-        </p:nvSpPr>
-        <p:spPr>
-          <a:xfrm>
-            <a:off x="838200" y="365125"/>
-            <a:ext cx="7734300" cy="5811838"/>
-          </a:xfrm>
-        </p:spPr>
-        <p:txBody>
-          <a:bodyPr vert="eaVert"/>
-          <a:lstStyle/>
-          <a:p>
-            <a:pPr lvl="0"/>
-            <a:r>
-              <a:rPr lang="en-US"/>
-              <a:t>Click to edit Master text styles</a:t>
-            </a:r>
-          </a:p>
-          <a:p>
-            <a:pPr lvl="1"/>
-            <a:r>
-              <a:rPr lang="en-US"/>
-              <a:t>Second level</a:t>
-            </a:r>
-          </a:p>
-          <a:p>
-            <a:pPr lvl="2"/>
-            <a:r>
-              <a:rPr lang="en-US"/>
-              <a:t>Third level</a:t>
-            </a:r>
-          </a:p>
-          <a:p>
-            <a:pPr lvl="3"/>
-            <a:r>
-              <a:rPr lang="en-US"/>
-              <a:t>Fourth level</a:t>
-            </a:r>
-          </a:p>
-          <a:p>
-            <a:pPr lvl="4"/>
-            <a:r>
-              <a:rPr lang="en-US"/>
-              <a:t>Fifth level</a:t>
-            </a:r>
-            <a:endParaRPr lang="en-GB"/>
-          </a:p>
-        </p:txBody>
-      </p:sp>
-      <p:sp>
-        <p:nvSpPr>
-          <p:cNvPr id="4" name="Date Placeholder 3">
-            <a:extLst>
-              <a:ext uri="{FF2B5EF4-FFF2-40B4-BE49-F238E27FC236}">
-                <a16:creationId xmlns:a16="http://schemas.microsoft.com/office/drawing/2014/main" id="{67168CD8-BC74-4CCE-81B2-5685290E389E}"/>
-              </a:ext>
-            </a:extLst>
-          </p:cNvPr>
-          <p:cNvSpPr>
-            <a:spLocks noGrp="1"/>
-          </p:cNvSpPr>
-          <p:nvPr>
-            <p:ph type="dt" sz="half" idx="10"/>
-          </p:nvPr>
-        </p:nvSpPr>
-        <p:spPr/>
-        <p:txBody>
-          <a:bodyPr/>
-          <a:lstStyle/>
-          <a:p>
-            <a:fld id="{E4A62EDC-D5D1-49C5-B313-6E6F916DA0E0}" type="datetimeFigureOut">
-              <a:rPr lang="en-GB" smtClean="0"/>
-              <a:t>05/07/2021</a:t>
+              <a:t>08/07/2021</a:t>
             </a:fld>
             <a:endParaRPr lang="en-GB"/>
           </a:p>
@@ -5151,7 +2500,7 @@
 </p:sldLayout>
 </file>
 
-<file path=ppt/slideLayouts/slideLayout23.xml><?xml version="1.0" encoding="utf-8"?>
+<file path=ppt/slideLayouts/slideLayout12.xml><?xml version="1.0" encoding="utf-8"?>
 <p:sldLayout xmlns:a="http://schemas.openxmlformats.org/drawingml/2006/main" xmlns:r="http://schemas.openxmlformats.org/officeDocument/2006/relationships" xmlns:p="http://schemas.openxmlformats.org/presentationml/2006/main" showMasterSp="0" userDrawn="1">
   <p:cSld name="Section slide teal">
     <p:bg>
@@ -5484,7 +2833,7 @@
 </p:sldLayout>
 </file>
 
-<file path=ppt/slideLayouts/slideLayout24.xml><?xml version="1.0" encoding="utf-8"?>
+<file path=ppt/slideLayouts/slideLayout13.xml><?xml version="1.0" encoding="utf-8"?>
 <p:sldLayout xmlns:a="http://schemas.openxmlformats.org/drawingml/2006/main" xmlns:r="http://schemas.openxmlformats.org/officeDocument/2006/relationships" xmlns:p="http://schemas.openxmlformats.org/presentationml/2006/main" showMasterSp="0" userDrawn="1">
   <p:cSld name="6_Single column title and content">
     <p:bg>
@@ -5857,6 +3206,206 @@
 </p:sldLayout>
 </file>
 
+<file path=ppt/slideLayouts/slideLayout2.xml><?xml version="1.0" encoding="utf-8"?>
+<p:sldLayout xmlns:a="http://schemas.openxmlformats.org/drawingml/2006/main" xmlns:r="http://schemas.openxmlformats.org/officeDocument/2006/relationships" xmlns:p="http://schemas.openxmlformats.org/presentationml/2006/main" type="obj" preserve="1">
+  <p:cSld name="Title and Content">
+    <p:spTree>
+      <p:nvGrpSpPr>
+        <p:cNvPr id="1" name=""/>
+        <p:cNvGrpSpPr/>
+        <p:nvPr/>
+      </p:nvGrpSpPr>
+      <p:grpSpPr>
+        <a:xfrm>
+          <a:off x="0" y="0"/>
+          <a:ext cx="0" cy="0"/>
+          <a:chOff x="0" y="0"/>
+          <a:chExt cx="0" cy="0"/>
+        </a:xfrm>
+      </p:grpSpPr>
+      <p:sp>
+        <p:nvSpPr>
+          <p:cNvPr id="2" name="Title 1">
+            <a:extLst>
+              <a:ext uri="{FF2B5EF4-FFF2-40B4-BE49-F238E27FC236}">
+                <a16:creationId xmlns:a16="http://schemas.microsoft.com/office/drawing/2014/main" id="{F4784A09-1989-49ED-A3AA-F1BDC807D7EF}"/>
+              </a:ext>
+            </a:extLst>
+          </p:cNvPr>
+          <p:cNvSpPr>
+            <a:spLocks noGrp="1"/>
+          </p:cNvSpPr>
+          <p:nvPr>
+            <p:ph type="title"/>
+          </p:nvPr>
+        </p:nvSpPr>
+        <p:spPr/>
+        <p:txBody>
+          <a:bodyPr/>
+          <a:lstStyle/>
+          <a:p>
+            <a:r>
+              <a:rPr lang="en-US"/>
+              <a:t>Click to edit Master title style</a:t>
+            </a:r>
+            <a:endParaRPr lang="en-GB"/>
+          </a:p>
+        </p:txBody>
+      </p:sp>
+      <p:sp>
+        <p:nvSpPr>
+          <p:cNvPr id="3" name="Content Placeholder 2">
+            <a:extLst>
+              <a:ext uri="{FF2B5EF4-FFF2-40B4-BE49-F238E27FC236}">
+                <a16:creationId xmlns:a16="http://schemas.microsoft.com/office/drawing/2014/main" id="{FB95AFAA-666F-4C67-AFD3-E8DF4810920E}"/>
+              </a:ext>
+            </a:extLst>
+          </p:cNvPr>
+          <p:cNvSpPr>
+            <a:spLocks noGrp="1"/>
+          </p:cNvSpPr>
+          <p:nvPr>
+            <p:ph idx="1"/>
+          </p:nvPr>
+        </p:nvSpPr>
+        <p:spPr/>
+        <p:txBody>
+          <a:bodyPr/>
+          <a:lstStyle/>
+          <a:p>
+            <a:pPr lvl="0"/>
+            <a:r>
+              <a:rPr lang="en-US"/>
+              <a:t>Click to edit Master text styles</a:t>
+            </a:r>
+          </a:p>
+          <a:p>
+            <a:pPr lvl="1"/>
+            <a:r>
+              <a:rPr lang="en-US"/>
+              <a:t>Second level</a:t>
+            </a:r>
+          </a:p>
+          <a:p>
+            <a:pPr lvl="2"/>
+            <a:r>
+              <a:rPr lang="en-US"/>
+              <a:t>Third level</a:t>
+            </a:r>
+          </a:p>
+          <a:p>
+            <a:pPr lvl="3"/>
+            <a:r>
+              <a:rPr lang="en-US"/>
+              <a:t>Fourth level</a:t>
+            </a:r>
+          </a:p>
+          <a:p>
+            <a:pPr lvl="4"/>
+            <a:r>
+              <a:rPr lang="en-US"/>
+              <a:t>Fifth level</a:t>
+            </a:r>
+            <a:endParaRPr lang="en-GB"/>
+          </a:p>
+        </p:txBody>
+      </p:sp>
+      <p:sp>
+        <p:nvSpPr>
+          <p:cNvPr id="4" name="Date Placeholder 3">
+            <a:extLst>
+              <a:ext uri="{FF2B5EF4-FFF2-40B4-BE49-F238E27FC236}">
+                <a16:creationId xmlns:a16="http://schemas.microsoft.com/office/drawing/2014/main" id="{009CDF00-BDF5-444A-B340-7AC7335AD43D}"/>
+              </a:ext>
+            </a:extLst>
+          </p:cNvPr>
+          <p:cNvSpPr>
+            <a:spLocks noGrp="1"/>
+          </p:cNvSpPr>
+          <p:nvPr>
+            <p:ph type="dt" sz="half" idx="10"/>
+          </p:nvPr>
+        </p:nvSpPr>
+        <p:spPr/>
+        <p:txBody>
+          <a:bodyPr/>
+          <a:lstStyle/>
+          <a:p>
+            <a:fld id="{E4A62EDC-D5D1-49C5-B313-6E6F916DA0E0}" type="datetimeFigureOut">
+              <a:rPr lang="en-GB" smtClean="0"/>
+              <a:t>08/07/2021</a:t>
+            </a:fld>
+            <a:endParaRPr lang="en-GB"/>
+          </a:p>
+        </p:txBody>
+      </p:sp>
+      <p:sp>
+        <p:nvSpPr>
+          <p:cNvPr id="5" name="Footer Placeholder 4">
+            <a:extLst>
+              <a:ext uri="{FF2B5EF4-FFF2-40B4-BE49-F238E27FC236}">
+                <a16:creationId xmlns:a16="http://schemas.microsoft.com/office/drawing/2014/main" id="{67D8DFD9-AF70-4B2A-BA67-71CC3FCAB4BF}"/>
+              </a:ext>
+            </a:extLst>
+          </p:cNvPr>
+          <p:cNvSpPr>
+            <a:spLocks noGrp="1"/>
+          </p:cNvSpPr>
+          <p:nvPr>
+            <p:ph type="ftr" sz="quarter" idx="11"/>
+          </p:nvPr>
+        </p:nvSpPr>
+        <p:spPr/>
+        <p:txBody>
+          <a:bodyPr/>
+          <a:lstStyle/>
+          <a:p>
+            <a:endParaRPr lang="en-GB"/>
+          </a:p>
+        </p:txBody>
+      </p:sp>
+      <p:sp>
+        <p:nvSpPr>
+          <p:cNvPr id="6" name="Slide Number Placeholder 5">
+            <a:extLst>
+              <a:ext uri="{FF2B5EF4-FFF2-40B4-BE49-F238E27FC236}">
+                <a16:creationId xmlns:a16="http://schemas.microsoft.com/office/drawing/2014/main" id="{DC04D0E2-81FA-41BA-8F72-C377EA398384}"/>
+              </a:ext>
+            </a:extLst>
+          </p:cNvPr>
+          <p:cNvSpPr>
+            <a:spLocks noGrp="1"/>
+          </p:cNvSpPr>
+          <p:nvPr>
+            <p:ph type="sldNum" sz="quarter" idx="12"/>
+          </p:nvPr>
+        </p:nvSpPr>
+        <p:spPr/>
+        <p:txBody>
+          <a:bodyPr/>
+          <a:lstStyle/>
+          <a:p>
+            <a:fld id="{8479ABEB-CDBB-4AA8-AA24-8D8980FAD85B}" type="slidenum">
+              <a:rPr lang="en-GB" smtClean="0"/>
+              <a:t>‹#›</a:t>
+            </a:fld>
+            <a:endParaRPr lang="en-GB"/>
+          </a:p>
+        </p:txBody>
+      </p:sp>
+    </p:spTree>
+    <p:extLst>
+      <p:ext uri="{BB962C8B-B14F-4D97-AF65-F5344CB8AC3E}">
+        <p14:creationId xmlns:p14="http://schemas.microsoft.com/office/powerpoint/2010/main" val="241556907"/>
+      </p:ext>
+    </p:extLst>
+  </p:cSld>
+  <p:clrMapOvr>
+    <a:masterClrMapping/>
+  </p:clrMapOvr>
+</p:sldLayout>
+</file>
+
 <file path=ppt/slideLayouts/slideLayout3.xml><?xml version="1.0" encoding="utf-8"?>
 <p:sldLayout xmlns:a="http://schemas.openxmlformats.org/drawingml/2006/main" xmlns:r="http://schemas.openxmlformats.org/officeDocument/2006/relationships" xmlns:p="http://schemas.openxmlformats.org/presentationml/2006/main" type="secHead" preserve="1">
   <p:cSld name="Section Header">
@@ -5879,7 +3428,7 @@
           <p:cNvPr id="2" name="Title 1">
             <a:extLst>
               <a:ext uri="{FF2B5EF4-FFF2-40B4-BE49-F238E27FC236}">
-                <a16:creationId xmlns:a16="http://schemas.microsoft.com/office/drawing/2014/main" id="{365F5476-2782-4F96-838B-CAFF2428507C}"/>
+                <a16:creationId xmlns:a16="http://schemas.microsoft.com/office/drawing/2014/main" id="{9F1564A6-4238-410D-A687-830FF65E4DFD}"/>
               </a:ext>
             </a:extLst>
           </p:cNvPr>
@@ -5917,7 +3466,7 @@
           <p:cNvPr id="3" name="Text Placeholder 2">
             <a:extLst>
               <a:ext uri="{FF2B5EF4-FFF2-40B4-BE49-F238E27FC236}">
-                <a16:creationId xmlns:a16="http://schemas.microsoft.com/office/drawing/2014/main" id="{7867E52E-11F2-4928-A4E0-2B63C51B1ADD}"/>
+                <a16:creationId xmlns:a16="http://schemas.microsoft.com/office/drawing/2014/main" id="{1961D4A7-A5C3-48A5-8F95-DE3B31999BC7}"/>
               </a:ext>
             </a:extLst>
           </p:cNvPr>
@@ -6042,7 +3591,7 @@
           <p:cNvPr id="4" name="Date Placeholder 3">
             <a:extLst>
               <a:ext uri="{FF2B5EF4-FFF2-40B4-BE49-F238E27FC236}">
-                <a16:creationId xmlns:a16="http://schemas.microsoft.com/office/drawing/2014/main" id="{89D4EB94-A3EA-45ED-8BB3-9EF601D272F7}"/>
+                <a16:creationId xmlns:a16="http://schemas.microsoft.com/office/drawing/2014/main" id="{2467F68F-748C-4E92-BEF8-B67E4F61C0A4}"/>
               </a:ext>
             </a:extLst>
           </p:cNvPr>
@@ -6058,9 +3607,9 @@
           <a:bodyPr/>
           <a:lstStyle/>
           <a:p>
-            <a:fld id="{9A2B8767-FE38-44DC-83D7-19AB33F098DC}" type="datetimeFigureOut">
+            <a:fld id="{E4A62EDC-D5D1-49C5-B313-6E6F916DA0E0}" type="datetimeFigureOut">
               <a:rPr lang="en-GB" smtClean="0"/>
-              <a:t>05/07/2021</a:t>
+              <a:t>08/07/2021</a:t>
             </a:fld>
             <a:endParaRPr lang="en-GB"/>
           </a:p>
@@ -6071,7 +3620,7 @@
           <p:cNvPr id="5" name="Footer Placeholder 4">
             <a:extLst>
               <a:ext uri="{FF2B5EF4-FFF2-40B4-BE49-F238E27FC236}">
-                <a16:creationId xmlns:a16="http://schemas.microsoft.com/office/drawing/2014/main" id="{04262FB3-7D3F-4032-9E50-BC50D5F570B7}"/>
+                <a16:creationId xmlns:a16="http://schemas.microsoft.com/office/drawing/2014/main" id="{8A37CB54-5216-4417-8339-47F9BB58AF4C}"/>
               </a:ext>
             </a:extLst>
           </p:cNvPr>
@@ -6096,7 +3645,7 @@
           <p:cNvPr id="6" name="Slide Number Placeholder 5">
             <a:extLst>
               <a:ext uri="{FF2B5EF4-FFF2-40B4-BE49-F238E27FC236}">
-                <a16:creationId xmlns:a16="http://schemas.microsoft.com/office/drawing/2014/main" id="{4E0C217A-3F4E-4907-ACE2-E17F7EA28D34}"/>
+                <a16:creationId xmlns:a16="http://schemas.microsoft.com/office/drawing/2014/main" id="{7E53B410-02D8-4B9C-B490-6A0D3DC01CCA}"/>
               </a:ext>
             </a:extLst>
           </p:cNvPr>
@@ -6112,7 +3661,7 @@
           <a:bodyPr/>
           <a:lstStyle/>
           <a:p>
-            <a:fld id="{97ABADF5-99D5-4F32-BD40-0C1618C9DAD9}" type="slidenum">
+            <a:fld id="{8479ABEB-CDBB-4AA8-AA24-8D8980FAD85B}" type="slidenum">
               <a:rPr lang="en-GB" smtClean="0"/>
               <a:t>‹#›</a:t>
             </a:fld>
@@ -6123,7 +3672,7 @@
     </p:spTree>
     <p:extLst>
       <p:ext uri="{BB962C8B-B14F-4D97-AF65-F5344CB8AC3E}">
-        <p14:creationId xmlns:p14="http://schemas.microsoft.com/office/powerpoint/2010/main" val="3746578648"/>
+        <p14:creationId xmlns:p14="http://schemas.microsoft.com/office/powerpoint/2010/main" val="1415028317"/>
       </p:ext>
     </p:extLst>
   </p:cSld>
@@ -6155,7 +3704,7 @@
           <p:cNvPr id="2" name="Title 1">
             <a:extLst>
               <a:ext uri="{FF2B5EF4-FFF2-40B4-BE49-F238E27FC236}">
-                <a16:creationId xmlns:a16="http://schemas.microsoft.com/office/drawing/2014/main" id="{9E1A5742-C3AE-4FCD-9EDB-B86A6D9DB592}"/>
+                <a16:creationId xmlns:a16="http://schemas.microsoft.com/office/drawing/2014/main" id="{47AEE31B-9EF1-4454-A236-0E16DFF9ED90}"/>
               </a:ext>
             </a:extLst>
           </p:cNvPr>
@@ -6184,7 +3733,7 @@
           <p:cNvPr id="3" name="Content Placeholder 2">
             <a:extLst>
               <a:ext uri="{FF2B5EF4-FFF2-40B4-BE49-F238E27FC236}">
-                <a16:creationId xmlns:a16="http://schemas.microsoft.com/office/drawing/2014/main" id="{0555020D-461D-4C56-A6AE-2464EFFB0A18}"/>
+                <a16:creationId xmlns:a16="http://schemas.microsoft.com/office/drawing/2014/main" id="{13036343-8311-423D-A7D8-097FEA302D3E}"/>
               </a:ext>
             </a:extLst>
           </p:cNvPr>
@@ -6247,7 +3796,7 @@
           <p:cNvPr id="4" name="Content Placeholder 3">
             <a:extLst>
               <a:ext uri="{FF2B5EF4-FFF2-40B4-BE49-F238E27FC236}">
-                <a16:creationId xmlns:a16="http://schemas.microsoft.com/office/drawing/2014/main" id="{E2EA07BE-A2AD-49CF-B64A-C4A8E3CF5E64}"/>
+                <a16:creationId xmlns:a16="http://schemas.microsoft.com/office/drawing/2014/main" id="{80107C3F-16A2-43B9-9970-67D3C67BCCF5}"/>
               </a:ext>
             </a:extLst>
           </p:cNvPr>
@@ -6310,7 +3859,7 @@
           <p:cNvPr id="5" name="Date Placeholder 4">
             <a:extLst>
               <a:ext uri="{FF2B5EF4-FFF2-40B4-BE49-F238E27FC236}">
-                <a16:creationId xmlns:a16="http://schemas.microsoft.com/office/drawing/2014/main" id="{26C7DE8E-B06D-4F35-9AA7-200817C56399}"/>
+                <a16:creationId xmlns:a16="http://schemas.microsoft.com/office/drawing/2014/main" id="{95023420-AED3-4C1B-9568-DE9A15AF31B1}"/>
               </a:ext>
             </a:extLst>
           </p:cNvPr>
@@ -6326,9 +3875,9 @@
           <a:bodyPr/>
           <a:lstStyle/>
           <a:p>
-            <a:fld id="{9A2B8767-FE38-44DC-83D7-19AB33F098DC}" type="datetimeFigureOut">
+            <a:fld id="{E4A62EDC-D5D1-49C5-B313-6E6F916DA0E0}" type="datetimeFigureOut">
               <a:rPr lang="en-GB" smtClean="0"/>
-              <a:t>05/07/2021</a:t>
+              <a:t>08/07/2021</a:t>
             </a:fld>
             <a:endParaRPr lang="en-GB"/>
           </a:p>
@@ -6339,7 +3888,7 @@
           <p:cNvPr id="6" name="Footer Placeholder 5">
             <a:extLst>
               <a:ext uri="{FF2B5EF4-FFF2-40B4-BE49-F238E27FC236}">
-                <a16:creationId xmlns:a16="http://schemas.microsoft.com/office/drawing/2014/main" id="{44F94F17-F79D-4D48-98A8-F77FE50CA71C}"/>
+                <a16:creationId xmlns:a16="http://schemas.microsoft.com/office/drawing/2014/main" id="{2DEFBC6E-FFF9-4FAB-844A-F21E88D02919}"/>
               </a:ext>
             </a:extLst>
           </p:cNvPr>
@@ -6364,7 +3913,7 @@
           <p:cNvPr id="7" name="Slide Number Placeholder 6">
             <a:extLst>
               <a:ext uri="{FF2B5EF4-FFF2-40B4-BE49-F238E27FC236}">
-                <a16:creationId xmlns:a16="http://schemas.microsoft.com/office/drawing/2014/main" id="{4199BB2C-920B-4C4C-B30E-39DB602C6408}"/>
+                <a16:creationId xmlns:a16="http://schemas.microsoft.com/office/drawing/2014/main" id="{4FD18EFD-B2FA-45FD-B7A4-0BC05F2DB837}"/>
               </a:ext>
             </a:extLst>
           </p:cNvPr>
@@ -6380,7 +3929,7 @@
           <a:bodyPr/>
           <a:lstStyle/>
           <a:p>
-            <a:fld id="{97ABADF5-99D5-4F32-BD40-0C1618C9DAD9}" type="slidenum">
+            <a:fld id="{8479ABEB-CDBB-4AA8-AA24-8D8980FAD85B}" type="slidenum">
               <a:rPr lang="en-GB" smtClean="0"/>
               <a:t>‹#›</a:t>
             </a:fld>
@@ -6391,7 +3940,7 @@
     </p:spTree>
     <p:extLst>
       <p:ext uri="{BB962C8B-B14F-4D97-AF65-F5344CB8AC3E}">
-        <p14:creationId xmlns:p14="http://schemas.microsoft.com/office/powerpoint/2010/main" val="64257663"/>
+        <p14:creationId xmlns:p14="http://schemas.microsoft.com/office/powerpoint/2010/main" val="1798443286"/>
       </p:ext>
     </p:extLst>
   </p:cSld>
@@ -6423,7 +3972,7 @@
           <p:cNvPr id="2" name="Title 1">
             <a:extLst>
               <a:ext uri="{FF2B5EF4-FFF2-40B4-BE49-F238E27FC236}">
-                <a16:creationId xmlns:a16="http://schemas.microsoft.com/office/drawing/2014/main" id="{08423CD8-463F-4B87-AB6C-A7EEB38310B9}"/>
+                <a16:creationId xmlns:a16="http://schemas.microsoft.com/office/drawing/2014/main" id="{2642A440-7D52-41EF-9144-A48C19569715}"/>
               </a:ext>
             </a:extLst>
           </p:cNvPr>
@@ -6457,7 +4006,7 @@
           <p:cNvPr id="3" name="Text Placeholder 2">
             <a:extLst>
               <a:ext uri="{FF2B5EF4-FFF2-40B4-BE49-F238E27FC236}">
-                <a16:creationId xmlns:a16="http://schemas.microsoft.com/office/drawing/2014/main" id="{05F97719-864D-4F11-AA96-A308ADE0B206}"/>
+                <a16:creationId xmlns:a16="http://schemas.microsoft.com/office/drawing/2014/main" id="{5FA0B939-580E-424B-BFF9-E74C96C8CF80}"/>
               </a:ext>
             </a:extLst>
           </p:cNvPr>
@@ -6528,7 +4077,7 @@
           <p:cNvPr id="4" name="Content Placeholder 3">
             <a:extLst>
               <a:ext uri="{FF2B5EF4-FFF2-40B4-BE49-F238E27FC236}">
-                <a16:creationId xmlns:a16="http://schemas.microsoft.com/office/drawing/2014/main" id="{9D48ADFC-BCBE-466F-80C9-778E0E878537}"/>
+                <a16:creationId xmlns:a16="http://schemas.microsoft.com/office/drawing/2014/main" id="{D5A459B9-AF99-4E25-A1F2-18CEA154D28D}"/>
               </a:ext>
             </a:extLst>
           </p:cNvPr>
@@ -6591,7 +4140,7 @@
           <p:cNvPr id="5" name="Text Placeholder 4">
             <a:extLst>
               <a:ext uri="{FF2B5EF4-FFF2-40B4-BE49-F238E27FC236}">
-                <a16:creationId xmlns:a16="http://schemas.microsoft.com/office/drawing/2014/main" id="{604D3455-62DF-4F3F-91BD-D9F6A3DBAF09}"/>
+                <a16:creationId xmlns:a16="http://schemas.microsoft.com/office/drawing/2014/main" id="{3086CC4B-EE71-4291-A44C-0B2B680A607C}"/>
               </a:ext>
             </a:extLst>
           </p:cNvPr>
@@ -6662,7 +4211,7 @@
           <p:cNvPr id="6" name="Content Placeholder 5">
             <a:extLst>
               <a:ext uri="{FF2B5EF4-FFF2-40B4-BE49-F238E27FC236}">
-                <a16:creationId xmlns:a16="http://schemas.microsoft.com/office/drawing/2014/main" id="{EE641D13-7EA6-4C32-91FE-30C162268F7C}"/>
+                <a16:creationId xmlns:a16="http://schemas.microsoft.com/office/drawing/2014/main" id="{E35A5253-41FD-4E95-A82C-35269F0974C4}"/>
               </a:ext>
             </a:extLst>
           </p:cNvPr>
@@ -6725,7 +4274,7 @@
           <p:cNvPr id="7" name="Date Placeholder 6">
             <a:extLst>
               <a:ext uri="{FF2B5EF4-FFF2-40B4-BE49-F238E27FC236}">
-                <a16:creationId xmlns:a16="http://schemas.microsoft.com/office/drawing/2014/main" id="{B261FD78-DBE6-4799-AE10-C88FD355A3C8}"/>
+                <a16:creationId xmlns:a16="http://schemas.microsoft.com/office/drawing/2014/main" id="{ADBE1DA4-22A4-415C-8650-45ACC5DAB24D}"/>
               </a:ext>
             </a:extLst>
           </p:cNvPr>
@@ -6741,9 +4290,9 @@
           <a:bodyPr/>
           <a:lstStyle/>
           <a:p>
-            <a:fld id="{9A2B8767-FE38-44DC-83D7-19AB33F098DC}" type="datetimeFigureOut">
+            <a:fld id="{E4A62EDC-D5D1-49C5-B313-6E6F916DA0E0}" type="datetimeFigureOut">
               <a:rPr lang="en-GB" smtClean="0"/>
-              <a:t>05/07/2021</a:t>
+              <a:t>08/07/2021</a:t>
             </a:fld>
             <a:endParaRPr lang="en-GB"/>
           </a:p>
@@ -6754,7 +4303,7 @@
           <p:cNvPr id="8" name="Footer Placeholder 7">
             <a:extLst>
               <a:ext uri="{FF2B5EF4-FFF2-40B4-BE49-F238E27FC236}">
-                <a16:creationId xmlns:a16="http://schemas.microsoft.com/office/drawing/2014/main" id="{1B8780F2-CF7C-4359-B316-B94974B1220A}"/>
+                <a16:creationId xmlns:a16="http://schemas.microsoft.com/office/drawing/2014/main" id="{0CCDC4EF-C574-41A8-9E41-BCBFFCB55C52}"/>
               </a:ext>
             </a:extLst>
           </p:cNvPr>
@@ -6779,7 +4328,7 @@
           <p:cNvPr id="9" name="Slide Number Placeholder 8">
             <a:extLst>
               <a:ext uri="{FF2B5EF4-FFF2-40B4-BE49-F238E27FC236}">
-                <a16:creationId xmlns:a16="http://schemas.microsoft.com/office/drawing/2014/main" id="{45FA6D80-26EE-446F-A4AD-9EB8B77ACA25}"/>
+                <a16:creationId xmlns:a16="http://schemas.microsoft.com/office/drawing/2014/main" id="{1645C063-FBB5-4021-BA30-866F9E8BF214}"/>
               </a:ext>
             </a:extLst>
           </p:cNvPr>
@@ -6795,7 +4344,7 @@
           <a:bodyPr/>
           <a:lstStyle/>
           <a:p>
-            <a:fld id="{97ABADF5-99D5-4F32-BD40-0C1618C9DAD9}" type="slidenum">
+            <a:fld id="{8479ABEB-CDBB-4AA8-AA24-8D8980FAD85B}" type="slidenum">
               <a:rPr lang="en-GB" smtClean="0"/>
               <a:t>‹#›</a:t>
             </a:fld>
@@ -6806,7 +4355,7 @@
     </p:spTree>
     <p:extLst>
       <p:ext uri="{BB962C8B-B14F-4D97-AF65-F5344CB8AC3E}">
-        <p14:creationId xmlns:p14="http://schemas.microsoft.com/office/powerpoint/2010/main" val="539090596"/>
+        <p14:creationId xmlns:p14="http://schemas.microsoft.com/office/powerpoint/2010/main" val="3677763891"/>
       </p:ext>
     </p:extLst>
   </p:cSld>
@@ -6838,7 +4387,7 @@
           <p:cNvPr id="2" name="Title 1">
             <a:extLst>
               <a:ext uri="{FF2B5EF4-FFF2-40B4-BE49-F238E27FC236}">
-                <a16:creationId xmlns:a16="http://schemas.microsoft.com/office/drawing/2014/main" id="{72E63878-4883-43A8-83ED-654637ABEC5E}"/>
+                <a16:creationId xmlns:a16="http://schemas.microsoft.com/office/drawing/2014/main" id="{5CBF4397-7FAB-431D-A1AD-1DC559C9EC49}"/>
               </a:ext>
             </a:extLst>
           </p:cNvPr>
@@ -6867,7 +4416,7 @@
           <p:cNvPr id="3" name="Date Placeholder 2">
             <a:extLst>
               <a:ext uri="{FF2B5EF4-FFF2-40B4-BE49-F238E27FC236}">
-                <a16:creationId xmlns:a16="http://schemas.microsoft.com/office/drawing/2014/main" id="{F725224B-41A4-49D9-870D-E19368E0B732}"/>
+                <a16:creationId xmlns:a16="http://schemas.microsoft.com/office/drawing/2014/main" id="{5574DFC4-0E5D-4085-8860-B2386B02D4DA}"/>
               </a:ext>
             </a:extLst>
           </p:cNvPr>
@@ -6883,9 +4432,9 @@
           <a:bodyPr/>
           <a:lstStyle/>
           <a:p>
-            <a:fld id="{9A2B8767-FE38-44DC-83D7-19AB33F098DC}" type="datetimeFigureOut">
+            <a:fld id="{E4A62EDC-D5D1-49C5-B313-6E6F916DA0E0}" type="datetimeFigureOut">
               <a:rPr lang="en-GB" smtClean="0"/>
-              <a:t>05/07/2021</a:t>
+              <a:t>08/07/2021</a:t>
             </a:fld>
             <a:endParaRPr lang="en-GB"/>
           </a:p>
@@ -6896,7 +4445,7 @@
           <p:cNvPr id="4" name="Footer Placeholder 3">
             <a:extLst>
               <a:ext uri="{FF2B5EF4-FFF2-40B4-BE49-F238E27FC236}">
-                <a16:creationId xmlns:a16="http://schemas.microsoft.com/office/drawing/2014/main" id="{502211F1-9D30-4C5D-AE83-D3F1554646FB}"/>
+                <a16:creationId xmlns:a16="http://schemas.microsoft.com/office/drawing/2014/main" id="{7D91B68A-6F8D-42C0-B5F5-150F11609B52}"/>
               </a:ext>
             </a:extLst>
           </p:cNvPr>
@@ -6921,7 +4470,7 @@
           <p:cNvPr id="5" name="Slide Number Placeholder 4">
             <a:extLst>
               <a:ext uri="{FF2B5EF4-FFF2-40B4-BE49-F238E27FC236}">
-                <a16:creationId xmlns:a16="http://schemas.microsoft.com/office/drawing/2014/main" id="{9727AD33-2182-41C7-8132-5CDFFF365688}"/>
+                <a16:creationId xmlns:a16="http://schemas.microsoft.com/office/drawing/2014/main" id="{362B7BA1-C570-4EF9-9D23-22BAEB98CDFD}"/>
               </a:ext>
             </a:extLst>
           </p:cNvPr>
@@ -6937,7 +4486,7 @@
           <a:bodyPr/>
           <a:lstStyle/>
           <a:p>
-            <a:fld id="{97ABADF5-99D5-4F32-BD40-0C1618C9DAD9}" type="slidenum">
+            <a:fld id="{8479ABEB-CDBB-4AA8-AA24-8D8980FAD85B}" type="slidenum">
               <a:rPr lang="en-GB" smtClean="0"/>
               <a:t>‹#›</a:t>
             </a:fld>
@@ -6948,7 +4497,7 @@
     </p:spTree>
     <p:extLst>
       <p:ext uri="{BB962C8B-B14F-4D97-AF65-F5344CB8AC3E}">
-        <p14:creationId xmlns:p14="http://schemas.microsoft.com/office/powerpoint/2010/main" val="196822585"/>
+        <p14:creationId xmlns:p14="http://schemas.microsoft.com/office/powerpoint/2010/main" val="2003229145"/>
       </p:ext>
     </p:extLst>
   </p:cSld>
@@ -6980,7 +4529,7 @@
           <p:cNvPr id="2" name="Date Placeholder 1">
             <a:extLst>
               <a:ext uri="{FF2B5EF4-FFF2-40B4-BE49-F238E27FC236}">
-                <a16:creationId xmlns:a16="http://schemas.microsoft.com/office/drawing/2014/main" id="{E65FC599-803C-4C5F-8969-EA012D615014}"/>
+                <a16:creationId xmlns:a16="http://schemas.microsoft.com/office/drawing/2014/main" id="{01A67CCD-3041-4905-A76A-EF87A8C00C1E}"/>
               </a:ext>
             </a:extLst>
           </p:cNvPr>
@@ -6996,9 +4545,9 @@
           <a:bodyPr/>
           <a:lstStyle/>
           <a:p>
-            <a:fld id="{9A2B8767-FE38-44DC-83D7-19AB33F098DC}" type="datetimeFigureOut">
+            <a:fld id="{E4A62EDC-D5D1-49C5-B313-6E6F916DA0E0}" type="datetimeFigureOut">
               <a:rPr lang="en-GB" smtClean="0"/>
-              <a:t>05/07/2021</a:t>
+              <a:t>08/07/2021</a:t>
             </a:fld>
             <a:endParaRPr lang="en-GB"/>
           </a:p>
@@ -7009,7 +4558,7 @@
           <p:cNvPr id="3" name="Footer Placeholder 2">
             <a:extLst>
               <a:ext uri="{FF2B5EF4-FFF2-40B4-BE49-F238E27FC236}">
-                <a16:creationId xmlns:a16="http://schemas.microsoft.com/office/drawing/2014/main" id="{F4931BC0-AB0F-4FBC-974E-DEA40406626E}"/>
+                <a16:creationId xmlns:a16="http://schemas.microsoft.com/office/drawing/2014/main" id="{1B867FD0-1884-4C2E-8D9D-77E61EE53A0E}"/>
               </a:ext>
             </a:extLst>
           </p:cNvPr>
@@ -7034,7 +4583,7 @@
           <p:cNvPr id="4" name="Slide Number Placeholder 3">
             <a:extLst>
               <a:ext uri="{FF2B5EF4-FFF2-40B4-BE49-F238E27FC236}">
-                <a16:creationId xmlns:a16="http://schemas.microsoft.com/office/drawing/2014/main" id="{8FE8FD10-F730-451C-9DE8-E5F09E194103}"/>
+                <a16:creationId xmlns:a16="http://schemas.microsoft.com/office/drawing/2014/main" id="{DA29B228-E4AC-4B6B-8367-B04DDAF76761}"/>
               </a:ext>
             </a:extLst>
           </p:cNvPr>
@@ -7050,7 +4599,7 @@
           <a:bodyPr/>
           <a:lstStyle/>
           <a:p>
-            <a:fld id="{97ABADF5-99D5-4F32-BD40-0C1618C9DAD9}" type="slidenum">
+            <a:fld id="{8479ABEB-CDBB-4AA8-AA24-8D8980FAD85B}" type="slidenum">
               <a:rPr lang="en-GB" smtClean="0"/>
               <a:t>‹#›</a:t>
             </a:fld>
@@ -7061,7 +4610,7 @@
     </p:spTree>
     <p:extLst>
       <p:ext uri="{BB962C8B-B14F-4D97-AF65-F5344CB8AC3E}">
-        <p14:creationId xmlns:p14="http://schemas.microsoft.com/office/powerpoint/2010/main" val="3558592711"/>
+        <p14:creationId xmlns:p14="http://schemas.microsoft.com/office/powerpoint/2010/main" val="2259551097"/>
       </p:ext>
     </p:extLst>
   </p:cSld>
@@ -7093,7 +4642,7 @@
           <p:cNvPr id="2" name="Title 1">
             <a:extLst>
               <a:ext uri="{FF2B5EF4-FFF2-40B4-BE49-F238E27FC236}">
-                <a16:creationId xmlns:a16="http://schemas.microsoft.com/office/drawing/2014/main" id="{D84A9513-BAC1-460F-8FF7-CD59CD3EBCD2}"/>
+                <a16:creationId xmlns:a16="http://schemas.microsoft.com/office/drawing/2014/main" id="{332C89F3-9CDF-4712-B581-051EE9379207}"/>
               </a:ext>
             </a:extLst>
           </p:cNvPr>
@@ -7131,7 +4680,7 @@
           <p:cNvPr id="3" name="Content Placeholder 2">
             <a:extLst>
               <a:ext uri="{FF2B5EF4-FFF2-40B4-BE49-F238E27FC236}">
-                <a16:creationId xmlns:a16="http://schemas.microsoft.com/office/drawing/2014/main" id="{C7BF1D0C-86DB-4EF3-8A4E-F53F533E8600}"/>
+                <a16:creationId xmlns:a16="http://schemas.microsoft.com/office/drawing/2014/main" id="{533EB781-78A6-4F56-806A-A6FB1DE8BC96}"/>
               </a:ext>
             </a:extLst>
           </p:cNvPr>
@@ -7222,7 +4771,7 @@
           <p:cNvPr id="4" name="Text Placeholder 3">
             <a:extLst>
               <a:ext uri="{FF2B5EF4-FFF2-40B4-BE49-F238E27FC236}">
-                <a16:creationId xmlns:a16="http://schemas.microsoft.com/office/drawing/2014/main" id="{B95E6330-9601-4330-A4E9-A65BD3E834E8}"/>
+                <a16:creationId xmlns:a16="http://schemas.microsoft.com/office/drawing/2014/main" id="{540AAE4B-091D-4BDC-B117-04A9247B9297}"/>
               </a:ext>
             </a:extLst>
           </p:cNvPr>
@@ -7293,7 +4842,7 @@
           <p:cNvPr id="5" name="Date Placeholder 4">
             <a:extLst>
               <a:ext uri="{FF2B5EF4-FFF2-40B4-BE49-F238E27FC236}">
-                <a16:creationId xmlns:a16="http://schemas.microsoft.com/office/drawing/2014/main" id="{C4FBCFF8-166B-4413-AACC-9209BE06C84D}"/>
+                <a16:creationId xmlns:a16="http://schemas.microsoft.com/office/drawing/2014/main" id="{A4531FE5-1C89-444F-854B-70585AE31A37}"/>
               </a:ext>
             </a:extLst>
           </p:cNvPr>
@@ -7309,9 +4858,9 @@
           <a:bodyPr/>
           <a:lstStyle/>
           <a:p>
-            <a:fld id="{9A2B8767-FE38-44DC-83D7-19AB33F098DC}" type="datetimeFigureOut">
+            <a:fld id="{E4A62EDC-D5D1-49C5-B313-6E6F916DA0E0}" type="datetimeFigureOut">
               <a:rPr lang="en-GB" smtClean="0"/>
-              <a:t>05/07/2021</a:t>
+              <a:t>08/07/2021</a:t>
             </a:fld>
             <a:endParaRPr lang="en-GB"/>
           </a:p>
@@ -7322,7 +4871,7 @@
           <p:cNvPr id="6" name="Footer Placeholder 5">
             <a:extLst>
               <a:ext uri="{FF2B5EF4-FFF2-40B4-BE49-F238E27FC236}">
-                <a16:creationId xmlns:a16="http://schemas.microsoft.com/office/drawing/2014/main" id="{2A9E4496-F420-475C-9F95-FE1E31A3438E}"/>
+                <a16:creationId xmlns:a16="http://schemas.microsoft.com/office/drawing/2014/main" id="{4C9FB8BB-96D2-477F-BFB7-EEE546A3CE81}"/>
               </a:ext>
             </a:extLst>
           </p:cNvPr>
@@ -7347,7 +4896,7 @@
           <p:cNvPr id="7" name="Slide Number Placeholder 6">
             <a:extLst>
               <a:ext uri="{FF2B5EF4-FFF2-40B4-BE49-F238E27FC236}">
-                <a16:creationId xmlns:a16="http://schemas.microsoft.com/office/drawing/2014/main" id="{9B5DC1C3-D0F0-4B6F-97AF-33B6A286DBB5}"/>
+                <a16:creationId xmlns:a16="http://schemas.microsoft.com/office/drawing/2014/main" id="{AF7DFCE1-D6D3-456B-A6C8-F996E6A10AD3}"/>
               </a:ext>
             </a:extLst>
           </p:cNvPr>
@@ -7363,7 +4912,7 @@
           <a:bodyPr/>
           <a:lstStyle/>
           <a:p>
-            <a:fld id="{97ABADF5-99D5-4F32-BD40-0C1618C9DAD9}" type="slidenum">
+            <a:fld id="{8479ABEB-CDBB-4AA8-AA24-8D8980FAD85B}" type="slidenum">
               <a:rPr lang="en-GB" smtClean="0"/>
               <a:t>‹#›</a:t>
             </a:fld>
@@ -7374,7 +4923,7 @@
     </p:spTree>
     <p:extLst>
       <p:ext uri="{BB962C8B-B14F-4D97-AF65-F5344CB8AC3E}">
-        <p14:creationId xmlns:p14="http://schemas.microsoft.com/office/powerpoint/2010/main" val="2738195060"/>
+        <p14:creationId xmlns:p14="http://schemas.microsoft.com/office/powerpoint/2010/main" val="4116155199"/>
       </p:ext>
     </p:extLst>
   </p:cSld>
@@ -7406,7 +4955,7 @@
           <p:cNvPr id="2" name="Title 1">
             <a:extLst>
               <a:ext uri="{FF2B5EF4-FFF2-40B4-BE49-F238E27FC236}">
-                <a16:creationId xmlns:a16="http://schemas.microsoft.com/office/drawing/2014/main" id="{9D6F1D29-43D9-4D0B-BDF2-C443468ECDE8}"/>
+                <a16:creationId xmlns:a16="http://schemas.microsoft.com/office/drawing/2014/main" id="{01E195C3-CC11-4A46-8AA9-A7C595E8259D}"/>
               </a:ext>
             </a:extLst>
           </p:cNvPr>
@@ -7444,7 +4993,7 @@
           <p:cNvPr id="3" name="Picture Placeholder 2">
             <a:extLst>
               <a:ext uri="{FF2B5EF4-FFF2-40B4-BE49-F238E27FC236}">
-                <a16:creationId xmlns:a16="http://schemas.microsoft.com/office/drawing/2014/main" id="{EE3F5077-80CD-40F2-B3B4-137C4CF56183}"/>
+                <a16:creationId xmlns:a16="http://schemas.microsoft.com/office/drawing/2014/main" id="{2EEEBAE7-250F-4106-BB26-10531971B33A}"/>
               </a:ext>
             </a:extLst>
           </p:cNvPr>
@@ -7511,7 +5060,7 @@
           <p:cNvPr id="4" name="Text Placeholder 3">
             <a:extLst>
               <a:ext uri="{FF2B5EF4-FFF2-40B4-BE49-F238E27FC236}">
-                <a16:creationId xmlns:a16="http://schemas.microsoft.com/office/drawing/2014/main" id="{5B843578-9FBD-410F-849C-0C907E129EE3}"/>
+                <a16:creationId xmlns:a16="http://schemas.microsoft.com/office/drawing/2014/main" id="{B4E7B94F-6BFE-4813-A404-FE25552BC29D}"/>
               </a:ext>
             </a:extLst>
           </p:cNvPr>
@@ -7582,7 +5131,7 @@
           <p:cNvPr id="5" name="Date Placeholder 4">
             <a:extLst>
               <a:ext uri="{FF2B5EF4-FFF2-40B4-BE49-F238E27FC236}">
-                <a16:creationId xmlns:a16="http://schemas.microsoft.com/office/drawing/2014/main" id="{6F5E51A6-3174-4F78-98C2-8CFB9F95C597}"/>
+                <a16:creationId xmlns:a16="http://schemas.microsoft.com/office/drawing/2014/main" id="{1ED96162-E488-45C5-BB80-4A47B6FED8D3}"/>
               </a:ext>
             </a:extLst>
           </p:cNvPr>
@@ -7598,9 +5147,9 @@
           <a:bodyPr/>
           <a:lstStyle/>
           <a:p>
-            <a:fld id="{9A2B8767-FE38-44DC-83D7-19AB33F098DC}" type="datetimeFigureOut">
+            <a:fld id="{E4A62EDC-D5D1-49C5-B313-6E6F916DA0E0}" type="datetimeFigureOut">
               <a:rPr lang="en-GB" smtClean="0"/>
-              <a:t>05/07/2021</a:t>
+              <a:t>08/07/2021</a:t>
             </a:fld>
             <a:endParaRPr lang="en-GB"/>
           </a:p>
@@ -7611,7 +5160,7 @@
           <p:cNvPr id="6" name="Footer Placeholder 5">
             <a:extLst>
               <a:ext uri="{FF2B5EF4-FFF2-40B4-BE49-F238E27FC236}">
-                <a16:creationId xmlns:a16="http://schemas.microsoft.com/office/drawing/2014/main" id="{0CBC2525-57B4-451D-B303-5807209AF5DC}"/>
+                <a16:creationId xmlns:a16="http://schemas.microsoft.com/office/drawing/2014/main" id="{77F7C909-5AA5-4B0D-9675-8837444EDF9A}"/>
               </a:ext>
             </a:extLst>
           </p:cNvPr>
@@ -7636,7 +5185,7 @@
           <p:cNvPr id="7" name="Slide Number Placeholder 6">
             <a:extLst>
               <a:ext uri="{FF2B5EF4-FFF2-40B4-BE49-F238E27FC236}">
-                <a16:creationId xmlns:a16="http://schemas.microsoft.com/office/drawing/2014/main" id="{AF59BFA7-CB02-4D31-95D2-C33C84AC2165}"/>
+                <a16:creationId xmlns:a16="http://schemas.microsoft.com/office/drawing/2014/main" id="{2E0E1404-578B-4B2F-8203-6F1096B4BEC6}"/>
               </a:ext>
             </a:extLst>
           </p:cNvPr>
@@ -7652,7 +5201,7 @@
           <a:bodyPr/>
           <a:lstStyle/>
           <a:p>
-            <a:fld id="{97ABADF5-99D5-4F32-BD40-0C1618C9DAD9}" type="slidenum">
+            <a:fld id="{8479ABEB-CDBB-4AA8-AA24-8D8980FAD85B}" type="slidenum">
               <a:rPr lang="en-GB" smtClean="0"/>
               <a:t>‹#›</a:t>
             </a:fld>
@@ -7663,7 +5212,7 @@
     </p:spTree>
     <p:extLst>
       <p:ext uri="{BB962C8B-B14F-4D97-AF65-F5344CB8AC3E}">
-        <p14:creationId xmlns:p14="http://schemas.microsoft.com/office/powerpoint/2010/main" val="610162568"/>
+        <p14:creationId xmlns:p14="http://schemas.microsoft.com/office/powerpoint/2010/main" val="645326653"/>
       </p:ext>
     </p:extLst>
   </p:cSld>
@@ -7700,7 +5249,7 @@
           <p:cNvPr id="2" name="Title Placeholder 1">
             <a:extLst>
               <a:ext uri="{FF2B5EF4-FFF2-40B4-BE49-F238E27FC236}">
-                <a16:creationId xmlns:a16="http://schemas.microsoft.com/office/drawing/2014/main" id="{C2400AE1-6698-4091-9B9E-6B5F3729B18A}"/>
+                <a16:creationId xmlns:a16="http://schemas.microsoft.com/office/drawing/2014/main" id="{3AE39E93-B5D2-4CDD-A745-8FFA8D2FC121}"/>
               </a:ext>
             </a:extLst>
           </p:cNvPr>
@@ -7739,7 +5288,7 @@
           <p:cNvPr id="3" name="Text Placeholder 2">
             <a:extLst>
               <a:ext uri="{FF2B5EF4-FFF2-40B4-BE49-F238E27FC236}">
-                <a16:creationId xmlns:a16="http://schemas.microsoft.com/office/drawing/2014/main" id="{F85F31CA-1430-4DDD-8B6A-5E8EB5E9BF34}"/>
+                <a16:creationId xmlns:a16="http://schemas.microsoft.com/office/drawing/2014/main" id="{474C09DD-1292-4E1C-BF3B-EC2232B28D24}"/>
               </a:ext>
             </a:extLst>
           </p:cNvPr>
@@ -7807,7 +5356,7 @@
           <p:cNvPr id="4" name="Date Placeholder 3">
             <a:extLst>
               <a:ext uri="{FF2B5EF4-FFF2-40B4-BE49-F238E27FC236}">
-                <a16:creationId xmlns:a16="http://schemas.microsoft.com/office/drawing/2014/main" id="{0270C020-104B-493D-A90A-BE875CD8AD76}"/>
+                <a16:creationId xmlns:a16="http://schemas.microsoft.com/office/drawing/2014/main" id="{DC8B07D1-0CC4-4212-B50C-F69585D2F702}"/>
               </a:ext>
             </a:extLst>
           </p:cNvPr>
@@ -7841,579 +5390,9 @@
             </a:lvl1pPr>
           </a:lstStyle>
           <a:p>
-            <a:fld id="{9A2B8767-FE38-44DC-83D7-19AB33F098DC}" type="datetimeFigureOut">
-              <a:rPr lang="en-GB" smtClean="0"/>
-              <a:t>05/07/2021</a:t>
-            </a:fld>
-            <a:endParaRPr lang="en-GB"/>
-          </a:p>
-        </p:txBody>
-      </p:sp>
-      <p:sp>
-        <p:nvSpPr>
-          <p:cNvPr id="5" name="Footer Placeholder 4">
-            <a:extLst>
-              <a:ext uri="{FF2B5EF4-FFF2-40B4-BE49-F238E27FC236}">
-                <a16:creationId xmlns:a16="http://schemas.microsoft.com/office/drawing/2014/main" id="{2DC19E0B-18EB-4067-BAE2-1F26B786F311}"/>
-              </a:ext>
-            </a:extLst>
-          </p:cNvPr>
-          <p:cNvSpPr>
-            <a:spLocks noGrp="1"/>
-          </p:cNvSpPr>
-          <p:nvPr>
-            <p:ph type="ftr" sz="quarter" idx="3"/>
-          </p:nvPr>
-        </p:nvSpPr>
-        <p:spPr>
-          <a:xfrm>
-            <a:off x="4038600" y="6356350"/>
-            <a:ext cx="4114800" cy="365125"/>
-          </a:xfrm>
-          <a:prstGeom prst="rect">
-            <a:avLst/>
-          </a:prstGeom>
-        </p:spPr>
-        <p:txBody>
-          <a:bodyPr vert="horz" lIns="91440" tIns="45720" rIns="91440" bIns="45720" rtlCol="0" anchor="ctr"/>
-          <a:lstStyle>
-            <a:lvl1pPr algn="ctr">
-              <a:defRPr sz="1200">
-                <a:solidFill>
-                  <a:schemeClr val="tx1">
-                    <a:tint val="75000"/>
-                  </a:schemeClr>
-                </a:solidFill>
-              </a:defRPr>
-            </a:lvl1pPr>
-          </a:lstStyle>
-          <a:p>
-            <a:endParaRPr lang="en-GB"/>
-          </a:p>
-        </p:txBody>
-      </p:sp>
-      <p:sp>
-        <p:nvSpPr>
-          <p:cNvPr id="6" name="Slide Number Placeholder 5">
-            <a:extLst>
-              <a:ext uri="{FF2B5EF4-FFF2-40B4-BE49-F238E27FC236}">
-                <a16:creationId xmlns:a16="http://schemas.microsoft.com/office/drawing/2014/main" id="{3843E7E2-0500-454F-B7A2-A8A9E805D915}"/>
-              </a:ext>
-            </a:extLst>
-          </p:cNvPr>
-          <p:cNvSpPr>
-            <a:spLocks noGrp="1"/>
-          </p:cNvSpPr>
-          <p:nvPr>
-            <p:ph type="sldNum" sz="quarter" idx="4"/>
-          </p:nvPr>
-        </p:nvSpPr>
-        <p:spPr>
-          <a:xfrm>
-            <a:off x="8610600" y="6356350"/>
-            <a:ext cx="2743200" cy="365125"/>
-          </a:xfrm>
-          <a:prstGeom prst="rect">
-            <a:avLst/>
-          </a:prstGeom>
-        </p:spPr>
-        <p:txBody>
-          <a:bodyPr vert="horz" lIns="91440" tIns="45720" rIns="91440" bIns="45720" rtlCol="0" anchor="ctr"/>
-          <a:lstStyle>
-            <a:lvl1pPr algn="r">
-              <a:defRPr sz="1200">
-                <a:solidFill>
-                  <a:schemeClr val="tx1">
-                    <a:tint val="75000"/>
-                  </a:schemeClr>
-                </a:solidFill>
-              </a:defRPr>
-            </a:lvl1pPr>
-          </a:lstStyle>
-          <a:p>
-            <a:fld id="{97ABADF5-99D5-4F32-BD40-0C1618C9DAD9}" type="slidenum">
-              <a:rPr lang="en-GB" smtClean="0"/>
-              <a:t>‹#›</a:t>
-            </a:fld>
-            <a:endParaRPr lang="en-GB"/>
-          </a:p>
-        </p:txBody>
-      </p:sp>
-    </p:spTree>
-    <p:extLst>
-      <p:ext uri="{BB962C8B-B14F-4D97-AF65-F5344CB8AC3E}">
-        <p14:creationId xmlns:p14="http://schemas.microsoft.com/office/powerpoint/2010/main" val="2966818509"/>
-      </p:ext>
-    </p:extLst>
-  </p:cSld>
-  <p:clrMap bg1="lt1" tx1="dk1" bg2="lt2" tx2="dk2" accent1="accent1" accent2="accent2" accent3="accent3" accent4="accent4" accent5="accent5" accent6="accent6" hlink="hlink" folHlink="folHlink"/>
-  <p:sldLayoutIdLst>
-    <p:sldLayoutId id="2147483649" r:id="rId1"/>
-    <p:sldLayoutId id="2147483650" r:id="rId2"/>
-    <p:sldLayoutId id="2147483651" r:id="rId3"/>
-    <p:sldLayoutId id="2147483652" r:id="rId4"/>
-    <p:sldLayoutId id="2147483653" r:id="rId5"/>
-    <p:sldLayoutId id="2147483654" r:id="rId6"/>
-    <p:sldLayoutId id="2147483655" r:id="rId7"/>
-    <p:sldLayoutId id="2147483656" r:id="rId8"/>
-    <p:sldLayoutId id="2147483657" r:id="rId9"/>
-    <p:sldLayoutId id="2147483658" r:id="rId10"/>
-    <p:sldLayoutId id="2147483659" r:id="rId11"/>
-  </p:sldLayoutIdLst>
-  <p:txStyles>
-    <p:titleStyle>
-      <a:lvl1pPr algn="l" defTabSz="914400" rtl="0" eaLnBrk="1" latinLnBrk="0" hangingPunct="1">
-        <a:lnSpc>
-          <a:spcPct val="90000"/>
-        </a:lnSpc>
-        <a:spcBef>
-          <a:spcPct val="0"/>
-        </a:spcBef>
-        <a:buNone/>
-        <a:defRPr sz="4400" kern="1200">
-          <a:solidFill>
-            <a:schemeClr val="tx1"/>
-          </a:solidFill>
-          <a:latin typeface="+mj-lt"/>
-          <a:ea typeface="+mj-ea"/>
-          <a:cs typeface="+mj-cs"/>
-        </a:defRPr>
-      </a:lvl1pPr>
-    </p:titleStyle>
-    <p:bodyStyle>
-      <a:lvl1pPr marL="228600" indent="-228600" algn="l" defTabSz="914400" rtl="0" eaLnBrk="1" latinLnBrk="0" hangingPunct="1">
-        <a:lnSpc>
-          <a:spcPct val="90000"/>
-        </a:lnSpc>
-        <a:spcBef>
-          <a:spcPts val="1000"/>
-        </a:spcBef>
-        <a:buFont typeface="Arial" panose="020B0604020202020204" pitchFamily="34" charset="0"/>
-        <a:buChar char="•"/>
-        <a:defRPr sz="2800" kern="1200">
-          <a:solidFill>
-            <a:schemeClr val="tx1"/>
-          </a:solidFill>
-          <a:latin typeface="+mn-lt"/>
-          <a:ea typeface="+mn-ea"/>
-          <a:cs typeface="+mn-cs"/>
-        </a:defRPr>
-      </a:lvl1pPr>
-      <a:lvl2pPr marL="685800" indent="-228600" algn="l" defTabSz="914400" rtl="0" eaLnBrk="1" latinLnBrk="0" hangingPunct="1">
-        <a:lnSpc>
-          <a:spcPct val="90000"/>
-        </a:lnSpc>
-        <a:spcBef>
-          <a:spcPts val="500"/>
-        </a:spcBef>
-        <a:buFont typeface="Arial" panose="020B0604020202020204" pitchFamily="34" charset="0"/>
-        <a:buChar char="•"/>
-        <a:defRPr sz="2400" kern="1200">
-          <a:solidFill>
-            <a:schemeClr val="tx1"/>
-          </a:solidFill>
-          <a:latin typeface="+mn-lt"/>
-          <a:ea typeface="+mn-ea"/>
-          <a:cs typeface="+mn-cs"/>
-        </a:defRPr>
-      </a:lvl2pPr>
-      <a:lvl3pPr marL="1143000" indent="-228600" algn="l" defTabSz="914400" rtl="0" eaLnBrk="1" latinLnBrk="0" hangingPunct="1">
-        <a:lnSpc>
-          <a:spcPct val="90000"/>
-        </a:lnSpc>
-        <a:spcBef>
-          <a:spcPts val="500"/>
-        </a:spcBef>
-        <a:buFont typeface="Arial" panose="020B0604020202020204" pitchFamily="34" charset="0"/>
-        <a:buChar char="•"/>
-        <a:defRPr sz="2000" kern="1200">
-          <a:solidFill>
-            <a:schemeClr val="tx1"/>
-          </a:solidFill>
-          <a:latin typeface="+mn-lt"/>
-          <a:ea typeface="+mn-ea"/>
-          <a:cs typeface="+mn-cs"/>
-        </a:defRPr>
-      </a:lvl3pPr>
-      <a:lvl4pPr marL="1600200" indent="-228600" algn="l" defTabSz="914400" rtl="0" eaLnBrk="1" latinLnBrk="0" hangingPunct="1">
-        <a:lnSpc>
-          <a:spcPct val="90000"/>
-        </a:lnSpc>
-        <a:spcBef>
-          <a:spcPts val="500"/>
-        </a:spcBef>
-        <a:buFont typeface="Arial" panose="020B0604020202020204" pitchFamily="34" charset="0"/>
-        <a:buChar char="•"/>
-        <a:defRPr sz="1800" kern="1200">
-          <a:solidFill>
-            <a:schemeClr val="tx1"/>
-          </a:solidFill>
-          <a:latin typeface="+mn-lt"/>
-          <a:ea typeface="+mn-ea"/>
-          <a:cs typeface="+mn-cs"/>
-        </a:defRPr>
-      </a:lvl4pPr>
-      <a:lvl5pPr marL="2057400" indent="-228600" algn="l" defTabSz="914400" rtl="0" eaLnBrk="1" latinLnBrk="0" hangingPunct="1">
-        <a:lnSpc>
-          <a:spcPct val="90000"/>
-        </a:lnSpc>
-        <a:spcBef>
-          <a:spcPts val="500"/>
-        </a:spcBef>
-        <a:buFont typeface="Arial" panose="020B0604020202020204" pitchFamily="34" charset="0"/>
-        <a:buChar char="•"/>
-        <a:defRPr sz="1800" kern="1200">
-          <a:solidFill>
-            <a:schemeClr val="tx1"/>
-          </a:solidFill>
-          <a:latin typeface="+mn-lt"/>
-          <a:ea typeface="+mn-ea"/>
-          <a:cs typeface="+mn-cs"/>
-        </a:defRPr>
-      </a:lvl5pPr>
-      <a:lvl6pPr marL="2514600" indent="-228600" algn="l" defTabSz="914400" rtl="0" eaLnBrk="1" latinLnBrk="0" hangingPunct="1">
-        <a:lnSpc>
-          <a:spcPct val="90000"/>
-        </a:lnSpc>
-        <a:spcBef>
-          <a:spcPts val="500"/>
-        </a:spcBef>
-        <a:buFont typeface="Arial" panose="020B0604020202020204" pitchFamily="34" charset="0"/>
-        <a:buChar char="•"/>
-        <a:defRPr sz="1800" kern="1200">
-          <a:solidFill>
-            <a:schemeClr val="tx1"/>
-          </a:solidFill>
-          <a:latin typeface="+mn-lt"/>
-          <a:ea typeface="+mn-ea"/>
-          <a:cs typeface="+mn-cs"/>
-        </a:defRPr>
-      </a:lvl6pPr>
-      <a:lvl7pPr marL="2971800" indent="-228600" algn="l" defTabSz="914400" rtl="0" eaLnBrk="1" latinLnBrk="0" hangingPunct="1">
-        <a:lnSpc>
-          <a:spcPct val="90000"/>
-        </a:lnSpc>
-        <a:spcBef>
-          <a:spcPts val="500"/>
-        </a:spcBef>
-        <a:buFont typeface="Arial" panose="020B0604020202020204" pitchFamily="34" charset="0"/>
-        <a:buChar char="•"/>
-        <a:defRPr sz="1800" kern="1200">
-          <a:solidFill>
-            <a:schemeClr val="tx1"/>
-          </a:solidFill>
-          <a:latin typeface="+mn-lt"/>
-          <a:ea typeface="+mn-ea"/>
-          <a:cs typeface="+mn-cs"/>
-        </a:defRPr>
-      </a:lvl7pPr>
-      <a:lvl8pPr marL="3429000" indent="-228600" algn="l" defTabSz="914400" rtl="0" eaLnBrk="1" latinLnBrk="0" hangingPunct="1">
-        <a:lnSpc>
-          <a:spcPct val="90000"/>
-        </a:lnSpc>
-        <a:spcBef>
-          <a:spcPts val="500"/>
-        </a:spcBef>
-        <a:buFont typeface="Arial" panose="020B0604020202020204" pitchFamily="34" charset="0"/>
-        <a:buChar char="•"/>
-        <a:defRPr sz="1800" kern="1200">
-          <a:solidFill>
-            <a:schemeClr val="tx1"/>
-          </a:solidFill>
-          <a:latin typeface="+mn-lt"/>
-          <a:ea typeface="+mn-ea"/>
-          <a:cs typeface="+mn-cs"/>
-        </a:defRPr>
-      </a:lvl8pPr>
-      <a:lvl9pPr marL="3886200" indent="-228600" algn="l" defTabSz="914400" rtl="0" eaLnBrk="1" latinLnBrk="0" hangingPunct="1">
-        <a:lnSpc>
-          <a:spcPct val="90000"/>
-        </a:lnSpc>
-        <a:spcBef>
-          <a:spcPts val="500"/>
-        </a:spcBef>
-        <a:buFont typeface="Arial" panose="020B0604020202020204" pitchFamily="34" charset="0"/>
-        <a:buChar char="•"/>
-        <a:defRPr sz="1800" kern="1200">
-          <a:solidFill>
-            <a:schemeClr val="tx1"/>
-          </a:solidFill>
-          <a:latin typeface="+mn-lt"/>
-          <a:ea typeface="+mn-ea"/>
-          <a:cs typeface="+mn-cs"/>
-        </a:defRPr>
-      </a:lvl9pPr>
-    </p:bodyStyle>
-    <p:otherStyle>
-      <a:defPPr>
-        <a:defRPr lang="en-US"/>
-      </a:defPPr>
-      <a:lvl1pPr marL="0" algn="l" defTabSz="914400" rtl="0" eaLnBrk="1" latinLnBrk="0" hangingPunct="1">
-        <a:defRPr sz="1800" kern="1200">
-          <a:solidFill>
-            <a:schemeClr val="tx1"/>
-          </a:solidFill>
-          <a:latin typeface="+mn-lt"/>
-          <a:ea typeface="+mn-ea"/>
-          <a:cs typeface="+mn-cs"/>
-        </a:defRPr>
-      </a:lvl1pPr>
-      <a:lvl2pPr marL="457200" algn="l" defTabSz="914400" rtl="0" eaLnBrk="1" latinLnBrk="0" hangingPunct="1">
-        <a:defRPr sz="1800" kern="1200">
-          <a:solidFill>
-            <a:schemeClr val="tx1"/>
-          </a:solidFill>
-          <a:latin typeface="+mn-lt"/>
-          <a:ea typeface="+mn-ea"/>
-          <a:cs typeface="+mn-cs"/>
-        </a:defRPr>
-      </a:lvl2pPr>
-      <a:lvl3pPr marL="914400" algn="l" defTabSz="914400" rtl="0" eaLnBrk="1" latinLnBrk="0" hangingPunct="1">
-        <a:defRPr sz="1800" kern="1200">
-          <a:solidFill>
-            <a:schemeClr val="tx1"/>
-          </a:solidFill>
-          <a:latin typeface="+mn-lt"/>
-          <a:ea typeface="+mn-ea"/>
-          <a:cs typeface="+mn-cs"/>
-        </a:defRPr>
-      </a:lvl3pPr>
-      <a:lvl4pPr marL="1371600" algn="l" defTabSz="914400" rtl="0" eaLnBrk="1" latinLnBrk="0" hangingPunct="1">
-        <a:defRPr sz="1800" kern="1200">
-          <a:solidFill>
-            <a:schemeClr val="tx1"/>
-          </a:solidFill>
-          <a:latin typeface="+mn-lt"/>
-          <a:ea typeface="+mn-ea"/>
-          <a:cs typeface="+mn-cs"/>
-        </a:defRPr>
-      </a:lvl4pPr>
-      <a:lvl5pPr marL="1828800" algn="l" defTabSz="914400" rtl="0" eaLnBrk="1" latinLnBrk="0" hangingPunct="1">
-        <a:defRPr sz="1800" kern="1200">
-          <a:solidFill>
-            <a:schemeClr val="tx1"/>
-          </a:solidFill>
-          <a:latin typeface="+mn-lt"/>
-          <a:ea typeface="+mn-ea"/>
-          <a:cs typeface="+mn-cs"/>
-        </a:defRPr>
-      </a:lvl5pPr>
-      <a:lvl6pPr marL="2286000" algn="l" defTabSz="914400" rtl="0" eaLnBrk="1" latinLnBrk="0" hangingPunct="1">
-        <a:defRPr sz="1800" kern="1200">
-          <a:solidFill>
-            <a:schemeClr val="tx1"/>
-          </a:solidFill>
-          <a:latin typeface="+mn-lt"/>
-          <a:ea typeface="+mn-ea"/>
-          <a:cs typeface="+mn-cs"/>
-        </a:defRPr>
-      </a:lvl6pPr>
-      <a:lvl7pPr marL="2743200" algn="l" defTabSz="914400" rtl="0" eaLnBrk="1" latinLnBrk="0" hangingPunct="1">
-        <a:defRPr sz="1800" kern="1200">
-          <a:solidFill>
-            <a:schemeClr val="tx1"/>
-          </a:solidFill>
-          <a:latin typeface="+mn-lt"/>
-          <a:ea typeface="+mn-ea"/>
-          <a:cs typeface="+mn-cs"/>
-        </a:defRPr>
-      </a:lvl7pPr>
-      <a:lvl8pPr marL="3200400" algn="l" defTabSz="914400" rtl="0" eaLnBrk="1" latinLnBrk="0" hangingPunct="1">
-        <a:defRPr sz="1800" kern="1200">
-          <a:solidFill>
-            <a:schemeClr val="tx1"/>
-          </a:solidFill>
-          <a:latin typeface="+mn-lt"/>
-          <a:ea typeface="+mn-ea"/>
-          <a:cs typeface="+mn-cs"/>
-        </a:defRPr>
-      </a:lvl8pPr>
-      <a:lvl9pPr marL="3657600" algn="l" defTabSz="914400" rtl="0" eaLnBrk="1" latinLnBrk="0" hangingPunct="1">
-        <a:defRPr sz="1800" kern="1200">
-          <a:solidFill>
-            <a:schemeClr val="tx1"/>
-          </a:solidFill>
-          <a:latin typeface="+mn-lt"/>
-          <a:ea typeface="+mn-ea"/>
-          <a:cs typeface="+mn-cs"/>
-        </a:defRPr>
-      </a:lvl9pPr>
-    </p:otherStyle>
-  </p:txStyles>
-</p:sldMaster>
-</file>
-
-<file path=ppt/slideMasters/slideMaster2.xml><?xml version="1.0" encoding="utf-8"?>
-<p:sldMaster xmlns:a="http://schemas.openxmlformats.org/drawingml/2006/main" xmlns:r="http://schemas.openxmlformats.org/officeDocument/2006/relationships" xmlns:p="http://schemas.openxmlformats.org/presentationml/2006/main">
-  <p:cSld>
-    <p:bg>
-      <p:bgRef idx="1001">
-        <a:schemeClr val="bg1"/>
-      </p:bgRef>
-    </p:bg>
-    <p:spTree>
-      <p:nvGrpSpPr>
-        <p:cNvPr id="1" name=""/>
-        <p:cNvGrpSpPr/>
-        <p:nvPr/>
-      </p:nvGrpSpPr>
-      <p:grpSpPr>
-        <a:xfrm>
-          <a:off x="0" y="0"/>
-          <a:ext cx="0" cy="0"/>
-          <a:chOff x="0" y="0"/>
-          <a:chExt cx="0" cy="0"/>
-        </a:xfrm>
-      </p:grpSpPr>
-      <p:sp>
-        <p:nvSpPr>
-          <p:cNvPr id="2" name="Title Placeholder 1">
-            <a:extLst>
-              <a:ext uri="{FF2B5EF4-FFF2-40B4-BE49-F238E27FC236}">
-                <a16:creationId xmlns:a16="http://schemas.microsoft.com/office/drawing/2014/main" id="{3AE39E93-B5D2-4CDD-A745-8FFA8D2FC121}"/>
-              </a:ext>
-            </a:extLst>
-          </p:cNvPr>
-          <p:cNvSpPr>
-            <a:spLocks noGrp="1"/>
-          </p:cNvSpPr>
-          <p:nvPr>
-            <p:ph type="title"/>
-          </p:nvPr>
-        </p:nvSpPr>
-        <p:spPr>
-          <a:xfrm>
-            <a:off x="838200" y="365125"/>
-            <a:ext cx="10515600" cy="1325563"/>
-          </a:xfrm>
-          <a:prstGeom prst="rect">
-            <a:avLst/>
-          </a:prstGeom>
-        </p:spPr>
-        <p:txBody>
-          <a:bodyPr vert="horz" lIns="91440" tIns="45720" rIns="91440" bIns="45720" rtlCol="0" anchor="ctr">
-            <a:normAutofit/>
-          </a:bodyPr>
-          <a:lstStyle/>
-          <a:p>
-            <a:r>
-              <a:rPr lang="en-US"/>
-              <a:t>Click to edit Master title style</a:t>
-            </a:r>
-            <a:endParaRPr lang="en-GB"/>
-          </a:p>
-        </p:txBody>
-      </p:sp>
-      <p:sp>
-        <p:nvSpPr>
-          <p:cNvPr id="3" name="Text Placeholder 2">
-            <a:extLst>
-              <a:ext uri="{FF2B5EF4-FFF2-40B4-BE49-F238E27FC236}">
-                <a16:creationId xmlns:a16="http://schemas.microsoft.com/office/drawing/2014/main" id="{474C09DD-1292-4E1C-BF3B-EC2232B28D24}"/>
-              </a:ext>
-            </a:extLst>
-          </p:cNvPr>
-          <p:cNvSpPr>
-            <a:spLocks noGrp="1"/>
-          </p:cNvSpPr>
-          <p:nvPr>
-            <p:ph type="body" idx="1"/>
-          </p:nvPr>
-        </p:nvSpPr>
-        <p:spPr>
-          <a:xfrm>
-            <a:off x="838200" y="1825625"/>
-            <a:ext cx="10515600" cy="4351338"/>
-          </a:xfrm>
-          <a:prstGeom prst="rect">
-            <a:avLst/>
-          </a:prstGeom>
-        </p:spPr>
-        <p:txBody>
-          <a:bodyPr vert="horz" lIns="91440" tIns="45720" rIns="91440" bIns="45720" rtlCol="0">
-            <a:normAutofit/>
-          </a:bodyPr>
-          <a:lstStyle/>
-          <a:p>
-            <a:pPr lvl="0"/>
-            <a:r>
-              <a:rPr lang="en-US"/>
-              <a:t>Click to edit Master text styles</a:t>
-            </a:r>
-          </a:p>
-          <a:p>
-            <a:pPr lvl="1"/>
-            <a:r>
-              <a:rPr lang="en-US"/>
-              <a:t>Second level</a:t>
-            </a:r>
-          </a:p>
-          <a:p>
-            <a:pPr lvl="2"/>
-            <a:r>
-              <a:rPr lang="en-US"/>
-              <a:t>Third level</a:t>
-            </a:r>
-          </a:p>
-          <a:p>
-            <a:pPr lvl="3"/>
-            <a:r>
-              <a:rPr lang="en-US"/>
-              <a:t>Fourth level</a:t>
-            </a:r>
-          </a:p>
-          <a:p>
-            <a:pPr lvl="4"/>
-            <a:r>
-              <a:rPr lang="en-US"/>
-              <a:t>Fifth level</a:t>
-            </a:r>
-            <a:endParaRPr lang="en-GB"/>
-          </a:p>
-        </p:txBody>
-      </p:sp>
-      <p:sp>
-        <p:nvSpPr>
-          <p:cNvPr id="4" name="Date Placeholder 3">
-            <a:extLst>
-              <a:ext uri="{FF2B5EF4-FFF2-40B4-BE49-F238E27FC236}">
-                <a16:creationId xmlns:a16="http://schemas.microsoft.com/office/drawing/2014/main" id="{DC8B07D1-0CC4-4212-B50C-F69585D2F702}"/>
-              </a:ext>
-            </a:extLst>
-          </p:cNvPr>
-          <p:cNvSpPr>
-            <a:spLocks noGrp="1"/>
-          </p:cNvSpPr>
-          <p:nvPr>
-            <p:ph type="dt" sz="half" idx="2"/>
-          </p:nvPr>
-        </p:nvSpPr>
-        <p:spPr>
-          <a:xfrm>
-            <a:off x="838200" y="6356350"/>
-            <a:ext cx="2743200" cy="365125"/>
-          </a:xfrm>
-          <a:prstGeom prst="rect">
-            <a:avLst/>
-          </a:prstGeom>
-        </p:spPr>
-        <p:txBody>
-          <a:bodyPr vert="horz" lIns="91440" tIns="45720" rIns="91440" bIns="45720" rtlCol="0" anchor="ctr"/>
-          <a:lstStyle>
-            <a:lvl1pPr algn="l">
-              <a:defRPr sz="1200">
-                <a:solidFill>
-                  <a:schemeClr val="tx1">
-                    <a:tint val="75000"/>
-                  </a:schemeClr>
-                </a:solidFill>
-              </a:defRPr>
-            </a:lvl1pPr>
-          </a:lstStyle>
-          <a:p>
             <a:fld id="{E4A62EDC-D5D1-49C5-B313-6E6F916DA0E0}" type="datetimeFigureOut">
               <a:rPr lang="en-GB" smtClean="0"/>
-              <a:t>05/07/2021</a:t>
+              <a:t>08/07/2021</a:t>
             </a:fld>
             <a:endParaRPr lang="en-GB"/>
           </a:p>
@@ -9096,141 +6075,6 @@
 </p:sld>
 </file>
 
-<file path=ppt/slides/slide10.xml><?xml version="1.0" encoding="utf-8"?>
-<p:sld xmlns:a="http://schemas.openxmlformats.org/drawingml/2006/main" xmlns:r="http://schemas.openxmlformats.org/officeDocument/2006/relationships" xmlns:p="http://schemas.openxmlformats.org/presentationml/2006/main">
-  <p:cSld>
-    <p:spTree>
-      <p:nvGrpSpPr>
-        <p:cNvPr id="1" name=""/>
-        <p:cNvGrpSpPr/>
-        <p:nvPr/>
-      </p:nvGrpSpPr>
-      <p:grpSpPr>
-        <a:xfrm>
-          <a:off x="0" y="0"/>
-          <a:ext cx="0" cy="0"/>
-          <a:chOff x="0" y="0"/>
-          <a:chExt cx="0" cy="0"/>
-        </a:xfrm>
-      </p:grpSpPr>
-      <p:sp>
-        <p:nvSpPr>
-          <p:cNvPr id="2" name="Title 1">
-            <a:extLst>
-              <a:ext uri="{FF2B5EF4-FFF2-40B4-BE49-F238E27FC236}">
-                <a16:creationId xmlns:a16="http://schemas.microsoft.com/office/drawing/2014/main" id="{ECFC44C0-1C90-4FD7-A690-F1FF11A0C9EE}"/>
-              </a:ext>
-            </a:extLst>
-          </p:cNvPr>
-          <p:cNvSpPr>
-            <a:spLocks noGrp="1"/>
-          </p:cNvSpPr>
-          <p:nvPr>
-            <p:ph type="title"/>
-          </p:nvPr>
-        </p:nvSpPr>
-        <p:spPr/>
-        <p:txBody>
-          <a:bodyPr/>
-          <a:lstStyle/>
-          <a:p>
-            <a:r>
-              <a:rPr lang="en-GB" dirty="0"/>
-              <a:t>Next steps</a:t>
-            </a:r>
-          </a:p>
-        </p:txBody>
-      </p:sp>
-      <p:sp>
-        <p:nvSpPr>
-          <p:cNvPr id="3" name="Content Placeholder 2">
-            <a:extLst>
-              <a:ext uri="{FF2B5EF4-FFF2-40B4-BE49-F238E27FC236}">
-                <a16:creationId xmlns:a16="http://schemas.microsoft.com/office/drawing/2014/main" id="{7A1EEC23-077C-438F-97C1-F46851364810}"/>
-              </a:ext>
-            </a:extLst>
-          </p:cNvPr>
-          <p:cNvSpPr>
-            <a:spLocks noGrp="1"/>
-          </p:cNvSpPr>
-          <p:nvPr>
-            <p:ph idx="1"/>
-          </p:nvPr>
-        </p:nvSpPr>
-        <p:spPr/>
-        <p:txBody>
-          <a:bodyPr>
-            <a:normAutofit fontScale="92500" lnSpcReduction="10000"/>
-          </a:bodyPr>
-          <a:lstStyle/>
-          <a:p>
-            <a:r>
-              <a:rPr lang="en-GB" dirty="0"/>
-              <a:t>Existing project – productionise</a:t>
-            </a:r>
-          </a:p>
-          <a:p>
-            <a:r>
-              <a:rPr lang="en-GB" dirty="0"/>
-              <a:t>Looking at govt policy papers (T&amp;F group)</a:t>
-            </a:r>
-          </a:p>
-          <a:p>
-            <a:r>
-              <a:rPr lang="en-GB" dirty="0"/>
-              <a:t>Interest from other teams for similar work on other datasets</a:t>
-            </a:r>
-          </a:p>
-          <a:p>
-            <a:r>
-              <a:rPr lang="en-GB" dirty="0"/>
-              <a:t>Private sector - board reports/annual reports &gt; do ONS economic stats get mentioned?</a:t>
-            </a:r>
-          </a:p>
-          <a:p>
-            <a:r>
-              <a:rPr lang="en-GB" dirty="0"/>
-              <a:t>OSR -&gt; using </a:t>
-            </a:r>
-            <a:r>
-              <a:rPr lang="en-GB" dirty="0" err="1"/>
-              <a:t>hansard</a:t>
-            </a:r>
-            <a:r>
-              <a:rPr lang="en-GB" dirty="0"/>
-              <a:t> data to help with evaluating how stats are used (Michael Hodge). Identifying use of stats in parliament.</a:t>
-            </a:r>
-          </a:p>
-          <a:p>
-            <a:r>
-              <a:rPr lang="en-GB" dirty="0"/>
-              <a:t>Anything with quality of forecasting - still way out at the start and at end of FY find we're fine</a:t>
-            </a:r>
-          </a:p>
-          <a:p>
-            <a:r>
-              <a:rPr lang="en-GB" dirty="0"/>
-              <a:t>Vacancies - creating model that updates with the latest data each month(?)</a:t>
-            </a:r>
-          </a:p>
-          <a:p>
-            <a:endParaRPr lang="en-GB" dirty="0"/>
-          </a:p>
-        </p:txBody>
-      </p:sp>
-    </p:spTree>
-    <p:extLst>
-      <p:ext uri="{BB962C8B-B14F-4D97-AF65-F5344CB8AC3E}">
-        <p14:creationId xmlns:p14="http://schemas.microsoft.com/office/powerpoint/2010/main" val="1578003946"/>
-      </p:ext>
-    </p:extLst>
-  </p:cSld>
-  <p:clrMapOvr>
-    <a:masterClrMapping/>
-  </p:clrMapOvr>
-</p:sld>
-</file>
-
 <file path=ppt/slides/slide2.xml><?xml version="1.0" encoding="utf-8"?>
 <p:sld xmlns:a="http://schemas.openxmlformats.org/drawingml/2006/main" xmlns:r="http://schemas.openxmlformats.org/officeDocument/2006/relationships" xmlns:p="http://schemas.openxmlformats.org/presentationml/2006/main">
   <p:cSld>
@@ -9434,7 +6278,7 @@
           <a:p>
             <a:r>
               <a:rPr lang="en-GB" dirty="0"/>
-              <a:t>Accessing data – overcoming network challenges</a:t>
+              <a:t>Accessing data – overcoming network difficulties</a:t>
             </a:r>
           </a:p>
           <a:p>
@@ -11103,6 +7947,234 @@
         </p:nvSpPr>
         <p:spPr>
           <a:xfrm>
+            <a:off x="838200" y="554411"/>
+            <a:ext cx="10515600" cy="701731"/>
+          </a:xfrm>
+        </p:spPr>
+        <p:txBody>
+          <a:bodyPr/>
+          <a:lstStyle/>
+          <a:p>
+            <a:r>
+              <a:rPr lang="en-GB" sz="4400" dirty="0"/>
+              <a:t>Dashboard</a:t>
+            </a:r>
+            <a:endParaRPr lang="en-US" sz="4400" dirty="0"/>
+          </a:p>
+        </p:txBody>
+      </p:sp>
+      <p:sp>
+        <p:nvSpPr>
+          <p:cNvPr id="6" name="Content Placeholder">
+            <a:extLst>
+              <a:ext uri="{FF2B5EF4-FFF2-40B4-BE49-F238E27FC236}">
+                <a16:creationId xmlns:a16="http://schemas.microsoft.com/office/drawing/2014/main" id="{4C842C63-75A3-F044-9F81-2C8C2B628C68}"/>
+              </a:ext>
+            </a:extLst>
+          </p:cNvPr>
+          <p:cNvSpPr>
+            <a:spLocks noGrp="1"/>
+          </p:cNvSpPr>
+          <p:nvPr>
+            <p:ph idx="1"/>
+          </p:nvPr>
+        </p:nvSpPr>
+        <p:spPr>
+          <a:xfrm>
+            <a:off x="838200" y="2115589"/>
+            <a:ext cx="3724373" cy="1855893"/>
+          </a:xfrm>
+        </p:spPr>
+        <p:txBody>
+          <a:bodyPr/>
+          <a:lstStyle/>
+          <a:p>
+            <a:r>
+              <a:rPr lang="en-GB" sz="2800" dirty="0">
+                <a:hlinkClick r:id="rId3"/>
+              </a:rPr>
+              <a:t>Prototype dashboard</a:t>
+            </a:r>
+            <a:endParaRPr lang="en-GB" sz="2800" dirty="0"/>
+          </a:p>
+          <a:p>
+            <a:pPr lvl="1"/>
+            <a:r>
+              <a:rPr lang="en-GB" sz="2400" dirty="0"/>
+              <a:t>View by topic</a:t>
+            </a:r>
+          </a:p>
+          <a:p>
+            <a:pPr lvl="1"/>
+            <a:r>
+              <a:rPr lang="en-GB" sz="2400" dirty="0"/>
+              <a:t>View by MP</a:t>
+            </a:r>
+          </a:p>
+          <a:p>
+            <a:pPr lvl="1"/>
+            <a:r>
+              <a:rPr lang="en-GB" sz="2400" dirty="0"/>
+              <a:t>Long-term trend</a:t>
+            </a:r>
+          </a:p>
+        </p:txBody>
+      </p:sp>
+      <p:pic>
+        <p:nvPicPr>
+          <p:cNvPr id="2" name="Picture 1">
+            <a:extLst>
+              <a:ext uri="{FF2B5EF4-FFF2-40B4-BE49-F238E27FC236}">
+                <a16:creationId xmlns:a16="http://schemas.microsoft.com/office/drawing/2014/main" id="{E22B5C63-B2AD-4E80-9668-3170BD96D5AE}"/>
+              </a:ext>
+            </a:extLst>
+          </p:cNvPr>
+          <p:cNvPicPr>
+            <a:picLocks noChangeAspect="1"/>
+          </p:cNvPicPr>
+          <p:nvPr/>
+        </p:nvPicPr>
+        <p:blipFill>
+          <a:blip r:embed="rId4"/>
+          <a:stretch>
+            <a:fillRect/>
+          </a:stretch>
+        </p:blipFill>
+        <p:spPr>
+          <a:xfrm>
+            <a:off x="4940927" y="1256142"/>
+            <a:ext cx="7018699" cy="3899848"/>
+          </a:xfrm>
+          <a:prstGeom prst="rect">
+            <a:avLst/>
+          </a:prstGeom>
+        </p:spPr>
+      </p:pic>
+      <p:sp>
+        <p:nvSpPr>
+          <p:cNvPr id="7" name="Rectangle 6">
+            <a:extLst>
+              <a:ext uri="{FF2B5EF4-FFF2-40B4-BE49-F238E27FC236}">
+                <a16:creationId xmlns:a16="http://schemas.microsoft.com/office/drawing/2014/main" id="{83B28293-B53D-4E3A-9F52-07F15E385520}"/>
+              </a:ext>
+            </a:extLst>
+          </p:cNvPr>
+          <p:cNvSpPr/>
+          <p:nvPr/>
+        </p:nvSpPr>
+        <p:spPr>
+          <a:xfrm>
+            <a:off x="4940927" y="1256142"/>
+            <a:ext cx="7018699" cy="3899848"/>
+          </a:xfrm>
+          <a:prstGeom prst="rect">
+            <a:avLst/>
+          </a:prstGeom>
+          <a:noFill/>
+          <a:ln w="28575"/>
+        </p:spPr>
+        <p:style>
+          <a:lnRef idx="2">
+            <a:schemeClr val="dk1">
+              <a:shade val="50000"/>
+            </a:schemeClr>
+          </a:lnRef>
+          <a:fillRef idx="1">
+            <a:schemeClr val="dk1"/>
+          </a:fillRef>
+          <a:effectRef idx="0">
+            <a:schemeClr val="dk1"/>
+          </a:effectRef>
+          <a:fontRef idx="minor">
+            <a:schemeClr val="lt1"/>
+          </a:fontRef>
+        </p:style>
+        <p:txBody>
+          <a:bodyPr rtlCol="0" anchor="ctr"/>
+          <a:lstStyle/>
+          <a:p>
+            <a:pPr marL="0" marR="0" lvl="0" indent="0" algn="ctr" defTabSz="914400" rtl="0" eaLnBrk="1" fontAlgn="auto" latinLnBrk="0" hangingPunct="1">
+              <a:lnSpc>
+                <a:spcPct val="100000"/>
+              </a:lnSpc>
+              <a:spcBef>
+                <a:spcPts val="0"/>
+              </a:spcBef>
+              <a:spcAft>
+                <a:spcPts val="0"/>
+              </a:spcAft>
+              <a:buClrTx/>
+              <a:buSzTx/>
+              <a:buFontTx/>
+              <a:buNone/>
+              <a:tabLst/>
+              <a:defRPr/>
+            </a:pPr>
+            <a:endParaRPr kumimoji="0" lang="en-GB" sz="1800" b="0" i="0" u="none" strike="noStrike" kern="1200" cap="none" spc="0" normalizeH="0" baseline="0" noProof="0">
+              <a:ln>
+                <a:noFill/>
+              </a:ln>
+              <a:solidFill>
+                <a:prstClr val="white"/>
+              </a:solidFill>
+              <a:effectLst/>
+              <a:uLnTx/>
+              <a:uFillTx/>
+              <a:latin typeface="Calibri" panose="020F0502020204030204"/>
+              <a:ea typeface="+mn-ea"/>
+              <a:cs typeface="+mn-cs"/>
+            </a:endParaRPr>
+          </a:p>
+        </p:txBody>
+      </p:sp>
+    </p:spTree>
+    <p:extLst>
+      <p:ext uri="{BB962C8B-B14F-4D97-AF65-F5344CB8AC3E}">
+        <p14:creationId xmlns:p14="http://schemas.microsoft.com/office/powerpoint/2010/main" val="3251235026"/>
+      </p:ext>
+    </p:extLst>
+  </p:cSld>
+  <p:clrMapOvr>
+    <a:masterClrMapping/>
+  </p:clrMapOvr>
+</p:sld>
+</file>
+
+<file path=ppt/slides/slide7.xml><?xml version="1.0" encoding="utf-8"?>
+<p:sld xmlns:a="http://schemas.openxmlformats.org/drawingml/2006/main" xmlns:r="http://schemas.openxmlformats.org/officeDocument/2006/relationships" xmlns:p="http://schemas.openxmlformats.org/presentationml/2006/main">
+  <p:cSld>
+    <p:spTree>
+      <p:nvGrpSpPr>
+        <p:cNvPr id="1" name=""/>
+        <p:cNvGrpSpPr/>
+        <p:nvPr/>
+      </p:nvGrpSpPr>
+      <p:grpSpPr>
+        <a:xfrm>
+          <a:off x="0" y="0"/>
+          <a:ext cx="0" cy="0"/>
+          <a:chOff x="0" y="0"/>
+          <a:chExt cx="0" cy="0"/>
+        </a:xfrm>
+      </p:grpSpPr>
+      <p:sp>
+        <p:nvSpPr>
+          <p:cNvPr id="5" name="Title">
+            <a:extLst>
+              <a:ext uri="{FF2B5EF4-FFF2-40B4-BE49-F238E27FC236}">
+                <a16:creationId xmlns:a16="http://schemas.microsoft.com/office/drawing/2014/main" id="{AC5AD953-635B-2B48-B87A-4F5101B6050D}"/>
+              </a:ext>
+            </a:extLst>
+          </p:cNvPr>
+          <p:cNvSpPr>
+            <a:spLocks noGrp="1"/>
+          </p:cNvSpPr>
+          <p:nvPr>
+            <p:ph type="title"/>
+          </p:nvPr>
+        </p:nvSpPr>
+        <p:spPr>
+          <a:xfrm>
             <a:off x="758301" y="234815"/>
             <a:ext cx="10515600" cy="701731"/>
           </a:xfrm>
@@ -11458,7 +8530,7 @@
 </p:sld>
 </file>
 
-<file path=ppt/slides/slide7.xml><?xml version="1.0" encoding="utf-8"?>
+<file path=ppt/slides/slide8.xml><?xml version="1.0" encoding="utf-8"?>
 <p:sld xmlns:a="http://schemas.openxmlformats.org/drawingml/2006/main" xmlns:r="http://schemas.openxmlformats.org/officeDocument/2006/relationships" xmlns:p="http://schemas.openxmlformats.org/presentationml/2006/main">
   <p:cSld>
     <p:spTree>
@@ -11723,186 +8795,6 @@
 </p:sld>
 </file>
 
-<file path=ppt/slides/slide8.xml><?xml version="1.0" encoding="utf-8"?>
-<p:sld xmlns:a="http://schemas.openxmlformats.org/drawingml/2006/main" xmlns:r="http://schemas.openxmlformats.org/officeDocument/2006/relationships" xmlns:p="http://schemas.openxmlformats.org/presentationml/2006/main">
-  <p:cSld>
-    <p:spTree>
-      <p:nvGrpSpPr>
-        <p:cNvPr id="1" name=""/>
-        <p:cNvGrpSpPr/>
-        <p:nvPr/>
-      </p:nvGrpSpPr>
-      <p:grpSpPr>
-        <a:xfrm>
-          <a:off x="0" y="0"/>
-          <a:ext cx="0" cy="0"/>
-          <a:chOff x="0" y="0"/>
-          <a:chExt cx="0" cy="0"/>
-        </a:xfrm>
-      </p:grpSpPr>
-      <p:sp>
-        <p:nvSpPr>
-          <p:cNvPr id="5" name="Title">
-            <a:extLst>
-              <a:ext uri="{FF2B5EF4-FFF2-40B4-BE49-F238E27FC236}">
-                <a16:creationId xmlns:a16="http://schemas.microsoft.com/office/drawing/2014/main" id="{AC5AD953-635B-2B48-B87A-4F5101B6050D}"/>
-              </a:ext>
-            </a:extLst>
-          </p:cNvPr>
-          <p:cNvSpPr>
-            <a:spLocks noGrp="1"/>
-          </p:cNvSpPr>
-          <p:nvPr>
-            <p:ph type="title"/>
-          </p:nvPr>
-        </p:nvSpPr>
-        <p:spPr>
-          <a:xfrm>
-            <a:off x="838200" y="284829"/>
-            <a:ext cx="10515600" cy="701731"/>
-          </a:xfrm>
-        </p:spPr>
-        <p:txBody>
-          <a:bodyPr/>
-          <a:lstStyle/>
-          <a:p>
-            <a:r>
-              <a:rPr lang="en-GB" sz="4400" dirty="0"/>
-              <a:t>What next?</a:t>
-            </a:r>
-            <a:endParaRPr lang="en-US" sz="4400" dirty="0"/>
-          </a:p>
-        </p:txBody>
-      </p:sp>
-      <p:sp>
-        <p:nvSpPr>
-          <p:cNvPr id="6" name="Content Placeholder">
-            <a:extLst>
-              <a:ext uri="{FF2B5EF4-FFF2-40B4-BE49-F238E27FC236}">
-                <a16:creationId xmlns:a16="http://schemas.microsoft.com/office/drawing/2014/main" id="{4C842C63-75A3-F044-9F81-2C8C2B628C68}"/>
-              </a:ext>
-            </a:extLst>
-          </p:cNvPr>
-          <p:cNvSpPr>
-            <a:spLocks noGrp="1"/>
-          </p:cNvSpPr>
-          <p:nvPr>
-            <p:ph idx="1"/>
-          </p:nvPr>
-        </p:nvSpPr>
-        <p:spPr>
-          <a:xfrm>
-            <a:off x="838200" y="1540279"/>
-            <a:ext cx="10515600" cy="3016723"/>
-          </a:xfrm>
-        </p:spPr>
-        <p:txBody>
-          <a:bodyPr/>
-          <a:lstStyle/>
-          <a:p>
-            <a:r>
-              <a:rPr lang="en-GB" sz="2000" dirty="0"/>
-              <a:t>Productionise dashboard – weekly updates, live data</a:t>
-            </a:r>
-          </a:p>
-          <a:p>
-            <a:r>
-              <a:rPr lang="en-GB" sz="2000" dirty="0"/>
-              <a:t>Include all data from UK Parliament, then add in NI Executive, Scottish Parliament &amp; Welsh Senedd </a:t>
-            </a:r>
-          </a:p>
-          <a:p>
-            <a:r>
-              <a:rPr lang="en-GB" sz="2000" dirty="0"/>
-              <a:t>Automatic identification of topics with frequent/infrequent mentions</a:t>
-            </a:r>
-            <a:endParaRPr lang="en-GB" sz="2000" dirty="0">
-              <a:solidFill>
-                <a:prstClr val="black"/>
-              </a:solidFill>
-            </a:endParaRPr>
-          </a:p>
-          <a:p>
-            <a:pPr>
-              <a:lnSpc>
-                <a:spcPct val="90000"/>
-              </a:lnSpc>
-              <a:spcAft>
-                <a:spcPts val="0"/>
-              </a:spcAft>
-            </a:pPr>
-            <a:r>
-              <a:rPr lang="en-GB" sz="2000" dirty="0">
-                <a:solidFill>
-                  <a:prstClr val="black"/>
-                </a:solidFill>
-              </a:rPr>
-              <a:t>Link up with OSR to look at how we might evaluate how our stats are used in Parliament </a:t>
-            </a:r>
-          </a:p>
-          <a:p>
-            <a:pPr>
-              <a:lnSpc>
-                <a:spcPct val="90000"/>
-              </a:lnSpc>
-              <a:spcAft>
-                <a:spcPts val="0"/>
-              </a:spcAft>
-            </a:pPr>
-            <a:r>
-              <a:rPr lang="en-GB" sz="2000" dirty="0">
-                <a:solidFill>
-                  <a:prstClr val="black"/>
-                </a:solidFill>
-              </a:rPr>
-              <a:t>Expand approach to include govt policy papers </a:t>
-            </a:r>
-          </a:p>
-          <a:p>
-            <a:pPr>
-              <a:spcAft>
-                <a:spcPts val="0"/>
-              </a:spcAft>
-            </a:pPr>
-            <a:r>
-              <a:rPr lang="en-GB" sz="2100" dirty="0">
-                <a:solidFill>
-                  <a:prstClr val="black"/>
-                </a:solidFill>
-              </a:rPr>
-              <a:t>X-gov possibilities </a:t>
-            </a:r>
-          </a:p>
-          <a:p>
-            <a:pPr lvl="1">
-              <a:spcAft>
-                <a:spcPts val="0"/>
-              </a:spcAft>
-            </a:pPr>
-            <a:r>
-              <a:rPr lang="en-GB" sz="1400" dirty="0">
-                <a:solidFill>
-                  <a:prstClr val="black"/>
-                </a:solidFill>
-              </a:rPr>
-              <a:t>Could be adapted to suit other government departments</a:t>
-            </a:r>
-          </a:p>
-        </p:txBody>
-      </p:sp>
-    </p:spTree>
-    <p:extLst>
-      <p:ext uri="{BB962C8B-B14F-4D97-AF65-F5344CB8AC3E}">
-        <p14:creationId xmlns:p14="http://schemas.microsoft.com/office/powerpoint/2010/main" val="2512118271"/>
-      </p:ext>
-    </p:extLst>
-  </p:cSld>
-  <p:clrMapOvr>
-    <a:masterClrMapping/>
-  </p:clrMapOvr>
-</p:sld>
-</file>
-
 <file path=ppt/slides/slide9.xml><?xml version="1.0" encoding="utf-8"?>
 <p:sld xmlns:a="http://schemas.openxmlformats.org/drawingml/2006/main" xmlns:r="http://schemas.openxmlformats.org/officeDocument/2006/relationships" xmlns:p="http://schemas.openxmlformats.org/presentationml/2006/main">
   <p:cSld>
@@ -11922,10 +8814,10 @@
       </p:grpSpPr>
       <p:sp>
         <p:nvSpPr>
-          <p:cNvPr id="2" name="Title 1">
-            <a:extLst>
-              <a:ext uri="{FF2B5EF4-FFF2-40B4-BE49-F238E27FC236}">
-                <a16:creationId xmlns:a16="http://schemas.microsoft.com/office/drawing/2014/main" id="{1E443C7F-AAA2-463F-8DA2-A639888777E3}"/>
+          <p:cNvPr id="5" name="Title">
+            <a:extLst>
+              <a:ext uri="{FF2B5EF4-FFF2-40B4-BE49-F238E27FC236}">
+                <a16:creationId xmlns:a16="http://schemas.microsoft.com/office/drawing/2014/main" id="{AC5AD953-635B-2B48-B87A-4F5101B6050D}"/>
               </a:ext>
             </a:extLst>
           </p:cNvPr>
@@ -11936,91 +8828,144 @@
             <p:ph type="title"/>
           </p:nvPr>
         </p:nvSpPr>
-        <p:spPr/>
-        <p:txBody>
-          <a:bodyPr/>
-          <a:lstStyle/>
-          <a:p>
-            <a:r>
-              <a:rPr lang="en-GB" dirty="0"/>
-              <a:t>Pascal to Python</a:t>
-            </a:r>
-          </a:p>
-        </p:txBody>
-      </p:sp>
-      <p:sp>
-        <p:nvSpPr>
-          <p:cNvPr id="3" name="Content Placeholder 2">
-            <a:extLst>
-              <a:ext uri="{FF2B5EF4-FFF2-40B4-BE49-F238E27FC236}">
-                <a16:creationId xmlns:a16="http://schemas.microsoft.com/office/drawing/2014/main" id="{E0D130EA-42B5-4EEB-AC32-1F734E745411}"/>
-              </a:ext>
-            </a:extLst>
-          </p:cNvPr>
-          <p:cNvSpPr>
-            <a:spLocks noGrp="1"/>
-          </p:cNvSpPr>
-          <p:nvPr>
-            <p:ph idx="1"/>
-          </p:nvPr>
-        </p:nvSpPr>
-        <p:spPr/>
-        <p:txBody>
-          <a:bodyPr/>
-          <a:lstStyle/>
-          <a:p>
-            <a:r>
-              <a:rPr lang="en-GB" dirty="0"/>
-              <a:t>2</a:t>
-            </a:r>
-            <a:r>
-              <a:rPr lang="en-GB" baseline="30000" dirty="0"/>
-              <a:t>nd</a:t>
-            </a:r>
-            <a:r>
-              <a:rPr lang="en-GB" dirty="0"/>
-              <a:t> page – background: Last time I did any programming was Pascal in school</a:t>
-            </a:r>
-          </a:p>
-          <a:p>
-            <a:endParaRPr lang="en-GB" dirty="0"/>
-          </a:p>
-        </p:txBody>
-      </p:sp>
-      <p:pic>
-        <p:nvPicPr>
-          <p:cNvPr id="4" name="Picture 3">
-            <a:extLst>
-              <a:ext uri="{FF2B5EF4-FFF2-40B4-BE49-F238E27FC236}">
-                <a16:creationId xmlns:a16="http://schemas.microsoft.com/office/drawing/2014/main" id="{8208C96C-C5AE-48CA-BAF1-B9AEA5E40024}"/>
-              </a:ext>
-            </a:extLst>
-          </p:cNvPr>
-          <p:cNvPicPr>
-            <a:picLocks noChangeAspect="1"/>
-          </p:cNvPicPr>
-          <p:nvPr/>
-        </p:nvPicPr>
-        <p:blipFill>
-          <a:blip r:embed="rId2"/>
-          <a:stretch>
-            <a:fillRect/>
-          </a:stretch>
-        </p:blipFill>
         <p:spPr>
           <a:xfrm>
-            <a:off x="6764694" y="2597958"/>
-            <a:ext cx="4430834" cy="3579005"/>
+            <a:off x="838200" y="284829"/>
+            <a:ext cx="10515600" cy="701731"/>
           </a:xfrm>
-          <a:prstGeom prst="rect">
-            <a:avLst/>
-          </a:prstGeom>
         </p:spPr>
-      </p:pic>
+        <p:txBody>
+          <a:bodyPr/>
+          <a:lstStyle/>
+          <a:p>
+            <a:r>
+              <a:rPr lang="en-GB" sz="4400" dirty="0"/>
+              <a:t>What next?</a:t>
+            </a:r>
+            <a:endParaRPr lang="en-US" sz="4400" dirty="0"/>
+          </a:p>
+        </p:txBody>
+      </p:sp>
+      <p:sp>
+        <p:nvSpPr>
+          <p:cNvPr id="6" name="Content Placeholder">
+            <a:extLst>
+              <a:ext uri="{FF2B5EF4-FFF2-40B4-BE49-F238E27FC236}">
+                <a16:creationId xmlns:a16="http://schemas.microsoft.com/office/drawing/2014/main" id="{4C842C63-75A3-F044-9F81-2C8C2B628C68}"/>
+              </a:ext>
+            </a:extLst>
+          </p:cNvPr>
+          <p:cNvSpPr>
+            <a:spLocks noGrp="1"/>
+          </p:cNvSpPr>
+          <p:nvPr>
+            <p:ph idx="1"/>
+          </p:nvPr>
+        </p:nvSpPr>
+        <p:spPr>
+          <a:xfrm>
+            <a:off x="838200" y="1540279"/>
+            <a:ext cx="10515600" cy="3016723"/>
+          </a:xfrm>
+        </p:spPr>
+        <p:txBody>
+          <a:bodyPr/>
+          <a:lstStyle/>
+          <a:p>
+            <a:r>
+              <a:rPr lang="en-GB" sz="2000" dirty="0"/>
+              <a:t>Productionise dashboard – weekly updates, live data</a:t>
+            </a:r>
+          </a:p>
+          <a:p>
+            <a:r>
+              <a:rPr lang="en-GB" sz="2000" dirty="0"/>
+              <a:t>Include all data from UK Parliament, then add in NI Executive, Scottish Parliament &amp; Welsh Senedd </a:t>
+            </a:r>
+          </a:p>
+          <a:p>
+            <a:r>
+              <a:rPr lang="en-GB" sz="2000" dirty="0"/>
+              <a:t>Automatic identification of topics with frequent/infrequent mentions</a:t>
+            </a:r>
+            <a:endParaRPr lang="en-GB" sz="2000" dirty="0">
+              <a:solidFill>
+                <a:prstClr val="black"/>
+              </a:solidFill>
+            </a:endParaRPr>
+          </a:p>
+          <a:p>
+            <a:pPr>
+              <a:lnSpc>
+                <a:spcPct val="90000"/>
+              </a:lnSpc>
+              <a:spcAft>
+                <a:spcPts val="0"/>
+              </a:spcAft>
+            </a:pPr>
+            <a:r>
+              <a:rPr lang="en-GB" sz="2000" dirty="0">
+                <a:solidFill>
+                  <a:prstClr val="black"/>
+                </a:solidFill>
+              </a:rPr>
+              <a:t>Link up with OSR to look at how we might evaluate how our stats are used in Parliament </a:t>
+            </a:r>
+          </a:p>
+          <a:p>
+            <a:pPr>
+              <a:lnSpc>
+                <a:spcPct val="90000"/>
+              </a:lnSpc>
+              <a:spcAft>
+                <a:spcPts val="0"/>
+              </a:spcAft>
+            </a:pPr>
+            <a:r>
+              <a:rPr lang="en-GB" sz="2000" dirty="0">
+                <a:solidFill>
+                  <a:prstClr val="black"/>
+                </a:solidFill>
+              </a:rPr>
+              <a:t>Expand approach to include govt policy papers </a:t>
+            </a:r>
+          </a:p>
+          <a:p>
+            <a:pPr>
+              <a:spcAft>
+                <a:spcPts val="0"/>
+              </a:spcAft>
+            </a:pPr>
+            <a:r>
+              <a:rPr lang="en-GB" sz="2100" dirty="0">
+                <a:solidFill>
+                  <a:prstClr val="black"/>
+                </a:solidFill>
+              </a:rPr>
+              <a:t>X-gov possibilities </a:t>
+            </a:r>
+          </a:p>
+          <a:p>
+            <a:pPr lvl="1">
+              <a:spcAft>
+                <a:spcPts val="0"/>
+              </a:spcAft>
+            </a:pPr>
+            <a:r>
+              <a:rPr lang="en-GB" sz="1400" dirty="0">
+                <a:solidFill>
+                  <a:prstClr val="black"/>
+                </a:solidFill>
+              </a:rPr>
+              <a:t>Could be adapted to suit other government departments</a:t>
+            </a:r>
+          </a:p>
+        </p:txBody>
+      </p:sp>
     </p:spTree>
     <p:extLst>
       <p:ext uri="{BB962C8B-B14F-4D97-AF65-F5344CB8AC3E}">
-        <p14:creationId xmlns:p14="http://schemas.microsoft.com/office/powerpoint/2010/main" val="810456149"/>
+        <p14:creationId xmlns:p14="http://schemas.microsoft.com/office/powerpoint/2010/main" val="2512118271"/>
       </p:ext>
     </p:extLst>
   </p:cSld>
@@ -12031,7 +8976,7 @@
 </file>
 
 <file path=ppt/theme/theme1.xml><?xml version="1.0" encoding="utf-8"?>
-<a:theme xmlns:a="http://schemas.openxmlformats.org/drawingml/2006/main" name="Office Theme">
+<a:theme xmlns:a="http://schemas.openxmlformats.org/drawingml/2006/main" name="1_Office Theme">
   <a:themeElements>
     <a:clrScheme name="Office">
       <a:dk1>
@@ -12326,301 +9271,6 @@
 </file>
 
 <file path=ppt/theme/theme2.xml><?xml version="1.0" encoding="utf-8"?>
-<a:theme xmlns:a="http://schemas.openxmlformats.org/drawingml/2006/main" name="1_Office Theme">
-  <a:themeElements>
-    <a:clrScheme name="Office">
-      <a:dk1>
-        <a:sysClr val="windowText" lastClr="000000"/>
-      </a:dk1>
-      <a:lt1>
-        <a:sysClr val="window" lastClr="FFFFFF"/>
-      </a:lt1>
-      <a:dk2>
-        <a:srgbClr val="44546A"/>
-      </a:dk2>
-      <a:lt2>
-        <a:srgbClr val="E7E6E6"/>
-      </a:lt2>
-      <a:accent1>
-        <a:srgbClr val="4472C4"/>
-      </a:accent1>
-      <a:accent2>
-        <a:srgbClr val="ED7D31"/>
-      </a:accent2>
-      <a:accent3>
-        <a:srgbClr val="A5A5A5"/>
-      </a:accent3>
-      <a:accent4>
-        <a:srgbClr val="FFC000"/>
-      </a:accent4>
-      <a:accent5>
-        <a:srgbClr val="5B9BD5"/>
-      </a:accent5>
-      <a:accent6>
-        <a:srgbClr val="70AD47"/>
-      </a:accent6>
-      <a:hlink>
-        <a:srgbClr val="0563C1"/>
-      </a:hlink>
-      <a:folHlink>
-        <a:srgbClr val="954F72"/>
-      </a:folHlink>
-    </a:clrScheme>
-    <a:fontScheme name="Office">
-      <a:majorFont>
-        <a:latin typeface="Calibri Light" panose="020F0302020204030204"/>
-        <a:ea typeface=""/>
-        <a:cs typeface=""/>
-        <a:font script="Jpan" typeface="游ゴシック Light"/>
-        <a:font script="Hang" typeface="맑은 고딕"/>
-        <a:font script="Hans" typeface="等线 Light"/>
-        <a:font script="Hant" typeface="新細明體"/>
-        <a:font script="Arab" typeface="Times New Roman"/>
-        <a:font script="Hebr" typeface="Times New Roman"/>
-        <a:font script="Thai" typeface="Angsana New"/>
-        <a:font script="Ethi" typeface="Nyala"/>
-        <a:font script="Beng" typeface="Vrinda"/>
-        <a:font script="Gujr" typeface="Shruti"/>
-        <a:font script="Khmr" typeface="MoolBoran"/>
-        <a:font script="Knda" typeface="Tunga"/>
-        <a:font script="Guru" typeface="Raavi"/>
-        <a:font script="Cans" typeface="Euphemia"/>
-        <a:font script="Cher" typeface="Plantagenet Cherokee"/>
-        <a:font script="Yiii" typeface="Microsoft Yi Baiti"/>
-        <a:font script="Tibt" typeface="Microsoft Himalaya"/>
-        <a:font script="Thaa" typeface="MV Boli"/>
-        <a:font script="Deva" typeface="Mangal"/>
-        <a:font script="Telu" typeface="Gautami"/>
-        <a:font script="Taml" typeface="Latha"/>
-        <a:font script="Syrc" typeface="Estrangelo Edessa"/>
-        <a:font script="Orya" typeface="Kalinga"/>
-        <a:font script="Mlym" typeface="Kartika"/>
-        <a:font script="Laoo" typeface="DokChampa"/>
-        <a:font script="Sinh" typeface="Iskoola Pota"/>
-        <a:font script="Mong" typeface="Mongolian Baiti"/>
-        <a:font script="Viet" typeface="Times New Roman"/>
-        <a:font script="Uigh" typeface="Microsoft Uighur"/>
-        <a:font script="Geor" typeface="Sylfaen"/>
-        <a:font script="Armn" typeface="Arial"/>
-        <a:font script="Bugi" typeface="Leelawadee UI"/>
-        <a:font script="Bopo" typeface="Microsoft JhengHei"/>
-        <a:font script="Java" typeface="Javanese Text"/>
-        <a:font script="Lisu" typeface="Segoe UI"/>
-        <a:font script="Mymr" typeface="Myanmar Text"/>
-        <a:font script="Nkoo" typeface="Ebrima"/>
-        <a:font script="Olck" typeface="Nirmala UI"/>
-        <a:font script="Osma" typeface="Ebrima"/>
-        <a:font script="Phag" typeface="Phagspa"/>
-        <a:font script="Syrn" typeface="Estrangelo Edessa"/>
-        <a:font script="Syrj" typeface="Estrangelo Edessa"/>
-        <a:font script="Syre" typeface="Estrangelo Edessa"/>
-        <a:font script="Sora" typeface="Nirmala UI"/>
-        <a:font script="Tale" typeface="Microsoft Tai Le"/>
-        <a:font script="Talu" typeface="Microsoft New Tai Lue"/>
-        <a:font script="Tfng" typeface="Ebrima"/>
-      </a:majorFont>
-      <a:minorFont>
-        <a:latin typeface="Calibri" panose="020F0502020204030204"/>
-        <a:ea typeface=""/>
-        <a:cs typeface=""/>
-        <a:font script="Jpan" typeface="游ゴシック"/>
-        <a:font script="Hang" typeface="맑은 고딕"/>
-        <a:font script="Hans" typeface="等线"/>
-        <a:font script="Hant" typeface="新細明體"/>
-        <a:font script="Arab" typeface="Arial"/>
-        <a:font script="Hebr" typeface="Arial"/>
-        <a:font script="Thai" typeface="Cordia New"/>
-        <a:font script="Ethi" typeface="Nyala"/>
-        <a:font script="Beng" typeface="Vrinda"/>
-        <a:font script="Gujr" typeface="Shruti"/>
-        <a:font script="Khmr" typeface="DaunPenh"/>
-        <a:font script="Knda" typeface="Tunga"/>
-        <a:font script="Guru" typeface="Raavi"/>
-        <a:font script="Cans" typeface="Euphemia"/>
-        <a:font script="Cher" typeface="Plantagenet Cherokee"/>
-        <a:font script="Yiii" typeface="Microsoft Yi Baiti"/>
-        <a:font script="Tibt" typeface="Microsoft Himalaya"/>
-        <a:font script="Thaa" typeface="MV Boli"/>
-        <a:font script="Deva" typeface="Mangal"/>
-        <a:font script="Telu" typeface="Gautami"/>
-        <a:font script="Taml" typeface="Latha"/>
-        <a:font script="Syrc" typeface="Estrangelo Edessa"/>
-        <a:font script="Orya" typeface="Kalinga"/>
-        <a:font script="Mlym" typeface="Kartika"/>
-        <a:font script="Laoo" typeface="DokChampa"/>
-        <a:font script="Sinh" typeface="Iskoola Pota"/>
-        <a:font script="Mong" typeface="Mongolian Baiti"/>
-        <a:font script="Viet" typeface="Arial"/>
-        <a:font script="Uigh" typeface="Microsoft Uighur"/>
-        <a:font script="Geor" typeface="Sylfaen"/>
-        <a:font script="Armn" typeface="Arial"/>
-        <a:font script="Bugi" typeface="Leelawadee UI"/>
-        <a:font script="Bopo" typeface="Microsoft JhengHei"/>
-        <a:font script="Java" typeface="Javanese Text"/>
-        <a:font script="Lisu" typeface="Segoe UI"/>
-        <a:font script="Mymr" typeface="Myanmar Text"/>
-        <a:font script="Nkoo" typeface="Ebrima"/>
-        <a:font script="Olck" typeface="Nirmala UI"/>
-        <a:font script="Osma" typeface="Ebrima"/>
-        <a:font script="Phag" typeface="Phagspa"/>
-        <a:font script="Syrn" typeface="Estrangelo Edessa"/>
-        <a:font script="Syrj" typeface="Estrangelo Edessa"/>
-        <a:font script="Syre" typeface="Estrangelo Edessa"/>
-        <a:font script="Sora" typeface="Nirmala UI"/>
-        <a:font script="Tale" typeface="Microsoft Tai Le"/>
-        <a:font script="Talu" typeface="Microsoft New Tai Lue"/>
-        <a:font script="Tfng" typeface="Ebrima"/>
-      </a:minorFont>
-    </a:fontScheme>
-    <a:fmtScheme name="Office">
-      <a:fillStyleLst>
-        <a:solidFill>
-          <a:schemeClr val="phClr"/>
-        </a:solidFill>
-        <a:gradFill rotWithShape="1">
-          <a:gsLst>
-            <a:gs pos="0">
-              <a:schemeClr val="phClr">
-                <a:lumMod val="110000"/>
-                <a:satMod val="105000"/>
-                <a:tint val="67000"/>
-              </a:schemeClr>
-            </a:gs>
-            <a:gs pos="50000">
-              <a:schemeClr val="phClr">
-                <a:lumMod val="105000"/>
-                <a:satMod val="103000"/>
-                <a:tint val="73000"/>
-              </a:schemeClr>
-            </a:gs>
-            <a:gs pos="100000">
-              <a:schemeClr val="phClr">
-                <a:lumMod val="105000"/>
-                <a:satMod val="109000"/>
-                <a:tint val="81000"/>
-              </a:schemeClr>
-            </a:gs>
-          </a:gsLst>
-          <a:lin ang="5400000" scaled="0"/>
-        </a:gradFill>
-        <a:gradFill rotWithShape="1">
-          <a:gsLst>
-            <a:gs pos="0">
-              <a:schemeClr val="phClr">
-                <a:satMod val="103000"/>
-                <a:lumMod val="102000"/>
-                <a:tint val="94000"/>
-              </a:schemeClr>
-            </a:gs>
-            <a:gs pos="50000">
-              <a:schemeClr val="phClr">
-                <a:satMod val="110000"/>
-                <a:lumMod val="100000"/>
-                <a:shade val="100000"/>
-              </a:schemeClr>
-            </a:gs>
-            <a:gs pos="100000">
-              <a:schemeClr val="phClr">
-                <a:lumMod val="99000"/>
-                <a:satMod val="120000"/>
-                <a:shade val="78000"/>
-              </a:schemeClr>
-            </a:gs>
-          </a:gsLst>
-          <a:lin ang="5400000" scaled="0"/>
-        </a:gradFill>
-      </a:fillStyleLst>
-      <a:lnStyleLst>
-        <a:ln w="6350" cap="flat" cmpd="sng" algn="ctr">
-          <a:solidFill>
-            <a:schemeClr val="phClr"/>
-          </a:solidFill>
-          <a:prstDash val="solid"/>
-          <a:miter lim="800000"/>
-        </a:ln>
-        <a:ln w="12700" cap="flat" cmpd="sng" algn="ctr">
-          <a:solidFill>
-            <a:schemeClr val="phClr"/>
-          </a:solidFill>
-          <a:prstDash val="solid"/>
-          <a:miter lim="800000"/>
-        </a:ln>
-        <a:ln w="19050" cap="flat" cmpd="sng" algn="ctr">
-          <a:solidFill>
-            <a:schemeClr val="phClr"/>
-          </a:solidFill>
-          <a:prstDash val="solid"/>
-          <a:miter lim="800000"/>
-        </a:ln>
-      </a:lnStyleLst>
-      <a:effectStyleLst>
-        <a:effectStyle>
-          <a:effectLst/>
-        </a:effectStyle>
-        <a:effectStyle>
-          <a:effectLst/>
-        </a:effectStyle>
-        <a:effectStyle>
-          <a:effectLst>
-            <a:outerShdw blurRad="57150" dist="19050" dir="5400000" algn="ctr" rotWithShape="0">
-              <a:srgbClr val="000000">
-                <a:alpha val="63000"/>
-              </a:srgbClr>
-            </a:outerShdw>
-          </a:effectLst>
-        </a:effectStyle>
-      </a:effectStyleLst>
-      <a:bgFillStyleLst>
-        <a:solidFill>
-          <a:schemeClr val="phClr"/>
-        </a:solidFill>
-        <a:solidFill>
-          <a:schemeClr val="phClr">
-            <a:tint val="95000"/>
-            <a:satMod val="170000"/>
-          </a:schemeClr>
-        </a:solidFill>
-        <a:gradFill rotWithShape="1">
-          <a:gsLst>
-            <a:gs pos="0">
-              <a:schemeClr val="phClr">
-                <a:tint val="93000"/>
-                <a:satMod val="150000"/>
-                <a:shade val="98000"/>
-                <a:lumMod val="102000"/>
-              </a:schemeClr>
-            </a:gs>
-            <a:gs pos="50000">
-              <a:schemeClr val="phClr">
-                <a:tint val="98000"/>
-                <a:satMod val="130000"/>
-                <a:shade val="90000"/>
-                <a:lumMod val="103000"/>
-              </a:schemeClr>
-            </a:gs>
-            <a:gs pos="100000">
-              <a:schemeClr val="phClr">
-                <a:shade val="63000"/>
-                <a:satMod val="120000"/>
-              </a:schemeClr>
-            </a:gs>
-          </a:gsLst>
-          <a:lin ang="5400000" scaled="0"/>
-        </a:gradFill>
-      </a:bgFillStyleLst>
-    </a:fmtScheme>
-  </a:themeElements>
-  <a:objectDefaults/>
-  <a:extraClrSchemeLst/>
-  <a:extLst>
-    <a:ext uri="{05A4C25C-085E-4340-85A3-A5531E510DB2}">
-      <thm15:themeFamily xmlns:thm15="http://schemas.microsoft.com/office/thememl/2012/main" name="Office Theme" id="{62F939B6-93AF-4DB8-9C6B-D6C7DFDC589F}" vid="{4A3C46E8-61CC-4603-A589-7422A47A8E4A}"/>
-    </a:ext>
-  </a:extLst>
-</a:theme>
-</file>
-
-<file path=ppt/theme/theme3.xml><?xml version="1.0" encoding="utf-8"?>
 <a:theme xmlns:a="http://schemas.openxmlformats.org/drawingml/2006/main" name="Office Theme">
   <a:themeElements>
     <a:clrScheme name="Office">
